--- a/content/lectures/lecture2/presentation/lecture2.pptx
+++ b/content/lectures/lecture2/presentation/lecture2.pptx
@@ -155,9 +155,7 @@
 
 <file path=ppt/commentAuthors.xml><?xml version="1.0" encoding="utf-8"?>
 <p:cmAuthorLst xmlns:a="http://schemas.openxmlformats.org/drawingml/2006/main" xmlns:r="http://schemas.openxmlformats.org/officeDocument/2006/relationships" xmlns:p="http://schemas.openxmlformats.org/presentationml/2006/main">
-  <p:cmAuthor id="1" name="andrea porelli" initials="ap" lastIdx="2" clrIdx="0">
-    <p:extLst/>
-  </p:cmAuthor>
+  <p:cmAuthor id="1" name="andrea porelli" initials="ap" lastIdx="2" clrIdx="0"/>
 </p:cmAuthorLst>
 </file>
 
@@ -243,7 +241,7 @@
           <a:p>
             <a:fld id="{24A171B0-F5FF-A145-A5EA-3A0526418D11}" type="datetimeFigureOut">
               <a:rPr lang="en-US" smtClean="0"/>
-              <a:t>2/4/20</a:t>
+              <a:t>9/8/20</a:t>
             </a:fld>
             <a:endParaRPr lang="en-US"/>
           </a:p>
@@ -1792,7 +1790,7 @@
           <p:cNvPr id="2" name="Title 1">
             <a:extLst>
               <a:ext uri="{FF2B5EF4-FFF2-40B4-BE49-F238E27FC236}">
-                <a16:creationId xmlns:a16="http://schemas.microsoft.com/office/drawing/2014/main" xmlns="" id="{62EAA4B1-176E-48FF-B628-6B591A0F28EF}"/>
+                <a16:creationId xmlns:a16="http://schemas.microsoft.com/office/drawing/2014/main" id="{62EAA4B1-176E-48FF-B628-6B591A0F28EF}"/>
               </a:ext>
             </a:extLst>
           </p:cNvPr>
@@ -1829,7 +1827,7 @@
           <p:cNvPr id="3" name="Subtitle 2">
             <a:extLst>
               <a:ext uri="{FF2B5EF4-FFF2-40B4-BE49-F238E27FC236}">
-                <a16:creationId xmlns:a16="http://schemas.microsoft.com/office/drawing/2014/main" xmlns="" id="{E291D827-73CB-467B-B19C-B9ACC9F71917}"/>
+                <a16:creationId xmlns:a16="http://schemas.microsoft.com/office/drawing/2014/main" id="{E291D827-73CB-467B-B19C-B9ACC9F71917}"/>
               </a:ext>
             </a:extLst>
           </p:cNvPr>
@@ -1899,7 +1897,7 @@
           <p:cNvPr id="4" name="Date Placeholder 3">
             <a:extLst>
               <a:ext uri="{FF2B5EF4-FFF2-40B4-BE49-F238E27FC236}">
-                <a16:creationId xmlns:a16="http://schemas.microsoft.com/office/drawing/2014/main" xmlns="" id="{239EE301-9C3D-4633-999F-EA38382898A5}"/>
+                <a16:creationId xmlns:a16="http://schemas.microsoft.com/office/drawing/2014/main" id="{239EE301-9C3D-4633-999F-EA38382898A5}"/>
               </a:ext>
             </a:extLst>
           </p:cNvPr>
@@ -1917,7 +1915,7 @@
           <a:p>
             <a:fld id="{F1DB05E7-376B-42E9-BFB9-A2253E2039EB}" type="datetimeFigureOut">
               <a:rPr lang="en-US" smtClean="0"/>
-              <a:t>2/4/20</a:t>
+              <a:t>9/8/20</a:t>
             </a:fld>
             <a:endParaRPr lang="en-US"/>
           </a:p>
@@ -1928,7 +1926,7 @@
           <p:cNvPr id="5" name="Footer Placeholder 4">
             <a:extLst>
               <a:ext uri="{FF2B5EF4-FFF2-40B4-BE49-F238E27FC236}">
-                <a16:creationId xmlns:a16="http://schemas.microsoft.com/office/drawing/2014/main" xmlns="" id="{BF9EED86-1C8C-4811-BDED-2A534000B5EB}"/>
+                <a16:creationId xmlns:a16="http://schemas.microsoft.com/office/drawing/2014/main" id="{BF9EED86-1C8C-4811-BDED-2A534000B5EB}"/>
               </a:ext>
             </a:extLst>
           </p:cNvPr>
@@ -1953,7 +1951,7 @@
           <p:cNvPr id="6" name="Slide Number Placeholder 5">
             <a:extLst>
               <a:ext uri="{FF2B5EF4-FFF2-40B4-BE49-F238E27FC236}">
-                <a16:creationId xmlns:a16="http://schemas.microsoft.com/office/drawing/2014/main" xmlns="" id="{C2C863B0-A980-4C69-9412-A65F41219032}"/>
+                <a16:creationId xmlns:a16="http://schemas.microsoft.com/office/drawing/2014/main" id="{C2C863B0-A980-4C69-9412-A65F41219032}"/>
               </a:ext>
             </a:extLst>
           </p:cNvPr>
@@ -2012,7 +2010,7 @@
           <p:cNvPr id="2" name="Title 1">
             <a:extLst>
               <a:ext uri="{FF2B5EF4-FFF2-40B4-BE49-F238E27FC236}">
-                <a16:creationId xmlns:a16="http://schemas.microsoft.com/office/drawing/2014/main" xmlns="" id="{7E7F658B-B5FC-4BF2-BC9A-7B639FA823E5}"/>
+                <a16:creationId xmlns:a16="http://schemas.microsoft.com/office/drawing/2014/main" id="{7E7F658B-B5FC-4BF2-BC9A-7B639FA823E5}"/>
               </a:ext>
             </a:extLst>
           </p:cNvPr>
@@ -2040,7 +2038,7 @@
           <p:cNvPr id="3" name="Vertical Text Placeholder 2">
             <a:extLst>
               <a:ext uri="{FF2B5EF4-FFF2-40B4-BE49-F238E27FC236}">
-                <a16:creationId xmlns:a16="http://schemas.microsoft.com/office/drawing/2014/main" xmlns="" id="{7796A781-9941-4453-95FF-A4EBF952E09D}"/>
+                <a16:creationId xmlns:a16="http://schemas.microsoft.com/office/drawing/2014/main" id="{7796A781-9941-4453-95FF-A4EBF952E09D}"/>
               </a:ext>
             </a:extLst>
           </p:cNvPr>
@@ -2097,7 +2095,7 @@
           <p:cNvPr id="4" name="Date Placeholder 3">
             <a:extLst>
               <a:ext uri="{FF2B5EF4-FFF2-40B4-BE49-F238E27FC236}">
-                <a16:creationId xmlns:a16="http://schemas.microsoft.com/office/drawing/2014/main" xmlns="" id="{51C75A8B-9EFA-4D9F-848C-CA2C4E26877C}"/>
+                <a16:creationId xmlns:a16="http://schemas.microsoft.com/office/drawing/2014/main" id="{51C75A8B-9EFA-4D9F-848C-CA2C4E26877C}"/>
               </a:ext>
             </a:extLst>
           </p:cNvPr>
@@ -2115,7 +2113,7 @@
           <a:p>
             <a:fld id="{F1DB05E7-376B-42E9-BFB9-A2253E2039EB}" type="datetimeFigureOut">
               <a:rPr lang="en-US" smtClean="0"/>
-              <a:t>2/4/20</a:t>
+              <a:t>9/8/20</a:t>
             </a:fld>
             <a:endParaRPr lang="en-US"/>
           </a:p>
@@ -2126,7 +2124,7 @@
           <p:cNvPr id="5" name="Footer Placeholder 4">
             <a:extLst>
               <a:ext uri="{FF2B5EF4-FFF2-40B4-BE49-F238E27FC236}">
-                <a16:creationId xmlns:a16="http://schemas.microsoft.com/office/drawing/2014/main" xmlns="" id="{D2522827-3030-423A-80CA-2F14C435CD59}"/>
+                <a16:creationId xmlns:a16="http://schemas.microsoft.com/office/drawing/2014/main" id="{D2522827-3030-423A-80CA-2F14C435CD59}"/>
               </a:ext>
             </a:extLst>
           </p:cNvPr>
@@ -2151,7 +2149,7 @@
           <p:cNvPr id="6" name="Slide Number Placeholder 5">
             <a:extLst>
               <a:ext uri="{FF2B5EF4-FFF2-40B4-BE49-F238E27FC236}">
-                <a16:creationId xmlns:a16="http://schemas.microsoft.com/office/drawing/2014/main" xmlns="" id="{B2E0C98C-009C-4AAD-A3DA-8034CCB8238A}"/>
+                <a16:creationId xmlns:a16="http://schemas.microsoft.com/office/drawing/2014/main" id="{B2E0C98C-009C-4AAD-A3DA-8034CCB8238A}"/>
               </a:ext>
             </a:extLst>
           </p:cNvPr>
@@ -2210,7 +2208,7 @@
           <p:cNvPr id="2" name="Vertical Title 1">
             <a:extLst>
               <a:ext uri="{FF2B5EF4-FFF2-40B4-BE49-F238E27FC236}">
-                <a16:creationId xmlns:a16="http://schemas.microsoft.com/office/drawing/2014/main" xmlns="" id="{885A0F50-FA69-437C-8BE2-888C9484C3A1}"/>
+                <a16:creationId xmlns:a16="http://schemas.microsoft.com/office/drawing/2014/main" id="{885A0F50-FA69-437C-8BE2-888C9484C3A1}"/>
               </a:ext>
             </a:extLst>
           </p:cNvPr>
@@ -2243,7 +2241,7 @@
           <p:cNvPr id="3" name="Vertical Text Placeholder 2">
             <a:extLst>
               <a:ext uri="{FF2B5EF4-FFF2-40B4-BE49-F238E27FC236}">
-                <a16:creationId xmlns:a16="http://schemas.microsoft.com/office/drawing/2014/main" xmlns="" id="{41C5C50B-22F0-4727-AD93-4F93DFB7F464}"/>
+                <a16:creationId xmlns:a16="http://schemas.microsoft.com/office/drawing/2014/main" id="{41C5C50B-22F0-4727-AD93-4F93DFB7F464}"/>
               </a:ext>
             </a:extLst>
           </p:cNvPr>
@@ -2305,7 +2303,7 @@
           <p:cNvPr id="4" name="Date Placeholder 3">
             <a:extLst>
               <a:ext uri="{FF2B5EF4-FFF2-40B4-BE49-F238E27FC236}">
-                <a16:creationId xmlns:a16="http://schemas.microsoft.com/office/drawing/2014/main" xmlns="" id="{19A3FBA5-7A61-4004-A386-D4942DE347DE}"/>
+                <a16:creationId xmlns:a16="http://schemas.microsoft.com/office/drawing/2014/main" id="{19A3FBA5-7A61-4004-A386-D4942DE347DE}"/>
               </a:ext>
             </a:extLst>
           </p:cNvPr>
@@ -2323,7 +2321,7 @@
           <a:p>
             <a:fld id="{F1DB05E7-376B-42E9-BFB9-A2253E2039EB}" type="datetimeFigureOut">
               <a:rPr lang="en-US" smtClean="0"/>
-              <a:t>2/4/20</a:t>
+              <a:t>9/8/20</a:t>
             </a:fld>
             <a:endParaRPr lang="en-US"/>
           </a:p>
@@ -2334,7 +2332,7 @@
           <p:cNvPr id="5" name="Footer Placeholder 4">
             <a:extLst>
               <a:ext uri="{FF2B5EF4-FFF2-40B4-BE49-F238E27FC236}">
-                <a16:creationId xmlns:a16="http://schemas.microsoft.com/office/drawing/2014/main" xmlns="" id="{7D35B490-D0F7-4698-98E5-19A3C93748EF}"/>
+                <a16:creationId xmlns:a16="http://schemas.microsoft.com/office/drawing/2014/main" id="{7D35B490-D0F7-4698-98E5-19A3C93748EF}"/>
               </a:ext>
             </a:extLst>
           </p:cNvPr>
@@ -2359,7 +2357,7 @@
           <p:cNvPr id="6" name="Slide Number Placeholder 5">
             <a:extLst>
               <a:ext uri="{FF2B5EF4-FFF2-40B4-BE49-F238E27FC236}">
-                <a16:creationId xmlns:a16="http://schemas.microsoft.com/office/drawing/2014/main" xmlns="" id="{1844B467-A8D1-46B1-8FD7-1E7E45990FEF}"/>
+                <a16:creationId xmlns:a16="http://schemas.microsoft.com/office/drawing/2014/main" id="{1844B467-A8D1-46B1-8FD7-1E7E45990FEF}"/>
               </a:ext>
             </a:extLst>
           </p:cNvPr>
@@ -2418,7 +2416,7 @@
           <p:cNvPr id="2" name="Title 1">
             <a:extLst>
               <a:ext uri="{FF2B5EF4-FFF2-40B4-BE49-F238E27FC236}">
-                <a16:creationId xmlns:a16="http://schemas.microsoft.com/office/drawing/2014/main" xmlns="" id="{BC5C0F96-B884-4783-8546-5B63C1923F37}"/>
+                <a16:creationId xmlns:a16="http://schemas.microsoft.com/office/drawing/2014/main" id="{BC5C0F96-B884-4783-8546-5B63C1923F37}"/>
               </a:ext>
             </a:extLst>
           </p:cNvPr>
@@ -2455,7 +2453,7 @@
           <p:cNvPr id="3" name="Subtitle 2">
             <a:extLst>
               <a:ext uri="{FF2B5EF4-FFF2-40B4-BE49-F238E27FC236}">
-                <a16:creationId xmlns:a16="http://schemas.microsoft.com/office/drawing/2014/main" xmlns="" id="{E0ABE59A-B973-4914-A87A-160681FAC9C5}"/>
+                <a16:creationId xmlns:a16="http://schemas.microsoft.com/office/drawing/2014/main" id="{E0ABE59A-B973-4914-A87A-160681FAC9C5}"/>
               </a:ext>
             </a:extLst>
           </p:cNvPr>
@@ -2525,7 +2523,7 @@
           <p:cNvPr id="4" name="Date Placeholder 3">
             <a:extLst>
               <a:ext uri="{FF2B5EF4-FFF2-40B4-BE49-F238E27FC236}">
-                <a16:creationId xmlns:a16="http://schemas.microsoft.com/office/drawing/2014/main" xmlns="" id="{1BC56467-0E80-4186-B483-A2D6C28B9987}"/>
+                <a16:creationId xmlns:a16="http://schemas.microsoft.com/office/drawing/2014/main" id="{1BC56467-0E80-4186-B483-A2D6C28B9987}"/>
               </a:ext>
             </a:extLst>
           </p:cNvPr>
@@ -2543,7 +2541,7 @@
           <a:p>
             <a:fld id="{24935935-76DD-4851-A117-087A288262AA}" type="datetimeFigureOut">
               <a:rPr lang="en-US" smtClean="0"/>
-              <a:t>2/4/20</a:t>
+              <a:t>9/8/20</a:t>
             </a:fld>
             <a:endParaRPr lang="en-US"/>
           </a:p>
@@ -2554,7 +2552,7 @@
           <p:cNvPr id="5" name="Footer Placeholder 4">
             <a:extLst>
               <a:ext uri="{FF2B5EF4-FFF2-40B4-BE49-F238E27FC236}">
-                <a16:creationId xmlns:a16="http://schemas.microsoft.com/office/drawing/2014/main" xmlns="" id="{157B770E-6257-4619-9715-6632B46F0182}"/>
+                <a16:creationId xmlns:a16="http://schemas.microsoft.com/office/drawing/2014/main" id="{157B770E-6257-4619-9715-6632B46F0182}"/>
               </a:ext>
             </a:extLst>
           </p:cNvPr>
@@ -2579,7 +2577,7 @@
           <p:cNvPr id="6" name="Slide Number Placeholder 5">
             <a:extLst>
               <a:ext uri="{FF2B5EF4-FFF2-40B4-BE49-F238E27FC236}">
-                <a16:creationId xmlns:a16="http://schemas.microsoft.com/office/drawing/2014/main" xmlns="" id="{50CBF21C-B65B-4C6C-8492-0E5ADB6B3FCA}"/>
+                <a16:creationId xmlns:a16="http://schemas.microsoft.com/office/drawing/2014/main" id="{50CBF21C-B65B-4C6C-8492-0E5ADB6B3FCA}"/>
               </a:ext>
             </a:extLst>
           </p:cNvPr>
@@ -2638,7 +2636,7 @@
           <p:cNvPr id="2" name="Title 1">
             <a:extLst>
               <a:ext uri="{FF2B5EF4-FFF2-40B4-BE49-F238E27FC236}">
-                <a16:creationId xmlns:a16="http://schemas.microsoft.com/office/drawing/2014/main" xmlns="" id="{A0C29822-BE94-474F-B0E5-995B335C3E1A}"/>
+                <a16:creationId xmlns:a16="http://schemas.microsoft.com/office/drawing/2014/main" id="{A0C29822-BE94-474F-B0E5-995B335C3E1A}"/>
               </a:ext>
             </a:extLst>
           </p:cNvPr>
@@ -2666,7 +2664,7 @@
           <p:cNvPr id="3" name="Content Placeholder 2">
             <a:extLst>
               <a:ext uri="{FF2B5EF4-FFF2-40B4-BE49-F238E27FC236}">
-                <a16:creationId xmlns:a16="http://schemas.microsoft.com/office/drawing/2014/main" xmlns="" id="{6796DE3C-6D02-485D-AF4A-E6A65A2D5E04}"/>
+                <a16:creationId xmlns:a16="http://schemas.microsoft.com/office/drawing/2014/main" id="{6796DE3C-6D02-485D-AF4A-E6A65A2D5E04}"/>
               </a:ext>
             </a:extLst>
           </p:cNvPr>
@@ -2723,7 +2721,7 @@
           <p:cNvPr id="4" name="Date Placeholder 3">
             <a:extLst>
               <a:ext uri="{FF2B5EF4-FFF2-40B4-BE49-F238E27FC236}">
-                <a16:creationId xmlns:a16="http://schemas.microsoft.com/office/drawing/2014/main" xmlns="" id="{46006F97-9BE6-4032-BC81-3B063889003C}"/>
+                <a16:creationId xmlns:a16="http://schemas.microsoft.com/office/drawing/2014/main" id="{46006F97-9BE6-4032-BC81-3B063889003C}"/>
               </a:ext>
             </a:extLst>
           </p:cNvPr>
@@ -2741,7 +2739,7 @@
           <a:p>
             <a:fld id="{24935935-76DD-4851-A117-087A288262AA}" type="datetimeFigureOut">
               <a:rPr lang="en-US" smtClean="0"/>
-              <a:t>2/4/20</a:t>
+              <a:t>9/8/20</a:t>
             </a:fld>
             <a:endParaRPr lang="en-US"/>
           </a:p>
@@ -2752,7 +2750,7 @@
           <p:cNvPr id="5" name="Footer Placeholder 4">
             <a:extLst>
               <a:ext uri="{FF2B5EF4-FFF2-40B4-BE49-F238E27FC236}">
-                <a16:creationId xmlns:a16="http://schemas.microsoft.com/office/drawing/2014/main" xmlns="" id="{DF404F1D-63FD-4AB3-988B-87D055103959}"/>
+                <a16:creationId xmlns:a16="http://schemas.microsoft.com/office/drawing/2014/main" id="{DF404F1D-63FD-4AB3-988B-87D055103959}"/>
               </a:ext>
             </a:extLst>
           </p:cNvPr>
@@ -2777,7 +2775,7 @@
           <p:cNvPr id="6" name="Slide Number Placeholder 5">
             <a:extLst>
               <a:ext uri="{FF2B5EF4-FFF2-40B4-BE49-F238E27FC236}">
-                <a16:creationId xmlns:a16="http://schemas.microsoft.com/office/drawing/2014/main" xmlns="" id="{3DF74033-16EF-464C-B147-12F5EFEDB211}"/>
+                <a16:creationId xmlns:a16="http://schemas.microsoft.com/office/drawing/2014/main" id="{3DF74033-16EF-464C-B147-12F5EFEDB211}"/>
               </a:ext>
             </a:extLst>
           </p:cNvPr>
@@ -2836,7 +2834,7 @@
           <p:cNvPr id="2" name="Title 1">
             <a:extLst>
               <a:ext uri="{FF2B5EF4-FFF2-40B4-BE49-F238E27FC236}">
-                <a16:creationId xmlns:a16="http://schemas.microsoft.com/office/drawing/2014/main" xmlns="" id="{42B3B084-0E32-42FD-A7A0-6104CFA23BEC}"/>
+                <a16:creationId xmlns:a16="http://schemas.microsoft.com/office/drawing/2014/main" id="{42B3B084-0E32-42FD-A7A0-6104CFA23BEC}"/>
               </a:ext>
             </a:extLst>
           </p:cNvPr>
@@ -2873,7 +2871,7 @@
           <p:cNvPr id="3" name="Text Placeholder 2">
             <a:extLst>
               <a:ext uri="{FF2B5EF4-FFF2-40B4-BE49-F238E27FC236}">
-                <a16:creationId xmlns:a16="http://schemas.microsoft.com/office/drawing/2014/main" xmlns="" id="{6043D040-A17D-469A-996A-7C552B7C34E9}"/>
+                <a16:creationId xmlns:a16="http://schemas.microsoft.com/office/drawing/2014/main" id="{6043D040-A17D-469A-996A-7C552B7C34E9}"/>
               </a:ext>
             </a:extLst>
           </p:cNvPr>
@@ -2998,7 +2996,7 @@
           <p:cNvPr id="4" name="Date Placeholder 3">
             <a:extLst>
               <a:ext uri="{FF2B5EF4-FFF2-40B4-BE49-F238E27FC236}">
-                <a16:creationId xmlns:a16="http://schemas.microsoft.com/office/drawing/2014/main" xmlns="" id="{B779A30B-7613-4730-A675-A2115A735AFD}"/>
+                <a16:creationId xmlns:a16="http://schemas.microsoft.com/office/drawing/2014/main" id="{B779A30B-7613-4730-A675-A2115A735AFD}"/>
               </a:ext>
             </a:extLst>
           </p:cNvPr>
@@ -3016,7 +3014,7 @@
           <a:p>
             <a:fld id="{24935935-76DD-4851-A117-087A288262AA}" type="datetimeFigureOut">
               <a:rPr lang="en-US" smtClean="0"/>
-              <a:t>2/4/20</a:t>
+              <a:t>9/8/20</a:t>
             </a:fld>
             <a:endParaRPr lang="en-US"/>
           </a:p>
@@ -3027,7 +3025,7 @@
           <p:cNvPr id="5" name="Footer Placeholder 4">
             <a:extLst>
               <a:ext uri="{FF2B5EF4-FFF2-40B4-BE49-F238E27FC236}">
-                <a16:creationId xmlns:a16="http://schemas.microsoft.com/office/drawing/2014/main" xmlns="" id="{74C5DDBD-CB47-416E-8175-3FBF6AB23869}"/>
+                <a16:creationId xmlns:a16="http://schemas.microsoft.com/office/drawing/2014/main" id="{74C5DDBD-CB47-416E-8175-3FBF6AB23869}"/>
               </a:ext>
             </a:extLst>
           </p:cNvPr>
@@ -3052,7 +3050,7 @@
           <p:cNvPr id="6" name="Slide Number Placeholder 5">
             <a:extLst>
               <a:ext uri="{FF2B5EF4-FFF2-40B4-BE49-F238E27FC236}">
-                <a16:creationId xmlns:a16="http://schemas.microsoft.com/office/drawing/2014/main" xmlns="" id="{A67E6DB7-CAE2-4FCD-B3E8-6231B1C850E7}"/>
+                <a16:creationId xmlns:a16="http://schemas.microsoft.com/office/drawing/2014/main" id="{A67E6DB7-CAE2-4FCD-B3E8-6231B1C850E7}"/>
               </a:ext>
             </a:extLst>
           </p:cNvPr>
@@ -3111,7 +3109,7 @@
           <p:cNvPr id="2" name="Title 1">
             <a:extLst>
               <a:ext uri="{FF2B5EF4-FFF2-40B4-BE49-F238E27FC236}">
-                <a16:creationId xmlns:a16="http://schemas.microsoft.com/office/drawing/2014/main" xmlns="" id="{E769F328-E252-40D9-BC3D-3282F6445B88}"/>
+                <a16:creationId xmlns:a16="http://schemas.microsoft.com/office/drawing/2014/main" id="{E769F328-E252-40D9-BC3D-3282F6445B88}"/>
               </a:ext>
             </a:extLst>
           </p:cNvPr>
@@ -3139,7 +3137,7 @@
           <p:cNvPr id="3" name="Content Placeholder 2">
             <a:extLst>
               <a:ext uri="{FF2B5EF4-FFF2-40B4-BE49-F238E27FC236}">
-                <a16:creationId xmlns:a16="http://schemas.microsoft.com/office/drawing/2014/main" xmlns="" id="{57B2F339-E578-4FF1-8D6F-6B84F06CB81B}"/>
+                <a16:creationId xmlns:a16="http://schemas.microsoft.com/office/drawing/2014/main" id="{57B2F339-E578-4FF1-8D6F-6B84F06CB81B}"/>
               </a:ext>
             </a:extLst>
           </p:cNvPr>
@@ -3201,7 +3199,7 @@
           <p:cNvPr id="4" name="Content Placeholder 3">
             <a:extLst>
               <a:ext uri="{FF2B5EF4-FFF2-40B4-BE49-F238E27FC236}">
-                <a16:creationId xmlns:a16="http://schemas.microsoft.com/office/drawing/2014/main" xmlns="" id="{139D6ED0-638B-46D3-A1C0-24FEE8341C94}"/>
+                <a16:creationId xmlns:a16="http://schemas.microsoft.com/office/drawing/2014/main" id="{139D6ED0-638B-46D3-A1C0-24FEE8341C94}"/>
               </a:ext>
             </a:extLst>
           </p:cNvPr>
@@ -3263,7 +3261,7 @@
           <p:cNvPr id="5" name="Date Placeholder 4">
             <a:extLst>
               <a:ext uri="{FF2B5EF4-FFF2-40B4-BE49-F238E27FC236}">
-                <a16:creationId xmlns:a16="http://schemas.microsoft.com/office/drawing/2014/main" xmlns="" id="{60179BD2-BF0C-42C9-AEAA-7C7A2247CE7F}"/>
+                <a16:creationId xmlns:a16="http://schemas.microsoft.com/office/drawing/2014/main" id="{60179BD2-BF0C-42C9-AEAA-7C7A2247CE7F}"/>
               </a:ext>
             </a:extLst>
           </p:cNvPr>
@@ -3281,7 +3279,7 @@
           <a:p>
             <a:fld id="{24935935-76DD-4851-A117-087A288262AA}" type="datetimeFigureOut">
               <a:rPr lang="en-US" smtClean="0"/>
-              <a:t>2/4/20</a:t>
+              <a:t>9/8/20</a:t>
             </a:fld>
             <a:endParaRPr lang="en-US"/>
           </a:p>
@@ -3292,7 +3290,7 @@
           <p:cNvPr id="6" name="Footer Placeholder 5">
             <a:extLst>
               <a:ext uri="{FF2B5EF4-FFF2-40B4-BE49-F238E27FC236}">
-                <a16:creationId xmlns:a16="http://schemas.microsoft.com/office/drawing/2014/main" xmlns="" id="{006C923F-A0AF-43AE-B008-729389A1F466}"/>
+                <a16:creationId xmlns:a16="http://schemas.microsoft.com/office/drawing/2014/main" id="{006C923F-A0AF-43AE-B008-729389A1F466}"/>
               </a:ext>
             </a:extLst>
           </p:cNvPr>
@@ -3317,7 +3315,7 @@
           <p:cNvPr id="7" name="Slide Number Placeholder 6">
             <a:extLst>
               <a:ext uri="{FF2B5EF4-FFF2-40B4-BE49-F238E27FC236}">
-                <a16:creationId xmlns:a16="http://schemas.microsoft.com/office/drawing/2014/main" xmlns="" id="{8AA6CF54-6A81-4EC1-8A76-D27D031CD323}"/>
+                <a16:creationId xmlns:a16="http://schemas.microsoft.com/office/drawing/2014/main" id="{8AA6CF54-6A81-4EC1-8A76-D27D031CD323}"/>
               </a:ext>
             </a:extLst>
           </p:cNvPr>
@@ -3376,7 +3374,7 @@
           <p:cNvPr id="2" name="Title 1">
             <a:extLst>
               <a:ext uri="{FF2B5EF4-FFF2-40B4-BE49-F238E27FC236}">
-                <a16:creationId xmlns:a16="http://schemas.microsoft.com/office/drawing/2014/main" xmlns="" id="{4BB74C8E-2EFC-4160-AABE-1FF721424589}"/>
+                <a16:creationId xmlns:a16="http://schemas.microsoft.com/office/drawing/2014/main" id="{4BB74C8E-2EFC-4160-AABE-1FF721424589}"/>
               </a:ext>
             </a:extLst>
           </p:cNvPr>
@@ -3409,7 +3407,7 @@
           <p:cNvPr id="3" name="Text Placeholder 2">
             <a:extLst>
               <a:ext uri="{FF2B5EF4-FFF2-40B4-BE49-F238E27FC236}">
-                <a16:creationId xmlns:a16="http://schemas.microsoft.com/office/drawing/2014/main" xmlns="" id="{59F18FF6-67F1-4B6A-AF69-552500442144}"/>
+                <a16:creationId xmlns:a16="http://schemas.microsoft.com/office/drawing/2014/main" id="{59F18FF6-67F1-4B6A-AF69-552500442144}"/>
               </a:ext>
             </a:extLst>
           </p:cNvPr>
@@ -3480,7 +3478,7 @@
           <p:cNvPr id="4" name="Content Placeholder 3">
             <a:extLst>
               <a:ext uri="{FF2B5EF4-FFF2-40B4-BE49-F238E27FC236}">
-                <a16:creationId xmlns:a16="http://schemas.microsoft.com/office/drawing/2014/main" xmlns="" id="{5705621C-D772-41A9-806A-403FAAB45DEA}"/>
+                <a16:creationId xmlns:a16="http://schemas.microsoft.com/office/drawing/2014/main" id="{5705621C-D772-41A9-806A-403FAAB45DEA}"/>
               </a:ext>
             </a:extLst>
           </p:cNvPr>
@@ -3542,7 +3540,7 @@
           <p:cNvPr id="5" name="Text Placeholder 4">
             <a:extLst>
               <a:ext uri="{FF2B5EF4-FFF2-40B4-BE49-F238E27FC236}">
-                <a16:creationId xmlns:a16="http://schemas.microsoft.com/office/drawing/2014/main" xmlns="" id="{7B53A51E-99BD-4C1A-A074-5C6CE93681AE}"/>
+                <a16:creationId xmlns:a16="http://schemas.microsoft.com/office/drawing/2014/main" id="{7B53A51E-99BD-4C1A-A074-5C6CE93681AE}"/>
               </a:ext>
             </a:extLst>
           </p:cNvPr>
@@ -3613,7 +3611,7 @@
           <p:cNvPr id="6" name="Content Placeholder 5">
             <a:extLst>
               <a:ext uri="{FF2B5EF4-FFF2-40B4-BE49-F238E27FC236}">
-                <a16:creationId xmlns:a16="http://schemas.microsoft.com/office/drawing/2014/main" xmlns="" id="{A95D48C7-AFED-4305-86D0-D795E3EB7665}"/>
+                <a16:creationId xmlns:a16="http://schemas.microsoft.com/office/drawing/2014/main" id="{A95D48C7-AFED-4305-86D0-D795E3EB7665}"/>
               </a:ext>
             </a:extLst>
           </p:cNvPr>
@@ -3675,7 +3673,7 @@
           <p:cNvPr id="7" name="Date Placeholder 6">
             <a:extLst>
               <a:ext uri="{FF2B5EF4-FFF2-40B4-BE49-F238E27FC236}">
-                <a16:creationId xmlns:a16="http://schemas.microsoft.com/office/drawing/2014/main" xmlns="" id="{148D0C76-7E10-4917-A0FC-0E0870F729BC}"/>
+                <a16:creationId xmlns:a16="http://schemas.microsoft.com/office/drawing/2014/main" id="{148D0C76-7E10-4917-A0FC-0E0870F729BC}"/>
               </a:ext>
             </a:extLst>
           </p:cNvPr>
@@ -3693,7 +3691,7 @@
           <a:p>
             <a:fld id="{24935935-76DD-4851-A117-087A288262AA}" type="datetimeFigureOut">
               <a:rPr lang="en-US" smtClean="0"/>
-              <a:t>2/4/20</a:t>
+              <a:t>9/8/20</a:t>
             </a:fld>
             <a:endParaRPr lang="en-US"/>
           </a:p>
@@ -3704,7 +3702,7 @@
           <p:cNvPr id="8" name="Footer Placeholder 7">
             <a:extLst>
               <a:ext uri="{FF2B5EF4-FFF2-40B4-BE49-F238E27FC236}">
-                <a16:creationId xmlns:a16="http://schemas.microsoft.com/office/drawing/2014/main" xmlns="" id="{89B9EDB8-6EFB-4747-B5B6-22B76F32F1DC}"/>
+                <a16:creationId xmlns:a16="http://schemas.microsoft.com/office/drawing/2014/main" id="{89B9EDB8-6EFB-4747-B5B6-22B76F32F1DC}"/>
               </a:ext>
             </a:extLst>
           </p:cNvPr>
@@ -3729,7 +3727,7 @@
           <p:cNvPr id="9" name="Slide Number Placeholder 8">
             <a:extLst>
               <a:ext uri="{FF2B5EF4-FFF2-40B4-BE49-F238E27FC236}">
-                <a16:creationId xmlns:a16="http://schemas.microsoft.com/office/drawing/2014/main" xmlns="" id="{6E3B12DB-AFBB-405F-BA53-B2770D4A9AEA}"/>
+                <a16:creationId xmlns:a16="http://schemas.microsoft.com/office/drawing/2014/main" id="{6E3B12DB-AFBB-405F-BA53-B2770D4A9AEA}"/>
               </a:ext>
             </a:extLst>
           </p:cNvPr>
@@ -3788,7 +3786,7 @@
           <p:cNvPr id="2" name="Title 1">
             <a:extLst>
               <a:ext uri="{FF2B5EF4-FFF2-40B4-BE49-F238E27FC236}">
-                <a16:creationId xmlns:a16="http://schemas.microsoft.com/office/drawing/2014/main" xmlns="" id="{B5729320-B6A0-4392-B66E-7FE222630F15}"/>
+                <a16:creationId xmlns:a16="http://schemas.microsoft.com/office/drawing/2014/main" id="{B5729320-B6A0-4392-B66E-7FE222630F15}"/>
               </a:ext>
             </a:extLst>
           </p:cNvPr>
@@ -3816,7 +3814,7 @@
           <p:cNvPr id="3" name="Date Placeholder 2">
             <a:extLst>
               <a:ext uri="{FF2B5EF4-FFF2-40B4-BE49-F238E27FC236}">
-                <a16:creationId xmlns:a16="http://schemas.microsoft.com/office/drawing/2014/main" xmlns="" id="{FE70D717-5251-4854-BB14-F871590E80EC}"/>
+                <a16:creationId xmlns:a16="http://schemas.microsoft.com/office/drawing/2014/main" id="{FE70D717-5251-4854-BB14-F871590E80EC}"/>
               </a:ext>
             </a:extLst>
           </p:cNvPr>
@@ -3834,7 +3832,7 @@
           <a:p>
             <a:fld id="{24935935-76DD-4851-A117-087A288262AA}" type="datetimeFigureOut">
               <a:rPr lang="en-US" smtClean="0"/>
-              <a:t>2/4/20</a:t>
+              <a:t>9/8/20</a:t>
             </a:fld>
             <a:endParaRPr lang="en-US"/>
           </a:p>
@@ -3845,7 +3843,7 @@
           <p:cNvPr id="4" name="Footer Placeholder 3">
             <a:extLst>
               <a:ext uri="{FF2B5EF4-FFF2-40B4-BE49-F238E27FC236}">
-                <a16:creationId xmlns:a16="http://schemas.microsoft.com/office/drawing/2014/main" xmlns="" id="{91B6AF8B-F435-48B2-9AC7-FF1B8D0C1CB5}"/>
+                <a16:creationId xmlns:a16="http://schemas.microsoft.com/office/drawing/2014/main" id="{91B6AF8B-F435-48B2-9AC7-FF1B8D0C1CB5}"/>
               </a:ext>
             </a:extLst>
           </p:cNvPr>
@@ -3870,7 +3868,7 @@
           <p:cNvPr id="5" name="Slide Number Placeholder 4">
             <a:extLst>
               <a:ext uri="{FF2B5EF4-FFF2-40B4-BE49-F238E27FC236}">
-                <a16:creationId xmlns:a16="http://schemas.microsoft.com/office/drawing/2014/main" xmlns="" id="{EB24DEE1-F5F4-473C-885D-60A0ABE39D6A}"/>
+                <a16:creationId xmlns:a16="http://schemas.microsoft.com/office/drawing/2014/main" id="{EB24DEE1-F5F4-473C-885D-60A0ABE39D6A}"/>
               </a:ext>
             </a:extLst>
           </p:cNvPr>
@@ -3929,7 +3927,7 @@
           <p:cNvPr id="2" name="Date Placeholder 1">
             <a:extLst>
               <a:ext uri="{FF2B5EF4-FFF2-40B4-BE49-F238E27FC236}">
-                <a16:creationId xmlns:a16="http://schemas.microsoft.com/office/drawing/2014/main" xmlns="" id="{8BCB896E-3D03-41C8-B360-0471B89FB3DF}"/>
+                <a16:creationId xmlns:a16="http://schemas.microsoft.com/office/drawing/2014/main" id="{8BCB896E-3D03-41C8-B360-0471B89FB3DF}"/>
               </a:ext>
             </a:extLst>
           </p:cNvPr>
@@ -3947,7 +3945,7 @@
           <a:p>
             <a:fld id="{24935935-76DD-4851-A117-087A288262AA}" type="datetimeFigureOut">
               <a:rPr lang="en-US" smtClean="0"/>
-              <a:t>2/4/20</a:t>
+              <a:t>9/8/20</a:t>
             </a:fld>
             <a:endParaRPr lang="en-US"/>
           </a:p>
@@ -3958,7 +3956,7 @@
           <p:cNvPr id="3" name="Footer Placeholder 2">
             <a:extLst>
               <a:ext uri="{FF2B5EF4-FFF2-40B4-BE49-F238E27FC236}">
-                <a16:creationId xmlns:a16="http://schemas.microsoft.com/office/drawing/2014/main" xmlns="" id="{B2C90461-7C0C-445A-9850-E1DB8A02270B}"/>
+                <a16:creationId xmlns:a16="http://schemas.microsoft.com/office/drawing/2014/main" id="{B2C90461-7C0C-445A-9850-E1DB8A02270B}"/>
               </a:ext>
             </a:extLst>
           </p:cNvPr>
@@ -3983,7 +3981,7 @@
           <p:cNvPr id="4" name="Slide Number Placeholder 3">
             <a:extLst>
               <a:ext uri="{FF2B5EF4-FFF2-40B4-BE49-F238E27FC236}">
-                <a16:creationId xmlns:a16="http://schemas.microsoft.com/office/drawing/2014/main" xmlns="" id="{F05486F7-6405-4102-BA7C-FFB9D70F90EC}"/>
+                <a16:creationId xmlns:a16="http://schemas.microsoft.com/office/drawing/2014/main" id="{F05486F7-6405-4102-BA7C-FFB9D70F90EC}"/>
               </a:ext>
             </a:extLst>
           </p:cNvPr>
@@ -4042,7 +4040,7 @@
           <p:cNvPr id="2" name="Title 1">
             <a:extLst>
               <a:ext uri="{FF2B5EF4-FFF2-40B4-BE49-F238E27FC236}">
-                <a16:creationId xmlns:a16="http://schemas.microsoft.com/office/drawing/2014/main" xmlns="" id="{C4DC97AF-36CE-4124-984C-A7BF92247786}"/>
+                <a16:creationId xmlns:a16="http://schemas.microsoft.com/office/drawing/2014/main" id="{C4DC97AF-36CE-4124-984C-A7BF92247786}"/>
               </a:ext>
             </a:extLst>
           </p:cNvPr>
@@ -4079,7 +4077,7 @@
           <p:cNvPr id="3" name="Content Placeholder 2">
             <a:extLst>
               <a:ext uri="{FF2B5EF4-FFF2-40B4-BE49-F238E27FC236}">
-                <a16:creationId xmlns:a16="http://schemas.microsoft.com/office/drawing/2014/main" xmlns="" id="{9D8F9A7A-2E99-4C4B-ABD7-5510175A70E4}"/>
+                <a16:creationId xmlns:a16="http://schemas.microsoft.com/office/drawing/2014/main" id="{9D8F9A7A-2E99-4C4B-ABD7-5510175A70E4}"/>
               </a:ext>
             </a:extLst>
           </p:cNvPr>
@@ -4169,7 +4167,7 @@
           <p:cNvPr id="4" name="Text Placeholder 3">
             <a:extLst>
               <a:ext uri="{FF2B5EF4-FFF2-40B4-BE49-F238E27FC236}">
-                <a16:creationId xmlns:a16="http://schemas.microsoft.com/office/drawing/2014/main" xmlns="" id="{375AAA68-FAC5-4F49-9D56-C0A2D10AA00A}"/>
+                <a16:creationId xmlns:a16="http://schemas.microsoft.com/office/drawing/2014/main" id="{375AAA68-FAC5-4F49-9D56-C0A2D10AA00A}"/>
               </a:ext>
             </a:extLst>
           </p:cNvPr>
@@ -4240,7 +4238,7 @@
           <p:cNvPr id="5" name="Date Placeholder 4">
             <a:extLst>
               <a:ext uri="{FF2B5EF4-FFF2-40B4-BE49-F238E27FC236}">
-                <a16:creationId xmlns:a16="http://schemas.microsoft.com/office/drawing/2014/main" xmlns="" id="{D8470BAD-71B5-49E4-A40D-2007CBD9EBEA}"/>
+                <a16:creationId xmlns:a16="http://schemas.microsoft.com/office/drawing/2014/main" id="{D8470BAD-71B5-49E4-A40D-2007CBD9EBEA}"/>
               </a:ext>
             </a:extLst>
           </p:cNvPr>
@@ -4258,7 +4256,7 @@
           <a:p>
             <a:fld id="{24935935-76DD-4851-A117-087A288262AA}" type="datetimeFigureOut">
               <a:rPr lang="en-US" smtClean="0"/>
-              <a:t>2/4/20</a:t>
+              <a:t>9/8/20</a:t>
             </a:fld>
             <a:endParaRPr lang="en-US"/>
           </a:p>
@@ -4269,7 +4267,7 @@
           <p:cNvPr id="6" name="Footer Placeholder 5">
             <a:extLst>
               <a:ext uri="{FF2B5EF4-FFF2-40B4-BE49-F238E27FC236}">
-                <a16:creationId xmlns:a16="http://schemas.microsoft.com/office/drawing/2014/main" xmlns="" id="{6B295AC7-DDFE-45F9-AF74-ED2BF514134E}"/>
+                <a16:creationId xmlns:a16="http://schemas.microsoft.com/office/drawing/2014/main" id="{6B295AC7-DDFE-45F9-AF74-ED2BF514134E}"/>
               </a:ext>
             </a:extLst>
           </p:cNvPr>
@@ -4294,7 +4292,7 @@
           <p:cNvPr id="7" name="Slide Number Placeholder 6">
             <a:extLst>
               <a:ext uri="{FF2B5EF4-FFF2-40B4-BE49-F238E27FC236}">
-                <a16:creationId xmlns:a16="http://schemas.microsoft.com/office/drawing/2014/main" xmlns="" id="{0E017491-FF63-4589-BD29-E347DD916547}"/>
+                <a16:creationId xmlns:a16="http://schemas.microsoft.com/office/drawing/2014/main" id="{0E017491-FF63-4589-BD29-E347DD916547}"/>
               </a:ext>
             </a:extLst>
           </p:cNvPr>
@@ -4353,7 +4351,7 @@
           <p:cNvPr id="2" name="Title 1">
             <a:extLst>
               <a:ext uri="{FF2B5EF4-FFF2-40B4-BE49-F238E27FC236}">
-                <a16:creationId xmlns:a16="http://schemas.microsoft.com/office/drawing/2014/main" xmlns="" id="{EF01AB10-7FA3-4503-8DBF-1DBBD987DDC3}"/>
+                <a16:creationId xmlns:a16="http://schemas.microsoft.com/office/drawing/2014/main" id="{EF01AB10-7FA3-4503-8DBF-1DBBD987DDC3}"/>
               </a:ext>
             </a:extLst>
           </p:cNvPr>
@@ -4381,7 +4379,7 @@
           <p:cNvPr id="3" name="Content Placeholder 2">
             <a:extLst>
               <a:ext uri="{FF2B5EF4-FFF2-40B4-BE49-F238E27FC236}">
-                <a16:creationId xmlns:a16="http://schemas.microsoft.com/office/drawing/2014/main" xmlns="" id="{2878EB3F-BC9C-4CB3-BBD1-8F35F93FCA76}"/>
+                <a16:creationId xmlns:a16="http://schemas.microsoft.com/office/drawing/2014/main" id="{2878EB3F-BC9C-4CB3-BBD1-8F35F93FCA76}"/>
               </a:ext>
             </a:extLst>
           </p:cNvPr>
@@ -4438,7 +4436,7 @@
           <p:cNvPr id="4" name="Date Placeholder 3">
             <a:extLst>
               <a:ext uri="{FF2B5EF4-FFF2-40B4-BE49-F238E27FC236}">
-                <a16:creationId xmlns:a16="http://schemas.microsoft.com/office/drawing/2014/main" xmlns="" id="{B491FE0B-89BA-4C65-BAD4-893E4CF8F3C0}"/>
+                <a16:creationId xmlns:a16="http://schemas.microsoft.com/office/drawing/2014/main" id="{B491FE0B-89BA-4C65-BAD4-893E4CF8F3C0}"/>
               </a:ext>
             </a:extLst>
           </p:cNvPr>
@@ -4456,7 +4454,7 @@
           <a:p>
             <a:fld id="{F1DB05E7-376B-42E9-BFB9-A2253E2039EB}" type="datetimeFigureOut">
               <a:rPr lang="en-US" smtClean="0"/>
-              <a:t>2/4/20</a:t>
+              <a:t>9/8/20</a:t>
             </a:fld>
             <a:endParaRPr lang="en-US"/>
           </a:p>
@@ -4467,7 +4465,7 @@
           <p:cNvPr id="5" name="Footer Placeholder 4">
             <a:extLst>
               <a:ext uri="{FF2B5EF4-FFF2-40B4-BE49-F238E27FC236}">
-                <a16:creationId xmlns:a16="http://schemas.microsoft.com/office/drawing/2014/main" xmlns="" id="{4D4509CC-D797-42C5-B117-606DE2BD3C97}"/>
+                <a16:creationId xmlns:a16="http://schemas.microsoft.com/office/drawing/2014/main" id="{4D4509CC-D797-42C5-B117-606DE2BD3C97}"/>
               </a:ext>
             </a:extLst>
           </p:cNvPr>
@@ -4492,7 +4490,7 @@
           <p:cNvPr id="6" name="Slide Number Placeholder 5">
             <a:extLst>
               <a:ext uri="{FF2B5EF4-FFF2-40B4-BE49-F238E27FC236}">
-                <a16:creationId xmlns:a16="http://schemas.microsoft.com/office/drawing/2014/main" xmlns="" id="{5EC8E99D-8351-46EB-BB50-58441E214437}"/>
+                <a16:creationId xmlns:a16="http://schemas.microsoft.com/office/drawing/2014/main" id="{5EC8E99D-8351-46EB-BB50-58441E214437}"/>
               </a:ext>
             </a:extLst>
           </p:cNvPr>
@@ -4551,7 +4549,7 @@
           <p:cNvPr id="2" name="Title 1">
             <a:extLst>
               <a:ext uri="{FF2B5EF4-FFF2-40B4-BE49-F238E27FC236}">
-                <a16:creationId xmlns:a16="http://schemas.microsoft.com/office/drawing/2014/main" xmlns="" id="{67084232-CC6E-45E9-8D06-14B26BBFCAC2}"/>
+                <a16:creationId xmlns:a16="http://schemas.microsoft.com/office/drawing/2014/main" id="{67084232-CC6E-45E9-8D06-14B26BBFCAC2}"/>
               </a:ext>
             </a:extLst>
           </p:cNvPr>
@@ -4588,7 +4586,7 @@
           <p:cNvPr id="3" name="Picture Placeholder 2">
             <a:extLst>
               <a:ext uri="{FF2B5EF4-FFF2-40B4-BE49-F238E27FC236}">
-                <a16:creationId xmlns:a16="http://schemas.microsoft.com/office/drawing/2014/main" xmlns="" id="{CD8E7B1D-2455-4EC7-B316-622029CA0776}"/>
+                <a16:creationId xmlns:a16="http://schemas.microsoft.com/office/drawing/2014/main" id="{CD8E7B1D-2455-4EC7-B316-622029CA0776}"/>
               </a:ext>
             </a:extLst>
           </p:cNvPr>
@@ -4655,7 +4653,7 @@
           <p:cNvPr id="4" name="Text Placeholder 3">
             <a:extLst>
               <a:ext uri="{FF2B5EF4-FFF2-40B4-BE49-F238E27FC236}">
-                <a16:creationId xmlns:a16="http://schemas.microsoft.com/office/drawing/2014/main" xmlns="" id="{F6DC3B0E-BD3D-4894-9317-4AE56E24C4FB}"/>
+                <a16:creationId xmlns:a16="http://schemas.microsoft.com/office/drawing/2014/main" id="{F6DC3B0E-BD3D-4894-9317-4AE56E24C4FB}"/>
               </a:ext>
             </a:extLst>
           </p:cNvPr>
@@ -4726,7 +4724,7 @@
           <p:cNvPr id="5" name="Date Placeholder 4">
             <a:extLst>
               <a:ext uri="{FF2B5EF4-FFF2-40B4-BE49-F238E27FC236}">
-                <a16:creationId xmlns:a16="http://schemas.microsoft.com/office/drawing/2014/main" xmlns="" id="{B3B79ED9-E7FF-4ABD-AF2B-36A68B859562}"/>
+                <a16:creationId xmlns:a16="http://schemas.microsoft.com/office/drawing/2014/main" id="{B3B79ED9-E7FF-4ABD-AF2B-36A68B859562}"/>
               </a:ext>
             </a:extLst>
           </p:cNvPr>
@@ -4744,7 +4742,7 @@
           <a:p>
             <a:fld id="{24935935-76DD-4851-A117-087A288262AA}" type="datetimeFigureOut">
               <a:rPr lang="en-US" smtClean="0"/>
-              <a:t>2/4/20</a:t>
+              <a:t>9/8/20</a:t>
             </a:fld>
             <a:endParaRPr lang="en-US"/>
           </a:p>
@@ -4755,7 +4753,7 @@
           <p:cNvPr id="6" name="Footer Placeholder 5">
             <a:extLst>
               <a:ext uri="{FF2B5EF4-FFF2-40B4-BE49-F238E27FC236}">
-                <a16:creationId xmlns:a16="http://schemas.microsoft.com/office/drawing/2014/main" xmlns="" id="{F966FB14-B30B-439D-9D8E-5782CD14CAD9}"/>
+                <a16:creationId xmlns:a16="http://schemas.microsoft.com/office/drawing/2014/main" id="{F966FB14-B30B-439D-9D8E-5782CD14CAD9}"/>
               </a:ext>
             </a:extLst>
           </p:cNvPr>
@@ -4780,7 +4778,7 @@
           <p:cNvPr id="7" name="Slide Number Placeholder 6">
             <a:extLst>
               <a:ext uri="{FF2B5EF4-FFF2-40B4-BE49-F238E27FC236}">
-                <a16:creationId xmlns:a16="http://schemas.microsoft.com/office/drawing/2014/main" xmlns="" id="{85F192CD-1497-469A-8AFD-5312509820A5}"/>
+                <a16:creationId xmlns:a16="http://schemas.microsoft.com/office/drawing/2014/main" id="{85F192CD-1497-469A-8AFD-5312509820A5}"/>
               </a:ext>
             </a:extLst>
           </p:cNvPr>
@@ -4839,7 +4837,7 @@
           <p:cNvPr id="2" name="Title 1">
             <a:extLst>
               <a:ext uri="{FF2B5EF4-FFF2-40B4-BE49-F238E27FC236}">
-                <a16:creationId xmlns:a16="http://schemas.microsoft.com/office/drawing/2014/main" xmlns="" id="{7BB3DCE4-2746-4ED9-9DD4-E09C31E37CC7}"/>
+                <a16:creationId xmlns:a16="http://schemas.microsoft.com/office/drawing/2014/main" id="{7BB3DCE4-2746-4ED9-9DD4-E09C31E37CC7}"/>
               </a:ext>
             </a:extLst>
           </p:cNvPr>
@@ -4867,7 +4865,7 @@
           <p:cNvPr id="3" name="Vertical Text Placeholder 2">
             <a:extLst>
               <a:ext uri="{FF2B5EF4-FFF2-40B4-BE49-F238E27FC236}">
-                <a16:creationId xmlns:a16="http://schemas.microsoft.com/office/drawing/2014/main" xmlns="" id="{09F3E9CE-C5CD-4F70-9F96-AFC989D139D7}"/>
+                <a16:creationId xmlns:a16="http://schemas.microsoft.com/office/drawing/2014/main" id="{09F3E9CE-C5CD-4F70-9F96-AFC989D139D7}"/>
               </a:ext>
             </a:extLst>
           </p:cNvPr>
@@ -4924,7 +4922,7 @@
           <p:cNvPr id="4" name="Date Placeholder 3">
             <a:extLst>
               <a:ext uri="{FF2B5EF4-FFF2-40B4-BE49-F238E27FC236}">
-                <a16:creationId xmlns:a16="http://schemas.microsoft.com/office/drawing/2014/main" xmlns="" id="{852543F3-C6B0-402D-98E9-C5509B403DC2}"/>
+                <a16:creationId xmlns:a16="http://schemas.microsoft.com/office/drawing/2014/main" id="{852543F3-C6B0-402D-98E9-C5509B403DC2}"/>
               </a:ext>
             </a:extLst>
           </p:cNvPr>
@@ -4942,7 +4940,7 @@
           <a:p>
             <a:fld id="{24935935-76DD-4851-A117-087A288262AA}" type="datetimeFigureOut">
               <a:rPr lang="en-US" smtClean="0"/>
-              <a:t>2/4/20</a:t>
+              <a:t>9/8/20</a:t>
             </a:fld>
             <a:endParaRPr lang="en-US"/>
           </a:p>
@@ -4953,7 +4951,7 @@
           <p:cNvPr id="5" name="Footer Placeholder 4">
             <a:extLst>
               <a:ext uri="{FF2B5EF4-FFF2-40B4-BE49-F238E27FC236}">
-                <a16:creationId xmlns:a16="http://schemas.microsoft.com/office/drawing/2014/main" xmlns="" id="{049D4596-099F-4050-B8B0-2DAD883D6A87}"/>
+                <a16:creationId xmlns:a16="http://schemas.microsoft.com/office/drawing/2014/main" id="{049D4596-099F-4050-B8B0-2DAD883D6A87}"/>
               </a:ext>
             </a:extLst>
           </p:cNvPr>
@@ -4978,7 +4976,7 @@
           <p:cNvPr id="6" name="Slide Number Placeholder 5">
             <a:extLst>
               <a:ext uri="{FF2B5EF4-FFF2-40B4-BE49-F238E27FC236}">
-                <a16:creationId xmlns:a16="http://schemas.microsoft.com/office/drawing/2014/main" xmlns="" id="{DA19931A-EEB6-4EAB-8AFA-38FE3176A184}"/>
+                <a16:creationId xmlns:a16="http://schemas.microsoft.com/office/drawing/2014/main" id="{DA19931A-EEB6-4EAB-8AFA-38FE3176A184}"/>
               </a:ext>
             </a:extLst>
           </p:cNvPr>
@@ -5037,7 +5035,7 @@
           <p:cNvPr id="2" name="Vertical Title 1">
             <a:extLst>
               <a:ext uri="{FF2B5EF4-FFF2-40B4-BE49-F238E27FC236}">
-                <a16:creationId xmlns:a16="http://schemas.microsoft.com/office/drawing/2014/main" xmlns="" id="{F2B2A112-4197-46E0-9ECA-A89E4D51E165}"/>
+                <a16:creationId xmlns:a16="http://schemas.microsoft.com/office/drawing/2014/main" id="{F2B2A112-4197-46E0-9ECA-A89E4D51E165}"/>
               </a:ext>
             </a:extLst>
           </p:cNvPr>
@@ -5070,7 +5068,7 @@
           <p:cNvPr id="3" name="Vertical Text Placeholder 2">
             <a:extLst>
               <a:ext uri="{FF2B5EF4-FFF2-40B4-BE49-F238E27FC236}">
-                <a16:creationId xmlns:a16="http://schemas.microsoft.com/office/drawing/2014/main" xmlns="" id="{6C1BA8C7-A039-446C-9936-9FCEF4A667FB}"/>
+                <a16:creationId xmlns:a16="http://schemas.microsoft.com/office/drawing/2014/main" id="{6C1BA8C7-A039-446C-9936-9FCEF4A667FB}"/>
               </a:ext>
             </a:extLst>
           </p:cNvPr>
@@ -5132,7 +5130,7 @@
           <p:cNvPr id="4" name="Date Placeholder 3">
             <a:extLst>
               <a:ext uri="{FF2B5EF4-FFF2-40B4-BE49-F238E27FC236}">
-                <a16:creationId xmlns:a16="http://schemas.microsoft.com/office/drawing/2014/main" xmlns="" id="{1646D427-AC0A-4820-8935-166B3233FD22}"/>
+                <a16:creationId xmlns:a16="http://schemas.microsoft.com/office/drawing/2014/main" id="{1646D427-AC0A-4820-8935-166B3233FD22}"/>
               </a:ext>
             </a:extLst>
           </p:cNvPr>
@@ -5150,7 +5148,7 @@
           <a:p>
             <a:fld id="{24935935-76DD-4851-A117-087A288262AA}" type="datetimeFigureOut">
               <a:rPr lang="en-US" smtClean="0"/>
-              <a:t>2/4/20</a:t>
+              <a:t>9/8/20</a:t>
             </a:fld>
             <a:endParaRPr lang="en-US"/>
           </a:p>
@@ -5161,7 +5159,7 @@
           <p:cNvPr id="5" name="Footer Placeholder 4">
             <a:extLst>
               <a:ext uri="{FF2B5EF4-FFF2-40B4-BE49-F238E27FC236}">
-                <a16:creationId xmlns:a16="http://schemas.microsoft.com/office/drawing/2014/main" xmlns="" id="{36FDF01E-C1DB-4C4A-852C-AA435D89A0DD}"/>
+                <a16:creationId xmlns:a16="http://schemas.microsoft.com/office/drawing/2014/main" id="{36FDF01E-C1DB-4C4A-852C-AA435D89A0DD}"/>
               </a:ext>
             </a:extLst>
           </p:cNvPr>
@@ -5186,7 +5184,7 @@
           <p:cNvPr id="6" name="Slide Number Placeholder 5">
             <a:extLst>
               <a:ext uri="{FF2B5EF4-FFF2-40B4-BE49-F238E27FC236}">
-                <a16:creationId xmlns:a16="http://schemas.microsoft.com/office/drawing/2014/main" xmlns="" id="{15898AAF-CB35-4C05-A61C-2EAD743198D6}"/>
+                <a16:creationId xmlns:a16="http://schemas.microsoft.com/office/drawing/2014/main" id="{15898AAF-CB35-4C05-A61C-2EAD743198D6}"/>
               </a:ext>
             </a:extLst>
           </p:cNvPr>
@@ -5301,7 +5299,7 @@
           <a:p>
             <a:fld id="{BD43FDEE-31B2-4A81-9764-6BBEE99A1C59}" type="datetimeFigureOut">
               <a:rPr lang="en-US" smtClean="0"/>
-              <a:t>2/4/20</a:t>
+              <a:t>9/8/20</a:t>
             </a:fld>
             <a:endParaRPr lang="en-US"/>
           </a:p>
@@ -5513,7 +5511,7 @@
           <p:cNvPr id="10" name="Rectangle 9">
             <a:extLst>
               <a:ext uri="{FF2B5EF4-FFF2-40B4-BE49-F238E27FC236}">
-                <a16:creationId xmlns:a16="http://schemas.microsoft.com/office/drawing/2014/main" xmlns="" id="{1637FB94-059C-4EA6-A553-1FB978C79D3F}"/>
+                <a16:creationId xmlns:a16="http://schemas.microsoft.com/office/drawing/2014/main" id="{1637FB94-059C-4EA6-A553-1FB978C79D3F}"/>
               </a:ext>
             </a:extLst>
           </p:cNvPr>
@@ -5799,7 +5797,7 @@
           <p:cNvPr id="12" name="Straight Connector 11">
             <a:extLst>
               <a:ext uri="{FF2B5EF4-FFF2-40B4-BE49-F238E27FC236}">
-                <a16:creationId xmlns:a16="http://schemas.microsoft.com/office/drawing/2014/main" xmlns="" id="{2BB05C14-85FE-410B-8AD5-1D038FDD03F1}"/>
+                <a16:creationId xmlns:a16="http://schemas.microsoft.com/office/drawing/2014/main" id="{2BB05C14-85FE-410B-8AD5-1D038FDD03F1}"/>
               </a:ext>
             </a:extLst>
           </p:cNvPr>
@@ -5844,7 +5842,7 @@
           <p:cNvPr id="13" name="Picture 12">
             <a:extLst>
               <a:ext uri="{FF2B5EF4-FFF2-40B4-BE49-F238E27FC236}">
-                <a16:creationId xmlns:a16="http://schemas.microsoft.com/office/drawing/2014/main" xmlns="" id="{6A0BBE32-C829-4534-92AA-0A9402AC06A8}"/>
+                <a16:creationId xmlns:a16="http://schemas.microsoft.com/office/drawing/2014/main" id="{6A0BBE32-C829-4534-92AA-0A9402AC06A8}"/>
               </a:ext>
             </a:extLst>
           </p:cNvPr>
@@ -5886,7 +5884,7 @@
           <p:cNvPr id="15" name="Group 14">
             <a:extLst>
               <a:ext uri="{FF2B5EF4-FFF2-40B4-BE49-F238E27FC236}">
-                <a16:creationId xmlns:a16="http://schemas.microsoft.com/office/drawing/2014/main" xmlns="" id="{A3D46243-E60C-4C42-8F85-FC3B9343AFAF}"/>
+                <a16:creationId xmlns:a16="http://schemas.microsoft.com/office/drawing/2014/main" id="{A3D46243-E60C-4C42-8F85-FC3B9343AFAF}"/>
               </a:ext>
             </a:extLst>
           </p:cNvPr>
@@ -5906,7 +5904,7 @@
             <p:cNvPr id="16" name="Rectangle 15">
               <a:extLst>
                 <a:ext uri="{FF2B5EF4-FFF2-40B4-BE49-F238E27FC236}">
-                  <a16:creationId xmlns:a16="http://schemas.microsoft.com/office/drawing/2014/main" xmlns="" id="{329F7269-A063-44EA-B098-36C03E952B4A}"/>
+                  <a16:creationId xmlns:a16="http://schemas.microsoft.com/office/drawing/2014/main" id="{329F7269-A063-44EA-B098-36C03E952B4A}"/>
                 </a:ext>
               </a:extLst>
             </p:cNvPr>
@@ -5960,7 +5958,7 @@
             <p:cNvPr id="17" name="Subtitle 2">
               <a:extLst>
                 <a:ext uri="{FF2B5EF4-FFF2-40B4-BE49-F238E27FC236}">
-                  <a16:creationId xmlns:a16="http://schemas.microsoft.com/office/drawing/2014/main" xmlns="" id="{FC20886B-EE56-477E-B213-33D73F60992C}"/>
+                  <a16:creationId xmlns:a16="http://schemas.microsoft.com/office/drawing/2014/main" id="{FC20886B-EE56-477E-B213-33D73F60992C}"/>
                 </a:ext>
               </a:extLst>
             </p:cNvPr>
@@ -6170,7 +6168,7 @@
             <p:cNvPr id="18" name="Rectangle 13">
               <a:extLst>
                 <a:ext uri="{FF2B5EF4-FFF2-40B4-BE49-F238E27FC236}">
-                  <a16:creationId xmlns:a16="http://schemas.microsoft.com/office/drawing/2014/main" xmlns="" id="{41B169CF-1DA2-49FF-A171-CA3011076EC0}"/>
+                  <a16:creationId xmlns:a16="http://schemas.microsoft.com/office/drawing/2014/main" id="{41B169CF-1DA2-49FF-A171-CA3011076EC0}"/>
                 </a:ext>
               </a:extLst>
             </p:cNvPr>
@@ -6368,7 +6366,7 @@
               </a:solidFill>
               <a:extLst>
                 <a:ext uri="{C807C97D-BFC1-408E-A445-0C87EB9F89A2}">
-                  <ask:lineSketchStyleProps xmlns:ask="http://schemas.microsoft.com/office/drawing/2018/sketchyshapes" xmlns="" sd="1219033472">
+                  <ask:lineSketchStyleProps xmlns:ask="http://schemas.microsoft.com/office/drawing/2018/sketchyshapes" sd="1219033472">
                     <a:prstGeom prst="rect">
                       <a:avLst/>
                     </a:prstGeom>
@@ -6675,7 +6673,7 @@
           <p:cNvPr id="12" name="Straight Connector 11">
             <a:extLst>
               <a:ext uri="{FF2B5EF4-FFF2-40B4-BE49-F238E27FC236}">
-                <a16:creationId xmlns:a16="http://schemas.microsoft.com/office/drawing/2014/main" xmlns="" id="{2BB05C14-85FE-410B-8AD5-1D038FDD03F1}"/>
+                <a16:creationId xmlns:a16="http://schemas.microsoft.com/office/drawing/2014/main" id="{2BB05C14-85FE-410B-8AD5-1D038FDD03F1}"/>
               </a:ext>
             </a:extLst>
           </p:cNvPr>
@@ -7238,7 +7236,7 @@
           <a:p>
             <a:fld id="{BD43FDEE-31B2-4A81-9764-6BBEE99A1C59}" type="datetimeFigureOut">
               <a:rPr lang="en-US" smtClean="0"/>
-              <a:t>2/4/20</a:t>
+              <a:t>9/8/20</a:t>
             </a:fld>
             <a:endParaRPr lang="en-US"/>
           </a:p>
@@ -7532,7 +7530,7 @@
           <a:p>
             <a:fld id="{BD43FDEE-31B2-4A81-9764-6BBEE99A1C59}" type="datetimeFigureOut">
               <a:rPr lang="en-US" smtClean="0"/>
-              <a:t>2/4/20</a:t>
+              <a:t>9/8/20</a:t>
             </a:fld>
             <a:endParaRPr lang="en-US"/>
           </a:p>
@@ -8151,7 +8149,7 @@
           <a:p>
             <a:fld id="{BD43FDEE-31B2-4A81-9764-6BBEE99A1C59}" type="datetimeFigureOut">
               <a:rPr lang="en-US" smtClean="0"/>
-              <a:t>2/4/20</a:t>
+              <a:t>9/8/20</a:t>
             </a:fld>
             <a:endParaRPr lang="en-US"/>
           </a:p>
@@ -8414,7 +8412,7 @@
           <p:cNvPr id="2" name="Title 1">
             <a:extLst>
               <a:ext uri="{FF2B5EF4-FFF2-40B4-BE49-F238E27FC236}">
-                <a16:creationId xmlns:a16="http://schemas.microsoft.com/office/drawing/2014/main" xmlns="" id="{E38545E2-B05B-417F-A808-39B23536D0A8}"/>
+                <a16:creationId xmlns:a16="http://schemas.microsoft.com/office/drawing/2014/main" id="{E38545E2-B05B-417F-A808-39B23536D0A8}"/>
               </a:ext>
             </a:extLst>
           </p:cNvPr>
@@ -8451,7 +8449,7 @@
           <p:cNvPr id="3" name="Text Placeholder 2">
             <a:extLst>
               <a:ext uri="{FF2B5EF4-FFF2-40B4-BE49-F238E27FC236}">
-                <a16:creationId xmlns:a16="http://schemas.microsoft.com/office/drawing/2014/main" xmlns="" id="{CD8B6301-CE95-481A-8E07-6D136FD07F8A}"/>
+                <a16:creationId xmlns:a16="http://schemas.microsoft.com/office/drawing/2014/main" id="{CD8B6301-CE95-481A-8E07-6D136FD07F8A}"/>
               </a:ext>
             </a:extLst>
           </p:cNvPr>
@@ -8576,7 +8574,7 @@
           <p:cNvPr id="4" name="Date Placeholder 3">
             <a:extLst>
               <a:ext uri="{FF2B5EF4-FFF2-40B4-BE49-F238E27FC236}">
-                <a16:creationId xmlns:a16="http://schemas.microsoft.com/office/drawing/2014/main" xmlns="" id="{B2E904A7-C088-4DA7-8A0C-08AE432B9655}"/>
+                <a16:creationId xmlns:a16="http://schemas.microsoft.com/office/drawing/2014/main" id="{B2E904A7-C088-4DA7-8A0C-08AE432B9655}"/>
               </a:ext>
             </a:extLst>
           </p:cNvPr>
@@ -8594,7 +8592,7 @@
           <a:p>
             <a:fld id="{F1DB05E7-376B-42E9-BFB9-A2253E2039EB}" type="datetimeFigureOut">
               <a:rPr lang="en-US" smtClean="0"/>
-              <a:t>2/4/20</a:t>
+              <a:t>9/8/20</a:t>
             </a:fld>
             <a:endParaRPr lang="en-US"/>
           </a:p>
@@ -8605,7 +8603,7 @@
           <p:cNvPr id="5" name="Footer Placeholder 4">
             <a:extLst>
               <a:ext uri="{FF2B5EF4-FFF2-40B4-BE49-F238E27FC236}">
-                <a16:creationId xmlns:a16="http://schemas.microsoft.com/office/drawing/2014/main" xmlns="" id="{EB9FC91C-1512-41F2-ABA7-00C1D6A4FCBE}"/>
+                <a16:creationId xmlns:a16="http://schemas.microsoft.com/office/drawing/2014/main" id="{EB9FC91C-1512-41F2-ABA7-00C1D6A4FCBE}"/>
               </a:ext>
             </a:extLst>
           </p:cNvPr>
@@ -8630,7 +8628,7 @@
           <p:cNvPr id="6" name="Slide Number Placeholder 5">
             <a:extLst>
               <a:ext uri="{FF2B5EF4-FFF2-40B4-BE49-F238E27FC236}">
-                <a16:creationId xmlns:a16="http://schemas.microsoft.com/office/drawing/2014/main" xmlns="" id="{D4C96D90-74B5-467C-83E1-AD10429F60CF}"/>
+                <a16:creationId xmlns:a16="http://schemas.microsoft.com/office/drawing/2014/main" id="{D4C96D90-74B5-467C-83E1-AD10429F60CF}"/>
               </a:ext>
             </a:extLst>
           </p:cNvPr>
@@ -8732,7 +8730,7 @@
           <a:p>
             <a:fld id="{BD43FDEE-31B2-4A81-9764-6BBEE99A1C59}" type="datetimeFigureOut">
               <a:rPr lang="en-US" smtClean="0"/>
-              <a:t>2/4/20</a:t>
+              <a:t>9/8/20</a:t>
             </a:fld>
             <a:endParaRPr lang="en-US"/>
           </a:p>
@@ -8966,7 +8964,7 @@
           <a:p>
             <a:fld id="{BD43FDEE-31B2-4A81-9764-6BBEE99A1C59}" type="datetimeFigureOut">
               <a:rPr lang="en-US" smtClean="0"/>
-              <a:t>2/4/20</a:t>
+              <a:t>9/8/20</a:t>
             </a:fld>
             <a:endParaRPr lang="en-US"/>
           </a:p>
@@ -9245,7 +9243,7 @@
           <a:p>
             <a:fld id="{BD43FDEE-31B2-4A81-9764-6BBEE99A1C59}" type="datetimeFigureOut">
               <a:rPr lang="en-US" smtClean="0"/>
-              <a:t>2/4/20</a:t>
+              <a:t>9/8/20</a:t>
             </a:fld>
             <a:endParaRPr lang="en-US"/>
           </a:p>
@@ -9504,7 +9502,7 @@
           <a:p>
             <a:fld id="{BD43FDEE-31B2-4A81-9764-6BBEE99A1C59}" type="datetimeFigureOut">
               <a:rPr lang="en-US" smtClean="0"/>
-              <a:t>2/4/20</a:t>
+              <a:t>9/8/20</a:t>
             </a:fld>
             <a:endParaRPr lang="en-US"/>
           </a:p>
@@ -9683,7 +9681,7 @@
           <a:p>
             <a:fld id="{BD43FDEE-31B2-4A81-9764-6BBEE99A1C59}" type="datetimeFigureOut">
               <a:rPr lang="en-US" smtClean="0"/>
-              <a:t>2/4/20</a:t>
+              <a:t>9/8/20</a:t>
             </a:fld>
             <a:endParaRPr lang="en-US"/>
           </a:p>
@@ -9862,7 +9860,7 @@
           <a:p>
             <a:fld id="{BD43FDEE-31B2-4A81-9764-6BBEE99A1C59}" type="datetimeFigureOut">
               <a:rPr lang="en-US" smtClean="0"/>
-              <a:t>2/4/20</a:t>
+              <a:t>9/8/20</a:t>
             </a:fld>
             <a:endParaRPr lang="en-US"/>
           </a:p>
@@ -9940,7 +9938,7 @@
           <p:cNvPr id="2" name="Title 1">
             <a:extLst>
               <a:ext uri="{FF2B5EF4-FFF2-40B4-BE49-F238E27FC236}">
-                <a16:creationId xmlns:a16="http://schemas.microsoft.com/office/drawing/2014/main" xmlns="" id="{D8B0D16A-4BE1-4324-9465-EA5372E5473F}"/>
+                <a16:creationId xmlns:a16="http://schemas.microsoft.com/office/drawing/2014/main" id="{D8B0D16A-4BE1-4324-9465-EA5372E5473F}"/>
               </a:ext>
             </a:extLst>
           </p:cNvPr>
@@ -9980,7 +9978,7 @@
           <p:cNvPr id="3" name="Subtitle 2">
             <a:extLst>
               <a:ext uri="{FF2B5EF4-FFF2-40B4-BE49-F238E27FC236}">
-                <a16:creationId xmlns:a16="http://schemas.microsoft.com/office/drawing/2014/main" xmlns="" id="{E54A4463-C390-4D80-8900-E3783BBAEFD3}"/>
+                <a16:creationId xmlns:a16="http://schemas.microsoft.com/office/drawing/2014/main" id="{E54A4463-C390-4D80-8900-E3783BBAEFD3}"/>
               </a:ext>
             </a:extLst>
           </p:cNvPr>
@@ -10053,7 +10051,7 @@
           <p:cNvPr id="4" name="Date Placeholder 3">
             <a:extLst>
               <a:ext uri="{FF2B5EF4-FFF2-40B4-BE49-F238E27FC236}">
-                <a16:creationId xmlns:a16="http://schemas.microsoft.com/office/drawing/2014/main" xmlns="" id="{FB9F748D-A959-4741-B0CB-E2258A828813}"/>
+                <a16:creationId xmlns:a16="http://schemas.microsoft.com/office/drawing/2014/main" id="{FB9F748D-A959-4741-B0CB-E2258A828813}"/>
               </a:ext>
             </a:extLst>
           </p:cNvPr>
@@ -10071,7 +10069,7 @@
           <a:p>
             <a:fld id="{BD43FDEE-31B2-4A81-9764-6BBEE99A1C59}" type="datetimeFigureOut">
               <a:rPr lang="en-US" smtClean="0"/>
-              <a:t>2/4/20</a:t>
+              <a:t>9/8/20</a:t>
             </a:fld>
             <a:endParaRPr lang="en-US"/>
           </a:p>
@@ -10082,7 +10080,7 @@
           <p:cNvPr id="5" name="Footer Placeholder 4">
             <a:extLst>
               <a:ext uri="{FF2B5EF4-FFF2-40B4-BE49-F238E27FC236}">
-                <a16:creationId xmlns:a16="http://schemas.microsoft.com/office/drawing/2014/main" xmlns="" id="{35989003-AAF3-4BFC-A67F-DF6F95393AE1}"/>
+                <a16:creationId xmlns:a16="http://schemas.microsoft.com/office/drawing/2014/main" id="{35989003-AAF3-4BFC-A67F-DF6F95393AE1}"/>
               </a:ext>
             </a:extLst>
           </p:cNvPr>
@@ -10107,7 +10105,7 @@
           <p:cNvPr id="6" name="Slide Number Placeholder 5">
             <a:extLst>
               <a:ext uri="{FF2B5EF4-FFF2-40B4-BE49-F238E27FC236}">
-                <a16:creationId xmlns:a16="http://schemas.microsoft.com/office/drawing/2014/main" xmlns="" id="{7F2010D9-9443-435E-BA0D-07B5F6E35A7E}"/>
+                <a16:creationId xmlns:a16="http://schemas.microsoft.com/office/drawing/2014/main" id="{7F2010D9-9443-435E-BA0D-07B5F6E35A7E}"/>
               </a:ext>
             </a:extLst>
           </p:cNvPr>
@@ -10166,7 +10164,7 @@
           <p:cNvPr id="6" name="Slide Number Placeholder 5">
             <a:extLst>
               <a:ext uri="{FF2B5EF4-FFF2-40B4-BE49-F238E27FC236}">
-                <a16:creationId xmlns:a16="http://schemas.microsoft.com/office/drawing/2014/main" xmlns="" id="{07D21F40-B884-4EB9-990B-7ACFD96EAC60}"/>
+                <a16:creationId xmlns:a16="http://schemas.microsoft.com/office/drawing/2014/main" id="{07D21F40-B884-4EB9-990B-7ACFD96EAC60}"/>
               </a:ext>
             </a:extLst>
           </p:cNvPr>
@@ -10200,7 +10198,7 @@
           <p:cNvPr id="8" name="Picture 7">
             <a:extLst>
               <a:ext uri="{FF2B5EF4-FFF2-40B4-BE49-F238E27FC236}">
-                <a16:creationId xmlns:a16="http://schemas.microsoft.com/office/drawing/2014/main" xmlns="" id="{6A0BBE32-C829-4534-92AA-0A9402AC06A8}"/>
+                <a16:creationId xmlns:a16="http://schemas.microsoft.com/office/drawing/2014/main" id="{6A0BBE32-C829-4534-92AA-0A9402AC06A8}"/>
               </a:ext>
             </a:extLst>
           </p:cNvPr>
@@ -10242,7 +10240,7 @@
           <p:cNvPr id="10" name="Straight Connector 9">
             <a:extLst>
               <a:ext uri="{FF2B5EF4-FFF2-40B4-BE49-F238E27FC236}">
-                <a16:creationId xmlns:a16="http://schemas.microsoft.com/office/drawing/2014/main" xmlns="" id="{2BB05C14-85FE-410B-8AD5-1D038FDD03F1}"/>
+                <a16:creationId xmlns:a16="http://schemas.microsoft.com/office/drawing/2014/main" id="{2BB05C14-85FE-410B-8AD5-1D038FDD03F1}"/>
               </a:ext>
             </a:extLst>
           </p:cNvPr>
@@ -10287,7 +10285,7 @@
           <p:cNvPr id="11" name="Group 10">
             <a:extLst>
               <a:ext uri="{FF2B5EF4-FFF2-40B4-BE49-F238E27FC236}">
-                <a16:creationId xmlns:a16="http://schemas.microsoft.com/office/drawing/2014/main" xmlns="" id="{A3D46243-E60C-4C42-8F85-FC3B9343AFAF}"/>
+                <a16:creationId xmlns:a16="http://schemas.microsoft.com/office/drawing/2014/main" id="{A3D46243-E60C-4C42-8F85-FC3B9343AFAF}"/>
               </a:ext>
             </a:extLst>
           </p:cNvPr>
@@ -10307,7 +10305,7 @@
             <p:cNvPr id="12" name="Rectangle 11">
               <a:extLst>
                 <a:ext uri="{FF2B5EF4-FFF2-40B4-BE49-F238E27FC236}">
-                  <a16:creationId xmlns:a16="http://schemas.microsoft.com/office/drawing/2014/main" xmlns="" id="{329F7269-A063-44EA-B098-36C03E952B4A}"/>
+                  <a16:creationId xmlns:a16="http://schemas.microsoft.com/office/drawing/2014/main" id="{329F7269-A063-44EA-B098-36C03E952B4A}"/>
                 </a:ext>
               </a:extLst>
             </p:cNvPr>
@@ -10361,7 +10359,7 @@
             <p:cNvPr id="13" name="Subtitle 2">
               <a:extLst>
                 <a:ext uri="{FF2B5EF4-FFF2-40B4-BE49-F238E27FC236}">
-                  <a16:creationId xmlns:a16="http://schemas.microsoft.com/office/drawing/2014/main" xmlns="" id="{FC20886B-EE56-477E-B213-33D73F60992C}"/>
+                  <a16:creationId xmlns:a16="http://schemas.microsoft.com/office/drawing/2014/main" id="{FC20886B-EE56-477E-B213-33D73F60992C}"/>
                 </a:ext>
               </a:extLst>
             </p:cNvPr>
@@ -10571,7 +10569,7 @@
             <p:cNvPr id="14" name="Rectangle 13">
               <a:extLst>
                 <a:ext uri="{FF2B5EF4-FFF2-40B4-BE49-F238E27FC236}">
-                  <a16:creationId xmlns:a16="http://schemas.microsoft.com/office/drawing/2014/main" xmlns="" id="{41B169CF-1DA2-49FF-A171-CA3011076EC0}"/>
+                  <a16:creationId xmlns:a16="http://schemas.microsoft.com/office/drawing/2014/main" id="{41B169CF-1DA2-49FF-A171-CA3011076EC0}"/>
                 </a:ext>
               </a:extLst>
             </p:cNvPr>
@@ -10769,7 +10767,7 @@
               </a:solidFill>
               <a:extLst>
                 <a:ext uri="{C807C97D-BFC1-408E-A445-0C87EB9F89A2}">
-                  <ask:lineSketchStyleProps xmlns:ask="http://schemas.microsoft.com/office/drawing/2018/sketchyshapes" xmlns="" sd="1219033472">
+                  <ask:lineSketchStyleProps xmlns:ask="http://schemas.microsoft.com/office/drawing/2018/sketchyshapes" sd="1219033472">
                     <a:prstGeom prst="rect">
                       <a:avLst/>
                     </a:prstGeom>
@@ -10849,7 +10847,7 @@
           <p:cNvPr id="18" name="Text Placeholder 17">
             <a:extLst>
               <a:ext uri="{FF2B5EF4-FFF2-40B4-BE49-F238E27FC236}">
-                <a16:creationId xmlns:a16="http://schemas.microsoft.com/office/drawing/2014/main" xmlns="" id="{34EE5573-A9CB-4BD1-BEAD-BE9DA2AD4B65}"/>
+                <a16:creationId xmlns:a16="http://schemas.microsoft.com/office/drawing/2014/main" id="{34EE5573-A9CB-4BD1-BEAD-BE9DA2AD4B65}"/>
               </a:ext>
             </a:extLst>
           </p:cNvPr>
@@ -10945,7 +10943,7 @@
           <p:cNvPr id="15" name="Text Placeholder 17">
             <a:extLst>
               <a:ext uri="{FF2B5EF4-FFF2-40B4-BE49-F238E27FC236}">
-                <a16:creationId xmlns:a16="http://schemas.microsoft.com/office/drawing/2014/main" xmlns="" id="{34EE5573-A9CB-4BD1-BEAD-BE9DA2AD4B65}"/>
+                <a16:creationId xmlns:a16="http://schemas.microsoft.com/office/drawing/2014/main" id="{34EE5573-A9CB-4BD1-BEAD-BE9DA2AD4B65}"/>
               </a:ext>
             </a:extLst>
           </p:cNvPr>
@@ -11045,7 +11043,7 @@
           <p:cNvPr id="6" name="Slide Number Placeholder 5">
             <a:extLst>
               <a:ext uri="{FF2B5EF4-FFF2-40B4-BE49-F238E27FC236}">
-                <a16:creationId xmlns:a16="http://schemas.microsoft.com/office/drawing/2014/main" xmlns="" id="{07D21F40-B884-4EB9-990B-7ACFD96EAC60}"/>
+                <a16:creationId xmlns:a16="http://schemas.microsoft.com/office/drawing/2014/main" id="{07D21F40-B884-4EB9-990B-7ACFD96EAC60}"/>
               </a:ext>
             </a:extLst>
           </p:cNvPr>
@@ -11079,7 +11077,7 @@
           <p:cNvPr id="7" name="Title 1">
             <a:extLst>
               <a:ext uri="{FF2B5EF4-FFF2-40B4-BE49-F238E27FC236}">
-                <a16:creationId xmlns:a16="http://schemas.microsoft.com/office/drawing/2014/main" xmlns="" id="{03B777CA-3AD4-4055-A6F3-D229173E3BA8}"/>
+                <a16:creationId xmlns:a16="http://schemas.microsoft.com/office/drawing/2014/main" id="{03B777CA-3AD4-4055-A6F3-D229173E3BA8}"/>
               </a:ext>
             </a:extLst>
           </p:cNvPr>
@@ -11135,7 +11133,7 @@
           <p:cNvPr id="8" name="Picture 7">
             <a:extLst>
               <a:ext uri="{FF2B5EF4-FFF2-40B4-BE49-F238E27FC236}">
-                <a16:creationId xmlns:a16="http://schemas.microsoft.com/office/drawing/2014/main" xmlns="" id="{6A0BBE32-C829-4534-92AA-0A9402AC06A8}"/>
+                <a16:creationId xmlns:a16="http://schemas.microsoft.com/office/drawing/2014/main" id="{6A0BBE32-C829-4534-92AA-0A9402AC06A8}"/>
               </a:ext>
             </a:extLst>
           </p:cNvPr>
@@ -11177,7 +11175,7 @@
           <p:cNvPr id="10" name="Straight Connector 9">
             <a:extLst>
               <a:ext uri="{FF2B5EF4-FFF2-40B4-BE49-F238E27FC236}">
-                <a16:creationId xmlns:a16="http://schemas.microsoft.com/office/drawing/2014/main" xmlns="" id="{2BB05C14-85FE-410B-8AD5-1D038FDD03F1}"/>
+                <a16:creationId xmlns:a16="http://schemas.microsoft.com/office/drawing/2014/main" id="{2BB05C14-85FE-410B-8AD5-1D038FDD03F1}"/>
               </a:ext>
             </a:extLst>
           </p:cNvPr>
@@ -11222,7 +11220,7 @@
           <p:cNvPr id="11" name="Group 10">
             <a:extLst>
               <a:ext uri="{FF2B5EF4-FFF2-40B4-BE49-F238E27FC236}">
-                <a16:creationId xmlns:a16="http://schemas.microsoft.com/office/drawing/2014/main" xmlns="" id="{A3D46243-E60C-4C42-8F85-FC3B9343AFAF}"/>
+                <a16:creationId xmlns:a16="http://schemas.microsoft.com/office/drawing/2014/main" id="{A3D46243-E60C-4C42-8F85-FC3B9343AFAF}"/>
               </a:ext>
             </a:extLst>
           </p:cNvPr>
@@ -11242,7 +11240,7 @@
             <p:cNvPr id="12" name="Rectangle 11">
               <a:extLst>
                 <a:ext uri="{FF2B5EF4-FFF2-40B4-BE49-F238E27FC236}">
-                  <a16:creationId xmlns:a16="http://schemas.microsoft.com/office/drawing/2014/main" xmlns="" id="{329F7269-A063-44EA-B098-36C03E952B4A}"/>
+                  <a16:creationId xmlns:a16="http://schemas.microsoft.com/office/drawing/2014/main" id="{329F7269-A063-44EA-B098-36C03E952B4A}"/>
                 </a:ext>
               </a:extLst>
             </p:cNvPr>
@@ -11296,7 +11294,7 @@
             <p:cNvPr id="13" name="Subtitle 2">
               <a:extLst>
                 <a:ext uri="{FF2B5EF4-FFF2-40B4-BE49-F238E27FC236}">
-                  <a16:creationId xmlns:a16="http://schemas.microsoft.com/office/drawing/2014/main" xmlns="" id="{FC20886B-EE56-477E-B213-33D73F60992C}"/>
+                  <a16:creationId xmlns:a16="http://schemas.microsoft.com/office/drawing/2014/main" id="{FC20886B-EE56-477E-B213-33D73F60992C}"/>
                 </a:ext>
               </a:extLst>
             </p:cNvPr>
@@ -11506,7 +11504,7 @@
             <p:cNvPr id="14" name="Rectangle 13">
               <a:extLst>
                 <a:ext uri="{FF2B5EF4-FFF2-40B4-BE49-F238E27FC236}">
-                  <a16:creationId xmlns:a16="http://schemas.microsoft.com/office/drawing/2014/main" xmlns="" id="{41B169CF-1DA2-49FF-A171-CA3011076EC0}"/>
+                  <a16:creationId xmlns:a16="http://schemas.microsoft.com/office/drawing/2014/main" id="{41B169CF-1DA2-49FF-A171-CA3011076EC0}"/>
                 </a:ext>
               </a:extLst>
             </p:cNvPr>
@@ -11704,7 +11702,7 @@
               </a:solidFill>
               <a:extLst>
                 <a:ext uri="{C807C97D-BFC1-408E-A445-0C87EB9F89A2}">
-                  <ask:lineSketchStyleProps xmlns:ask="http://schemas.microsoft.com/office/drawing/2018/sketchyshapes" xmlns="" sd="1219033472">
+                  <ask:lineSketchStyleProps xmlns:ask="http://schemas.microsoft.com/office/drawing/2018/sketchyshapes" sd="1219033472">
                     <a:prstGeom prst="rect">
                       <a:avLst/>
                     </a:prstGeom>
@@ -11784,7 +11782,7 @@
           <p:cNvPr id="18" name="Text Placeholder 17">
             <a:extLst>
               <a:ext uri="{FF2B5EF4-FFF2-40B4-BE49-F238E27FC236}">
-                <a16:creationId xmlns:a16="http://schemas.microsoft.com/office/drawing/2014/main" xmlns="" id="{34EE5573-A9CB-4BD1-BEAD-BE9DA2AD4B65}"/>
+                <a16:creationId xmlns:a16="http://schemas.microsoft.com/office/drawing/2014/main" id="{34EE5573-A9CB-4BD1-BEAD-BE9DA2AD4B65}"/>
               </a:ext>
             </a:extLst>
           </p:cNvPr>
@@ -11852,7 +11850,7 @@
           <p:cNvPr id="20" name="Text Placeholder 17">
             <a:extLst>
               <a:ext uri="{FF2B5EF4-FFF2-40B4-BE49-F238E27FC236}">
-                <a16:creationId xmlns:a16="http://schemas.microsoft.com/office/drawing/2014/main" xmlns="" id="{D405074A-E0C4-4294-A5E4-68039E1DF60D}"/>
+                <a16:creationId xmlns:a16="http://schemas.microsoft.com/office/drawing/2014/main" id="{D405074A-E0C4-4294-A5E4-68039E1DF60D}"/>
               </a:ext>
             </a:extLst>
           </p:cNvPr>
@@ -11922,7 +11920,7 @@
           <p:cNvPr id="3" name="Picture Placeholder 2">
             <a:extLst>
               <a:ext uri="{FF2B5EF4-FFF2-40B4-BE49-F238E27FC236}">
-                <a16:creationId xmlns:a16="http://schemas.microsoft.com/office/drawing/2014/main" xmlns="" id="{2F14F5B9-510A-4D5A-82FC-79B9376B2E70}"/>
+                <a16:creationId xmlns:a16="http://schemas.microsoft.com/office/drawing/2014/main" id="{2F14F5B9-510A-4D5A-82FC-79B9376B2E70}"/>
               </a:ext>
             </a:extLst>
           </p:cNvPr>
@@ -11985,7 +11983,7 @@
           <p:cNvPr id="6" name="Slide Number Placeholder 5">
             <a:extLst>
               <a:ext uri="{FF2B5EF4-FFF2-40B4-BE49-F238E27FC236}">
-                <a16:creationId xmlns:a16="http://schemas.microsoft.com/office/drawing/2014/main" xmlns="" id="{07D21F40-B884-4EB9-990B-7ACFD96EAC60}"/>
+                <a16:creationId xmlns:a16="http://schemas.microsoft.com/office/drawing/2014/main" id="{07D21F40-B884-4EB9-990B-7ACFD96EAC60}"/>
               </a:ext>
             </a:extLst>
           </p:cNvPr>
@@ -12019,7 +12017,7 @@
           <p:cNvPr id="7" name="Title 1">
             <a:extLst>
               <a:ext uri="{FF2B5EF4-FFF2-40B4-BE49-F238E27FC236}">
-                <a16:creationId xmlns:a16="http://schemas.microsoft.com/office/drawing/2014/main" xmlns="" id="{03B777CA-3AD4-4055-A6F3-D229173E3BA8}"/>
+                <a16:creationId xmlns:a16="http://schemas.microsoft.com/office/drawing/2014/main" id="{03B777CA-3AD4-4055-A6F3-D229173E3BA8}"/>
               </a:ext>
             </a:extLst>
           </p:cNvPr>
@@ -12075,7 +12073,7 @@
           <p:cNvPr id="8" name="Picture 7">
             <a:extLst>
               <a:ext uri="{FF2B5EF4-FFF2-40B4-BE49-F238E27FC236}">
-                <a16:creationId xmlns:a16="http://schemas.microsoft.com/office/drawing/2014/main" xmlns="" id="{6A0BBE32-C829-4534-92AA-0A9402AC06A8}"/>
+                <a16:creationId xmlns:a16="http://schemas.microsoft.com/office/drawing/2014/main" id="{6A0BBE32-C829-4534-92AA-0A9402AC06A8}"/>
               </a:ext>
             </a:extLst>
           </p:cNvPr>
@@ -12117,7 +12115,7 @@
           <p:cNvPr id="11" name="Group 10">
             <a:extLst>
               <a:ext uri="{FF2B5EF4-FFF2-40B4-BE49-F238E27FC236}">
-                <a16:creationId xmlns:a16="http://schemas.microsoft.com/office/drawing/2014/main" xmlns="" id="{A3D46243-E60C-4C42-8F85-FC3B9343AFAF}"/>
+                <a16:creationId xmlns:a16="http://schemas.microsoft.com/office/drawing/2014/main" id="{A3D46243-E60C-4C42-8F85-FC3B9343AFAF}"/>
               </a:ext>
             </a:extLst>
           </p:cNvPr>
@@ -12137,7 +12135,7 @@
             <p:cNvPr id="12" name="Rectangle 11">
               <a:extLst>
                 <a:ext uri="{FF2B5EF4-FFF2-40B4-BE49-F238E27FC236}">
-                  <a16:creationId xmlns:a16="http://schemas.microsoft.com/office/drawing/2014/main" xmlns="" id="{329F7269-A063-44EA-B098-36C03E952B4A}"/>
+                  <a16:creationId xmlns:a16="http://schemas.microsoft.com/office/drawing/2014/main" id="{329F7269-A063-44EA-B098-36C03E952B4A}"/>
                 </a:ext>
               </a:extLst>
             </p:cNvPr>
@@ -12191,7 +12189,7 @@
             <p:cNvPr id="13" name="Subtitle 2">
               <a:extLst>
                 <a:ext uri="{FF2B5EF4-FFF2-40B4-BE49-F238E27FC236}">
-                  <a16:creationId xmlns:a16="http://schemas.microsoft.com/office/drawing/2014/main" xmlns="" id="{FC20886B-EE56-477E-B213-33D73F60992C}"/>
+                  <a16:creationId xmlns:a16="http://schemas.microsoft.com/office/drawing/2014/main" id="{FC20886B-EE56-477E-B213-33D73F60992C}"/>
                 </a:ext>
               </a:extLst>
             </p:cNvPr>
@@ -12401,7 +12399,7 @@
             <p:cNvPr id="14" name="Rectangle 13">
               <a:extLst>
                 <a:ext uri="{FF2B5EF4-FFF2-40B4-BE49-F238E27FC236}">
-                  <a16:creationId xmlns:a16="http://schemas.microsoft.com/office/drawing/2014/main" xmlns="" id="{41B169CF-1DA2-49FF-A171-CA3011076EC0}"/>
+                  <a16:creationId xmlns:a16="http://schemas.microsoft.com/office/drawing/2014/main" id="{41B169CF-1DA2-49FF-A171-CA3011076EC0}"/>
                 </a:ext>
               </a:extLst>
             </p:cNvPr>
@@ -12599,7 +12597,7 @@
               </a:solidFill>
               <a:extLst>
                 <a:ext uri="{C807C97D-BFC1-408E-A445-0C87EB9F89A2}">
-                  <ask:lineSketchStyleProps xmlns:ask="http://schemas.microsoft.com/office/drawing/2018/sketchyshapes" xmlns="" sd="1219033472">
+                  <ask:lineSketchStyleProps xmlns:ask="http://schemas.microsoft.com/office/drawing/2018/sketchyshapes" sd="1219033472">
                     <a:prstGeom prst="rect">
                       <a:avLst/>
                     </a:prstGeom>
@@ -12679,7 +12677,7 @@
           <p:cNvPr id="18" name="Text Placeholder 17">
             <a:extLst>
               <a:ext uri="{FF2B5EF4-FFF2-40B4-BE49-F238E27FC236}">
-                <a16:creationId xmlns:a16="http://schemas.microsoft.com/office/drawing/2014/main" xmlns="" id="{34EE5573-A9CB-4BD1-BEAD-BE9DA2AD4B65}"/>
+                <a16:creationId xmlns:a16="http://schemas.microsoft.com/office/drawing/2014/main" id="{34EE5573-A9CB-4BD1-BEAD-BE9DA2AD4B65}"/>
               </a:ext>
             </a:extLst>
           </p:cNvPr>
@@ -12747,7 +12745,7 @@
           <p:cNvPr id="3" name="Picture Placeholder 2">
             <a:extLst>
               <a:ext uri="{FF2B5EF4-FFF2-40B4-BE49-F238E27FC236}">
-                <a16:creationId xmlns:a16="http://schemas.microsoft.com/office/drawing/2014/main" xmlns="" id="{2F14F5B9-510A-4D5A-82FC-79B9376B2E70}"/>
+                <a16:creationId xmlns:a16="http://schemas.microsoft.com/office/drawing/2014/main" id="{2F14F5B9-510A-4D5A-82FC-79B9376B2E70}"/>
               </a:ext>
             </a:extLst>
           </p:cNvPr>
@@ -12810,7 +12808,7 @@
           <p:cNvPr id="2" name="Title 1">
             <a:extLst>
               <a:ext uri="{FF2B5EF4-FFF2-40B4-BE49-F238E27FC236}">
-                <a16:creationId xmlns:a16="http://schemas.microsoft.com/office/drawing/2014/main" xmlns="" id="{8E7BDE40-4BCA-4C56-93FF-F8764A08C034}"/>
+                <a16:creationId xmlns:a16="http://schemas.microsoft.com/office/drawing/2014/main" id="{8E7BDE40-4BCA-4C56-93FF-F8764A08C034}"/>
               </a:ext>
             </a:extLst>
           </p:cNvPr>
@@ -12838,7 +12836,7 @@
           <p:cNvPr id="3" name="Content Placeholder 2">
             <a:extLst>
               <a:ext uri="{FF2B5EF4-FFF2-40B4-BE49-F238E27FC236}">
-                <a16:creationId xmlns:a16="http://schemas.microsoft.com/office/drawing/2014/main" xmlns="" id="{0529D98C-6468-4128-B47F-A8D94FCEE6DB}"/>
+                <a16:creationId xmlns:a16="http://schemas.microsoft.com/office/drawing/2014/main" id="{0529D98C-6468-4128-B47F-A8D94FCEE6DB}"/>
               </a:ext>
             </a:extLst>
           </p:cNvPr>
@@ -12900,7 +12898,7 @@
           <p:cNvPr id="4" name="Content Placeholder 3">
             <a:extLst>
               <a:ext uri="{FF2B5EF4-FFF2-40B4-BE49-F238E27FC236}">
-                <a16:creationId xmlns:a16="http://schemas.microsoft.com/office/drawing/2014/main" xmlns="" id="{4CBEEB5D-817C-45C5-B6D7-BC06D459228A}"/>
+                <a16:creationId xmlns:a16="http://schemas.microsoft.com/office/drawing/2014/main" id="{4CBEEB5D-817C-45C5-B6D7-BC06D459228A}"/>
               </a:ext>
             </a:extLst>
           </p:cNvPr>
@@ -12962,7 +12960,7 @@
           <p:cNvPr id="5" name="Date Placeholder 4">
             <a:extLst>
               <a:ext uri="{FF2B5EF4-FFF2-40B4-BE49-F238E27FC236}">
-                <a16:creationId xmlns:a16="http://schemas.microsoft.com/office/drawing/2014/main" xmlns="" id="{59CAFE06-E0F6-433B-B431-DB140A8FA4A3}"/>
+                <a16:creationId xmlns:a16="http://schemas.microsoft.com/office/drawing/2014/main" id="{59CAFE06-E0F6-433B-B431-DB140A8FA4A3}"/>
               </a:ext>
             </a:extLst>
           </p:cNvPr>
@@ -12980,7 +12978,7 @@
           <a:p>
             <a:fld id="{F1DB05E7-376B-42E9-BFB9-A2253E2039EB}" type="datetimeFigureOut">
               <a:rPr lang="en-US" smtClean="0"/>
-              <a:t>2/4/20</a:t>
+              <a:t>9/8/20</a:t>
             </a:fld>
             <a:endParaRPr lang="en-US"/>
           </a:p>
@@ -12991,7 +12989,7 @@
           <p:cNvPr id="6" name="Footer Placeholder 5">
             <a:extLst>
               <a:ext uri="{FF2B5EF4-FFF2-40B4-BE49-F238E27FC236}">
-                <a16:creationId xmlns:a16="http://schemas.microsoft.com/office/drawing/2014/main" xmlns="" id="{6619226A-A3B3-4461-8A66-B33065D90C4B}"/>
+                <a16:creationId xmlns:a16="http://schemas.microsoft.com/office/drawing/2014/main" id="{6619226A-A3B3-4461-8A66-B33065D90C4B}"/>
               </a:ext>
             </a:extLst>
           </p:cNvPr>
@@ -13016,7 +13014,7 @@
           <p:cNvPr id="7" name="Slide Number Placeholder 6">
             <a:extLst>
               <a:ext uri="{FF2B5EF4-FFF2-40B4-BE49-F238E27FC236}">
-                <a16:creationId xmlns:a16="http://schemas.microsoft.com/office/drawing/2014/main" xmlns="" id="{0D507117-1063-44AD-BD8B-B27F964139D6}"/>
+                <a16:creationId xmlns:a16="http://schemas.microsoft.com/office/drawing/2014/main" id="{0D507117-1063-44AD-BD8B-B27F964139D6}"/>
               </a:ext>
             </a:extLst>
           </p:cNvPr>
@@ -13075,7 +13073,7 @@
           <p:cNvPr id="2" name="Title 1">
             <a:extLst>
               <a:ext uri="{FF2B5EF4-FFF2-40B4-BE49-F238E27FC236}">
-                <a16:creationId xmlns:a16="http://schemas.microsoft.com/office/drawing/2014/main" xmlns="" id="{AB17CEB9-76FD-4489-A547-D148A97CD09C}"/>
+                <a16:creationId xmlns:a16="http://schemas.microsoft.com/office/drawing/2014/main" id="{AB17CEB9-76FD-4489-A547-D148A97CD09C}"/>
               </a:ext>
             </a:extLst>
           </p:cNvPr>
@@ -13108,7 +13106,7 @@
           <p:cNvPr id="3" name="Text Placeholder 2">
             <a:extLst>
               <a:ext uri="{FF2B5EF4-FFF2-40B4-BE49-F238E27FC236}">
-                <a16:creationId xmlns:a16="http://schemas.microsoft.com/office/drawing/2014/main" xmlns="" id="{7F0821FA-BDBB-44CE-925E-6F98DAAAF7B2}"/>
+                <a16:creationId xmlns:a16="http://schemas.microsoft.com/office/drawing/2014/main" id="{7F0821FA-BDBB-44CE-925E-6F98DAAAF7B2}"/>
               </a:ext>
             </a:extLst>
           </p:cNvPr>
@@ -13179,7 +13177,7 @@
           <p:cNvPr id="4" name="Content Placeholder 3">
             <a:extLst>
               <a:ext uri="{FF2B5EF4-FFF2-40B4-BE49-F238E27FC236}">
-                <a16:creationId xmlns:a16="http://schemas.microsoft.com/office/drawing/2014/main" xmlns="" id="{94A987B2-92A3-49EA-B1F2-FAE564DF321B}"/>
+                <a16:creationId xmlns:a16="http://schemas.microsoft.com/office/drawing/2014/main" id="{94A987B2-92A3-49EA-B1F2-FAE564DF321B}"/>
               </a:ext>
             </a:extLst>
           </p:cNvPr>
@@ -13241,7 +13239,7 @@
           <p:cNvPr id="5" name="Text Placeholder 4">
             <a:extLst>
               <a:ext uri="{FF2B5EF4-FFF2-40B4-BE49-F238E27FC236}">
-                <a16:creationId xmlns:a16="http://schemas.microsoft.com/office/drawing/2014/main" xmlns="" id="{029275FB-9B9D-43F6-9B2D-9DEFE7C72D99}"/>
+                <a16:creationId xmlns:a16="http://schemas.microsoft.com/office/drawing/2014/main" id="{029275FB-9B9D-43F6-9B2D-9DEFE7C72D99}"/>
               </a:ext>
             </a:extLst>
           </p:cNvPr>
@@ -13312,7 +13310,7 @@
           <p:cNvPr id="6" name="Content Placeholder 5">
             <a:extLst>
               <a:ext uri="{FF2B5EF4-FFF2-40B4-BE49-F238E27FC236}">
-                <a16:creationId xmlns:a16="http://schemas.microsoft.com/office/drawing/2014/main" xmlns="" id="{880EAD8C-7AC9-4618-80AF-C45AB356773D}"/>
+                <a16:creationId xmlns:a16="http://schemas.microsoft.com/office/drawing/2014/main" id="{880EAD8C-7AC9-4618-80AF-C45AB356773D}"/>
               </a:ext>
             </a:extLst>
           </p:cNvPr>
@@ -13374,7 +13372,7 @@
           <p:cNvPr id="7" name="Date Placeholder 6">
             <a:extLst>
               <a:ext uri="{FF2B5EF4-FFF2-40B4-BE49-F238E27FC236}">
-                <a16:creationId xmlns:a16="http://schemas.microsoft.com/office/drawing/2014/main" xmlns="" id="{703315E4-EE7E-48CE-9952-4BE6A8C50260}"/>
+                <a16:creationId xmlns:a16="http://schemas.microsoft.com/office/drawing/2014/main" id="{703315E4-EE7E-48CE-9952-4BE6A8C50260}"/>
               </a:ext>
             </a:extLst>
           </p:cNvPr>
@@ -13392,7 +13390,7 @@
           <a:p>
             <a:fld id="{F1DB05E7-376B-42E9-BFB9-A2253E2039EB}" type="datetimeFigureOut">
               <a:rPr lang="en-US" smtClean="0"/>
-              <a:t>2/4/20</a:t>
+              <a:t>9/8/20</a:t>
             </a:fld>
             <a:endParaRPr lang="en-US"/>
           </a:p>
@@ -13403,7 +13401,7 @@
           <p:cNvPr id="8" name="Footer Placeholder 7">
             <a:extLst>
               <a:ext uri="{FF2B5EF4-FFF2-40B4-BE49-F238E27FC236}">
-                <a16:creationId xmlns:a16="http://schemas.microsoft.com/office/drawing/2014/main" xmlns="" id="{E81804EE-6320-4D09-AA4E-17A5D5EC800E}"/>
+                <a16:creationId xmlns:a16="http://schemas.microsoft.com/office/drawing/2014/main" id="{E81804EE-6320-4D09-AA4E-17A5D5EC800E}"/>
               </a:ext>
             </a:extLst>
           </p:cNvPr>
@@ -13428,7 +13426,7 @@
           <p:cNvPr id="9" name="Slide Number Placeholder 8">
             <a:extLst>
               <a:ext uri="{FF2B5EF4-FFF2-40B4-BE49-F238E27FC236}">
-                <a16:creationId xmlns:a16="http://schemas.microsoft.com/office/drawing/2014/main" xmlns="" id="{B73D3369-B232-4B10-9152-AE9E72299889}"/>
+                <a16:creationId xmlns:a16="http://schemas.microsoft.com/office/drawing/2014/main" id="{B73D3369-B232-4B10-9152-AE9E72299889}"/>
               </a:ext>
             </a:extLst>
           </p:cNvPr>
@@ -13487,7 +13485,7 @@
           <p:cNvPr id="2" name="Title 1">
             <a:extLst>
               <a:ext uri="{FF2B5EF4-FFF2-40B4-BE49-F238E27FC236}">
-                <a16:creationId xmlns:a16="http://schemas.microsoft.com/office/drawing/2014/main" xmlns="" id="{534ECC1D-978C-4656-926C-7005F7C24A6C}"/>
+                <a16:creationId xmlns:a16="http://schemas.microsoft.com/office/drawing/2014/main" id="{534ECC1D-978C-4656-926C-7005F7C24A6C}"/>
               </a:ext>
             </a:extLst>
           </p:cNvPr>
@@ -13515,7 +13513,7 @@
           <p:cNvPr id="3" name="Date Placeholder 2">
             <a:extLst>
               <a:ext uri="{FF2B5EF4-FFF2-40B4-BE49-F238E27FC236}">
-                <a16:creationId xmlns:a16="http://schemas.microsoft.com/office/drawing/2014/main" xmlns="" id="{9922DB57-28C0-4337-B98F-4880BC5F9EF0}"/>
+                <a16:creationId xmlns:a16="http://schemas.microsoft.com/office/drawing/2014/main" id="{9922DB57-28C0-4337-B98F-4880BC5F9EF0}"/>
               </a:ext>
             </a:extLst>
           </p:cNvPr>
@@ -13533,7 +13531,7 @@
           <a:p>
             <a:fld id="{F1DB05E7-376B-42E9-BFB9-A2253E2039EB}" type="datetimeFigureOut">
               <a:rPr lang="en-US" smtClean="0"/>
-              <a:t>2/4/20</a:t>
+              <a:t>9/8/20</a:t>
             </a:fld>
             <a:endParaRPr lang="en-US"/>
           </a:p>
@@ -13544,7 +13542,7 @@
           <p:cNvPr id="4" name="Footer Placeholder 3">
             <a:extLst>
               <a:ext uri="{FF2B5EF4-FFF2-40B4-BE49-F238E27FC236}">
-                <a16:creationId xmlns:a16="http://schemas.microsoft.com/office/drawing/2014/main" xmlns="" id="{7C9A6C94-5C84-4C4D-8E46-BBCA87D0916F}"/>
+                <a16:creationId xmlns:a16="http://schemas.microsoft.com/office/drawing/2014/main" id="{7C9A6C94-5C84-4C4D-8E46-BBCA87D0916F}"/>
               </a:ext>
             </a:extLst>
           </p:cNvPr>
@@ -13569,7 +13567,7 @@
           <p:cNvPr id="5" name="Slide Number Placeholder 4">
             <a:extLst>
               <a:ext uri="{FF2B5EF4-FFF2-40B4-BE49-F238E27FC236}">
-                <a16:creationId xmlns:a16="http://schemas.microsoft.com/office/drawing/2014/main" xmlns="" id="{FE31DCEC-5A87-4EC1-8C3D-3834F06B255D}"/>
+                <a16:creationId xmlns:a16="http://schemas.microsoft.com/office/drawing/2014/main" id="{FE31DCEC-5A87-4EC1-8C3D-3834F06B255D}"/>
               </a:ext>
             </a:extLst>
           </p:cNvPr>
@@ -13628,7 +13626,7 @@
           <p:cNvPr id="2" name="Date Placeholder 1">
             <a:extLst>
               <a:ext uri="{FF2B5EF4-FFF2-40B4-BE49-F238E27FC236}">
-                <a16:creationId xmlns:a16="http://schemas.microsoft.com/office/drawing/2014/main" xmlns="" id="{AECF1389-A811-4CC3-9757-E404BCCDAB91}"/>
+                <a16:creationId xmlns:a16="http://schemas.microsoft.com/office/drawing/2014/main" id="{AECF1389-A811-4CC3-9757-E404BCCDAB91}"/>
               </a:ext>
             </a:extLst>
           </p:cNvPr>
@@ -13646,7 +13644,7 @@
           <a:p>
             <a:fld id="{F1DB05E7-376B-42E9-BFB9-A2253E2039EB}" type="datetimeFigureOut">
               <a:rPr lang="en-US" smtClean="0"/>
-              <a:t>2/4/20</a:t>
+              <a:t>9/8/20</a:t>
             </a:fld>
             <a:endParaRPr lang="en-US"/>
           </a:p>
@@ -13657,7 +13655,7 @@
           <p:cNvPr id="3" name="Footer Placeholder 2">
             <a:extLst>
               <a:ext uri="{FF2B5EF4-FFF2-40B4-BE49-F238E27FC236}">
-                <a16:creationId xmlns:a16="http://schemas.microsoft.com/office/drawing/2014/main" xmlns="" id="{9F5D00A7-E11B-4283-80FC-E96FC47FE1BD}"/>
+                <a16:creationId xmlns:a16="http://schemas.microsoft.com/office/drawing/2014/main" id="{9F5D00A7-E11B-4283-80FC-E96FC47FE1BD}"/>
               </a:ext>
             </a:extLst>
           </p:cNvPr>
@@ -13682,7 +13680,7 @@
           <p:cNvPr id="4" name="Slide Number Placeholder 3">
             <a:extLst>
               <a:ext uri="{FF2B5EF4-FFF2-40B4-BE49-F238E27FC236}">
-                <a16:creationId xmlns:a16="http://schemas.microsoft.com/office/drawing/2014/main" xmlns="" id="{19DDECAC-1BA0-45DD-9410-D7C82A52BCEC}"/>
+                <a16:creationId xmlns:a16="http://schemas.microsoft.com/office/drawing/2014/main" id="{19DDECAC-1BA0-45DD-9410-D7C82A52BCEC}"/>
               </a:ext>
             </a:extLst>
           </p:cNvPr>
@@ -13741,7 +13739,7 @@
           <p:cNvPr id="2" name="Title 1">
             <a:extLst>
               <a:ext uri="{FF2B5EF4-FFF2-40B4-BE49-F238E27FC236}">
-                <a16:creationId xmlns:a16="http://schemas.microsoft.com/office/drawing/2014/main" xmlns="" id="{B0A79B95-E114-4974-ACFC-32C726FECCBA}"/>
+                <a16:creationId xmlns:a16="http://schemas.microsoft.com/office/drawing/2014/main" id="{B0A79B95-E114-4974-ACFC-32C726FECCBA}"/>
               </a:ext>
             </a:extLst>
           </p:cNvPr>
@@ -13778,7 +13776,7 @@
           <p:cNvPr id="3" name="Content Placeholder 2">
             <a:extLst>
               <a:ext uri="{FF2B5EF4-FFF2-40B4-BE49-F238E27FC236}">
-                <a16:creationId xmlns:a16="http://schemas.microsoft.com/office/drawing/2014/main" xmlns="" id="{FD85E4DD-5A43-422E-8374-D240F26B105D}"/>
+                <a16:creationId xmlns:a16="http://schemas.microsoft.com/office/drawing/2014/main" id="{FD85E4DD-5A43-422E-8374-D240F26B105D}"/>
               </a:ext>
             </a:extLst>
           </p:cNvPr>
@@ -13868,7 +13866,7 @@
           <p:cNvPr id="4" name="Text Placeholder 3">
             <a:extLst>
               <a:ext uri="{FF2B5EF4-FFF2-40B4-BE49-F238E27FC236}">
-                <a16:creationId xmlns:a16="http://schemas.microsoft.com/office/drawing/2014/main" xmlns="" id="{FE51926F-A9C9-425F-AE43-144A72CF4346}"/>
+                <a16:creationId xmlns:a16="http://schemas.microsoft.com/office/drawing/2014/main" id="{FE51926F-A9C9-425F-AE43-144A72CF4346}"/>
               </a:ext>
             </a:extLst>
           </p:cNvPr>
@@ -13939,7 +13937,7 @@
           <p:cNvPr id="5" name="Date Placeholder 4">
             <a:extLst>
               <a:ext uri="{FF2B5EF4-FFF2-40B4-BE49-F238E27FC236}">
-                <a16:creationId xmlns:a16="http://schemas.microsoft.com/office/drawing/2014/main" xmlns="" id="{40F62D3E-3BB5-4FE4-9797-5CE62527EFA2}"/>
+                <a16:creationId xmlns:a16="http://schemas.microsoft.com/office/drawing/2014/main" id="{40F62D3E-3BB5-4FE4-9797-5CE62527EFA2}"/>
               </a:ext>
             </a:extLst>
           </p:cNvPr>
@@ -13957,7 +13955,7 @@
           <a:p>
             <a:fld id="{F1DB05E7-376B-42E9-BFB9-A2253E2039EB}" type="datetimeFigureOut">
               <a:rPr lang="en-US" smtClean="0"/>
-              <a:t>2/4/20</a:t>
+              <a:t>9/8/20</a:t>
             </a:fld>
             <a:endParaRPr lang="en-US"/>
           </a:p>
@@ -13968,7 +13966,7 @@
           <p:cNvPr id="6" name="Footer Placeholder 5">
             <a:extLst>
               <a:ext uri="{FF2B5EF4-FFF2-40B4-BE49-F238E27FC236}">
-                <a16:creationId xmlns:a16="http://schemas.microsoft.com/office/drawing/2014/main" xmlns="" id="{CF10E72E-180F-4EF1-84EB-73F7A487B617}"/>
+                <a16:creationId xmlns:a16="http://schemas.microsoft.com/office/drawing/2014/main" id="{CF10E72E-180F-4EF1-84EB-73F7A487B617}"/>
               </a:ext>
             </a:extLst>
           </p:cNvPr>
@@ -13993,7 +13991,7 @@
           <p:cNvPr id="7" name="Slide Number Placeholder 6">
             <a:extLst>
               <a:ext uri="{FF2B5EF4-FFF2-40B4-BE49-F238E27FC236}">
-                <a16:creationId xmlns:a16="http://schemas.microsoft.com/office/drawing/2014/main" xmlns="" id="{94F1A70E-C0D7-4B23-AFCC-8A4BF5F3B612}"/>
+                <a16:creationId xmlns:a16="http://schemas.microsoft.com/office/drawing/2014/main" id="{94F1A70E-C0D7-4B23-AFCC-8A4BF5F3B612}"/>
               </a:ext>
             </a:extLst>
           </p:cNvPr>
@@ -14052,7 +14050,7 @@
           <p:cNvPr id="2" name="Title 1">
             <a:extLst>
               <a:ext uri="{FF2B5EF4-FFF2-40B4-BE49-F238E27FC236}">
-                <a16:creationId xmlns:a16="http://schemas.microsoft.com/office/drawing/2014/main" xmlns="" id="{0E8293A6-9CB5-47D8-BD15-81410E149BF6}"/>
+                <a16:creationId xmlns:a16="http://schemas.microsoft.com/office/drawing/2014/main" id="{0E8293A6-9CB5-47D8-BD15-81410E149BF6}"/>
               </a:ext>
             </a:extLst>
           </p:cNvPr>
@@ -14089,7 +14087,7 @@
           <p:cNvPr id="3" name="Picture Placeholder 2">
             <a:extLst>
               <a:ext uri="{FF2B5EF4-FFF2-40B4-BE49-F238E27FC236}">
-                <a16:creationId xmlns:a16="http://schemas.microsoft.com/office/drawing/2014/main" xmlns="" id="{DA16FBD3-9EDD-49CE-B404-D47738AF9B6A}"/>
+                <a16:creationId xmlns:a16="http://schemas.microsoft.com/office/drawing/2014/main" id="{DA16FBD3-9EDD-49CE-B404-D47738AF9B6A}"/>
               </a:ext>
             </a:extLst>
           </p:cNvPr>
@@ -14156,7 +14154,7 @@
           <p:cNvPr id="4" name="Text Placeholder 3">
             <a:extLst>
               <a:ext uri="{FF2B5EF4-FFF2-40B4-BE49-F238E27FC236}">
-                <a16:creationId xmlns:a16="http://schemas.microsoft.com/office/drawing/2014/main" xmlns="" id="{9A93F8D6-E106-40B4-874C-6717036C5C24}"/>
+                <a16:creationId xmlns:a16="http://schemas.microsoft.com/office/drawing/2014/main" id="{9A93F8D6-E106-40B4-874C-6717036C5C24}"/>
               </a:ext>
             </a:extLst>
           </p:cNvPr>
@@ -14227,7 +14225,7 @@
           <p:cNvPr id="5" name="Date Placeholder 4">
             <a:extLst>
               <a:ext uri="{FF2B5EF4-FFF2-40B4-BE49-F238E27FC236}">
-                <a16:creationId xmlns:a16="http://schemas.microsoft.com/office/drawing/2014/main" xmlns="" id="{2342A0EA-C3FA-4D14-8EB9-FBE2E9799A76}"/>
+                <a16:creationId xmlns:a16="http://schemas.microsoft.com/office/drawing/2014/main" id="{2342A0EA-C3FA-4D14-8EB9-FBE2E9799A76}"/>
               </a:ext>
             </a:extLst>
           </p:cNvPr>
@@ -14245,7 +14243,7 @@
           <a:p>
             <a:fld id="{F1DB05E7-376B-42E9-BFB9-A2253E2039EB}" type="datetimeFigureOut">
               <a:rPr lang="en-US" smtClean="0"/>
-              <a:t>2/4/20</a:t>
+              <a:t>9/8/20</a:t>
             </a:fld>
             <a:endParaRPr lang="en-US"/>
           </a:p>
@@ -14256,7 +14254,7 @@
           <p:cNvPr id="6" name="Footer Placeholder 5">
             <a:extLst>
               <a:ext uri="{FF2B5EF4-FFF2-40B4-BE49-F238E27FC236}">
-                <a16:creationId xmlns:a16="http://schemas.microsoft.com/office/drawing/2014/main" xmlns="" id="{3F44ADC1-9EAA-416C-952A-4D941E4A7381}"/>
+                <a16:creationId xmlns:a16="http://schemas.microsoft.com/office/drawing/2014/main" id="{3F44ADC1-9EAA-416C-952A-4D941E4A7381}"/>
               </a:ext>
             </a:extLst>
           </p:cNvPr>
@@ -14281,7 +14279,7 @@
           <p:cNvPr id="7" name="Slide Number Placeholder 6">
             <a:extLst>
               <a:ext uri="{FF2B5EF4-FFF2-40B4-BE49-F238E27FC236}">
-                <a16:creationId xmlns:a16="http://schemas.microsoft.com/office/drawing/2014/main" xmlns="" id="{33BA87F3-3F76-44AD-8E43-0F584B922842}"/>
+                <a16:creationId xmlns:a16="http://schemas.microsoft.com/office/drawing/2014/main" id="{33BA87F3-3F76-44AD-8E43-0F584B922842}"/>
               </a:ext>
             </a:extLst>
           </p:cNvPr>
@@ -14345,7 +14343,7 @@
           <p:cNvPr id="2" name="Title Placeholder 1">
             <a:extLst>
               <a:ext uri="{FF2B5EF4-FFF2-40B4-BE49-F238E27FC236}">
-                <a16:creationId xmlns:a16="http://schemas.microsoft.com/office/drawing/2014/main" xmlns="" id="{90A1AB2E-16A6-4887-876A-49594E6150CB}"/>
+                <a16:creationId xmlns:a16="http://schemas.microsoft.com/office/drawing/2014/main" id="{90A1AB2E-16A6-4887-876A-49594E6150CB}"/>
               </a:ext>
             </a:extLst>
           </p:cNvPr>
@@ -14383,7 +14381,7 @@
           <p:cNvPr id="3" name="Text Placeholder 2">
             <a:extLst>
               <a:ext uri="{FF2B5EF4-FFF2-40B4-BE49-F238E27FC236}">
-                <a16:creationId xmlns:a16="http://schemas.microsoft.com/office/drawing/2014/main" xmlns="" id="{42E453CE-7404-45C9-A80F-8105D4ECD86D}"/>
+                <a16:creationId xmlns:a16="http://schemas.microsoft.com/office/drawing/2014/main" id="{42E453CE-7404-45C9-A80F-8105D4ECD86D}"/>
               </a:ext>
             </a:extLst>
           </p:cNvPr>
@@ -14450,7 +14448,7 @@
           <p:cNvPr id="4" name="Date Placeholder 3">
             <a:extLst>
               <a:ext uri="{FF2B5EF4-FFF2-40B4-BE49-F238E27FC236}">
-                <a16:creationId xmlns:a16="http://schemas.microsoft.com/office/drawing/2014/main" xmlns="" id="{F61D16C9-27E9-4B12-92AD-979B07A03EB2}"/>
+                <a16:creationId xmlns:a16="http://schemas.microsoft.com/office/drawing/2014/main" id="{F61D16C9-27E9-4B12-92AD-979B07A03EB2}"/>
               </a:ext>
             </a:extLst>
           </p:cNvPr>
@@ -14486,7 +14484,7 @@
           <a:p>
             <a:fld id="{F1DB05E7-376B-42E9-BFB9-A2253E2039EB}" type="datetimeFigureOut">
               <a:rPr lang="en-US" smtClean="0"/>
-              <a:t>2/4/20</a:t>
+              <a:t>9/8/20</a:t>
             </a:fld>
             <a:endParaRPr lang="en-US"/>
           </a:p>
@@ -14497,7 +14495,7 @@
           <p:cNvPr id="5" name="Footer Placeholder 4">
             <a:extLst>
               <a:ext uri="{FF2B5EF4-FFF2-40B4-BE49-F238E27FC236}">
-                <a16:creationId xmlns:a16="http://schemas.microsoft.com/office/drawing/2014/main" xmlns="" id="{0DBEED2D-1472-47E7-AEE6-C6BE70184C5A}"/>
+                <a16:creationId xmlns:a16="http://schemas.microsoft.com/office/drawing/2014/main" id="{0DBEED2D-1472-47E7-AEE6-C6BE70184C5A}"/>
               </a:ext>
             </a:extLst>
           </p:cNvPr>
@@ -14540,7 +14538,7 @@
           <p:cNvPr id="6" name="Slide Number Placeholder 5">
             <a:extLst>
               <a:ext uri="{FF2B5EF4-FFF2-40B4-BE49-F238E27FC236}">
-                <a16:creationId xmlns:a16="http://schemas.microsoft.com/office/drawing/2014/main" xmlns="" id="{C3F294B9-EA6D-4E37-B34E-497AE0FE8140}"/>
+                <a16:creationId xmlns:a16="http://schemas.microsoft.com/office/drawing/2014/main" id="{C3F294B9-EA6D-4E37-B34E-497AE0FE8140}"/>
               </a:ext>
             </a:extLst>
           </p:cNvPr>
@@ -14913,7 +14911,7 @@
           <p:cNvPr id="2" name="Title Placeholder 1">
             <a:extLst>
               <a:ext uri="{FF2B5EF4-FFF2-40B4-BE49-F238E27FC236}">
-                <a16:creationId xmlns:a16="http://schemas.microsoft.com/office/drawing/2014/main" xmlns="" id="{20097276-5F48-4683-897F-DD89001092E0}"/>
+                <a16:creationId xmlns:a16="http://schemas.microsoft.com/office/drawing/2014/main" id="{20097276-5F48-4683-897F-DD89001092E0}"/>
               </a:ext>
             </a:extLst>
           </p:cNvPr>
@@ -14951,7 +14949,7 @@
           <p:cNvPr id="3" name="Text Placeholder 2">
             <a:extLst>
               <a:ext uri="{FF2B5EF4-FFF2-40B4-BE49-F238E27FC236}">
-                <a16:creationId xmlns:a16="http://schemas.microsoft.com/office/drawing/2014/main" xmlns="" id="{913852B7-E958-4F5F-A92B-C22521B5A7DF}"/>
+                <a16:creationId xmlns:a16="http://schemas.microsoft.com/office/drawing/2014/main" id="{913852B7-E958-4F5F-A92B-C22521B5A7DF}"/>
               </a:ext>
             </a:extLst>
           </p:cNvPr>
@@ -15018,7 +15016,7 @@
           <p:cNvPr id="4" name="Date Placeholder 3">
             <a:extLst>
               <a:ext uri="{FF2B5EF4-FFF2-40B4-BE49-F238E27FC236}">
-                <a16:creationId xmlns:a16="http://schemas.microsoft.com/office/drawing/2014/main" xmlns="" id="{2CB69767-0449-4280-96CA-821753CCB301}"/>
+                <a16:creationId xmlns:a16="http://schemas.microsoft.com/office/drawing/2014/main" id="{2CB69767-0449-4280-96CA-821753CCB301}"/>
               </a:ext>
             </a:extLst>
           </p:cNvPr>
@@ -15054,7 +15052,7 @@
           <a:p>
             <a:fld id="{24935935-76DD-4851-A117-087A288262AA}" type="datetimeFigureOut">
               <a:rPr lang="en-US" smtClean="0"/>
-              <a:t>2/4/20</a:t>
+              <a:t>9/8/20</a:t>
             </a:fld>
             <a:endParaRPr lang="en-US"/>
           </a:p>
@@ -15065,7 +15063,7 @@
           <p:cNvPr id="5" name="Footer Placeholder 4">
             <a:extLst>
               <a:ext uri="{FF2B5EF4-FFF2-40B4-BE49-F238E27FC236}">
-                <a16:creationId xmlns:a16="http://schemas.microsoft.com/office/drawing/2014/main" xmlns="" id="{CF066207-82C9-416B-AE5C-16B9B98142EC}"/>
+                <a16:creationId xmlns:a16="http://schemas.microsoft.com/office/drawing/2014/main" id="{CF066207-82C9-416B-AE5C-16B9B98142EC}"/>
               </a:ext>
             </a:extLst>
           </p:cNvPr>
@@ -15108,7 +15106,7 @@
           <p:cNvPr id="6" name="Slide Number Placeholder 5">
             <a:extLst>
               <a:ext uri="{FF2B5EF4-FFF2-40B4-BE49-F238E27FC236}">
-                <a16:creationId xmlns:a16="http://schemas.microsoft.com/office/drawing/2014/main" xmlns="" id="{7C2A124F-25E6-4367-96C7-45506538E776}"/>
+                <a16:creationId xmlns:a16="http://schemas.microsoft.com/office/drawing/2014/main" id="{7C2A124F-25E6-4367-96C7-45506538E776}"/>
               </a:ext>
             </a:extLst>
           </p:cNvPr>
@@ -15514,7 +15512,7 @@
           <a:p>
             <a:fld id="{F1DB05E7-376B-42E9-BFB9-A2253E2039EB}" type="datetimeFigureOut">
               <a:rPr lang="en-US" smtClean="0"/>
-              <a:t>2/4/20</a:t>
+              <a:t>9/8/20</a:t>
             </a:fld>
             <a:endParaRPr lang="en-US"/>
           </a:p>
@@ -15900,7 +15898,7 @@
           <p:cNvPr id="5" name="Rectangle 4">
             <a:extLst>
               <a:ext uri="{FF2B5EF4-FFF2-40B4-BE49-F238E27FC236}">
-                <a16:creationId xmlns:a16="http://schemas.microsoft.com/office/drawing/2014/main" xmlns="" id="{1637FB94-059C-4EA6-A553-1FB978C79D3F}"/>
+                <a16:creationId xmlns:a16="http://schemas.microsoft.com/office/drawing/2014/main" id="{1637FB94-059C-4EA6-A553-1FB978C79D3F}"/>
               </a:ext>
             </a:extLst>
           </p:cNvPr>
@@ -15964,7 +15962,7 @@
           <p:cNvPr id="2" name="Title 1">
             <a:extLst>
               <a:ext uri="{FF2B5EF4-FFF2-40B4-BE49-F238E27FC236}">
-                <a16:creationId xmlns:a16="http://schemas.microsoft.com/office/drawing/2014/main" xmlns="" id="{411CDA50-CF96-4EC0-B465-54F452A3A102}"/>
+                <a16:creationId xmlns:a16="http://schemas.microsoft.com/office/drawing/2014/main" id="{411CDA50-CF96-4EC0-B465-54F452A3A102}"/>
               </a:ext>
             </a:extLst>
           </p:cNvPr>
@@ -15993,8 +15991,21 @@
                 <a:ea typeface="Futura" panose="02020800000000000000" pitchFamily="18" charset="0"/>
                 <a:cs typeface="Futura" panose="02020800000000000000" pitchFamily="18" charset="0"/>
               </a:rPr>
-              <a:t>Lecture 2: Environments, Virtual Machines and Containers</a:t>
-            </a:r>
+              <a:t>Lecture 2</a:t>
+            </a:r>
+            <a:r>
+              <a:rPr lang="en-US" sz="4000">
+                <a:latin typeface="Karla" panose="020F0502020204030204" pitchFamily="2" charset="0"/>
+                <a:ea typeface="Futura" panose="02020800000000000000" pitchFamily="18" charset="0"/>
+                <a:cs typeface="Futura" panose="02020800000000000000" pitchFamily="18" charset="0"/>
+              </a:rPr>
+              <a:t>: Containers</a:t>
+            </a:r>
+            <a:endParaRPr lang="en-US" sz="4000" dirty="0">
+              <a:latin typeface="Karla" panose="020F0502020204030204" pitchFamily="2" charset="0"/>
+              <a:ea typeface="Futura" panose="02020800000000000000" pitchFamily="18" charset="0"/>
+              <a:cs typeface="Futura" panose="02020800000000000000" pitchFamily="18" charset="0"/>
+            </a:endParaRPr>
           </a:p>
         </p:txBody>
       </p:sp>
@@ -16003,7 +16014,7 @@
           <p:cNvPr id="3" name="Subtitle 2">
             <a:extLst>
               <a:ext uri="{FF2B5EF4-FFF2-40B4-BE49-F238E27FC236}">
-                <a16:creationId xmlns:a16="http://schemas.microsoft.com/office/drawing/2014/main" xmlns="" id="{7E285106-558C-4A6C-94DC-B85D920FDF44}"/>
+                <a16:creationId xmlns:a16="http://schemas.microsoft.com/office/drawing/2014/main" id="{7E285106-558C-4A6C-94DC-B85D920FDF44}"/>
               </a:ext>
             </a:extLst>
           </p:cNvPr>
@@ -16081,7 +16092,7 @@
           <p:cNvPr id="8" name="Picture 7">
             <a:extLst>
               <a:ext uri="{FF2B5EF4-FFF2-40B4-BE49-F238E27FC236}">
-                <a16:creationId xmlns:a16="http://schemas.microsoft.com/office/drawing/2014/main" xmlns="" id="{092DDC66-5920-460A-8C3C-6792EA7969BB}"/>
+                <a16:creationId xmlns:a16="http://schemas.microsoft.com/office/drawing/2014/main" id="{092DDC66-5920-460A-8C3C-6792EA7969BB}"/>
               </a:ext>
             </a:extLst>
           </p:cNvPr>
@@ -16116,13 +16127,6 @@
   <p:clrMapOvr>
     <a:masterClrMapping/>
   </p:clrMapOvr>
-  <p:timing>
-    <p:tnLst>
-      <p:par>
-        <p:cTn id="1" dur="indefinite" restart="never" nodeType="tmRoot"/>
-      </p:par>
-    </p:tnLst>
-  </p:timing>
 </p:sld>
 </file>
 
@@ -16148,7 +16152,7 @@
           <p:cNvPr id="3" name="Text Placeholder 2">
             <a:extLst>
               <a:ext uri="{FF2B5EF4-FFF2-40B4-BE49-F238E27FC236}">
-                <a16:creationId xmlns:a16="http://schemas.microsoft.com/office/drawing/2014/main" xmlns="" id="{C7652C82-BE66-4418-8AD5-980274E47728}"/>
+                <a16:creationId xmlns:a16="http://schemas.microsoft.com/office/drawing/2014/main" id="{C7652C82-BE66-4418-8AD5-980274E47728}"/>
               </a:ext>
             </a:extLst>
           </p:cNvPr>
@@ -16188,7 +16192,7 @@
           <p:cNvPr id="85" name="Rectangle 84">
             <a:extLst>
               <a:ext uri="{FF2B5EF4-FFF2-40B4-BE49-F238E27FC236}">
-                <a16:creationId xmlns:a16="http://schemas.microsoft.com/office/drawing/2014/main" xmlns="" id="{1636AC18-A69A-499B-BF3A-B3EC3EF71495}"/>
+                <a16:creationId xmlns:a16="http://schemas.microsoft.com/office/drawing/2014/main" id="{1636AC18-A69A-499B-BF3A-B3EC3EF71495}"/>
               </a:ext>
             </a:extLst>
           </p:cNvPr>
@@ -16218,19 +16222,7 @@
               <a:rPr lang="en-US" sz="2400" dirty="0">
                 <a:latin typeface="Karla" pitchFamily="2" charset="0"/>
               </a:rPr>
-              <a:t>What could go </a:t>
-            </a:r>
-            <a:r>
-              <a:rPr lang="en-US" sz="2400" dirty="0" smtClean="0">
-                <a:latin typeface="Karla" pitchFamily="2" charset="0"/>
-              </a:rPr>
-              <a:t>wrong? Unfortunately</a:t>
-            </a:r>
-            <a:r>
-              <a:rPr lang="en-US" sz="2400" dirty="0">
-                <a:latin typeface="Karla" pitchFamily="2" charset="0"/>
-              </a:rPr>
-              <a:t>, Maggie and John reproduce different results and they think the issue relates to their operating systems. Indeed while Maggie has a MacOS, John uses a Win10.   </a:t>
+              <a:t>What could go wrong? Unfortunately, Maggie and John reproduce different results and they think the issue relates to their operating systems. Indeed while Maggie has a MacOS, John uses a Win10.   </a:t>
             </a:r>
           </a:p>
         </p:txBody>
@@ -16240,7 +16232,7 @@
           <p:cNvPr id="7" name="Group 6">
             <a:extLst>
               <a:ext uri="{FF2B5EF4-FFF2-40B4-BE49-F238E27FC236}">
-                <a16:creationId xmlns:a16="http://schemas.microsoft.com/office/drawing/2014/main" xmlns="" id="{4E3C9EA7-6221-4C7A-9C9A-4191B3C18F7C}"/>
+                <a16:creationId xmlns:a16="http://schemas.microsoft.com/office/drawing/2014/main" id="{4E3C9EA7-6221-4C7A-9C9A-4191B3C18F7C}"/>
               </a:ext>
             </a:extLst>
           </p:cNvPr>
@@ -16260,7 +16252,7 @@
             <p:cNvPr id="6" name="Group 5">
               <a:extLst>
                 <a:ext uri="{FF2B5EF4-FFF2-40B4-BE49-F238E27FC236}">
-                  <a16:creationId xmlns:a16="http://schemas.microsoft.com/office/drawing/2014/main" xmlns="" id="{52AAA153-1C92-4568-849C-CB8D85E80388}"/>
+                  <a16:creationId xmlns:a16="http://schemas.microsoft.com/office/drawing/2014/main" id="{52AAA153-1C92-4568-849C-CB8D85E80388}"/>
                 </a:ext>
               </a:extLst>
             </p:cNvPr>
@@ -16280,7 +16272,7 @@
               <p:cNvPr id="26" name="Group 25">
                 <a:extLst>
                   <a:ext uri="{FF2B5EF4-FFF2-40B4-BE49-F238E27FC236}">
-                    <a16:creationId xmlns:a16="http://schemas.microsoft.com/office/drawing/2014/main" xmlns="" id="{18E43BDF-2330-46CB-8DAA-E5E506D6CCFF}"/>
+                    <a16:creationId xmlns:a16="http://schemas.microsoft.com/office/drawing/2014/main" id="{18E43BDF-2330-46CB-8DAA-E5E506D6CCFF}"/>
                   </a:ext>
                 </a:extLst>
               </p:cNvPr>
@@ -16300,7 +16292,7 @@
                 <p:cNvPr id="32" name="Rectangle 31">
                   <a:extLst>
                     <a:ext uri="{FF2B5EF4-FFF2-40B4-BE49-F238E27FC236}">
-                      <a16:creationId xmlns:a16="http://schemas.microsoft.com/office/drawing/2014/main" xmlns="" id="{1C714716-ADAB-4073-87A0-FEB14868116A}"/>
+                      <a16:creationId xmlns:a16="http://schemas.microsoft.com/office/drawing/2014/main" id="{1C714716-ADAB-4073-87A0-FEB14868116A}"/>
                     </a:ext>
                   </a:extLst>
                 </p:cNvPr>
@@ -16361,7 +16353,7 @@
                 <p:cNvPr id="33" name="Rectangle 32">
                   <a:extLst>
                     <a:ext uri="{FF2B5EF4-FFF2-40B4-BE49-F238E27FC236}">
-                      <a16:creationId xmlns:a16="http://schemas.microsoft.com/office/drawing/2014/main" xmlns="" id="{33849DF4-D4DE-4789-8FDA-E117FEA59C71}"/>
+                      <a16:creationId xmlns:a16="http://schemas.microsoft.com/office/drawing/2014/main" id="{33849DF4-D4DE-4789-8FDA-E117FEA59C71}"/>
                     </a:ext>
                   </a:extLst>
                 </p:cNvPr>
@@ -16423,7 +16415,7 @@
                 <p:cNvPr id="34" name="Rectangle 33">
                   <a:extLst>
                     <a:ext uri="{FF2B5EF4-FFF2-40B4-BE49-F238E27FC236}">
-                      <a16:creationId xmlns:a16="http://schemas.microsoft.com/office/drawing/2014/main" xmlns="" id="{60D6DBCD-A5C8-472B-9222-99A4D9FD485F}"/>
+                      <a16:creationId xmlns:a16="http://schemas.microsoft.com/office/drawing/2014/main" id="{60D6DBCD-A5C8-472B-9222-99A4D9FD485F}"/>
                     </a:ext>
                   </a:extLst>
                 </p:cNvPr>
@@ -16480,7 +16472,7 @@
                 <p:cNvPr id="35" name="Rectangle 34">
                   <a:extLst>
                     <a:ext uri="{FF2B5EF4-FFF2-40B4-BE49-F238E27FC236}">
-                      <a16:creationId xmlns:a16="http://schemas.microsoft.com/office/drawing/2014/main" xmlns="" id="{1B0C30D1-EEFF-4FEA-AA37-BBA74E8BCD65}"/>
+                      <a16:creationId xmlns:a16="http://schemas.microsoft.com/office/drawing/2014/main" id="{1B0C30D1-EEFF-4FEA-AA37-BBA74E8BCD65}"/>
                     </a:ext>
                   </a:extLst>
                 </p:cNvPr>
@@ -16537,7 +16529,7 @@
                 <p:cNvPr id="36" name="Rectangle 35">
                   <a:extLst>
                     <a:ext uri="{FF2B5EF4-FFF2-40B4-BE49-F238E27FC236}">
-                      <a16:creationId xmlns:a16="http://schemas.microsoft.com/office/drawing/2014/main" xmlns="" id="{4DC83DED-3784-4CE2-9A0A-E07FD4ECB38D}"/>
+                      <a16:creationId xmlns:a16="http://schemas.microsoft.com/office/drawing/2014/main" id="{4DC83DED-3784-4CE2-9A0A-E07FD4ECB38D}"/>
                     </a:ext>
                   </a:extLst>
                 </p:cNvPr>
@@ -16595,7 +16587,7 @@
                 <p:cNvPr id="37" name="Rectangle 36">
                   <a:extLst>
                     <a:ext uri="{FF2B5EF4-FFF2-40B4-BE49-F238E27FC236}">
-                      <a16:creationId xmlns:a16="http://schemas.microsoft.com/office/drawing/2014/main" xmlns="" id="{1B64D742-4586-4C52-835D-4033A1D7040F}"/>
+                      <a16:creationId xmlns:a16="http://schemas.microsoft.com/office/drawing/2014/main" id="{1B64D742-4586-4C52-835D-4033A1D7040F}"/>
                     </a:ext>
                   </a:extLst>
                 </p:cNvPr>
@@ -16654,7 +16646,7 @@
               <p:cNvPr id="4" name="Group 3">
                 <a:extLst>
                   <a:ext uri="{FF2B5EF4-FFF2-40B4-BE49-F238E27FC236}">
-                    <a16:creationId xmlns:a16="http://schemas.microsoft.com/office/drawing/2014/main" xmlns="" id="{D356C266-3826-4247-B760-EA4CDE7661A3}"/>
+                    <a16:creationId xmlns:a16="http://schemas.microsoft.com/office/drawing/2014/main" id="{D356C266-3826-4247-B760-EA4CDE7661A3}"/>
                   </a:ext>
                 </a:extLst>
               </p:cNvPr>
@@ -16674,7 +16666,7 @@
                 <p:cNvPr id="59" name="Rectangle 58">
                   <a:extLst>
                     <a:ext uri="{FF2B5EF4-FFF2-40B4-BE49-F238E27FC236}">
-                      <a16:creationId xmlns:a16="http://schemas.microsoft.com/office/drawing/2014/main" xmlns="" id="{C4B6A8A1-0694-4C4C-870F-C85DE0F2CF6D}"/>
+                      <a16:creationId xmlns:a16="http://schemas.microsoft.com/office/drawing/2014/main" id="{C4B6A8A1-0694-4C4C-870F-C85DE0F2CF6D}"/>
                     </a:ext>
                   </a:extLst>
                 </p:cNvPr>
@@ -16731,7 +16723,7 @@
                 <p:cNvPr id="60" name="Rectangle 59">
                   <a:extLst>
                     <a:ext uri="{FF2B5EF4-FFF2-40B4-BE49-F238E27FC236}">
-                      <a16:creationId xmlns:a16="http://schemas.microsoft.com/office/drawing/2014/main" xmlns="" id="{4059CE3C-A1DA-47EF-9049-87FDDD90FE5A}"/>
+                      <a16:creationId xmlns:a16="http://schemas.microsoft.com/office/drawing/2014/main" id="{4059CE3C-A1DA-47EF-9049-87FDDD90FE5A}"/>
                     </a:ext>
                   </a:extLst>
                 </p:cNvPr>
@@ -16788,7 +16780,7 @@
                 <p:cNvPr id="61" name="Rectangle 60">
                   <a:extLst>
                     <a:ext uri="{FF2B5EF4-FFF2-40B4-BE49-F238E27FC236}">
-                      <a16:creationId xmlns:a16="http://schemas.microsoft.com/office/drawing/2014/main" xmlns="" id="{2FD9C09C-1515-4D38-938A-DC4CFF364F5D}"/>
+                      <a16:creationId xmlns:a16="http://schemas.microsoft.com/office/drawing/2014/main" id="{2FD9C09C-1515-4D38-938A-DC4CFF364F5D}"/>
                     </a:ext>
                   </a:extLst>
                 </p:cNvPr>
@@ -16846,7 +16838,7 @@
                 <p:cNvPr id="62" name="Rectangle 61">
                   <a:extLst>
                     <a:ext uri="{FF2B5EF4-FFF2-40B4-BE49-F238E27FC236}">
-                      <a16:creationId xmlns:a16="http://schemas.microsoft.com/office/drawing/2014/main" xmlns="" id="{7A0E289B-F1EF-4CB4-A28A-52A7F0D4FBC0}"/>
+                      <a16:creationId xmlns:a16="http://schemas.microsoft.com/office/drawing/2014/main" id="{7A0E289B-F1EF-4CB4-A28A-52A7F0D4FBC0}"/>
                     </a:ext>
                   </a:extLst>
                 </p:cNvPr>
@@ -16904,7 +16896,7 @@
                 <p:cNvPr id="63" name="Rectangle 62">
                   <a:extLst>
                     <a:ext uri="{FF2B5EF4-FFF2-40B4-BE49-F238E27FC236}">
-                      <a16:creationId xmlns:a16="http://schemas.microsoft.com/office/drawing/2014/main" xmlns="" id="{43A6FD8A-64A8-4551-B58E-C9721CBDEF92}"/>
+                      <a16:creationId xmlns:a16="http://schemas.microsoft.com/office/drawing/2014/main" id="{43A6FD8A-64A8-4551-B58E-C9721CBDEF92}"/>
                     </a:ext>
                   </a:extLst>
                 </p:cNvPr>
@@ -16963,7 +16955,7 @@
               <p:cNvPr id="64" name="Rectangle 63">
                 <a:extLst>
                   <a:ext uri="{FF2B5EF4-FFF2-40B4-BE49-F238E27FC236}">
-                    <a16:creationId xmlns:a16="http://schemas.microsoft.com/office/drawing/2014/main" xmlns="" id="{CB99FA32-2B52-4AF3-82E5-ED2058ECE154}"/>
+                    <a16:creationId xmlns:a16="http://schemas.microsoft.com/office/drawing/2014/main" id="{CB99FA32-2B52-4AF3-82E5-ED2058ECE154}"/>
                   </a:ext>
                 </a:extLst>
               </p:cNvPr>
@@ -17021,7 +17013,7 @@
               <p:cNvPr id="50" name="Rectangle 49">
                 <a:extLst>
                   <a:ext uri="{FF2B5EF4-FFF2-40B4-BE49-F238E27FC236}">
-                    <a16:creationId xmlns:a16="http://schemas.microsoft.com/office/drawing/2014/main" xmlns="" id="{B3A3AC81-55FB-4A32-88ED-09ADBFD93C1F}"/>
+                    <a16:creationId xmlns:a16="http://schemas.microsoft.com/office/drawing/2014/main" id="{B3A3AC81-55FB-4A32-88ED-09ADBFD93C1F}"/>
                   </a:ext>
                 </a:extLst>
               </p:cNvPr>
@@ -17250,7 +17242,7 @@
                 <a:prstDash val="dash"/>
                 <a:extLst>
                   <a:ext uri="{C807C97D-BFC1-408E-A445-0C87EB9F89A2}">
-                    <ask:lineSketchStyleProps xmlns:ask="http://schemas.microsoft.com/office/drawing/2018/sketchyshapes" xmlns="" sd="333870983">
+                    <ask:lineSketchStyleProps xmlns:ask="http://schemas.microsoft.com/office/drawing/2018/sketchyshapes" sd="333870983">
                       <a:prstGeom prst="rect">
                         <a:avLst/>
                       </a:prstGeom>
@@ -17292,7 +17284,7 @@
             <p:cNvPr id="5" name="Group 4">
               <a:extLst>
                 <a:ext uri="{FF2B5EF4-FFF2-40B4-BE49-F238E27FC236}">
-                  <a16:creationId xmlns:a16="http://schemas.microsoft.com/office/drawing/2014/main" xmlns="" id="{F929AE1A-E0AC-4B45-89C6-F873104AB5AC}"/>
+                  <a16:creationId xmlns:a16="http://schemas.microsoft.com/office/drawing/2014/main" id="{F929AE1A-E0AC-4B45-89C6-F873104AB5AC}"/>
                 </a:ext>
               </a:extLst>
             </p:cNvPr>
@@ -17312,7 +17304,7 @@
               <p:cNvPr id="13" name="Group 12">
                 <a:extLst>
                   <a:ext uri="{FF2B5EF4-FFF2-40B4-BE49-F238E27FC236}">
-                    <a16:creationId xmlns:a16="http://schemas.microsoft.com/office/drawing/2014/main" xmlns="" id="{3AA2C9E3-0CA5-40B3-B78B-6A2D6804C5D9}"/>
+                    <a16:creationId xmlns:a16="http://schemas.microsoft.com/office/drawing/2014/main" id="{3AA2C9E3-0CA5-40B3-B78B-6A2D6804C5D9}"/>
                   </a:ext>
                 </a:extLst>
               </p:cNvPr>
@@ -17332,7 +17324,7 @@
                 <p:cNvPr id="14" name="Rectangle 13">
                   <a:extLst>
                     <a:ext uri="{FF2B5EF4-FFF2-40B4-BE49-F238E27FC236}">
-                      <a16:creationId xmlns:a16="http://schemas.microsoft.com/office/drawing/2014/main" xmlns="" id="{A1230355-1471-4951-A6F9-B893B9EF6F9D}"/>
+                      <a16:creationId xmlns:a16="http://schemas.microsoft.com/office/drawing/2014/main" id="{A1230355-1471-4951-A6F9-B893B9EF6F9D}"/>
                     </a:ext>
                   </a:extLst>
                 </p:cNvPr>
@@ -17405,7 +17397,7 @@
                 <p:cNvPr id="16" name="Rectangle 15">
                   <a:extLst>
                     <a:ext uri="{FF2B5EF4-FFF2-40B4-BE49-F238E27FC236}">
-                      <a16:creationId xmlns:a16="http://schemas.microsoft.com/office/drawing/2014/main" xmlns="" id="{92139AF0-26EB-4D56-8C27-EA97F1141B00}"/>
+                      <a16:creationId xmlns:a16="http://schemas.microsoft.com/office/drawing/2014/main" id="{92139AF0-26EB-4D56-8C27-EA97F1141B00}"/>
                     </a:ext>
                   </a:extLst>
                 </p:cNvPr>
@@ -17463,7 +17455,7 @@
                 <p:cNvPr id="17" name="Rectangle 16">
                   <a:extLst>
                     <a:ext uri="{FF2B5EF4-FFF2-40B4-BE49-F238E27FC236}">
-                      <a16:creationId xmlns:a16="http://schemas.microsoft.com/office/drawing/2014/main" xmlns="" id="{7A736049-14F1-494F-AB47-333C3F575C0E}"/>
+                      <a16:creationId xmlns:a16="http://schemas.microsoft.com/office/drawing/2014/main" id="{7A736049-14F1-494F-AB47-333C3F575C0E}"/>
                     </a:ext>
                   </a:extLst>
                 </p:cNvPr>
@@ -17520,7 +17512,7 @@
                 <p:cNvPr id="18" name="Rectangle 17">
                   <a:extLst>
                     <a:ext uri="{FF2B5EF4-FFF2-40B4-BE49-F238E27FC236}">
-                      <a16:creationId xmlns:a16="http://schemas.microsoft.com/office/drawing/2014/main" xmlns="" id="{7CAAC141-0F0A-41EF-BC89-85216139C552}"/>
+                      <a16:creationId xmlns:a16="http://schemas.microsoft.com/office/drawing/2014/main" id="{7CAAC141-0F0A-41EF-BC89-85216139C552}"/>
                     </a:ext>
                   </a:extLst>
                 </p:cNvPr>
@@ -17578,7 +17570,7 @@
                 <p:cNvPr id="19" name="Rectangle 18">
                   <a:extLst>
                     <a:ext uri="{FF2B5EF4-FFF2-40B4-BE49-F238E27FC236}">
-                      <a16:creationId xmlns:a16="http://schemas.microsoft.com/office/drawing/2014/main" xmlns="" id="{FF66A7D0-F22D-4717-BFBE-2D1E0A42A60C}"/>
+                      <a16:creationId xmlns:a16="http://schemas.microsoft.com/office/drawing/2014/main" id="{FF66A7D0-F22D-4717-BFBE-2D1E0A42A60C}"/>
                     </a:ext>
                   </a:extLst>
                 </p:cNvPr>
@@ -17636,7 +17628,7 @@
                 <p:cNvPr id="20" name="Rectangle 19">
                   <a:extLst>
                     <a:ext uri="{FF2B5EF4-FFF2-40B4-BE49-F238E27FC236}">
-                      <a16:creationId xmlns:a16="http://schemas.microsoft.com/office/drawing/2014/main" xmlns="" id="{7BCCBF6D-09EF-45D5-9AA0-EA737C724BFD}"/>
+                      <a16:creationId xmlns:a16="http://schemas.microsoft.com/office/drawing/2014/main" id="{7BCCBF6D-09EF-45D5-9AA0-EA737C724BFD}"/>
                     </a:ext>
                   </a:extLst>
                 </p:cNvPr>
@@ -17694,7 +17686,7 @@
                 <p:cNvPr id="21" name="Rectangle 20">
                   <a:extLst>
                     <a:ext uri="{FF2B5EF4-FFF2-40B4-BE49-F238E27FC236}">
-                      <a16:creationId xmlns:a16="http://schemas.microsoft.com/office/drawing/2014/main" xmlns="" id="{E8F43014-0C16-49FC-AB43-E06415D83822}"/>
+                      <a16:creationId xmlns:a16="http://schemas.microsoft.com/office/drawing/2014/main" id="{E8F43014-0C16-49FC-AB43-E06415D83822}"/>
                     </a:ext>
                   </a:extLst>
                 </p:cNvPr>
@@ -17751,7 +17743,7 @@
                 <p:cNvPr id="22" name="Rectangle 21">
                   <a:extLst>
                     <a:ext uri="{FF2B5EF4-FFF2-40B4-BE49-F238E27FC236}">
-                      <a16:creationId xmlns:a16="http://schemas.microsoft.com/office/drawing/2014/main" xmlns="" id="{36051214-7476-48CD-B2C9-36D2EAA5A923}"/>
+                      <a16:creationId xmlns:a16="http://schemas.microsoft.com/office/drawing/2014/main" id="{36051214-7476-48CD-B2C9-36D2EAA5A923}"/>
                     </a:ext>
                   </a:extLst>
                 </p:cNvPr>
@@ -17808,7 +17800,7 @@
                 <p:cNvPr id="23" name="Rectangle 22">
                   <a:extLst>
                     <a:ext uri="{FF2B5EF4-FFF2-40B4-BE49-F238E27FC236}">
-                      <a16:creationId xmlns:a16="http://schemas.microsoft.com/office/drawing/2014/main" xmlns="" id="{79FDF016-8395-4EE4-A4B4-B34D733A86C4}"/>
+                      <a16:creationId xmlns:a16="http://schemas.microsoft.com/office/drawing/2014/main" id="{79FDF016-8395-4EE4-A4B4-B34D733A86C4}"/>
                     </a:ext>
                   </a:extLst>
                 </p:cNvPr>
@@ -17866,7 +17858,7 @@
                 <p:cNvPr id="24" name="Rectangle 23">
                   <a:extLst>
                     <a:ext uri="{FF2B5EF4-FFF2-40B4-BE49-F238E27FC236}">
-                      <a16:creationId xmlns:a16="http://schemas.microsoft.com/office/drawing/2014/main" xmlns="" id="{90DF7AB1-63B0-4178-8F18-2C8A9498D8E8}"/>
+                      <a16:creationId xmlns:a16="http://schemas.microsoft.com/office/drawing/2014/main" id="{90DF7AB1-63B0-4178-8F18-2C8A9498D8E8}"/>
                     </a:ext>
                   </a:extLst>
                 </p:cNvPr>
@@ -17925,7 +17917,7 @@
               <p:cNvPr id="72" name="Rectangle 71">
                 <a:extLst>
                   <a:ext uri="{FF2B5EF4-FFF2-40B4-BE49-F238E27FC236}">
-                    <a16:creationId xmlns:a16="http://schemas.microsoft.com/office/drawing/2014/main" xmlns="" id="{BF09FFB7-0DF8-4123-9DE4-798B481D03AB}"/>
+                    <a16:creationId xmlns:a16="http://schemas.microsoft.com/office/drawing/2014/main" id="{BF09FFB7-0DF8-4123-9DE4-798B481D03AB}"/>
                   </a:ext>
                 </a:extLst>
               </p:cNvPr>
@@ -18154,7 +18146,7 @@
                 <a:prstDash val="dash"/>
                 <a:extLst>
                   <a:ext uri="{C807C97D-BFC1-408E-A445-0C87EB9F89A2}">
-                    <ask:lineSketchStyleProps xmlns:ask="http://schemas.microsoft.com/office/drawing/2018/sketchyshapes" xmlns="" sd="333870983">
+                    <ask:lineSketchStyleProps xmlns:ask="http://schemas.microsoft.com/office/drawing/2018/sketchyshapes" sd="333870983">
                       <a:prstGeom prst="rect">
                         <a:avLst/>
                       </a:prstGeom>
@@ -18195,7 +18187,7 @@
               <p:cNvPr id="51" name="Rectangle 50">
                 <a:extLst>
                   <a:ext uri="{FF2B5EF4-FFF2-40B4-BE49-F238E27FC236}">
-                    <a16:creationId xmlns:a16="http://schemas.microsoft.com/office/drawing/2014/main" xmlns="" id="{DFD520B0-8C78-4BC1-9F4A-0B868CC5DA58}"/>
+                    <a16:creationId xmlns:a16="http://schemas.microsoft.com/office/drawing/2014/main" id="{DFD520B0-8C78-4BC1-9F4A-0B868CC5DA58}"/>
                   </a:ext>
                 </a:extLst>
               </p:cNvPr>
@@ -18260,13 +18252,6 @@
   <p:clrMapOvr>
     <a:masterClrMapping/>
   </p:clrMapOvr>
-  <p:timing>
-    <p:tnLst>
-      <p:par>
-        <p:cTn id="1" dur="indefinite" restart="never" nodeType="tmRoot"/>
-      </p:par>
-    </p:tnLst>
-  </p:timing>
 </p:sld>
 </file>
 
@@ -18292,7 +18277,7 @@
           <p:cNvPr id="8" name="Group 7">
             <a:extLst>
               <a:ext uri="{FF2B5EF4-FFF2-40B4-BE49-F238E27FC236}">
-                <a16:creationId xmlns:a16="http://schemas.microsoft.com/office/drawing/2014/main" xmlns="" id="{CD2154C2-72B3-483A-82D3-87160E6142B4}"/>
+                <a16:creationId xmlns:a16="http://schemas.microsoft.com/office/drawing/2014/main" id="{CD2154C2-72B3-483A-82D3-87160E6142B4}"/>
               </a:ext>
             </a:extLst>
           </p:cNvPr>
@@ -18312,7 +18297,7 @@
             <p:cNvPr id="4" name="Rectangle 3">
               <a:extLst>
                 <a:ext uri="{FF2B5EF4-FFF2-40B4-BE49-F238E27FC236}">
-                  <a16:creationId xmlns:a16="http://schemas.microsoft.com/office/drawing/2014/main" xmlns="" id="{7D683D79-AC3B-4756-9682-E6BAB204C2CD}"/>
+                  <a16:creationId xmlns:a16="http://schemas.microsoft.com/office/drawing/2014/main" id="{7D683D79-AC3B-4756-9682-E6BAB204C2CD}"/>
                 </a:ext>
               </a:extLst>
             </p:cNvPr>
@@ -18509,7 +18494,7 @@
               <a:prstDash val="lgDash"/>
               <a:extLst>
                 <a:ext uri="{C807C97D-BFC1-408E-A445-0C87EB9F89A2}">
-                  <ask:lineSketchStyleProps xmlns:ask="http://schemas.microsoft.com/office/drawing/2018/sketchyshapes" xmlns="" sd="1219033472">
+                  <ask:lineSketchStyleProps xmlns:ask="http://schemas.microsoft.com/office/drawing/2018/sketchyshapes" sd="1219033472">
                     <a:prstGeom prst="rect">
                       <a:avLst/>
                     </a:prstGeom>
@@ -18536,7 +18521,7 @@
             <p:cNvPr id="7" name="Rectangle 6">
               <a:extLst>
                 <a:ext uri="{FF2B5EF4-FFF2-40B4-BE49-F238E27FC236}">
-                  <a16:creationId xmlns:a16="http://schemas.microsoft.com/office/drawing/2014/main" xmlns="" id="{79CB1532-55A7-48D1-BDF4-C1C5A5181869}"/>
+                  <a16:creationId xmlns:a16="http://schemas.microsoft.com/office/drawing/2014/main" id="{79CB1532-55A7-48D1-BDF4-C1C5A5181869}"/>
                 </a:ext>
               </a:extLst>
             </p:cNvPr>
@@ -18589,7 +18574,7 @@
           <p:cNvPr id="11" name="Rectangle 10">
             <a:extLst>
               <a:ext uri="{FF2B5EF4-FFF2-40B4-BE49-F238E27FC236}">
-                <a16:creationId xmlns:a16="http://schemas.microsoft.com/office/drawing/2014/main" xmlns="" id="{57DE6254-9013-4DEE-9CC3-5E0065E9F875}"/>
+                <a16:creationId xmlns:a16="http://schemas.microsoft.com/office/drawing/2014/main" id="{57DE6254-9013-4DEE-9CC3-5E0065E9F875}"/>
               </a:ext>
             </a:extLst>
           </p:cNvPr>
@@ -18637,16 +18622,10 @@
               <a:buChar char="•"/>
             </a:pPr>
             <a:r>
-              <a:rPr lang="en-US" sz="2400" dirty="0" smtClean="0">
-                <a:latin typeface="Karla" pitchFamily="2" charset="0"/>
-              </a:rPr>
-              <a:t>Difficulty </a:t>
-            </a:r>
-            <a:r>
               <a:rPr lang="en-US" sz="2400" dirty="0">
                 <a:latin typeface="Karla" pitchFamily="2" charset="0"/>
               </a:rPr>
-              <a:t>setting up your environment</a:t>
+              <a:t>Difficulty setting up your environment</a:t>
             </a:r>
           </a:p>
           <a:p>
@@ -18655,7 +18634,7 @@
               <a:buChar char="•"/>
             </a:pPr>
             <a:r>
-              <a:rPr lang="en-US" sz="2400" dirty="0" smtClean="0">
+              <a:rPr lang="en-US" sz="2400" dirty="0">
                 <a:latin typeface="Karla" pitchFamily="2" charset="0"/>
               </a:rPr>
               <a:t>Not isolation</a:t>
@@ -18667,14 +18646,11 @@
               <a:buChar char="•"/>
             </a:pPr>
             <a:r>
-              <a:rPr lang="en-US" sz="2400" dirty="0" smtClean="0">
+              <a:rPr lang="en-US" sz="2400" dirty="0">
                 <a:latin typeface="Karla" pitchFamily="2" charset="0"/>
               </a:rPr>
               <a:t>Does not work across different OS </a:t>
             </a:r>
-            <a:endParaRPr lang="en-US" sz="2400" dirty="0">
-              <a:latin typeface="Karla" pitchFamily="2" charset="0"/>
-            </a:endParaRPr>
           </a:p>
         </p:txBody>
       </p:sp>
@@ -18683,7 +18659,7 @@
           <p:cNvPr id="3" name="Text Placeholder 2">
             <a:extLst>
               <a:ext uri="{FF2B5EF4-FFF2-40B4-BE49-F238E27FC236}">
-                <a16:creationId xmlns:a16="http://schemas.microsoft.com/office/drawing/2014/main" xmlns="" id="{C7652C82-BE66-4418-8AD5-980274E47728}"/>
+                <a16:creationId xmlns:a16="http://schemas.microsoft.com/office/drawing/2014/main" id="{C7652C82-BE66-4418-8AD5-980274E47728}"/>
               </a:ext>
             </a:extLst>
           </p:cNvPr>
@@ -18723,7 +18699,7 @@
           <p:cNvPr id="9" name="Rectangle 8">
             <a:extLst>
               <a:ext uri="{FF2B5EF4-FFF2-40B4-BE49-F238E27FC236}">
-                <a16:creationId xmlns:a16="http://schemas.microsoft.com/office/drawing/2014/main" xmlns="" id="{5BB96268-19C2-489F-AA87-2D6A0808AD2E}"/>
+                <a16:creationId xmlns:a16="http://schemas.microsoft.com/office/drawing/2014/main" id="{5BB96268-19C2-489F-AA87-2D6A0808AD2E}"/>
               </a:ext>
             </a:extLst>
           </p:cNvPr>
@@ -18771,17 +18747,8 @@
               <a:rPr lang="en-US" sz="2400" dirty="0">
                 <a:latin typeface="Karla" pitchFamily="2" charset="0"/>
               </a:rPr>
-              <a:t>Reproducible </a:t>
-            </a:r>
-            <a:r>
-              <a:rPr lang="en-US" sz="2400" dirty="0" smtClean="0">
-                <a:latin typeface="Karla" pitchFamily="2" charset="0"/>
-              </a:rPr>
-              <a:t>research</a:t>
-            </a:r>
-            <a:endParaRPr lang="en-US" sz="2400" dirty="0">
-              <a:latin typeface="Karla" pitchFamily="2" charset="0"/>
-            </a:endParaRPr>
+              <a:t>Reproducible research</a:t>
+            </a:r>
           </a:p>
           <a:p>
             <a:pPr marL="342900" indent="-342900" algn="ctr">
@@ -18792,17 +18759,8 @@
               <a:rPr lang="en-US" sz="2400" dirty="0">
                 <a:latin typeface="Karla" pitchFamily="2" charset="0"/>
               </a:rPr>
-              <a:t>Explicit </a:t>
-            </a:r>
-            <a:r>
-              <a:rPr lang="en-US" sz="2400" dirty="0" smtClean="0">
-                <a:latin typeface="Karla" pitchFamily="2" charset="0"/>
-              </a:rPr>
-              <a:t>dependencies</a:t>
-            </a:r>
-            <a:endParaRPr lang="en-US" sz="2400" dirty="0">
-              <a:latin typeface="Karla" pitchFamily="2" charset="0"/>
-            </a:endParaRPr>
+              <a:t>Explicit dependencies</a:t>
+            </a:r>
           </a:p>
           <a:p>
             <a:pPr marL="342900" indent="-342900" algn="ctr">
@@ -18813,29 +18771,8 @@
               <a:rPr lang="en-US" sz="2400" dirty="0">
                 <a:latin typeface="Karla" pitchFamily="2" charset="0"/>
               </a:rPr>
-              <a:t>Improved </a:t>
-            </a:r>
-            <a:r>
-              <a:rPr lang="en-US" sz="2400" dirty="0" smtClean="0">
-                <a:latin typeface="Karla" pitchFamily="2" charset="0"/>
-              </a:rPr>
-              <a:t>engineering </a:t>
-            </a:r>
-            <a:r>
-              <a:rPr lang="en-US" sz="2400" dirty="0">
-                <a:latin typeface="Karla" pitchFamily="2" charset="0"/>
-              </a:rPr>
-              <a:t>c</a:t>
-            </a:r>
-            <a:r>
-              <a:rPr lang="en-US" sz="2400" dirty="0" smtClean="0">
-                <a:latin typeface="Karla" pitchFamily="2" charset="0"/>
-              </a:rPr>
-              <a:t>ollaboration</a:t>
-            </a:r>
-            <a:endParaRPr lang="en-US" sz="2400" dirty="0">
-              <a:latin typeface="Karla" pitchFamily="2" charset="0"/>
-            </a:endParaRPr>
+              <a:t>Improved engineering collaboration</a:t>
+            </a:r>
           </a:p>
           <a:p>
             <a:pPr marL="342900" indent="-342900" algn="ctr">
@@ -18846,29 +18783,8 @@
               <a:rPr lang="en-US" sz="2400" dirty="0">
                 <a:latin typeface="Karla" pitchFamily="2" charset="0"/>
               </a:rPr>
-              <a:t>Broader </a:t>
-            </a:r>
-            <a:r>
-              <a:rPr lang="en-US" sz="2400" dirty="0" smtClean="0">
-                <a:latin typeface="Karla" pitchFamily="2" charset="0"/>
-              </a:rPr>
-              <a:t>skill </a:t>
-            </a:r>
-            <a:r>
-              <a:rPr lang="en-US" sz="2400" dirty="0">
-                <a:latin typeface="Karla" pitchFamily="2" charset="0"/>
-              </a:rPr>
-              <a:t>s</a:t>
-            </a:r>
-            <a:r>
-              <a:rPr lang="en-US" sz="2400" dirty="0" smtClean="0">
-                <a:latin typeface="Karla" pitchFamily="2" charset="0"/>
-              </a:rPr>
-              <a:t>et</a:t>
-            </a:r>
-            <a:endParaRPr lang="en-US" sz="2400" dirty="0">
-              <a:latin typeface="Karla" pitchFamily="2" charset="0"/>
-            </a:endParaRPr>
+              <a:t>Broader skill set</a:t>
+            </a:r>
           </a:p>
           <a:p>
             <a:pPr marL="285750" indent="-285750" algn="ctr">
@@ -19298,7 +19214,7 @@
           <p:cNvPr id="3" name="Text Placeholder 2">
             <a:extLst>
               <a:ext uri="{FF2B5EF4-FFF2-40B4-BE49-F238E27FC236}">
-                <a16:creationId xmlns:a16="http://schemas.microsoft.com/office/drawing/2014/main" xmlns="" id="{C7652C82-BE66-4418-8AD5-980274E47728}"/>
+                <a16:creationId xmlns:a16="http://schemas.microsoft.com/office/drawing/2014/main" id="{C7652C82-BE66-4418-8AD5-980274E47728}"/>
               </a:ext>
             </a:extLst>
           </p:cNvPr>
@@ -19328,15 +19244,7 @@
             </a:pPr>
             <a:r>
               <a:rPr lang="en-US" sz="3800" b="1" dirty="0"/>
-              <a:t>What are virtual environments </a:t>
-            </a:r>
-            <a:r>
-              <a:rPr lang="en-US" sz="3800" b="1" dirty="0" smtClean="0"/>
-              <a:t>then</a:t>
-            </a:r>
-            <a:r>
-              <a:rPr lang="en-US" sz="3800" b="1" dirty="0"/>
-              <a:t>?</a:t>
+              <a:t>What are virtual environments then?</a:t>
             </a:r>
           </a:p>
         </p:txBody>
@@ -19346,7 +19254,7 @@
           <p:cNvPr id="9" name="Rectangle 8">
             <a:extLst>
               <a:ext uri="{FF2B5EF4-FFF2-40B4-BE49-F238E27FC236}">
-                <a16:creationId xmlns:a16="http://schemas.microsoft.com/office/drawing/2014/main" xmlns="" id="{5BB96268-19C2-489F-AA87-2D6A0808AD2E}"/>
+                <a16:creationId xmlns:a16="http://schemas.microsoft.com/office/drawing/2014/main" id="{5BB96268-19C2-489F-AA87-2D6A0808AD2E}"/>
               </a:ext>
             </a:extLst>
           </p:cNvPr>
@@ -19450,19 +19358,7 @@
               <a:rPr lang="en-US" sz="2000" i="1" dirty="0">
                 <a:latin typeface="Karla" pitchFamily="2" charset="0"/>
               </a:rPr>
-              <a:t>&gt; Adapted from </a:t>
-            </a:r>
-            <a:r>
-              <a:rPr lang="en-US" sz="2000" i="1" dirty="0" smtClean="0">
-                <a:latin typeface="Karla" pitchFamily="2" charset="0"/>
-              </a:rPr>
-              <a:t>CS207 </a:t>
-            </a:r>
-            <a:r>
-              <a:rPr lang="en-US" sz="2000" i="1" dirty="0">
-                <a:latin typeface="Karla" pitchFamily="2" charset="0"/>
-              </a:rPr>
-              <a:t>&lt;</a:t>
+              <a:t>&gt; Adapted from CS207 &lt;</a:t>
             </a:r>
             <a:endParaRPr lang="en-US" sz="2000" dirty="0">
               <a:latin typeface="Karla" pitchFamily="2" charset="0"/>
@@ -19489,13 +19385,6 @@
   <p:clrMapOvr>
     <a:masterClrMapping/>
   </p:clrMapOvr>
-  <p:timing>
-    <p:tnLst>
-      <p:par>
-        <p:cTn id="1" dur="indefinite" restart="never" nodeType="tmRoot"/>
-      </p:par>
-    </p:tnLst>
-  </p:timing>
 </p:sld>
 </file>
 
@@ -19521,7 +19410,7 @@
           <p:cNvPr id="3" name="Text Placeholder 2">
             <a:extLst>
               <a:ext uri="{FF2B5EF4-FFF2-40B4-BE49-F238E27FC236}">
-                <a16:creationId xmlns:a16="http://schemas.microsoft.com/office/drawing/2014/main" xmlns="" id="{C7652C82-BE66-4418-8AD5-980274E47728}"/>
+                <a16:creationId xmlns:a16="http://schemas.microsoft.com/office/drawing/2014/main" id="{C7652C82-BE66-4418-8AD5-980274E47728}"/>
               </a:ext>
             </a:extLst>
           </p:cNvPr>
@@ -19550,23 +19439,19 @@
               </a:spcAft>
             </a:pPr>
             <a:r>
-              <a:rPr lang="en-US" sz="3800" b="1" dirty="0" smtClean="0"/>
+              <a:rPr lang="en-US" sz="3800" b="1" dirty="0"/>
               <a:t>Virtual environments: </a:t>
             </a:r>
             <a:r>
-              <a:rPr lang="en-US" sz="3800" b="1" dirty="0" err="1" smtClean="0"/>
+              <a:rPr lang="en-US" sz="3800" b="1" dirty="0" err="1"/>
               <a:t>virtualenv</a:t>
             </a:r>
             <a:r>
-              <a:rPr lang="en-US" sz="3800" b="1" dirty="0" smtClean="0"/>
-              <a:t> </a:t>
-            </a:r>
-            <a:r>
               <a:rPr lang="en-US" sz="3800" b="1" dirty="0"/>
-              <a:t>vs </a:t>
-            </a:r>
-            <a:r>
-              <a:rPr lang="en-US" sz="3800" b="1" dirty="0" err="1" smtClean="0"/>
+              <a:t> vs </a:t>
+            </a:r>
+            <a:r>
+              <a:rPr lang="en-US" sz="3800" b="1" dirty="0" err="1"/>
               <a:t>conda</a:t>
             </a:r>
             <a:endParaRPr lang="en-US" sz="3800" b="1" dirty="0"/>
@@ -19578,7 +19463,7 @@
           <p:cNvPr id="9" name="Rectangle 8">
             <a:extLst>
               <a:ext uri="{FF2B5EF4-FFF2-40B4-BE49-F238E27FC236}">
-                <a16:creationId xmlns:a16="http://schemas.microsoft.com/office/drawing/2014/main" xmlns="" id="{5BB96268-19C2-489F-AA87-2D6A0808AD2E}"/>
+                <a16:creationId xmlns:a16="http://schemas.microsoft.com/office/drawing/2014/main" id="{5BB96268-19C2-489F-AA87-2D6A0808AD2E}"/>
               </a:ext>
             </a:extLst>
           </p:cNvPr>
@@ -19693,7 +19578,7 @@
               <a:t>create an environment within your project folder </a:t>
             </a:r>
             <a:r>
-              <a:rPr lang="en-US" sz="2000" dirty="0" err="1" smtClean="0">
+              <a:rPr lang="en-US" sz="2000" dirty="0" err="1">
                 <a:latin typeface="Courier New" charset="0"/>
                 <a:ea typeface="Courier New" charset="0"/>
                 <a:cs typeface="Courier New" charset="0"/>
@@ -19701,7 +19586,7 @@
               <a:t>virtualenv</a:t>
             </a:r>
             <a:r>
-              <a:rPr lang="en-US" sz="2000" dirty="0" smtClean="0">
+              <a:rPr lang="en-US" sz="2000" dirty="0">
                 <a:latin typeface="Courier New" charset="0"/>
                 <a:ea typeface="Courier New" charset="0"/>
                 <a:cs typeface="Courier New" charset="0"/>
@@ -19709,7 +19594,7 @@
               <a:t> </a:t>
             </a:r>
             <a:r>
-              <a:rPr lang="en-US" sz="2000" dirty="0" err="1" smtClean="0">
+              <a:rPr lang="en-US" sz="2000" dirty="0" err="1">
                 <a:latin typeface="Courier New" charset="0"/>
                 <a:ea typeface="Courier New" charset="0"/>
                 <a:cs typeface="Courier New" charset="0"/>
@@ -19756,20 +19641,12 @@
               <a:t>activate environment: </a:t>
             </a:r>
             <a:r>
-              <a:rPr lang="en-US" sz="2000" dirty="0" smtClean="0">
-                <a:latin typeface="Courier New" charset="0"/>
-                <a:ea typeface="Courier New" charset="0"/>
-                <a:cs typeface="Courier New" charset="0"/>
-              </a:rPr>
-              <a:t>source </a:t>
-            </a:r>
-            <a:r>
               <a:rPr lang="en-US" sz="2000" dirty="0">
                 <a:latin typeface="Courier New" charset="0"/>
                 <a:ea typeface="Courier New" charset="0"/>
                 <a:cs typeface="Courier New" charset="0"/>
               </a:rPr>
-              <a:t>env/bin/activate</a:t>
+              <a:t>source env/bin/activate</a:t>
             </a:r>
           </a:p>
           <a:p>
@@ -19782,14 +19659,6 @@
                 <a:latin typeface="Karla" pitchFamily="2" charset="0"/>
               </a:rPr>
               <a:t>install requirements using: </a:t>
-            </a:r>
-            <a:r>
-              <a:rPr lang="en-US" sz="2000" dirty="0" smtClean="0">
-                <a:latin typeface="Courier New" charset="0"/>
-                <a:ea typeface="Courier New" charset="0"/>
-                <a:cs typeface="Courier New" charset="0"/>
-              </a:rPr>
-              <a:t>pip </a:t>
             </a:r>
             <a:r>
               <a:rPr lang="en-US" sz="2000" dirty="0">
@@ -19797,7 +19666,7 @@
                 <a:ea typeface="Courier New" charset="0"/>
                 <a:cs typeface="Courier New" charset="0"/>
               </a:rPr>
-              <a:t>install </a:t>
+              <a:t>pip install </a:t>
             </a:r>
             <a:r>
               <a:rPr lang="en-US" sz="2000" dirty="0" err="1">
@@ -19822,19 +19691,13 @@
               <a:buChar char="•"/>
             </a:pPr>
             <a:r>
-              <a:rPr lang="en-US" sz="2000" dirty="0" smtClean="0">
-                <a:latin typeface="Karla" pitchFamily="2" charset="0"/>
-              </a:rPr>
-              <a:t>deactivate </a:t>
-            </a:r>
-            <a:r>
               <a:rPr lang="en-US" sz="2000" dirty="0">
                 <a:latin typeface="Karla" pitchFamily="2" charset="0"/>
               </a:rPr>
-              <a:t>environment once done: </a:t>
-            </a:r>
-            <a:r>
-              <a:rPr lang="en-US" sz="2000" dirty="0" smtClean="0">
+              <a:t>deactivate environment once done: </a:t>
+            </a:r>
+            <a:r>
+              <a:rPr lang="en-US" sz="2000" dirty="0">
                 <a:latin typeface="Courier New" charset="0"/>
                 <a:ea typeface="Courier New" charset="0"/>
                 <a:cs typeface="Courier New" charset="0"/>
@@ -19842,14 +19705,11 @@
               <a:t>deactivate</a:t>
             </a:r>
             <a:r>
-              <a:rPr lang="en-US" sz="2000" dirty="0" smtClean="0">
+              <a:rPr lang="en-US" sz="2000" dirty="0">
                 <a:latin typeface="Karla" pitchFamily="2" charset="0"/>
               </a:rPr>
               <a:t>   </a:t>
             </a:r>
-            <a:endParaRPr lang="en-US" sz="2000" dirty="0">
-              <a:latin typeface="Karla" pitchFamily="2" charset="0"/>
-            </a:endParaRPr>
           </a:p>
         </p:txBody>
       </p:sp>
@@ -19863,13 +19723,6 @@
   <p:clrMapOvr>
     <a:masterClrMapping/>
   </p:clrMapOvr>
-  <p:timing>
-    <p:tnLst>
-      <p:par>
-        <p:cTn id="1" dur="indefinite" restart="never" nodeType="tmRoot"/>
-      </p:par>
-    </p:tnLst>
-  </p:timing>
 </p:sld>
 </file>
 
@@ -19895,7 +19748,7 @@
           <p:cNvPr id="3" name="Text Placeholder 2">
             <a:extLst>
               <a:ext uri="{FF2B5EF4-FFF2-40B4-BE49-F238E27FC236}">
-                <a16:creationId xmlns:a16="http://schemas.microsoft.com/office/drawing/2014/main" xmlns="" id="{C7652C82-BE66-4418-8AD5-980274E47728}"/>
+                <a16:creationId xmlns:a16="http://schemas.microsoft.com/office/drawing/2014/main" id="{C7652C82-BE66-4418-8AD5-980274E47728}"/>
               </a:ext>
             </a:extLst>
           </p:cNvPr>
@@ -19956,7 +19809,7 @@
           <p:cNvPr id="9" name="Rectangle 8">
             <a:extLst>
               <a:ext uri="{FF2B5EF4-FFF2-40B4-BE49-F238E27FC236}">
-                <a16:creationId xmlns:a16="http://schemas.microsoft.com/office/drawing/2014/main" xmlns="" id="{5BB96268-19C2-489F-AA87-2D6A0808AD2E}"/>
+                <a16:creationId xmlns:a16="http://schemas.microsoft.com/office/drawing/2014/main" id="{5BB96268-19C2-489F-AA87-2D6A0808AD2E}"/>
               </a:ext>
             </a:extLst>
           </p:cNvPr>
@@ -20085,7 +19938,7 @@
               <a:t>create an environment </a:t>
             </a:r>
             <a:r>
-              <a:rPr lang="en-US" sz="1900" dirty="0" err="1" smtClean="0">
+              <a:rPr lang="en-US" sz="1900" dirty="0" err="1">
                 <a:latin typeface="Courier New" charset="0"/>
                 <a:ea typeface="Courier New" charset="0"/>
                 <a:cs typeface="Courier New" charset="0"/>
@@ -20093,20 +19946,12 @@
               <a:t>conda</a:t>
             </a:r>
             <a:r>
-              <a:rPr lang="en-US" sz="1900" dirty="0" smtClean="0">
-                <a:latin typeface="Courier New" charset="0"/>
-                <a:ea typeface="Courier New" charset="0"/>
-                <a:cs typeface="Courier New" charset="0"/>
-              </a:rPr>
-              <a:t> </a:t>
-            </a:r>
-            <a:r>
               <a:rPr lang="en-US" sz="1900" dirty="0">
                 <a:latin typeface="Courier New" charset="0"/>
                 <a:ea typeface="Courier New" charset="0"/>
                 <a:cs typeface="Courier New" charset="0"/>
               </a:rPr>
-              <a:t>create --name </a:t>
+              <a:t> create --name </a:t>
             </a:r>
             <a:r>
               <a:rPr lang="en-US" sz="1900" dirty="0" err="1">
@@ -20137,19 +19982,7 @@
               <a:rPr lang="en-US" sz="1900" dirty="0">
                 <a:latin typeface="Karla" pitchFamily="2" charset="0"/>
               </a:rPr>
-              <a:t>it will add </a:t>
-            </a:r>
-            <a:r>
-              <a:rPr lang="en-US" sz="1900" dirty="0" smtClean="0">
-                <a:latin typeface="Karla" pitchFamily="2" charset="0"/>
-              </a:rPr>
-              <a:t>a </a:t>
-            </a:r>
-            <a:r>
-              <a:rPr lang="en-US" sz="1900" dirty="0">
-                <a:latin typeface="Karla" pitchFamily="2" charset="0"/>
-              </a:rPr>
-              <a:t>folder located within your anaconda installation </a:t>
+              <a:t>it will add a folder located within your anaconda installation </a:t>
             </a:r>
             <a:r>
               <a:rPr lang="en-US" sz="1900" dirty="0">
@@ -20217,13 +20050,7 @@
               <a:rPr lang="en-US" sz="1900" dirty="0">
                 <a:latin typeface="Karla" pitchFamily="2" charset="0"/>
               </a:rPr>
-              <a:t>activate environment </a:t>
-            </a:r>
-            <a:r>
-              <a:rPr lang="en-US" sz="1900" dirty="0" smtClean="0">
-                <a:latin typeface="Karla" pitchFamily="2" charset="0"/>
-              </a:rPr>
-              <a:t> </a:t>
+              <a:t>activate environment  </a:t>
             </a:r>
             <a:r>
               <a:rPr lang="en-US" sz="1900" dirty="0" err="1">
@@ -20279,7 +20106,7 @@
               <a:t>install requirements using </a:t>
             </a:r>
             <a:r>
-              <a:rPr lang="en-US" sz="1900" dirty="0" err="1" smtClean="0">
+              <a:rPr lang="en-US" sz="1900" dirty="0" err="1">
                 <a:latin typeface="Courier New" charset="0"/>
                 <a:ea typeface="Courier New" charset="0"/>
                 <a:cs typeface="Courier New" charset="0"/>
@@ -20287,20 +20114,12 @@
               <a:t>conda</a:t>
             </a:r>
             <a:r>
-              <a:rPr lang="en-US" sz="1900" dirty="0" smtClean="0">
-                <a:latin typeface="Courier New" charset="0"/>
-                <a:ea typeface="Courier New" charset="0"/>
-                <a:cs typeface="Courier New" charset="0"/>
-              </a:rPr>
-              <a:t> </a:t>
-            </a:r>
-            <a:r>
               <a:rPr lang="en-US" sz="1900" dirty="0">
                 <a:latin typeface="Courier New" charset="0"/>
                 <a:ea typeface="Courier New" charset="0"/>
                 <a:cs typeface="Courier New" charset="0"/>
               </a:rPr>
-              <a:t>install </a:t>
+              <a:t> install </a:t>
             </a:r>
             <a:r>
               <a:rPr lang="en-US" sz="1900" dirty="0" err="1">
@@ -20331,13 +20150,7 @@
               <a:rPr lang="en-US" sz="1900" dirty="0">
                 <a:latin typeface="Karla" pitchFamily="2" charset="0"/>
               </a:rPr>
-              <a:t>deactivate environment once done </a:t>
-            </a:r>
-            <a:r>
-              <a:rPr lang="en-US" sz="1900" dirty="0" smtClean="0">
-                <a:latin typeface="Karla" pitchFamily="2" charset="0"/>
-              </a:rPr>
-              <a:t> </a:t>
+              <a:t>deactivate environment once done  </a:t>
             </a:r>
             <a:r>
               <a:rPr lang="en-US" sz="1900" dirty="0" err="1">
@@ -20353,21 +20166,8 @@
                 <a:ea typeface="Courier New" charset="0"/>
                 <a:cs typeface="Courier New" charset="0"/>
               </a:rPr>
-              <a:t> d</a:t>
-            </a:r>
-            <a:r>
-              <a:rPr lang="en-US" sz="1900" dirty="0" smtClean="0">
-                <a:latin typeface="Courier New" charset="0"/>
-                <a:ea typeface="Courier New" charset="0"/>
-                <a:cs typeface="Courier New" charset="0"/>
-              </a:rPr>
-              <a:t>eactivate</a:t>
-            </a:r>
-            <a:endParaRPr lang="en-US" sz="1900" dirty="0">
-              <a:latin typeface="Courier New" charset="0"/>
-              <a:ea typeface="Courier New" charset="0"/>
-              <a:cs typeface="Courier New" charset="0"/>
-            </a:endParaRPr>
+              <a:t> deactivate</a:t>
+            </a:r>
           </a:p>
           <a:p>
             <a:pPr marL="342900" indent="-342900">
@@ -20381,13 +20181,7 @@
               <a:rPr lang="en-US" sz="1900" dirty="0">
                 <a:latin typeface="Karla" pitchFamily="2" charset="0"/>
               </a:rPr>
-              <a:t>duplicate your environment using YAML file </a:t>
-            </a:r>
-            <a:r>
-              <a:rPr lang="en-US" sz="1900" dirty="0" smtClean="0">
-                <a:latin typeface="Karla" pitchFamily="2" charset="0"/>
-              </a:rPr>
-              <a:t> </a:t>
+              <a:t>duplicate your environment using YAML file  </a:t>
             </a:r>
             <a:r>
               <a:rPr lang="en-US" sz="1900" dirty="0" err="1">
@@ -20434,7 +20228,7 @@
               <a:t>to recreate the environment now use </a:t>
             </a:r>
             <a:r>
-              <a:rPr lang="en-US" sz="1900" dirty="0" err="1" smtClean="0">
+              <a:rPr lang="en-US" sz="1900" dirty="0" err="1">
                 <a:latin typeface="Courier New" charset="0"/>
                 <a:ea typeface="Courier New" charset="0"/>
                 <a:cs typeface="Courier New" charset="0"/>
@@ -20442,20 +20236,12 @@
               <a:t>conda</a:t>
             </a:r>
             <a:r>
-              <a:rPr lang="en-US" sz="1900" dirty="0" smtClean="0">
-                <a:latin typeface="Courier New" charset="0"/>
-                <a:ea typeface="Courier New" charset="0"/>
-                <a:cs typeface="Courier New" charset="0"/>
-              </a:rPr>
-              <a:t> </a:t>
-            </a:r>
-            <a:r>
               <a:rPr lang="en-US" sz="1900" dirty="0">
                 <a:latin typeface="Courier New" charset="0"/>
                 <a:ea typeface="Courier New" charset="0"/>
                 <a:cs typeface="Courier New" charset="0"/>
               </a:rPr>
-              <a:t>env create -f </a:t>
+              <a:t> env create -f </a:t>
             </a:r>
             <a:r>
               <a:rPr lang="en-US" sz="1900" dirty="0" err="1">
@@ -20483,13 +20269,6 @@
   <p:clrMapOvr>
     <a:masterClrMapping/>
   </p:clrMapOvr>
-  <p:timing>
-    <p:tnLst>
-      <p:par>
-        <p:cTn id="1" dur="indefinite" restart="never" nodeType="tmRoot"/>
-      </p:par>
-    </p:tnLst>
-  </p:timing>
 </p:sld>
 </file>
 
@@ -20515,7 +20294,7 @@
           <p:cNvPr id="3" name="Text Placeholder 2">
             <a:extLst>
               <a:ext uri="{FF2B5EF4-FFF2-40B4-BE49-F238E27FC236}">
-                <a16:creationId xmlns:a16="http://schemas.microsoft.com/office/drawing/2014/main" xmlns="" id="{C7652C82-BE66-4418-8AD5-980274E47728}"/>
+                <a16:creationId xmlns:a16="http://schemas.microsoft.com/office/drawing/2014/main" id="{C7652C82-BE66-4418-8AD5-980274E47728}"/>
               </a:ext>
             </a:extLst>
           </p:cNvPr>
@@ -20556,7 +20335,7 @@
           <p:cNvPr id="9" name="Rectangle 8">
             <a:extLst>
               <a:ext uri="{FF2B5EF4-FFF2-40B4-BE49-F238E27FC236}">
-                <a16:creationId xmlns:a16="http://schemas.microsoft.com/office/drawing/2014/main" xmlns="" id="{5BB96268-19C2-489F-AA87-2D6A0808AD2E}"/>
+                <a16:creationId xmlns:a16="http://schemas.microsoft.com/office/drawing/2014/main" id="{5BB96268-19C2-489F-AA87-2D6A0808AD2E}"/>
               </a:ext>
             </a:extLst>
           </p:cNvPr>
@@ -20704,13 +20483,6 @@
   <p:clrMapOvr>
     <a:masterClrMapping/>
   </p:clrMapOvr>
-  <p:timing>
-    <p:tnLst>
-      <p:par>
-        <p:cTn id="1" dur="indefinite" restart="never" nodeType="tmRoot"/>
-      </p:par>
-    </p:tnLst>
-  </p:timing>
 </p:sld>
 </file>
 
@@ -20736,7 +20508,7 @@
           <p:cNvPr id="3" name="Text Placeholder 2">
             <a:extLst>
               <a:ext uri="{FF2B5EF4-FFF2-40B4-BE49-F238E27FC236}">
-                <a16:creationId xmlns:a16="http://schemas.microsoft.com/office/drawing/2014/main" xmlns="" id="{6DA12FB9-5FAE-4342-BE2F-559B191D9485}"/>
+                <a16:creationId xmlns:a16="http://schemas.microsoft.com/office/drawing/2014/main" id="{6DA12FB9-5FAE-4342-BE2F-559B191D9485}"/>
               </a:ext>
             </a:extLst>
           </p:cNvPr>
@@ -20776,7 +20548,7 @@
           <p:cNvPr id="2" name="Text Placeholder 1">
             <a:extLst>
               <a:ext uri="{FF2B5EF4-FFF2-40B4-BE49-F238E27FC236}">
-                <a16:creationId xmlns:a16="http://schemas.microsoft.com/office/drawing/2014/main" xmlns="" id="{C4DD40E0-632F-425B-B5E9-5E8CC8FCE6EF}"/>
+                <a16:creationId xmlns:a16="http://schemas.microsoft.com/office/drawing/2014/main" id="{C4DD40E0-632F-425B-B5E9-5E8CC8FCE6EF}"/>
               </a:ext>
             </a:extLst>
           </p:cNvPr>
@@ -20865,13 +20637,6 @@
   <p:clrMapOvr>
     <a:masterClrMapping/>
   </p:clrMapOvr>
-  <p:timing>
-    <p:tnLst>
-      <p:par>
-        <p:cTn id="1" dur="indefinite" restart="never" nodeType="tmRoot"/>
-      </p:par>
-    </p:tnLst>
-  </p:timing>
 </p:sld>
 </file>
 
@@ -20897,7 +20662,7 @@
           <p:cNvPr id="3" name="Text Placeholder 2">
             <a:extLst>
               <a:ext uri="{FF2B5EF4-FFF2-40B4-BE49-F238E27FC236}">
-                <a16:creationId xmlns:a16="http://schemas.microsoft.com/office/drawing/2014/main" xmlns="" id="{C7652C82-BE66-4418-8AD5-980274E47728}"/>
+                <a16:creationId xmlns:a16="http://schemas.microsoft.com/office/drawing/2014/main" id="{C7652C82-BE66-4418-8AD5-980274E47728}"/>
               </a:ext>
             </a:extLst>
           </p:cNvPr>
@@ -20937,7 +20702,7 @@
           <p:cNvPr id="10" name="Rectangle 9">
             <a:extLst>
               <a:ext uri="{FF2B5EF4-FFF2-40B4-BE49-F238E27FC236}">
-                <a16:creationId xmlns:a16="http://schemas.microsoft.com/office/drawing/2014/main" xmlns="" id="{2640D9DE-ACA1-40C5-9770-2BD1B3232BBF}"/>
+                <a16:creationId xmlns:a16="http://schemas.microsoft.com/office/drawing/2014/main" id="{2640D9DE-ACA1-40C5-9770-2BD1B3232BBF}"/>
               </a:ext>
             </a:extLst>
           </p:cNvPr>
@@ -20975,55 +20740,7 @@
               <a:rPr lang="en-US" sz="2400" dirty="0">
                 <a:latin typeface="Karla" pitchFamily="2" charset="0"/>
               </a:rPr>
-              <a:t>we have our isolated systems and </a:t>
-            </a:r>
-            <a:r>
-              <a:rPr lang="en-US" sz="2400" dirty="0" smtClean="0">
-                <a:latin typeface="Karla" pitchFamily="2" charset="0"/>
-              </a:rPr>
-              <a:t>after </a:t>
-            </a:r>
-            <a:r>
-              <a:rPr lang="en-US" sz="2400" dirty="0">
-                <a:latin typeface="Karla" pitchFamily="2" charset="0"/>
-              </a:rPr>
-              <a:t>we set up a similar environment into our colleagues' </a:t>
-            </a:r>
-            <a:r>
-              <a:rPr lang="en-US" sz="2400" dirty="0" smtClean="0">
-                <a:latin typeface="Karla" pitchFamily="2" charset="0"/>
-              </a:rPr>
-              <a:t>machines </a:t>
-            </a:r>
-            <a:r>
-              <a:rPr lang="en-US" sz="2400" dirty="0">
-                <a:latin typeface="Karla" pitchFamily="2" charset="0"/>
-              </a:rPr>
-              <a:t>we should get similar results, right? Unfortunately, it is not always the </a:t>
-            </a:r>
-            <a:r>
-              <a:rPr lang="en-US" sz="2400" dirty="0" smtClean="0">
-                <a:latin typeface="Karla" pitchFamily="2" charset="0"/>
-              </a:rPr>
-              <a:t>case. Why</a:t>
-            </a:r>
-            <a:r>
-              <a:rPr lang="en-US" sz="2400" dirty="0">
-                <a:latin typeface="Karla" pitchFamily="2" charset="0"/>
-              </a:rPr>
-              <a:t>? </a:t>
-            </a:r>
-            <a:r>
-              <a:rPr lang="en-US" sz="2400" dirty="0" smtClean="0">
-                <a:latin typeface="Karla" pitchFamily="2" charset="0"/>
-              </a:rPr>
-              <a:t>Most </a:t>
-            </a:r>
-            <a:r>
-              <a:rPr lang="en-US" sz="2400" dirty="0">
-                <a:latin typeface="Karla" pitchFamily="2" charset="0"/>
-              </a:rPr>
-              <a:t>likely because we run it on different operating system. </a:t>
+              <a:t>we have our isolated systems and after we set up a similar environment into our colleagues' machines we should get similar results, right? Unfortunately, it is not always the case. Why? Most likely because we run it on different operating system. </a:t>
             </a:r>
           </a:p>
           <a:p>
@@ -21035,17 +20752,8 @@
               <a:rPr lang="en-US" sz="2400" dirty="0">
                 <a:latin typeface="Karla" pitchFamily="2" charset="0"/>
               </a:rPr>
-              <a:t>even though by using virtual environments we are isolating  our computations, we might need to use the same operating system which requires to run "like if" we are in a different </a:t>
-            </a:r>
-            <a:r>
-              <a:rPr lang="en-US" sz="2400" dirty="0" smtClean="0">
-                <a:latin typeface="Karla" pitchFamily="2" charset="0"/>
-              </a:rPr>
-              <a:t>machines.</a:t>
-            </a:r>
-            <a:endParaRPr lang="en-US" sz="2400" dirty="0">
-              <a:latin typeface="Karla" pitchFamily="2" charset="0"/>
-            </a:endParaRPr>
+              <a:t>even though by using virtual environments we are isolating  our computations, we might need to use the same operating system which requires to run "like if" we are in a different machines.</a:t>
+            </a:r>
           </a:p>
           <a:p>
             <a:pPr marL="800100" lvl="1" indent="-342900">
@@ -21056,25 +20764,7 @@
               <a:rPr lang="en-US" sz="2400" dirty="0">
                 <a:latin typeface="Karla" pitchFamily="2" charset="0"/>
               </a:rPr>
-              <a:t>How can we run the same </a:t>
-            </a:r>
-            <a:r>
-              <a:rPr lang="en-US" sz="2400" dirty="0" smtClean="0">
-                <a:latin typeface="Karla" pitchFamily="2" charset="0"/>
-              </a:rPr>
-              <a:t>experiment? </a:t>
-            </a:r>
-            <a:r>
-              <a:rPr lang="en-US" sz="2400" dirty="0">
-                <a:latin typeface="Karla" pitchFamily="2" charset="0"/>
-              </a:rPr>
-              <a:t>Virtual Machines</a:t>
-            </a:r>
-            <a:r>
-              <a:rPr lang="en-US" sz="2400" dirty="0" smtClean="0">
-                <a:latin typeface="Karla" pitchFamily="2" charset="0"/>
-              </a:rPr>
-              <a:t>!</a:t>
+              <a:t>How can we run the same experiment? Virtual Machines!</a:t>
             </a:r>
           </a:p>
           <a:p>
@@ -21083,14 +20773,11 @@
               <a:buChar char="•"/>
             </a:pPr>
             <a:r>
-              <a:rPr lang="en-US" sz="2400" dirty="0" smtClean="0">
+              <a:rPr lang="en-US" sz="2400" dirty="0">
                 <a:latin typeface="Karla" pitchFamily="2" charset="0"/>
               </a:rPr>
               <a:t>Isolation! </a:t>
             </a:r>
-            <a:endParaRPr lang="en-US" sz="2400" dirty="0">
-              <a:latin typeface="Karla" pitchFamily="2" charset="0"/>
-            </a:endParaRPr>
           </a:p>
           <a:p>
             <a:pPr marL="285750" indent="-285750" algn="ctr">
@@ -21413,7 +21100,7 @@
           <p:cNvPr id="3" name="Text Placeholder 2">
             <a:extLst>
               <a:ext uri="{FF2B5EF4-FFF2-40B4-BE49-F238E27FC236}">
-                <a16:creationId xmlns:a16="http://schemas.microsoft.com/office/drawing/2014/main" xmlns="" id="{C7652C82-BE66-4418-8AD5-980274E47728}"/>
+                <a16:creationId xmlns:a16="http://schemas.microsoft.com/office/drawing/2014/main" id="{C7652C82-BE66-4418-8AD5-980274E47728}"/>
               </a:ext>
             </a:extLst>
           </p:cNvPr>
@@ -21461,7 +21148,7 @@
           <p:cNvPr id="10" name="Rectangle 9">
             <a:extLst>
               <a:ext uri="{FF2B5EF4-FFF2-40B4-BE49-F238E27FC236}">
-                <a16:creationId xmlns:a16="http://schemas.microsoft.com/office/drawing/2014/main" xmlns="" id="{2640D9DE-ACA1-40C5-9770-2BD1B3232BBF}"/>
+                <a16:creationId xmlns:a16="http://schemas.microsoft.com/office/drawing/2014/main" id="{2640D9DE-ACA1-40C5-9770-2BD1B3232BBF}"/>
               </a:ext>
             </a:extLst>
           </p:cNvPr>
@@ -21502,17 +21189,8 @@
               <a:rPr lang="en-US" sz="2400" dirty="0">
                 <a:latin typeface="Karla" pitchFamily="2" charset="0"/>
               </a:rPr>
-              <a:t>full autonomy: it works like a separate computer system, it is like run a computer within a </a:t>
-            </a:r>
-            <a:r>
-              <a:rPr lang="en-US" sz="2400" dirty="0" smtClean="0">
-                <a:latin typeface="Karla" pitchFamily="2" charset="0"/>
-              </a:rPr>
-              <a:t>computer.</a:t>
-            </a:r>
-            <a:endParaRPr lang="en-US" sz="2400" dirty="0">
-              <a:latin typeface="Karla" pitchFamily="2" charset="0"/>
-            </a:endParaRPr>
+              <a:t>full autonomy: it works like a separate computer system, it is like run a computer within a computer.</a:t>
+            </a:r>
           </a:p>
           <a:p>
             <a:pPr marL="800100" lvl="1" indent="-342900">
@@ -21529,17 +21207,8 @@
               <a:rPr lang="en-US" sz="2400" dirty="0">
                 <a:latin typeface="Karla" pitchFamily="2" charset="0"/>
               </a:rPr>
-              <a:t>: the software inside the virtual machines can't affect the actual </a:t>
-            </a:r>
-            <a:r>
-              <a:rPr lang="en-US" sz="2400" dirty="0" smtClean="0">
-                <a:latin typeface="Karla" pitchFamily="2" charset="0"/>
-              </a:rPr>
-              <a:t>computer.</a:t>
-            </a:r>
-            <a:endParaRPr lang="en-US" sz="2400" dirty="0">
-              <a:latin typeface="Karla" pitchFamily="2" charset="0"/>
-            </a:endParaRPr>
+              <a:t>: the software inside the virtual machines can't affect the actual computer.</a:t>
+            </a:r>
           </a:p>
           <a:p>
             <a:pPr marL="800100" lvl="1" indent="-342900">
@@ -21550,13 +21219,7 @@
               <a:rPr lang="en-US" sz="2400" dirty="0">
                 <a:latin typeface="Karla" pitchFamily="2" charset="0"/>
               </a:rPr>
-              <a:t>lower costs: buy one machine and run multiple operating </a:t>
-            </a:r>
-            <a:r>
-              <a:rPr lang="en-US" sz="2400" dirty="0" smtClean="0">
-                <a:latin typeface="Karla" pitchFamily="2" charset="0"/>
-              </a:rPr>
-              <a:t>systems.</a:t>
+              <a:t>lower costs: buy one machine and run multiple operating systems.</a:t>
             </a:r>
             <a:endParaRPr lang="en-US" sz="2000" dirty="0">
               <a:latin typeface="Karla" pitchFamily="2" charset="0"/>
@@ -21825,7 +21488,7 @@
           <p:cNvPr id="3" name="Text Placeholder 2">
             <a:extLst>
               <a:ext uri="{FF2B5EF4-FFF2-40B4-BE49-F238E27FC236}">
-                <a16:creationId xmlns:a16="http://schemas.microsoft.com/office/drawing/2014/main" xmlns="" id="{C7652C82-BE66-4418-8AD5-980274E47728}"/>
+                <a16:creationId xmlns:a16="http://schemas.microsoft.com/office/drawing/2014/main" id="{C7652C82-BE66-4418-8AD5-980274E47728}"/>
               </a:ext>
             </a:extLst>
           </p:cNvPr>
@@ -21865,7 +21528,7 @@
           <p:cNvPr id="9" name="Rectangle 8">
             <a:extLst>
               <a:ext uri="{FF2B5EF4-FFF2-40B4-BE49-F238E27FC236}">
-                <a16:creationId xmlns:a16="http://schemas.microsoft.com/office/drawing/2014/main" xmlns="" id="{5BB96268-19C2-489F-AA87-2D6A0808AD2E}"/>
+                <a16:creationId xmlns:a16="http://schemas.microsoft.com/office/drawing/2014/main" id="{5BB96268-19C2-489F-AA87-2D6A0808AD2E}"/>
               </a:ext>
             </a:extLst>
           </p:cNvPr>
@@ -21924,19 +21587,7 @@
               <a:rPr lang="en-US" sz="2400" dirty="0">
                 <a:latin typeface="Karla" pitchFamily="2" charset="0"/>
               </a:rPr>
-              <a:t>hypervisor can run as </a:t>
-            </a:r>
-            <a:r>
-              <a:rPr lang="en-US" sz="2400" dirty="0" smtClean="0">
-                <a:latin typeface="Karla" pitchFamily="2" charset="0"/>
-              </a:rPr>
-              <a:t>many virtual </a:t>
-            </a:r>
-            <a:r>
-              <a:rPr lang="en-US" sz="2400" dirty="0">
-                <a:latin typeface="Karla" pitchFamily="2" charset="0"/>
-              </a:rPr>
-              <a:t>machines as you wish</a:t>
+              <a:t>hypervisor can run as many virtual machines as you wish</a:t>
             </a:r>
           </a:p>
           <a:p>
@@ -21960,13 +21611,7 @@
               <a:rPr lang="en-US" sz="2400" dirty="0">
                 <a:latin typeface="Karla" pitchFamily="2" charset="0"/>
               </a:rPr>
-              <a:t>You can install a completely different operating system on this virtual </a:t>
-            </a:r>
-            <a:r>
-              <a:rPr lang="en-US" sz="2400" dirty="0" smtClean="0">
-                <a:latin typeface="Karla" pitchFamily="2" charset="0"/>
-              </a:rPr>
-              <a:t>machine</a:t>
+              <a:t>You can install a completely different operating system on this virtual machine</a:t>
             </a:r>
             <a:endParaRPr lang="en-US" sz="2000" dirty="0">
               <a:latin typeface="Karla" pitchFamily="2" charset="0"/>
@@ -22001,7 +21646,7 @@
           <p:cNvPr id="8" name="Group 7">
             <a:extLst>
               <a:ext uri="{FF2B5EF4-FFF2-40B4-BE49-F238E27FC236}">
-                <a16:creationId xmlns:a16="http://schemas.microsoft.com/office/drawing/2014/main" xmlns="" id="{E218D5DB-B599-454C-9E78-C061C2D72CB4}"/>
+                <a16:creationId xmlns:a16="http://schemas.microsoft.com/office/drawing/2014/main" id="{E218D5DB-B599-454C-9E78-C061C2D72CB4}"/>
               </a:ext>
             </a:extLst>
           </p:cNvPr>
@@ -22021,7 +21666,7 @@
             <p:cNvPr id="10" name="Rectangle 9">
               <a:extLst>
                 <a:ext uri="{FF2B5EF4-FFF2-40B4-BE49-F238E27FC236}">
-                  <a16:creationId xmlns:a16="http://schemas.microsoft.com/office/drawing/2014/main" xmlns="" id="{175A5A20-1FA8-4CA1-B35D-B4D8C8DCFD2C}"/>
+                  <a16:creationId xmlns:a16="http://schemas.microsoft.com/office/drawing/2014/main" id="{175A5A20-1FA8-4CA1-B35D-B4D8C8DCFD2C}"/>
                 </a:ext>
               </a:extLst>
             </p:cNvPr>
@@ -22082,7 +21727,7 @@
             <p:cNvPr id="11" name="Rectangle 10">
               <a:extLst>
                 <a:ext uri="{FF2B5EF4-FFF2-40B4-BE49-F238E27FC236}">
-                  <a16:creationId xmlns:a16="http://schemas.microsoft.com/office/drawing/2014/main" xmlns="" id="{8E27BC43-E636-41B6-9D9A-E411370E4968}"/>
+                  <a16:creationId xmlns:a16="http://schemas.microsoft.com/office/drawing/2014/main" id="{8E27BC43-E636-41B6-9D9A-E411370E4968}"/>
                 </a:ext>
               </a:extLst>
             </p:cNvPr>
@@ -22143,7 +21788,7 @@
             <p:cNvPr id="12" name="Rectangle 11">
               <a:extLst>
                 <a:ext uri="{FF2B5EF4-FFF2-40B4-BE49-F238E27FC236}">
-                  <a16:creationId xmlns:a16="http://schemas.microsoft.com/office/drawing/2014/main" xmlns="" id="{58CF218E-2BDE-4D5F-AC73-70C01719F2AD}"/>
+                  <a16:creationId xmlns:a16="http://schemas.microsoft.com/office/drawing/2014/main" id="{58CF218E-2BDE-4D5F-AC73-70C01719F2AD}"/>
                 </a:ext>
               </a:extLst>
             </p:cNvPr>
@@ -22205,7 +21850,7 @@
             <p:cNvPr id="13" name="Rectangle 12">
               <a:extLst>
                 <a:ext uri="{FF2B5EF4-FFF2-40B4-BE49-F238E27FC236}">
-                  <a16:creationId xmlns:a16="http://schemas.microsoft.com/office/drawing/2014/main" xmlns="" id="{A2448104-BC02-4185-9915-5BED385C5294}"/>
+                  <a16:creationId xmlns:a16="http://schemas.microsoft.com/office/drawing/2014/main" id="{A2448104-BC02-4185-9915-5BED385C5294}"/>
                 </a:ext>
               </a:extLst>
             </p:cNvPr>
@@ -22269,7 +21914,7 @@
             <p:cNvPr id="14" name="Rectangle 13">
               <a:extLst>
                 <a:ext uri="{FF2B5EF4-FFF2-40B4-BE49-F238E27FC236}">
-                  <a16:creationId xmlns:a16="http://schemas.microsoft.com/office/drawing/2014/main" xmlns="" id="{F87D49DB-E4C4-431C-9E55-BD7F996020B8}"/>
+                  <a16:creationId xmlns:a16="http://schemas.microsoft.com/office/drawing/2014/main" id="{F87D49DB-E4C4-431C-9E55-BD7F996020B8}"/>
                 </a:ext>
               </a:extLst>
             </p:cNvPr>
@@ -22333,7 +21978,7 @@
             <p:cNvPr id="15" name="Rectangle 14">
               <a:extLst>
                 <a:ext uri="{FF2B5EF4-FFF2-40B4-BE49-F238E27FC236}">
-                  <a16:creationId xmlns:a16="http://schemas.microsoft.com/office/drawing/2014/main" xmlns="" id="{3CEC4DD0-3289-4F50-B0D4-DB4D5E49167A}"/>
+                  <a16:creationId xmlns:a16="http://schemas.microsoft.com/office/drawing/2014/main" id="{3CEC4DD0-3289-4F50-B0D4-DB4D5E49167A}"/>
                 </a:ext>
               </a:extLst>
             </p:cNvPr>
@@ -22397,7 +22042,7 @@
             <p:cNvPr id="16" name="Rectangle 15">
               <a:extLst>
                 <a:ext uri="{FF2B5EF4-FFF2-40B4-BE49-F238E27FC236}">
-                  <a16:creationId xmlns:a16="http://schemas.microsoft.com/office/drawing/2014/main" xmlns="" id="{A818ED7C-B1E0-4240-B70C-54EF320A0D16}"/>
+                  <a16:creationId xmlns:a16="http://schemas.microsoft.com/office/drawing/2014/main" id="{A818ED7C-B1E0-4240-B70C-54EF320A0D16}"/>
                 </a:ext>
               </a:extLst>
             </p:cNvPr>
@@ -22454,7 +22099,7 @@
             <p:cNvPr id="17" name="Rectangle 16">
               <a:extLst>
                 <a:ext uri="{FF2B5EF4-FFF2-40B4-BE49-F238E27FC236}">
-                  <a16:creationId xmlns:a16="http://schemas.microsoft.com/office/drawing/2014/main" xmlns="" id="{EECE0EB5-F736-4C57-8EAB-C0EDFABA1CF0}"/>
+                  <a16:creationId xmlns:a16="http://schemas.microsoft.com/office/drawing/2014/main" id="{EECE0EB5-F736-4C57-8EAB-C0EDFABA1CF0}"/>
                 </a:ext>
               </a:extLst>
             </p:cNvPr>
@@ -22511,7 +22156,7 @@
             <p:cNvPr id="18" name="Rectangle 17">
               <a:extLst>
                 <a:ext uri="{FF2B5EF4-FFF2-40B4-BE49-F238E27FC236}">
-                  <a16:creationId xmlns:a16="http://schemas.microsoft.com/office/drawing/2014/main" xmlns="" id="{96456B3D-19FF-4A90-B49D-22E933EDB18A}"/>
+                  <a16:creationId xmlns:a16="http://schemas.microsoft.com/office/drawing/2014/main" id="{96456B3D-19FF-4A90-B49D-22E933EDB18A}"/>
                 </a:ext>
               </a:extLst>
             </p:cNvPr>
@@ -22568,7 +22213,7 @@
             <p:cNvPr id="19" name="Rectangle 18">
               <a:extLst>
                 <a:ext uri="{FF2B5EF4-FFF2-40B4-BE49-F238E27FC236}">
-                  <a16:creationId xmlns:a16="http://schemas.microsoft.com/office/drawing/2014/main" xmlns="" id="{70C2F49E-2C9F-4408-ACCE-2934C8D8CFBE}"/>
+                  <a16:creationId xmlns:a16="http://schemas.microsoft.com/office/drawing/2014/main" id="{70C2F49E-2C9F-4408-ACCE-2934C8D8CFBE}"/>
                 </a:ext>
               </a:extLst>
             </p:cNvPr>
@@ -22625,7 +22270,7 @@
             <p:cNvPr id="20" name="Rectangle 19">
               <a:extLst>
                 <a:ext uri="{FF2B5EF4-FFF2-40B4-BE49-F238E27FC236}">
-                  <a16:creationId xmlns:a16="http://schemas.microsoft.com/office/drawing/2014/main" xmlns="" id="{572B3FB4-058E-4205-B9F9-218EBFF2B0AA}"/>
+                  <a16:creationId xmlns:a16="http://schemas.microsoft.com/office/drawing/2014/main" id="{572B3FB4-058E-4205-B9F9-218EBFF2B0AA}"/>
                 </a:ext>
               </a:extLst>
             </p:cNvPr>
@@ -22682,7 +22327,7 @@
             <p:cNvPr id="21" name="Rectangle 20">
               <a:extLst>
                 <a:ext uri="{FF2B5EF4-FFF2-40B4-BE49-F238E27FC236}">
-                  <a16:creationId xmlns:a16="http://schemas.microsoft.com/office/drawing/2014/main" xmlns="" id="{80081AD9-4A48-4A62-A522-73660D5D4930}"/>
+                  <a16:creationId xmlns:a16="http://schemas.microsoft.com/office/drawing/2014/main" id="{80081AD9-4A48-4A62-A522-73660D5D4930}"/>
                 </a:ext>
               </a:extLst>
             </p:cNvPr>
@@ -23045,7 +22690,7 @@
           <p:cNvPr id="3" name="Text Placeholder 2">
             <a:extLst>
               <a:ext uri="{FF2B5EF4-FFF2-40B4-BE49-F238E27FC236}">
-                <a16:creationId xmlns:a16="http://schemas.microsoft.com/office/drawing/2014/main" xmlns="" id="{6DA12FB9-5FAE-4342-BE2F-559B191D9485}"/>
+                <a16:creationId xmlns:a16="http://schemas.microsoft.com/office/drawing/2014/main" id="{6DA12FB9-5FAE-4342-BE2F-559B191D9485}"/>
               </a:ext>
             </a:extLst>
           </p:cNvPr>
@@ -23085,7 +22730,7 @@
           <p:cNvPr id="2" name="Text Placeholder 1">
             <a:extLst>
               <a:ext uri="{FF2B5EF4-FFF2-40B4-BE49-F238E27FC236}">
-                <a16:creationId xmlns:a16="http://schemas.microsoft.com/office/drawing/2014/main" xmlns="" id="{C4DD40E0-632F-425B-B5E9-5E8CC8FCE6EF}"/>
+                <a16:creationId xmlns:a16="http://schemas.microsoft.com/office/drawing/2014/main" id="{C4DD40E0-632F-425B-B5E9-5E8CC8FCE6EF}"/>
               </a:ext>
             </a:extLst>
           </p:cNvPr>
@@ -23557,13 +23202,9 @@
             </a:r>
             <a:r>
               <a:rPr lang="en-US"/>
-              <a:t>host </a:t>
-            </a:r>
-            <a:r>
-              <a:rPr lang="en-US" smtClean="0"/>
-              <a:t>system</a:t>
-            </a:r>
-            <a:endParaRPr lang="en-US" dirty="0" smtClean="0"/>
+              <a:t>host system</a:t>
+            </a:r>
+            <a:endParaRPr lang="en-US" dirty="0"/>
           </a:p>
           <a:p>
             <a:pPr marL="1200120" lvl="1" indent="-457200">
@@ -23574,18 +23215,9 @@
               <a:buAutoNum type="arabicPeriod"/>
             </a:pPr>
             <a:r>
-              <a:rPr lang="en-US" dirty="0" smtClean="0"/>
-              <a:t>Takes long time </a:t>
-            </a:r>
-            <a:r>
               <a:rPr lang="en-US" dirty="0"/>
-              <a:t>to start </a:t>
-            </a:r>
-            <a:r>
-              <a:rPr lang="en-US" dirty="0" smtClean="0"/>
-              <a:t>up</a:t>
-            </a:r>
-            <a:endParaRPr lang="en-US" dirty="0"/>
+              <a:t>Takes long time to start up</a:t>
+            </a:r>
           </a:p>
           <a:p>
             <a:pPr marL="1200120" lvl="1" indent="-457200">
@@ -23615,13 +23247,6 @@
   <p:clrMapOvr>
     <a:masterClrMapping/>
   </p:clrMapOvr>
-  <p:timing>
-    <p:tnLst>
-      <p:par>
-        <p:cTn id="1" dur="indefinite" restart="never" nodeType="tmRoot"/>
-      </p:par>
-    </p:tnLst>
-  </p:timing>
 </p:sld>
 </file>
 
@@ -23647,7 +23272,7 @@
           <p:cNvPr id="3" name="Text Placeholder 2">
             <a:extLst>
               <a:ext uri="{FF2B5EF4-FFF2-40B4-BE49-F238E27FC236}">
-                <a16:creationId xmlns:a16="http://schemas.microsoft.com/office/drawing/2014/main" xmlns="" id="{6DA12FB9-5FAE-4342-BE2F-559B191D9485}"/>
+                <a16:creationId xmlns:a16="http://schemas.microsoft.com/office/drawing/2014/main" id="{6DA12FB9-5FAE-4342-BE2F-559B191D9485}"/>
               </a:ext>
             </a:extLst>
           </p:cNvPr>
@@ -23687,7 +23312,7 @@
           <p:cNvPr id="2" name="Text Placeholder 1">
             <a:extLst>
               <a:ext uri="{FF2B5EF4-FFF2-40B4-BE49-F238E27FC236}">
-                <a16:creationId xmlns:a16="http://schemas.microsoft.com/office/drawing/2014/main" xmlns="" id="{C4DD40E0-632F-425B-B5E9-5E8CC8FCE6EF}"/>
+                <a16:creationId xmlns:a16="http://schemas.microsoft.com/office/drawing/2014/main" id="{C4DD40E0-632F-425B-B5E9-5E8CC8FCE6EF}"/>
               </a:ext>
             </a:extLst>
           </p:cNvPr>
@@ -23776,13 +23401,6 @@
   <p:clrMapOvr>
     <a:masterClrMapping/>
   </p:clrMapOvr>
-  <p:timing>
-    <p:tnLst>
-      <p:par>
-        <p:cTn id="1" dur="indefinite" restart="never" nodeType="tmRoot"/>
-      </p:par>
-    </p:tnLst>
-  </p:timing>
 </p:sld>
 </file>
 
@@ -23808,7 +23426,7 @@
           <p:cNvPr id="40" name="Rectangle 39">
             <a:extLst>
               <a:ext uri="{FF2B5EF4-FFF2-40B4-BE49-F238E27FC236}">
-                <a16:creationId xmlns:a16="http://schemas.microsoft.com/office/drawing/2014/main" xmlns="" id="{59AB6C9F-6951-4418-ACD8-9D3D5A953743}"/>
+                <a16:creationId xmlns:a16="http://schemas.microsoft.com/office/drawing/2014/main" id="{59AB6C9F-6951-4418-ACD8-9D3D5A953743}"/>
               </a:ext>
             </a:extLst>
           </p:cNvPr>
@@ -23860,7 +23478,7 @@
           <p:cNvPr id="3" name="Text Placeholder 2">
             <a:extLst>
               <a:ext uri="{FF2B5EF4-FFF2-40B4-BE49-F238E27FC236}">
-                <a16:creationId xmlns:a16="http://schemas.microsoft.com/office/drawing/2014/main" xmlns="" id="{C7652C82-BE66-4418-8AD5-980274E47728}"/>
+                <a16:creationId xmlns:a16="http://schemas.microsoft.com/office/drawing/2014/main" id="{C7652C82-BE66-4418-8AD5-980274E47728}"/>
               </a:ext>
             </a:extLst>
           </p:cNvPr>
@@ -23900,7 +23518,7 @@
           <p:cNvPr id="7" name="Rectangle 6">
             <a:extLst>
               <a:ext uri="{FF2B5EF4-FFF2-40B4-BE49-F238E27FC236}">
-                <a16:creationId xmlns:a16="http://schemas.microsoft.com/office/drawing/2014/main" xmlns="" id="{24BBB258-612A-4802-BC2E-D8B75AB4AC10}"/>
+                <a16:creationId xmlns:a16="http://schemas.microsoft.com/office/drawing/2014/main" id="{24BBB258-612A-4802-BC2E-D8B75AB4AC10}"/>
               </a:ext>
             </a:extLst>
           </p:cNvPr>
@@ -23939,19 +23557,7 @@
               <a:rPr lang="en-US" sz="2000" dirty="0">
                 <a:latin typeface="Karla" pitchFamily="2" charset="0"/>
               </a:rPr>
-              <a:t>It has the best of the </a:t>
-            </a:r>
-            <a:r>
-              <a:rPr lang="en-US" sz="2000" dirty="0" smtClean="0">
-                <a:latin typeface="Karla" pitchFamily="2" charset="0"/>
-              </a:rPr>
-              <a:t>two worlds </a:t>
-            </a:r>
-            <a:r>
-              <a:rPr lang="en-US" sz="2000" dirty="0">
-                <a:latin typeface="Karla" pitchFamily="2" charset="0"/>
-              </a:rPr>
-              <a:t>because it allows: </a:t>
+              <a:t>It has the best of the two worlds because it allows: </a:t>
             </a:r>
           </a:p>
           <a:p>
@@ -23975,17 +23581,8 @@
               <a:rPr lang="en-US" sz="2000" dirty="0">
                 <a:latin typeface="Karla" pitchFamily="2" charset="0"/>
               </a:rPr>
-              <a:t>to run different operating system without sharing </a:t>
-            </a:r>
-            <a:r>
-              <a:rPr lang="en-US" sz="2000" dirty="0" smtClean="0">
-                <a:latin typeface="Karla" pitchFamily="2" charset="0"/>
-              </a:rPr>
-              <a:t>hardware	</a:t>
-            </a:r>
-            <a:endParaRPr lang="en-US" sz="2000" dirty="0">
-              <a:latin typeface="Karla" pitchFamily="2" charset="0"/>
-            </a:endParaRPr>
+              <a:t>to run different operating system without sharing hardware	</a:t>
+            </a:r>
           </a:p>
           <a:p>
             <a:pPr marL="342900" indent="-342900">
@@ -24063,7 +23660,7 @@
           <p:cNvPr id="39" name="Group 38">
             <a:extLst>
               <a:ext uri="{FF2B5EF4-FFF2-40B4-BE49-F238E27FC236}">
-                <a16:creationId xmlns:a16="http://schemas.microsoft.com/office/drawing/2014/main" xmlns="" id="{C962B554-D90F-41CF-AA86-5807B2230933}"/>
+                <a16:creationId xmlns:a16="http://schemas.microsoft.com/office/drawing/2014/main" id="{C962B554-D90F-41CF-AA86-5807B2230933}"/>
               </a:ext>
             </a:extLst>
           </p:cNvPr>
@@ -24083,7 +23680,7 @@
             <p:cNvPr id="28" name="Group 27">
               <a:extLst>
                 <a:ext uri="{FF2B5EF4-FFF2-40B4-BE49-F238E27FC236}">
-                  <a16:creationId xmlns:a16="http://schemas.microsoft.com/office/drawing/2014/main" xmlns="" id="{02B8C227-209A-42BE-B58E-8D22D7AC9189}"/>
+                  <a16:creationId xmlns:a16="http://schemas.microsoft.com/office/drawing/2014/main" id="{02B8C227-209A-42BE-B58E-8D22D7AC9189}"/>
                 </a:ext>
               </a:extLst>
             </p:cNvPr>
@@ -24103,7 +23700,7 @@
               <p:cNvPr id="8" name="Group 7">
                 <a:extLst>
                   <a:ext uri="{FF2B5EF4-FFF2-40B4-BE49-F238E27FC236}">
-                    <a16:creationId xmlns:a16="http://schemas.microsoft.com/office/drawing/2014/main" xmlns="" id="{33E60153-BFE4-4747-857D-98AEDBCE0F36}"/>
+                    <a16:creationId xmlns:a16="http://schemas.microsoft.com/office/drawing/2014/main" id="{33E60153-BFE4-4747-857D-98AEDBCE0F36}"/>
                   </a:ext>
                 </a:extLst>
               </p:cNvPr>
@@ -24123,7 +23720,7 @@
                 <p:cNvPr id="9" name="Rectangle 8">
                   <a:extLst>
                     <a:ext uri="{FF2B5EF4-FFF2-40B4-BE49-F238E27FC236}">
-                      <a16:creationId xmlns:a16="http://schemas.microsoft.com/office/drawing/2014/main" xmlns="" id="{C8F8FCF6-1F86-46DA-BB3B-57D937C4D9D4}"/>
+                      <a16:creationId xmlns:a16="http://schemas.microsoft.com/office/drawing/2014/main" id="{C8F8FCF6-1F86-46DA-BB3B-57D937C4D9D4}"/>
                     </a:ext>
                   </a:extLst>
                 </p:cNvPr>
@@ -24180,7 +23777,7 @@
                 <p:cNvPr id="12" name="Rectangle 11">
                   <a:extLst>
                     <a:ext uri="{FF2B5EF4-FFF2-40B4-BE49-F238E27FC236}">
-                      <a16:creationId xmlns:a16="http://schemas.microsoft.com/office/drawing/2014/main" xmlns="" id="{35744C96-BEFE-4B8D-9A9A-520F44A30C3B}"/>
+                      <a16:creationId xmlns:a16="http://schemas.microsoft.com/office/drawing/2014/main" id="{35744C96-BEFE-4B8D-9A9A-520F44A30C3B}"/>
                     </a:ext>
                   </a:extLst>
                 </p:cNvPr>
@@ -24239,7 +23836,7 @@
               <p:cNvPr id="6" name="Group 5">
                 <a:extLst>
                   <a:ext uri="{FF2B5EF4-FFF2-40B4-BE49-F238E27FC236}">
-                    <a16:creationId xmlns:a16="http://schemas.microsoft.com/office/drawing/2014/main" xmlns="" id="{F090641F-94C4-4D80-A290-DF0A372B2F90}"/>
+                    <a16:creationId xmlns:a16="http://schemas.microsoft.com/office/drawing/2014/main" id="{F090641F-94C4-4D80-A290-DF0A372B2F90}"/>
                   </a:ext>
                 </a:extLst>
               </p:cNvPr>
@@ -24259,7 +23856,7 @@
                 <p:cNvPr id="23" name="Rectangle 22">
                   <a:extLst>
                     <a:ext uri="{FF2B5EF4-FFF2-40B4-BE49-F238E27FC236}">
-                      <a16:creationId xmlns:a16="http://schemas.microsoft.com/office/drawing/2014/main" xmlns="" id="{2C5DB343-1FC9-4462-83A0-FEDB98E1B912}"/>
+                      <a16:creationId xmlns:a16="http://schemas.microsoft.com/office/drawing/2014/main" id="{2C5DB343-1FC9-4462-83A0-FEDB98E1B912}"/>
                     </a:ext>
                   </a:extLst>
                 </p:cNvPr>
@@ -24313,7 +23910,7 @@
                 <p:cNvPr id="26" name="Rectangle 25">
                   <a:extLst>
                     <a:ext uri="{FF2B5EF4-FFF2-40B4-BE49-F238E27FC236}">
-                      <a16:creationId xmlns:a16="http://schemas.microsoft.com/office/drawing/2014/main" xmlns="" id="{E28141E7-ABF9-4F12-9A9B-068785666475}"/>
+                      <a16:creationId xmlns:a16="http://schemas.microsoft.com/office/drawing/2014/main" id="{E28141E7-ABF9-4F12-9A9B-068785666475}"/>
                     </a:ext>
                   </a:extLst>
                 </p:cNvPr>
@@ -24372,7 +23969,7 @@
                 <p:cNvPr id="27" name="Rectangle 26">
                   <a:extLst>
                     <a:ext uri="{FF2B5EF4-FFF2-40B4-BE49-F238E27FC236}">
-                      <a16:creationId xmlns:a16="http://schemas.microsoft.com/office/drawing/2014/main" xmlns="" id="{C7411501-D0D5-4478-BDCB-A6E163DE1FE0}"/>
+                      <a16:creationId xmlns:a16="http://schemas.microsoft.com/office/drawing/2014/main" id="{C7411501-D0D5-4478-BDCB-A6E163DE1FE0}"/>
                     </a:ext>
                   </a:extLst>
                 </p:cNvPr>
@@ -24433,7 +24030,7 @@
             <p:cNvPr id="30" name="Rectangle 29">
               <a:extLst>
                 <a:ext uri="{FF2B5EF4-FFF2-40B4-BE49-F238E27FC236}">
-                  <a16:creationId xmlns:a16="http://schemas.microsoft.com/office/drawing/2014/main" xmlns="" id="{91B15F44-9E2D-48BF-A18C-BFD51B9DF610}"/>
+                  <a16:creationId xmlns:a16="http://schemas.microsoft.com/office/drawing/2014/main" id="{91B15F44-9E2D-48BF-A18C-BFD51B9DF610}"/>
                 </a:ext>
               </a:extLst>
             </p:cNvPr>
@@ -24487,7 +24084,7 @@
             <p:cNvPr id="31" name="Rectangle 30">
               <a:extLst>
                 <a:ext uri="{FF2B5EF4-FFF2-40B4-BE49-F238E27FC236}">
-                  <a16:creationId xmlns:a16="http://schemas.microsoft.com/office/drawing/2014/main" xmlns="" id="{01817419-5A1C-48C3-8E19-041876825A98}"/>
+                  <a16:creationId xmlns:a16="http://schemas.microsoft.com/office/drawing/2014/main" id="{01817419-5A1C-48C3-8E19-041876825A98}"/>
                 </a:ext>
               </a:extLst>
             </p:cNvPr>
@@ -24546,7 +24143,7 @@
             <p:cNvPr id="32" name="Rectangle 31">
               <a:extLst>
                 <a:ext uri="{FF2B5EF4-FFF2-40B4-BE49-F238E27FC236}">
-                  <a16:creationId xmlns:a16="http://schemas.microsoft.com/office/drawing/2014/main" xmlns="" id="{FC3A0CD0-EB7E-4AA8-B361-7F1ADABBC891}"/>
+                  <a16:creationId xmlns:a16="http://schemas.microsoft.com/office/drawing/2014/main" id="{FC3A0CD0-EB7E-4AA8-B361-7F1ADABBC891}"/>
                 </a:ext>
               </a:extLst>
             </p:cNvPr>
@@ -24605,7 +24202,7 @@
             <p:cNvPr id="33" name="Rectangle 32">
               <a:extLst>
                 <a:ext uri="{FF2B5EF4-FFF2-40B4-BE49-F238E27FC236}">
-                  <a16:creationId xmlns:a16="http://schemas.microsoft.com/office/drawing/2014/main" xmlns="" id="{F794D1DF-5DC4-4E3E-B2D0-3935574A6115}"/>
+                  <a16:creationId xmlns:a16="http://schemas.microsoft.com/office/drawing/2014/main" id="{F794D1DF-5DC4-4E3E-B2D0-3935574A6115}"/>
                 </a:ext>
               </a:extLst>
             </p:cNvPr>
@@ -24659,7 +24256,7 @@
             <p:cNvPr id="34" name="Rectangle 33">
               <a:extLst>
                 <a:ext uri="{FF2B5EF4-FFF2-40B4-BE49-F238E27FC236}">
-                  <a16:creationId xmlns:a16="http://schemas.microsoft.com/office/drawing/2014/main" xmlns="" id="{9C3576B3-B269-4ACC-8ECD-8304CB2556C2}"/>
+                  <a16:creationId xmlns:a16="http://schemas.microsoft.com/office/drawing/2014/main" id="{9C3576B3-B269-4ACC-8ECD-8304CB2556C2}"/>
                 </a:ext>
               </a:extLst>
             </p:cNvPr>
@@ -24718,7 +24315,7 @@
             <p:cNvPr id="35" name="Rectangle 34">
               <a:extLst>
                 <a:ext uri="{FF2B5EF4-FFF2-40B4-BE49-F238E27FC236}">
-                  <a16:creationId xmlns:a16="http://schemas.microsoft.com/office/drawing/2014/main" xmlns="" id="{1822AC4D-53F7-4AF7-B638-78D26558DCBE}"/>
+                  <a16:creationId xmlns:a16="http://schemas.microsoft.com/office/drawing/2014/main" id="{1822AC4D-53F7-4AF7-B638-78D26558DCBE}"/>
                 </a:ext>
               </a:extLst>
             </p:cNvPr>
@@ -24777,7 +24374,7 @@
             <p:cNvPr id="36" name="Rectangle 35">
               <a:extLst>
                 <a:ext uri="{FF2B5EF4-FFF2-40B4-BE49-F238E27FC236}">
-                  <a16:creationId xmlns:a16="http://schemas.microsoft.com/office/drawing/2014/main" xmlns="" id="{F8E8CEDD-21FB-4699-96E5-9D81A3FB6A07}"/>
+                  <a16:creationId xmlns:a16="http://schemas.microsoft.com/office/drawing/2014/main" id="{F8E8CEDD-21FB-4699-96E5-9D81A3FB6A07}"/>
                 </a:ext>
               </a:extLst>
             </p:cNvPr>
@@ -24831,7 +24428,7 @@
             <p:cNvPr id="37" name="Rectangle 36">
               <a:extLst>
                 <a:ext uri="{FF2B5EF4-FFF2-40B4-BE49-F238E27FC236}">
-                  <a16:creationId xmlns:a16="http://schemas.microsoft.com/office/drawing/2014/main" xmlns="" id="{91F116DD-CF7E-4495-A479-9F08965E0096}"/>
+                  <a16:creationId xmlns:a16="http://schemas.microsoft.com/office/drawing/2014/main" id="{91F116DD-CF7E-4495-A479-9F08965E0096}"/>
                 </a:ext>
               </a:extLst>
             </p:cNvPr>
@@ -24890,7 +24487,7 @@
             <p:cNvPr id="38" name="Rectangle 37">
               <a:extLst>
                 <a:ext uri="{FF2B5EF4-FFF2-40B4-BE49-F238E27FC236}">
-                  <a16:creationId xmlns:a16="http://schemas.microsoft.com/office/drawing/2014/main" xmlns="" id="{FD12AFA7-CA0A-43A7-866E-4AD62255A0A7}"/>
+                  <a16:creationId xmlns:a16="http://schemas.microsoft.com/office/drawing/2014/main" id="{FD12AFA7-CA0A-43A7-866E-4AD62255A0A7}"/>
                 </a:ext>
               </a:extLst>
             </p:cNvPr>
@@ -24955,13 +24552,6 @@
   <p:clrMapOvr>
     <a:masterClrMapping/>
   </p:clrMapOvr>
-  <p:timing>
-    <p:tnLst>
-      <p:par>
-        <p:cTn id="1" dur="indefinite" restart="never" nodeType="tmRoot"/>
-      </p:par>
-    </p:tnLst>
-  </p:timing>
 </p:sld>
 </file>
 
@@ -24987,7 +24577,7 @@
           <p:cNvPr id="40" name="Rectangle 39">
             <a:extLst>
               <a:ext uri="{FF2B5EF4-FFF2-40B4-BE49-F238E27FC236}">
-                <a16:creationId xmlns:a16="http://schemas.microsoft.com/office/drawing/2014/main" xmlns="" id="{59AB6C9F-6951-4418-ACD8-9D3D5A953743}"/>
+                <a16:creationId xmlns:a16="http://schemas.microsoft.com/office/drawing/2014/main" id="{59AB6C9F-6951-4418-ACD8-9D3D5A953743}"/>
               </a:ext>
             </a:extLst>
           </p:cNvPr>
@@ -25039,7 +24629,7 @@
           <p:cNvPr id="3" name="Text Placeholder 2">
             <a:extLst>
               <a:ext uri="{FF2B5EF4-FFF2-40B4-BE49-F238E27FC236}">
-                <a16:creationId xmlns:a16="http://schemas.microsoft.com/office/drawing/2014/main" xmlns="" id="{C7652C82-BE66-4418-8AD5-980274E47728}"/>
+                <a16:creationId xmlns:a16="http://schemas.microsoft.com/office/drawing/2014/main" id="{C7652C82-BE66-4418-8AD5-980274E47728}"/>
               </a:ext>
             </a:extLst>
           </p:cNvPr>
@@ -25087,7 +24677,7 @@
           <p:cNvPr id="7" name="Rectangle 6">
             <a:extLst>
               <a:ext uri="{FF2B5EF4-FFF2-40B4-BE49-F238E27FC236}">
-                <a16:creationId xmlns:a16="http://schemas.microsoft.com/office/drawing/2014/main" xmlns="" id="{24BBB258-612A-4802-BC2E-D8B75AB4AC10}"/>
+                <a16:creationId xmlns:a16="http://schemas.microsoft.com/office/drawing/2014/main" id="{24BBB258-612A-4802-BC2E-D8B75AB4AC10}"/>
               </a:ext>
             </a:extLst>
           </p:cNvPr>
@@ -25129,31 +24719,7 @@
               <a:rPr lang="en-US" sz="2000" dirty="0">
                 <a:latin typeface="Karla" pitchFamily="2" charset="0"/>
               </a:rPr>
-              <a:t>With the same image, you can reproduce as </a:t>
-            </a:r>
-            <a:r>
-              <a:rPr lang="en-US" sz="2000" dirty="0" smtClean="0">
-                <a:latin typeface="Karla" pitchFamily="2" charset="0"/>
-              </a:rPr>
-              <a:t>many containers </a:t>
-            </a:r>
-            <a:r>
-              <a:rPr lang="en-US" sz="2000" dirty="0">
-                <a:latin typeface="Karla" pitchFamily="2" charset="0"/>
-              </a:rPr>
-              <a:t>as you wish. Think about the image as the recipe, and the container as the cake ;-) you can make as many cakes as </a:t>
-            </a:r>
-            <a:r>
-              <a:rPr lang="en-US" sz="2000" dirty="0" smtClean="0">
-                <a:latin typeface="Karla" pitchFamily="2" charset="0"/>
-              </a:rPr>
-              <a:t>you’d </a:t>
-            </a:r>
-            <a:r>
-              <a:rPr lang="en-US" sz="2000" dirty="0">
-                <a:latin typeface="Karla" pitchFamily="2" charset="0"/>
-              </a:rPr>
-              <a:t>like with a given recipe.</a:t>
+              <a:t>With the same image, you can reproduce as many containers as you wish. Think about the image as the recipe, and the container as the cake ;-) you can make as many cakes as you’d like with a given recipe.</a:t>
             </a:r>
           </a:p>
           <a:p>
@@ -25210,7 +24776,7 @@
           <p:cNvPr id="39" name="Group 38">
             <a:extLst>
               <a:ext uri="{FF2B5EF4-FFF2-40B4-BE49-F238E27FC236}">
-                <a16:creationId xmlns:a16="http://schemas.microsoft.com/office/drawing/2014/main" xmlns="" id="{C962B554-D90F-41CF-AA86-5807B2230933}"/>
+                <a16:creationId xmlns:a16="http://schemas.microsoft.com/office/drawing/2014/main" id="{C962B554-D90F-41CF-AA86-5807B2230933}"/>
               </a:ext>
             </a:extLst>
           </p:cNvPr>
@@ -25230,7 +24796,7 @@
             <p:cNvPr id="28" name="Group 27">
               <a:extLst>
                 <a:ext uri="{FF2B5EF4-FFF2-40B4-BE49-F238E27FC236}">
-                  <a16:creationId xmlns:a16="http://schemas.microsoft.com/office/drawing/2014/main" xmlns="" id="{02B8C227-209A-42BE-B58E-8D22D7AC9189}"/>
+                  <a16:creationId xmlns:a16="http://schemas.microsoft.com/office/drawing/2014/main" id="{02B8C227-209A-42BE-B58E-8D22D7AC9189}"/>
                 </a:ext>
               </a:extLst>
             </p:cNvPr>
@@ -25250,7 +24816,7 @@
               <p:cNvPr id="8" name="Group 7">
                 <a:extLst>
                   <a:ext uri="{FF2B5EF4-FFF2-40B4-BE49-F238E27FC236}">
-                    <a16:creationId xmlns:a16="http://schemas.microsoft.com/office/drawing/2014/main" xmlns="" id="{33E60153-BFE4-4747-857D-98AEDBCE0F36}"/>
+                    <a16:creationId xmlns:a16="http://schemas.microsoft.com/office/drawing/2014/main" id="{33E60153-BFE4-4747-857D-98AEDBCE0F36}"/>
                   </a:ext>
                 </a:extLst>
               </p:cNvPr>
@@ -25270,7 +24836,7 @@
                 <p:cNvPr id="9" name="Rectangle 8">
                   <a:extLst>
                     <a:ext uri="{FF2B5EF4-FFF2-40B4-BE49-F238E27FC236}">
-                      <a16:creationId xmlns:a16="http://schemas.microsoft.com/office/drawing/2014/main" xmlns="" id="{C8F8FCF6-1F86-46DA-BB3B-57D937C4D9D4}"/>
+                      <a16:creationId xmlns:a16="http://schemas.microsoft.com/office/drawing/2014/main" id="{C8F8FCF6-1F86-46DA-BB3B-57D937C4D9D4}"/>
                     </a:ext>
                   </a:extLst>
                 </p:cNvPr>
@@ -25327,7 +24893,7 @@
                 <p:cNvPr id="12" name="Rectangle 11">
                   <a:extLst>
                     <a:ext uri="{FF2B5EF4-FFF2-40B4-BE49-F238E27FC236}">
-                      <a16:creationId xmlns:a16="http://schemas.microsoft.com/office/drawing/2014/main" xmlns="" id="{35744C96-BEFE-4B8D-9A9A-520F44A30C3B}"/>
+                      <a16:creationId xmlns:a16="http://schemas.microsoft.com/office/drawing/2014/main" id="{35744C96-BEFE-4B8D-9A9A-520F44A30C3B}"/>
                     </a:ext>
                   </a:extLst>
                 </p:cNvPr>
@@ -25386,7 +24952,7 @@
               <p:cNvPr id="6" name="Group 5">
                 <a:extLst>
                   <a:ext uri="{FF2B5EF4-FFF2-40B4-BE49-F238E27FC236}">
-                    <a16:creationId xmlns:a16="http://schemas.microsoft.com/office/drawing/2014/main" xmlns="" id="{F090641F-94C4-4D80-A290-DF0A372B2F90}"/>
+                    <a16:creationId xmlns:a16="http://schemas.microsoft.com/office/drawing/2014/main" id="{F090641F-94C4-4D80-A290-DF0A372B2F90}"/>
                   </a:ext>
                 </a:extLst>
               </p:cNvPr>
@@ -25406,7 +24972,7 @@
                 <p:cNvPr id="23" name="Rectangle 22">
                   <a:extLst>
                     <a:ext uri="{FF2B5EF4-FFF2-40B4-BE49-F238E27FC236}">
-                      <a16:creationId xmlns:a16="http://schemas.microsoft.com/office/drawing/2014/main" xmlns="" id="{2C5DB343-1FC9-4462-83A0-FEDB98E1B912}"/>
+                      <a16:creationId xmlns:a16="http://schemas.microsoft.com/office/drawing/2014/main" id="{2C5DB343-1FC9-4462-83A0-FEDB98E1B912}"/>
                     </a:ext>
                   </a:extLst>
                 </p:cNvPr>
@@ -25460,7 +25026,7 @@
                 <p:cNvPr id="26" name="Rectangle 25">
                   <a:extLst>
                     <a:ext uri="{FF2B5EF4-FFF2-40B4-BE49-F238E27FC236}">
-                      <a16:creationId xmlns:a16="http://schemas.microsoft.com/office/drawing/2014/main" xmlns="" id="{E28141E7-ABF9-4F12-9A9B-068785666475}"/>
+                      <a16:creationId xmlns:a16="http://schemas.microsoft.com/office/drawing/2014/main" id="{E28141E7-ABF9-4F12-9A9B-068785666475}"/>
                     </a:ext>
                   </a:extLst>
                 </p:cNvPr>
@@ -25519,7 +25085,7 @@
                 <p:cNvPr id="27" name="Rectangle 26">
                   <a:extLst>
                     <a:ext uri="{FF2B5EF4-FFF2-40B4-BE49-F238E27FC236}">
-                      <a16:creationId xmlns:a16="http://schemas.microsoft.com/office/drawing/2014/main" xmlns="" id="{C7411501-D0D5-4478-BDCB-A6E163DE1FE0}"/>
+                      <a16:creationId xmlns:a16="http://schemas.microsoft.com/office/drawing/2014/main" id="{C7411501-D0D5-4478-BDCB-A6E163DE1FE0}"/>
                     </a:ext>
                   </a:extLst>
                 </p:cNvPr>
@@ -25580,7 +25146,7 @@
             <p:cNvPr id="30" name="Rectangle 29">
               <a:extLst>
                 <a:ext uri="{FF2B5EF4-FFF2-40B4-BE49-F238E27FC236}">
-                  <a16:creationId xmlns:a16="http://schemas.microsoft.com/office/drawing/2014/main" xmlns="" id="{91B15F44-9E2D-48BF-A18C-BFD51B9DF610}"/>
+                  <a16:creationId xmlns:a16="http://schemas.microsoft.com/office/drawing/2014/main" id="{91B15F44-9E2D-48BF-A18C-BFD51B9DF610}"/>
                 </a:ext>
               </a:extLst>
             </p:cNvPr>
@@ -25634,7 +25200,7 @@
             <p:cNvPr id="31" name="Rectangle 30">
               <a:extLst>
                 <a:ext uri="{FF2B5EF4-FFF2-40B4-BE49-F238E27FC236}">
-                  <a16:creationId xmlns:a16="http://schemas.microsoft.com/office/drawing/2014/main" xmlns="" id="{01817419-5A1C-48C3-8E19-041876825A98}"/>
+                  <a16:creationId xmlns:a16="http://schemas.microsoft.com/office/drawing/2014/main" id="{01817419-5A1C-48C3-8E19-041876825A98}"/>
                 </a:ext>
               </a:extLst>
             </p:cNvPr>
@@ -25693,7 +25259,7 @@
             <p:cNvPr id="32" name="Rectangle 31">
               <a:extLst>
                 <a:ext uri="{FF2B5EF4-FFF2-40B4-BE49-F238E27FC236}">
-                  <a16:creationId xmlns:a16="http://schemas.microsoft.com/office/drawing/2014/main" xmlns="" id="{FC3A0CD0-EB7E-4AA8-B361-7F1ADABBC891}"/>
+                  <a16:creationId xmlns:a16="http://schemas.microsoft.com/office/drawing/2014/main" id="{FC3A0CD0-EB7E-4AA8-B361-7F1ADABBC891}"/>
                 </a:ext>
               </a:extLst>
             </p:cNvPr>
@@ -25752,7 +25318,7 @@
             <p:cNvPr id="33" name="Rectangle 32">
               <a:extLst>
                 <a:ext uri="{FF2B5EF4-FFF2-40B4-BE49-F238E27FC236}">
-                  <a16:creationId xmlns:a16="http://schemas.microsoft.com/office/drawing/2014/main" xmlns="" id="{F794D1DF-5DC4-4E3E-B2D0-3935574A6115}"/>
+                  <a16:creationId xmlns:a16="http://schemas.microsoft.com/office/drawing/2014/main" id="{F794D1DF-5DC4-4E3E-B2D0-3935574A6115}"/>
                 </a:ext>
               </a:extLst>
             </p:cNvPr>
@@ -25806,7 +25372,7 @@
             <p:cNvPr id="34" name="Rectangle 33">
               <a:extLst>
                 <a:ext uri="{FF2B5EF4-FFF2-40B4-BE49-F238E27FC236}">
-                  <a16:creationId xmlns:a16="http://schemas.microsoft.com/office/drawing/2014/main" xmlns="" id="{9C3576B3-B269-4ACC-8ECD-8304CB2556C2}"/>
+                  <a16:creationId xmlns:a16="http://schemas.microsoft.com/office/drawing/2014/main" id="{9C3576B3-B269-4ACC-8ECD-8304CB2556C2}"/>
                 </a:ext>
               </a:extLst>
             </p:cNvPr>
@@ -25865,7 +25431,7 @@
             <p:cNvPr id="35" name="Rectangle 34">
               <a:extLst>
                 <a:ext uri="{FF2B5EF4-FFF2-40B4-BE49-F238E27FC236}">
-                  <a16:creationId xmlns:a16="http://schemas.microsoft.com/office/drawing/2014/main" xmlns="" id="{1822AC4D-53F7-4AF7-B638-78D26558DCBE}"/>
+                  <a16:creationId xmlns:a16="http://schemas.microsoft.com/office/drawing/2014/main" id="{1822AC4D-53F7-4AF7-B638-78D26558DCBE}"/>
                 </a:ext>
               </a:extLst>
             </p:cNvPr>
@@ -25924,7 +25490,7 @@
             <p:cNvPr id="36" name="Rectangle 35">
               <a:extLst>
                 <a:ext uri="{FF2B5EF4-FFF2-40B4-BE49-F238E27FC236}">
-                  <a16:creationId xmlns:a16="http://schemas.microsoft.com/office/drawing/2014/main" xmlns="" id="{F8E8CEDD-21FB-4699-96E5-9D81A3FB6A07}"/>
+                  <a16:creationId xmlns:a16="http://schemas.microsoft.com/office/drawing/2014/main" id="{F8E8CEDD-21FB-4699-96E5-9D81A3FB6A07}"/>
                 </a:ext>
               </a:extLst>
             </p:cNvPr>
@@ -25978,7 +25544,7 @@
             <p:cNvPr id="37" name="Rectangle 36">
               <a:extLst>
                 <a:ext uri="{FF2B5EF4-FFF2-40B4-BE49-F238E27FC236}">
-                  <a16:creationId xmlns:a16="http://schemas.microsoft.com/office/drawing/2014/main" xmlns="" id="{91F116DD-CF7E-4495-A479-9F08965E0096}"/>
+                  <a16:creationId xmlns:a16="http://schemas.microsoft.com/office/drawing/2014/main" id="{91F116DD-CF7E-4495-A479-9F08965E0096}"/>
                 </a:ext>
               </a:extLst>
             </p:cNvPr>
@@ -26037,7 +25603,7 @@
             <p:cNvPr id="38" name="Rectangle 37">
               <a:extLst>
                 <a:ext uri="{FF2B5EF4-FFF2-40B4-BE49-F238E27FC236}">
-                  <a16:creationId xmlns:a16="http://schemas.microsoft.com/office/drawing/2014/main" xmlns="" id="{FD12AFA7-CA0A-43A7-866E-4AD62255A0A7}"/>
+                  <a16:creationId xmlns:a16="http://schemas.microsoft.com/office/drawing/2014/main" id="{FD12AFA7-CA0A-43A7-866E-4AD62255A0A7}"/>
                 </a:ext>
               </a:extLst>
             </p:cNvPr>
@@ -26102,13 +25668,6 @@
   <p:clrMapOvr>
     <a:masterClrMapping/>
   </p:clrMapOvr>
-  <p:timing>
-    <p:tnLst>
-      <p:par>
-        <p:cTn id="1" dur="indefinite" restart="never" nodeType="tmRoot"/>
-      </p:par>
-    </p:tnLst>
-  </p:timing>
 </p:sld>
 </file>
 
@@ -26134,7 +25693,7 @@
           <p:cNvPr id="40" name="Rectangle 39">
             <a:extLst>
               <a:ext uri="{FF2B5EF4-FFF2-40B4-BE49-F238E27FC236}">
-                <a16:creationId xmlns:a16="http://schemas.microsoft.com/office/drawing/2014/main" xmlns="" id="{59AB6C9F-6951-4418-ACD8-9D3D5A953743}"/>
+                <a16:creationId xmlns:a16="http://schemas.microsoft.com/office/drawing/2014/main" id="{59AB6C9F-6951-4418-ACD8-9D3D5A953743}"/>
               </a:ext>
             </a:extLst>
           </p:cNvPr>
@@ -26186,7 +25745,7 @@
           <p:cNvPr id="3" name="Text Placeholder 2">
             <a:extLst>
               <a:ext uri="{FF2B5EF4-FFF2-40B4-BE49-F238E27FC236}">
-                <a16:creationId xmlns:a16="http://schemas.microsoft.com/office/drawing/2014/main" xmlns="" id="{C7652C82-BE66-4418-8AD5-980274E47728}"/>
+                <a16:creationId xmlns:a16="http://schemas.microsoft.com/office/drawing/2014/main" id="{C7652C82-BE66-4418-8AD5-980274E47728}"/>
               </a:ext>
             </a:extLst>
           </p:cNvPr>
@@ -26234,7 +25793,7 @@
           <p:cNvPr id="7" name="Rectangle 6">
             <a:extLst>
               <a:ext uri="{FF2B5EF4-FFF2-40B4-BE49-F238E27FC236}">
-                <a16:creationId xmlns:a16="http://schemas.microsoft.com/office/drawing/2014/main" xmlns="" id="{24BBB258-612A-4802-BC2E-D8B75AB4AC10}"/>
+                <a16:creationId xmlns:a16="http://schemas.microsoft.com/office/drawing/2014/main" id="{24BBB258-612A-4802-BC2E-D8B75AB4AC10}"/>
               </a:ext>
             </a:extLst>
           </p:cNvPr>
@@ -26306,16 +25865,10 @@
               <a:buChar char="•"/>
             </a:pPr>
             <a:r>
-              <a:rPr lang="en-US" sz="2300" dirty="0" smtClean="0">
-                <a:latin typeface="Karla" pitchFamily="2" charset="0"/>
-              </a:rPr>
-              <a:t>Containers </a:t>
-            </a:r>
-            <a:r>
               <a:rPr lang="en-US" sz="2300" dirty="0">
                 <a:latin typeface="Karla" pitchFamily="2" charset="0"/>
               </a:rPr>
-              <a:t>run container images, it bundles the application along with its runtime and dependencies</a:t>
+              <a:t>Containers run container images, it bundles the application along with its runtime and dependencies</a:t>
             </a:r>
           </a:p>
           <a:p>
@@ -26330,17 +25883,8 @@
               <a:rPr lang="en-US" sz="2300" dirty="0">
                 <a:latin typeface="Karla" pitchFamily="2" charset="0"/>
               </a:rPr>
-              <a:t>Because they're so lightweight, you can have many containers running at once on your system</a:t>
-            </a:r>
-            <a:r>
-              <a:rPr lang="en-US" sz="2300" dirty="0" smtClean="0">
-                <a:latin typeface="Karla" pitchFamily="2" charset="0"/>
-              </a:rPr>
-              <a:t>.</a:t>
-            </a:r>
-            <a:endParaRPr lang="en-US" sz="2300" dirty="0">
-              <a:latin typeface="Karla" pitchFamily="2" charset="0"/>
-            </a:endParaRPr>
+              <a:t>Because they're so lightweight, you can have many containers running at once on your system.</a:t>
+            </a:r>
           </a:p>
         </p:txBody>
       </p:sp>
@@ -26349,7 +25893,7 @@
           <p:cNvPr id="39" name="Group 38">
             <a:extLst>
               <a:ext uri="{FF2B5EF4-FFF2-40B4-BE49-F238E27FC236}">
-                <a16:creationId xmlns:a16="http://schemas.microsoft.com/office/drawing/2014/main" xmlns="" id="{C962B554-D90F-41CF-AA86-5807B2230933}"/>
+                <a16:creationId xmlns:a16="http://schemas.microsoft.com/office/drawing/2014/main" id="{C962B554-D90F-41CF-AA86-5807B2230933}"/>
               </a:ext>
             </a:extLst>
           </p:cNvPr>
@@ -26369,7 +25913,7 @@
             <p:cNvPr id="28" name="Group 27">
               <a:extLst>
                 <a:ext uri="{FF2B5EF4-FFF2-40B4-BE49-F238E27FC236}">
-                  <a16:creationId xmlns:a16="http://schemas.microsoft.com/office/drawing/2014/main" xmlns="" id="{02B8C227-209A-42BE-B58E-8D22D7AC9189}"/>
+                  <a16:creationId xmlns:a16="http://schemas.microsoft.com/office/drawing/2014/main" id="{02B8C227-209A-42BE-B58E-8D22D7AC9189}"/>
                 </a:ext>
               </a:extLst>
             </p:cNvPr>
@@ -26389,7 +25933,7 @@
               <p:cNvPr id="8" name="Group 7">
                 <a:extLst>
                   <a:ext uri="{FF2B5EF4-FFF2-40B4-BE49-F238E27FC236}">
-                    <a16:creationId xmlns:a16="http://schemas.microsoft.com/office/drawing/2014/main" xmlns="" id="{33E60153-BFE4-4747-857D-98AEDBCE0F36}"/>
+                    <a16:creationId xmlns:a16="http://schemas.microsoft.com/office/drawing/2014/main" id="{33E60153-BFE4-4747-857D-98AEDBCE0F36}"/>
                   </a:ext>
                 </a:extLst>
               </p:cNvPr>
@@ -26409,7 +25953,7 @@
                 <p:cNvPr id="9" name="Rectangle 8">
                   <a:extLst>
                     <a:ext uri="{FF2B5EF4-FFF2-40B4-BE49-F238E27FC236}">
-                      <a16:creationId xmlns:a16="http://schemas.microsoft.com/office/drawing/2014/main" xmlns="" id="{C8F8FCF6-1F86-46DA-BB3B-57D937C4D9D4}"/>
+                      <a16:creationId xmlns:a16="http://schemas.microsoft.com/office/drawing/2014/main" id="{C8F8FCF6-1F86-46DA-BB3B-57D937C4D9D4}"/>
                     </a:ext>
                   </a:extLst>
                 </p:cNvPr>
@@ -26466,7 +26010,7 @@
                 <p:cNvPr id="12" name="Rectangle 11">
                   <a:extLst>
                     <a:ext uri="{FF2B5EF4-FFF2-40B4-BE49-F238E27FC236}">
-                      <a16:creationId xmlns:a16="http://schemas.microsoft.com/office/drawing/2014/main" xmlns="" id="{35744C96-BEFE-4B8D-9A9A-520F44A30C3B}"/>
+                      <a16:creationId xmlns:a16="http://schemas.microsoft.com/office/drawing/2014/main" id="{35744C96-BEFE-4B8D-9A9A-520F44A30C3B}"/>
                     </a:ext>
                   </a:extLst>
                 </p:cNvPr>
@@ -26525,7 +26069,7 @@
               <p:cNvPr id="6" name="Group 5">
                 <a:extLst>
                   <a:ext uri="{FF2B5EF4-FFF2-40B4-BE49-F238E27FC236}">
-                    <a16:creationId xmlns:a16="http://schemas.microsoft.com/office/drawing/2014/main" xmlns="" id="{F090641F-94C4-4D80-A290-DF0A372B2F90}"/>
+                    <a16:creationId xmlns:a16="http://schemas.microsoft.com/office/drawing/2014/main" id="{F090641F-94C4-4D80-A290-DF0A372B2F90}"/>
                   </a:ext>
                 </a:extLst>
               </p:cNvPr>
@@ -26545,7 +26089,7 @@
                 <p:cNvPr id="23" name="Rectangle 22">
                   <a:extLst>
                     <a:ext uri="{FF2B5EF4-FFF2-40B4-BE49-F238E27FC236}">
-                      <a16:creationId xmlns:a16="http://schemas.microsoft.com/office/drawing/2014/main" xmlns="" id="{2C5DB343-1FC9-4462-83A0-FEDB98E1B912}"/>
+                      <a16:creationId xmlns:a16="http://schemas.microsoft.com/office/drawing/2014/main" id="{2C5DB343-1FC9-4462-83A0-FEDB98E1B912}"/>
                     </a:ext>
                   </a:extLst>
                 </p:cNvPr>
@@ -26599,7 +26143,7 @@
                 <p:cNvPr id="26" name="Rectangle 25">
                   <a:extLst>
                     <a:ext uri="{FF2B5EF4-FFF2-40B4-BE49-F238E27FC236}">
-                      <a16:creationId xmlns:a16="http://schemas.microsoft.com/office/drawing/2014/main" xmlns="" id="{E28141E7-ABF9-4F12-9A9B-068785666475}"/>
+                      <a16:creationId xmlns:a16="http://schemas.microsoft.com/office/drawing/2014/main" id="{E28141E7-ABF9-4F12-9A9B-068785666475}"/>
                     </a:ext>
                   </a:extLst>
                 </p:cNvPr>
@@ -26658,7 +26202,7 @@
                 <p:cNvPr id="27" name="Rectangle 26">
                   <a:extLst>
                     <a:ext uri="{FF2B5EF4-FFF2-40B4-BE49-F238E27FC236}">
-                      <a16:creationId xmlns:a16="http://schemas.microsoft.com/office/drawing/2014/main" xmlns="" id="{C7411501-D0D5-4478-BDCB-A6E163DE1FE0}"/>
+                      <a16:creationId xmlns:a16="http://schemas.microsoft.com/office/drawing/2014/main" id="{C7411501-D0D5-4478-BDCB-A6E163DE1FE0}"/>
                     </a:ext>
                   </a:extLst>
                 </p:cNvPr>
@@ -26719,7 +26263,7 @@
             <p:cNvPr id="30" name="Rectangle 29">
               <a:extLst>
                 <a:ext uri="{FF2B5EF4-FFF2-40B4-BE49-F238E27FC236}">
-                  <a16:creationId xmlns:a16="http://schemas.microsoft.com/office/drawing/2014/main" xmlns="" id="{91B15F44-9E2D-48BF-A18C-BFD51B9DF610}"/>
+                  <a16:creationId xmlns:a16="http://schemas.microsoft.com/office/drawing/2014/main" id="{91B15F44-9E2D-48BF-A18C-BFD51B9DF610}"/>
                 </a:ext>
               </a:extLst>
             </p:cNvPr>
@@ -26773,7 +26317,7 @@
             <p:cNvPr id="31" name="Rectangle 30">
               <a:extLst>
                 <a:ext uri="{FF2B5EF4-FFF2-40B4-BE49-F238E27FC236}">
-                  <a16:creationId xmlns:a16="http://schemas.microsoft.com/office/drawing/2014/main" xmlns="" id="{01817419-5A1C-48C3-8E19-041876825A98}"/>
+                  <a16:creationId xmlns:a16="http://schemas.microsoft.com/office/drawing/2014/main" id="{01817419-5A1C-48C3-8E19-041876825A98}"/>
                 </a:ext>
               </a:extLst>
             </p:cNvPr>
@@ -26832,7 +26376,7 @@
             <p:cNvPr id="32" name="Rectangle 31">
               <a:extLst>
                 <a:ext uri="{FF2B5EF4-FFF2-40B4-BE49-F238E27FC236}">
-                  <a16:creationId xmlns:a16="http://schemas.microsoft.com/office/drawing/2014/main" xmlns="" id="{FC3A0CD0-EB7E-4AA8-B361-7F1ADABBC891}"/>
+                  <a16:creationId xmlns:a16="http://schemas.microsoft.com/office/drawing/2014/main" id="{FC3A0CD0-EB7E-4AA8-B361-7F1ADABBC891}"/>
                 </a:ext>
               </a:extLst>
             </p:cNvPr>
@@ -26891,7 +26435,7 @@
             <p:cNvPr id="33" name="Rectangle 32">
               <a:extLst>
                 <a:ext uri="{FF2B5EF4-FFF2-40B4-BE49-F238E27FC236}">
-                  <a16:creationId xmlns:a16="http://schemas.microsoft.com/office/drawing/2014/main" xmlns="" id="{F794D1DF-5DC4-4E3E-B2D0-3935574A6115}"/>
+                  <a16:creationId xmlns:a16="http://schemas.microsoft.com/office/drawing/2014/main" id="{F794D1DF-5DC4-4E3E-B2D0-3935574A6115}"/>
                 </a:ext>
               </a:extLst>
             </p:cNvPr>
@@ -26945,7 +26489,7 @@
             <p:cNvPr id="34" name="Rectangle 33">
               <a:extLst>
                 <a:ext uri="{FF2B5EF4-FFF2-40B4-BE49-F238E27FC236}">
-                  <a16:creationId xmlns:a16="http://schemas.microsoft.com/office/drawing/2014/main" xmlns="" id="{9C3576B3-B269-4ACC-8ECD-8304CB2556C2}"/>
+                  <a16:creationId xmlns:a16="http://schemas.microsoft.com/office/drawing/2014/main" id="{9C3576B3-B269-4ACC-8ECD-8304CB2556C2}"/>
                 </a:ext>
               </a:extLst>
             </p:cNvPr>
@@ -27004,7 +26548,7 @@
             <p:cNvPr id="35" name="Rectangle 34">
               <a:extLst>
                 <a:ext uri="{FF2B5EF4-FFF2-40B4-BE49-F238E27FC236}">
-                  <a16:creationId xmlns:a16="http://schemas.microsoft.com/office/drawing/2014/main" xmlns="" id="{1822AC4D-53F7-4AF7-B638-78D26558DCBE}"/>
+                  <a16:creationId xmlns:a16="http://schemas.microsoft.com/office/drawing/2014/main" id="{1822AC4D-53F7-4AF7-B638-78D26558DCBE}"/>
                 </a:ext>
               </a:extLst>
             </p:cNvPr>
@@ -27063,7 +26607,7 @@
             <p:cNvPr id="36" name="Rectangle 35">
               <a:extLst>
                 <a:ext uri="{FF2B5EF4-FFF2-40B4-BE49-F238E27FC236}">
-                  <a16:creationId xmlns:a16="http://schemas.microsoft.com/office/drawing/2014/main" xmlns="" id="{F8E8CEDD-21FB-4699-96E5-9D81A3FB6A07}"/>
+                  <a16:creationId xmlns:a16="http://schemas.microsoft.com/office/drawing/2014/main" id="{F8E8CEDD-21FB-4699-96E5-9D81A3FB6A07}"/>
                 </a:ext>
               </a:extLst>
             </p:cNvPr>
@@ -27117,7 +26661,7 @@
             <p:cNvPr id="37" name="Rectangle 36">
               <a:extLst>
                 <a:ext uri="{FF2B5EF4-FFF2-40B4-BE49-F238E27FC236}">
-                  <a16:creationId xmlns:a16="http://schemas.microsoft.com/office/drawing/2014/main" xmlns="" id="{91F116DD-CF7E-4495-A479-9F08965E0096}"/>
+                  <a16:creationId xmlns:a16="http://schemas.microsoft.com/office/drawing/2014/main" id="{91F116DD-CF7E-4495-A479-9F08965E0096}"/>
                 </a:ext>
               </a:extLst>
             </p:cNvPr>
@@ -27176,7 +26720,7 @@
             <p:cNvPr id="38" name="Rectangle 37">
               <a:extLst>
                 <a:ext uri="{FF2B5EF4-FFF2-40B4-BE49-F238E27FC236}">
-                  <a16:creationId xmlns:a16="http://schemas.microsoft.com/office/drawing/2014/main" xmlns="" id="{FD12AFA7-CA0A-43A7-866E-4AD62255A0A7}"/>
+                  <a16:creationId xmlns:a16="http://schemas.microsoft.com/office/drawing/2014/main" id="{FD12AFA7-CA0A-43A7-866E-4AD62255A0A7}"/>
                 </a:ext>
               </a:extLst>
             </p:cNvPr>
@@ -27241,13 +26785,6 @@
   <p:clrMapOvr>
     <a:masterClrMapping/>
   </p:clrMapOvr>
-  <p:timing>
-    <p:tnLst>
-      <p:par>
-        <p:cTn id="1" dur="indefinite" restart="never" nodeType="tmRoot"/>
-      </p:par>
-    </p:tnLst>
-  </p:timing>
 </p:sld>
 </file>
 
@@ -27273,7 +26810,7 @@
           <p:cNvPr id="3" name="Text Placeholder 2">
             <a:extLst>
               <a:ext uri="{FF2B5EF4-FFF2-40B4-BE49-F238E27FC236}">
-                <a16:creationId xmlns:a16="http://schemas.microsoft.com/office/drawing/2014/main" xmlns="" id="{C7652C82-BE66-4418-8AD5-980274E47728}"/>
+                <a16:creationId xmlns:a16="http://schemas.microsoft.com/office/drawing/2014/main" id="{C7652C82-BE66-4418-8AD5-980274E47728}"/>
               </a:ext>
             </a:extLst>
           </p:cNvPr>
@@ -27313,7 +26850,7 @@
           <p:cNvPr id="7" name="Rectangle 6">
             <a:extLst>
               <a:ext uri="{FF2B5EF4-FFF2-40B4-BE49-F238E27FC236}">
-                <a16:creationId xmlns:a16="http://schemas.microsoft.com/office/drawing/2014/main" xmlns="" id="{24BBB258-612A-4802-BC2E-D8B75AB4AC10}"/>
+                <a16:creationId xmlns:a16="http://schemas.microsoft.com/office/drawing/2014/main" id="{24BBB258-612A-4802-BC2E-D8B75AB4AC10}"/>
               </a:ext>
             </a:extLst>
           </p:cNvPr>
@@ -27376,17 +26913,8 @@
               <a:rPr lang="en-US" sz="2300" dirty="0">
                 <a:latin typeface="Karla" pitchFamily="2" charset="0"/>
               </a:rPr>
-              <a:t>A container is deployed from the container image offering an isolated executable environment for the </a:t>
-            </a:r>
-            <a:r>
-              <a:rPr lang="en-US" sz="2300" dirty="0" smtClean="0">
-                <a:latin typeface="Karla" pitchFamily="2" charset="0"/>
-              </a:rPr>
-              <a:t>application.</a:t>
-            </a:r>
-            <a:endParaRPr lang="en-US" sz="2300" dirty="0">
-              <a:latin typeface="Karla" pitchFamily="2" charset="0"/>
-            </a:endParaRPr>
+              <a:t>A container is deployed from the container image offering an isolated executable environment for the application.</a:t>
+            </a:r>
           </a:p>
           <a:p>
             <a:pPr marL="285750" indent="-285750">
@@ -27415,17 +26943,8 @@
               <a:rPr lang="en-US" sz="2300" dirty="0">
                 <a:latin typeface="Karla" pitchFamily="2" charset="0"/>
               </a:rPr>
-              <a:t>Containers are extremely popular, and their popularity is </a:t>
-            </a:r>
-            <a:r>
-              <a:rPr lang="en-US" sz="2300" dirty="0" smtClean="0">
-                <a:latin typeface="Karla" pitchFamily="2" charset="0"/>
-              </a:rPr>
-              <a:t>growing.</a:t>
-            </a:r>
-            <a:endParaRPr lang="en-US" sz="2300" dirty="0">
-              <a:latin typeface="Karla" pitchFamily="2" charset="0"/>
-            </a:endParaRPr>
+              <a:t>Containers are extremely popular, and their popularity is growing.</a:t>
+            </a:r>
           </a:p>
           <a:p>
             <a:pPr marL="285750" indent="-285750">
@@ -27439,17 +26958,8 @@
               <a:rPr lang="en-US" sz="2300" dirty="0">
                 <a:latin typeface="Karla" pitchFamily="2" charset="0"/>
               </a:rPr>
-              <a:t>One of the first widely used containers was provided by </a:t>
-            </a:r>
-            <a:r>
-              <a:rPr lang="en-US" sz="2300" dirty="0" smtClean="0">
-                <a:latin typeface="Karla" pitchFamily="2" charset="0"/>
-              </a:rPr>
-              <a:t>Docker. </a:t>
-            </a:r>
-            <a:endParaRPr lang="en-US" sz="2300" dirty="0">
-              <a:latin typeface="Karla" pitchFamily="2" charset="0"/>
-            </a:endParaRPr>
+              <a:t>One of the first widely used containers was provided by Docker. </a:t>
+            </a:r>
           </a:p>
           <a:p>
             <a:pPr marL="285750" indent="-285750">
@@ -27463,17 +26973,8 @@
               <a:rPr lang="en-US" sz="2300" dirty="0">
                 <a:latin typeface="Karla" pitchFamily="2" charset="0"/>
               </a:rPr>
-              <a:t>Docker containers can be used to run websites and web </a:t>
-            </a:r>
-            <a:r>
-              <a:rPr lang="en-US" sz="2300" dirty="0" smtClean="0">
-                <a:latin typeface="Karla" pitchFamily="2" charset="0"/>
-              </a:rPr>
-              <a:t>applications.</a:t>
-            </a:r>
-            <a:endParaRPr lang="en-US" sz="2300" dirty="0">
-              <a:latin typeface="Karla" pitchFamily="2" charset="0"/>
-            </a:endParaRPr>
+              <a:t>Docker containers can be used to run websites and web applications.</a:t>
+            </a:r>
           </a:p>
           <a:p>
             <a:pPr marL="285750" indent="-285750">
@@ -27981,7 +27482,7 @@
           <p:cNvPr id="4" name="Title 3">
             <a:extLst>
               <a:ext uri="{FF2B5EF4-FFF2-40B4-BE49-F238E27FC236}">
-                <a16:creationId xmlns:a16="http://schemas.microsoft.com/office/drawing/2014/main" xmlns="" id="{BF5EAB67-A55F-4E72-82DA-6ECE5A6F49EF}"/>
+                <a16:creationId xmlns:a16="http://schemas.microsoft.com/office/drawing/2014/main" id="{BF5EAB67-A55F-4E72-82DA-6ECE5A6F49EF}"/>
               </a:ext>
             </a:extLst>
           </p:cNvPr>
@@ -27997,38 +27498,18 @@
           <a:bodyPr/>
           <a:lstStyle/>
           <a:p>
-            <a:r>
-              <a:rPr lang="en-US" dirty="0"/>
-              <a:t/>
-            </a:r>
             <a:br>
               <a:rPr lang="en-US" dirty="0"/>
             </a:br>
-            <a:r>
-              <a:rPr lang="en-US" dirty="0"/>
-              <a:t/>
-            </a:r>
             <a:br>
               <a:rPr lang="en-US" dirty="0"/>
             </a:br>
-            <a:r>
-              <a:rPr lang="en-US" dirty="0"/>
-              <a:t/>
-            </a:r>
             <a:br>
               <a:rPr lang="en-US" dirty="0"/>
             </a:br>
-            <a:r>
-              <a:rPr lang="en-US" dirty="0"/>
-              <a:t/>
-            </a:r>
             <a:br>
               <a:rPr lang="en-US" dirty="0"/>
             </a:br>
-            <a:r>
-              <a:rPr lang="en-US" dirty="0"/>
-              <a:t/>
-            </a:r>
             <a:br>
               <a:rPr lang="en-US" dirty="0"/>
             </a:br>
@@ -28041,7 +27522,7 @@
           <p:cNvPr id="3" name="Text Placeholder 2">
             <a:extLst>
               <a:ext uri="{FF2B5EF4-FFF2-40B4-BE49-F238E27FC236}">
-                <a16:creationId xmlns:a16="http://schemas.microsoft.com/office/drawing/2014/main" xmlns="" id="{C7652C82-BE66-4418-8AD5-980274E47728}"/>
+                <a16:creationId xmlns:a16="http://schemas.microsoft.com/office/drawing/2014/main" id="{C7652C82-BE66-4418-8AD5-980274E47728}"/>
               </a:ext>
             </a:extLst>
           </p:cNvPr>
@@ -28082,7 +27563,7 @@
           <p:cNvPr id="2" name="Picture 1">
             <a:extLst>
               <a:ext uri="{FF2B5EF4-FFF2-40B4-BE49-F238E27FC236}">
-                <a16:creationId xmlns:a16="http://schemas.microsoft.com/office/drawing/2014/main" xmlns="" id="{63E6B8F0-4773-4213-B474-27588B905FA9}"/>
+                <a16:creationId xmlns:a16="http://schemas.microsoft.com/office/drawing/2014/main" id="{63E6B8F0-4773-4213-B474-27588B905FA9}"/>
               </a:ext>
             </a:extLst>
           </p:cNvPr>
@@ -28111,7 +27592,7 @@
           <p:cNvPr id="5" name="Rectangle 4">
             <a:extLst>
               <a:ext uri="{FF2B5EF4-FFF2-40B4-BE49-F238E27FC236}">
-                <a16:creationId xmlns:a16="http://schemas.microsoft.com/office/drawing/2014/main" xmlns="" id="{44F3DA0E-014A-442B-BD27-A982E93A8EFE}"/>
+                <a16:creationId xmlns:a16="http://schemas.microsoft.com/office/drawing/2014/main" id="{44F3DA0E-014A-442B-BD27-A982E93A8EFE}"/>
               </a:ext>
             </a:extLst>
           </p:cNvPr>
@@ -28142,7 +27623,7 @@
                 <a:hlinkClick r:id="rId4">
                   <a:extLst>
                     <a:ext uri="{A12FA001-AC4F-418D-AE19-62706E023703}">
-                      <ahyp:hlinkClr xmlns:ahyp="http://schemas.microsoft.com/office/drawing/2018/hyperlinkcolor" xmlns="" val="tx"/>
+                      <ahyp:hlinkClr xmlns:ahyp="http://schemas.microsoft.com/office/drawing/2018/hyperlinkcolor" val="tx"/>
                     </a:ext>
                   </a:extLst>
                 </a:hlinkClick>
@@ -28163,7 +27644,7 @@
           <p:cNvPr id="6" name="Rectangle 5">
             <a:extLst>
               <a:ext uri="{FF2B5EF4-FFF2-40B4-BE49-F238E27FC236}">
-                <a16:creationId xmlns:a16="http://schemas.microsoft.com/office/drawing/2014/main" xmlns="" id="{DB0D635A-1447-4E73-81A8-4445C2B5294C}"/>
+                <a16:creationId xmlns:a16="http://schemas.microsoft.com/office/drawing/2014/main" id="{DB0D635A-1447-4E73-81A8-4445C2B5294C}"/>
               </a:ext>
             </a:extLst>
           </p:cNvPr>
@@ -28223,7 +27704,7 @@
           <p:cNvPr id="8" name="Rectangle 7">
             <a:extLst>
               <a:ext uri="{FF2B5EF4-FFF2-40B4-BE49-F238E27FC236}">
-                <a16:creationId xmlns:a16="http://schemas.microsoft.com/office/drawing/2014/main" xmlns="" id="{C053DC36-B940-493E-8DE3-6D58F2768C66}"/>
+                <a16:creationId xmlns:a16="http://schemas.microsoft.com/office/drawing/2014/main" id="{C053DC36-B940-493E-8DE3-6D58F2768C66}"/>
               </a:ext>
             </a:extLst>
           </p:cNvPr>
@@ -28280,7 +27761,7 @@
           <p:cNvPr id="11" name="Rectangle 10">
             <a:extLst>
               <a:ext uri="{FF2B5EF4-FFF2-40B4-BE49-F238E27FC236}">
-                <a16:creationId xmlns:a16="http://schemas.microsoft.com/office/drawing/2014/main" xmlns="" id="{A2CF14F1-FE9E-4BAF-8D0F-08FB2AB7711E}"/>
+                <a16:creationId xmlns:a16="http://schemas.microsoft.com/office/drawing/2014/main" id="{A2CF14F1-FE9E-4BAF-8D0F-08FB2AB7711E}"/>
               </a:ext>
             </a:extLst>
           </p:cNvPr>
@@ -28360,13 +27841,6 @@
   <p:clrMapOvr>
     <a:masterClrMapping/>
   </p:clrMapOvr>
-  <p:timing>
-    <p:tnLst>
-      <p:par>
-        <p:cTn id="1" dur="indefinite" restart="never" nodeType="tmRoot"/>
-      </p:par>
-    </p:tnLst>
-  </p:timing>
 </p:sld>
 </file>
 
@@ -28392,7 +27866,7 @@
           <p:cNvPr id="4" name="Title 3">
             <a:extLst>
               <a:ext uri="{FF2B5EF4-FFF2-40B4-BE49-F238E27FC236}">
-                <a16:creationId xmlns:a16="http://schemas.microsoft.com/office/drawing/2014/main" xmlns="" id="{BF5EAB67-A55F-4E72-82DA-6ECE5A6F49EF}"/>
+                <a16:creationId xmlns:a16="http://schemas.microsoft.com/office/drawing/2014/main" id="{BF5EAB67-A55F-4E72-82DA-6ECE5A6F49EF}"/>
               </a:ext>
             </a:extLst>
           </p:cNvPr>
@@ -28408,38 +27882,18 @@
           <a:bodyPr/>
           <a:lstStyle/>
           <a:p>
-            <a:r>
-              <a:rPr lang="en-US" dirty="0"/>
-              <a:t/>
-            </a:r>
             <a:br>
               <a:rPr lang="en-US" dirty="0"/>
             </a:br>
-            <a:r>
-              <a:rPr lang="en-US" dirty="0"/>
-              <a:t/>
-            </a:r>
             <a:br>
               <a:rPr lang="en-US" dirty="0"/>
             </a:br>
-            <a:r>
-              <a:rPr lang="en-US" dirty="0"/>
-              <a:t/>
-            </a:r>
             <a:br>
               <a:rPr lang="en-US" dirty="0"/>
             </a:br>
-            <a:r>
-              <a:rPr lang="en-US" dirty="0"/>
-              <a:t/>
-            </a:r>
             <a:br>
               <a:rPr lang="en-US" dirty="0"/>
             </a:br>
-            <a:r>
-              <a:rPr lang="en-US" dirty="0"/>
-              <a:t/>
-            </a:r>
             <a:br>
               <a:rPr lang="en-US" dirty="0"/>
             </a:br>
@@ -28452,7 +27906,7 @@
           <p:cNvPr id="3" name="Text Placeholder 2">
             <a:extLst>
               <a:ext uri="{FF2B5EF4-FFF2-40B4-BE49-F238E27FC236}">
-                <a16:creationId xmlns:a16="http://schemas.microsoft.com/office/drawing/2014/main" xmlns="" id="{C7652C82-BE66-4418-8AD5-980274E47728}"/>
+                <a16:creationId xmlns:a16="http://schemas.microsoft.com/office/drawing/2014/main" id="{C7652C82-BE66-4418-8AD5-980274E47728}"/>
               </a:ext>
             </a:extLst>
           </p:cNvPr>
@@ -28493,7 +27947,7 @@
           <p:cNvPr id="7" name="Rectangle 6">
             <a:extLst>
               <a:ext uri="{FF2B5EF4-FFF2-40B4-BE49-F238E27FC236}">
-                <a16:creationId xmlns:a16="http://schemas.microsoft.com/office/drawing/2014/main" xmlns="" id="{24BBB258-612A-4802-BC2E-D8B75AB4AC10}"/>
+                <a16:creationId xmlns:a16="http://schemas.microsoft.com/office/drawing/2014/main" id="{24BBB258-612A-4802-BC2E-D8B75AB4AC10}"/>
               </a:ext>
             </a:extLst>
           </p:cNvPr>
@@ -28538,22 +27992,10 @@
               <a:rPr lang="en-US" sz="2400" dirty="0">
                 <a:latin typeface="Karla" pitchFamily="2" charset="0"/>
               </a:rPr>
-              <a:t>P</a:t>
-            </a:r>
-            <a:r>
-              <a:rPr lang="en-US" sz="2400" dirty="0" smtClean="0">
-                <a:latin typeface="Karla" pitchFamily="2" charset="0"/>
-              </a:rPr>
-              <a:t>ull</a:t>
-            </a:r>
-            <a:r>
-              <a:rPr lang="en-US" sz="2400" dirty="0">
-                <a:latin typeface="Karla" pitchFamily="2" charset="0"/>
-              </a:rPr>
-              <a:t>, modify, and push a Docker image from </a:t>
-            </a:r>
-            <a:r>
-              <a:rPr lang="en-US" sz="2400" dirty="0" err="1" smtClean="0">
+              <a:t>Pull, modify, and push a Docker image from </a:t>
+            </a:r>
+            <a:r>
+              <a:rPr lang="en-US" sz="2400" dirty="0" err="1">
                 <a:latin typeface="Karla" pitchFamily="2" charset="0"/>
               </a:rPr>
               <a:t>DockerHub</a:t>
@@ -28581,22 +28023,10 @@
               <a:rPr lang="en-US" sz="2400" dirty="0">
                 <a:latin typeface="Karla" pitchFamily="2" charset="0"/>
               </a:rPr>
-              <a:t>B</a:t>
-            </a:r>
-            <a:r>
-              <a:rPr lang="en-US" sz="2400" dirty="0" smtClean="0">
-                <a:latin typeface="Karla" pitchFamily="2" charset="0"/>
-              </a:rPr>
-              <a:t>uild </a:t>
-            </a:r>
-            <a:r>
-              <a:rPr lang="en-US" sz="2400" dirty="0">
-                <a:latin typeface="Karla" pitchFamily="2" charset="0"/>
-              </a:rPr>
-              <a:t>a Docker Image and push it to </a:t>
-            </a:r>
-            <a:r>
-              <a:rPr lang="en-US" sz="2400" dirty="0" err="1" smtClean="0">
+              <a:t>Build a Docker Image and push it to </a:t>
+            </a:r>
+            <a:r>
+              <a:rPr lang="en-US" sz="2400" dirty="0" err="1">
                 <a:latin typeface="Karla" pitchFamily="2" charset="0"/>
               </a:rPr>
               <a:t>DockerHub</a:t>
@@ -28617,13 +28047,6 @@
   <p:clrMapOvr>
     <a:masterClrMapping/>
   </p:clrMapOvr>
-  <p:timing>
-    <p:tnLst>
-      <p:par>
-        <p:cTn id="1" dur="indefinite" restart="never" nodeType="tmRoot"/>
-      </p:par>
-    </p:tnLst>
-  </p:timing>
 </p:sld>
 </file>
 
@@ -28649,7 +28072,7 @@
           <p:cNvPr id="21" name="Group 20">
             <a:extLst>
               <a:ext uri="{FF2B5EF4-FFF2-40B4-BE49-F238E27FC236}">
-                <a16:creationId xmlns:a16="http://schemas.microsoft.com/office/drawing/2014/main" xmlns="" id="{EE02F7DC-E4CB-48B3-B231-A2F58136CED4}"/>
+                <a16:creationId xmlns:a16="http://schemas.microsoft.com/office/drawing/2014/main" id="{EE02F7DC-E4CB-48B3-B231-A2F58136CED4}"/>
               </a:ext>
             </a:extLst>
           </p:cNvPr>
@@ -28669,7 +28092,7 @@
             <p:cNvPr id="10" name="Group 9">
               <a:extLst>
                 <a:ext uri="{FF2B5EF4-FFF2-40B4-BE49-F238E27FC236}">
-                  <a16:creationId xmlns:a16="http://schemas.microsoft.com/office/drawing/2014/main" xmlns="" id="{ACA556E8-C4D4-4645-BCD2-A117C42485D4}"/>
+                  <a16:creationId xmlns:a16="http://schemas.microsoft.com/office/drawing/2014/main" id="{ACA556E8-C4D4-4645-BCD2-A117C42485D4}"/>
                 </a:ext>
               </a:extLst>
             </p:cNvPr>
@@ -28689,7 +28112,7 @@
               <p:cNvPr id="7" name="Rectangle 6">
                 <a:extLst>
                   <a:ext uri="{FF2B5EF4-FFF2-40B4-BE49-F238E27FC236}">
-                    <a16:creationId xmlns:a16="http://schemas.microsoft.com/office/drawing/2014/main" xmlns="" id="{22F37F5A-9076-45FE-82CD-BEBF567D6685}"/>
+                    <a16:creationId xmlns:a16="http://schemas.microsoft.com/office/drawing/2014/main" id="{22F37F5A-9076-45FE-82CD-BEBF567D6685}"/>
                   </a:ext>
                 </a:extLst>
               </p:cNvPr>
@@ -28741,7 +28164,7 @@
               <p:cNvPr id="9" name="Rectangle: Rounded Corners 8">
                 <a:extLst>
                   <a:ext uri="{FF2B5EF4-FFF2-40B4-BE49-F238E27FC236}">
-                    <a16:creationId xmlns:a16="http://schemas.microsoft.com/office/drawing/2014/main" xmlns="" id="{83DF2C76-1F67-44B5-8E75-A357860D9685}"/>
+                    <a16:creationId xmlns:a16="http://schemas.microsoft.com/office/drawing/2014/main" id="{83DF2C76-1F67-44B5-8E75-A357860D9685}"/>
                   </a:ext>
                 </a:extLst>
               </p:cNvPr>
@@ -28800,7 +28223,7 @@
               <p:cNvPr id="12" name="Rectangle: Rounded Corners 11">
                 <a:extLst>
                   <a:ext uri="{FF2B5EF4-FFF2-40B4-BE49-F238E27FC236}">
-                    <a16:creationId xmlns:a16="http://schemas.microsoft.com/office/drawing/2014/main" xmlns="" id="{1FFAED1E-D267-412F-8D12-75BFDF7B5F2D}"/>
+                    <a16:creationId xmlns:a16="http://schemas.microsoft.com/office/drawing/2014/main" id="{1FFAED1E-D267-412F-8D12-75BFDF7B5F2D}"/>
                   </a:ext>
                 </a:extLst>
               </p:cNvPr>
@@ -28863,7 +28286,7 @@
             <p:cNvPr id="13" name="Group 12">
               <a:extLst>
                 <a:ext uri="{FF2B5EF4-FFF2-40B4-BE49-F238E27FC236}">
-                  <a16:creationId xmlns:a16="http://schemas.microsoft.com/office/drawing/2014/main" xmlns="" id="{62DBF92C-160B-45B0-BF7A-71B07799A4BA}"/>
+                  <a16:creationId xmlns:a16="http://schemas.microsoft.com/office/drawing/2014/main" id="{62DBF92C-160B-45B0-BF7A-71B07799A4BA}"/>
                 </a:ext>
               </a:extLst>
             </p:cNvPr>
@@ -28883,7 +28306,7 @@
               <p:cNvPr id="14" name="Rectangle 13">
                 <a:extLst>
                   <a:ext uri="{FF2B5EF4-FFF2-40B4-BE49-F238E27FC236}">
-                    <a16:creationId xmlns:a16="http://schemas.microsoft.com/office/drawing/2014/main" xmlns="" id="{508D2FF6-D2C8-4704-8E25-6EAEDA6DD0A7}"/>
+                    <a16:creationId xmlns:a16="http://schemas.microsoft.com/office/drawing/2014/main" id="{508D2FF6-D2C8-4704-8E25-6EAEDA6DD0A7}"/>
                   </a:ext>
                 </a:extLst>
               </p:cNvPr>
@@ -28935,7 +28358,7 @@
               <p:cNvPr id="15" name="Rectangle: Rounded Corners 14">
                 <a:extLst>
                   <a:ext uri="{FF2B5EF4-FFF2-40B4-BE49-F238E27FC236}">
-                    <a16:creationId xmlns:a16="http://schemas.microsoft.com/office/drawing/2014/main" xmlns="" id="{1439931B-B888-44AA-94C5-F08C120C2F61}"/>
+                    <a16:creationId xmlns:a16="http://schemas.microsoft.com/office/drawing/2014/main" id="{1439931B-B888-44AA-94C5-F08C120C2F61}"/>
                   </a:ext>
                 </a:extLst>
               </p:cNvPr>
@@ -28995,7 +28418,7 @@
             <p:cNvPr id="17" name="Group 16">
               <a:extLst>
                 <a:ext uri="{FF2B5EF4-FFF2-40B4-BE49-F238E27FC236}">
-                  <a16:creationId xmlns:a16="http://schemas.microsoft.com/office/drawing/2014/main" xmlns="" id="{91948A6C-E887-4A98-AB89-8B2F2AC8CEB6}"/>
+                  <a16:creationId xmlns:a16="http://schemas.microsoft.com/office/drawing/2014/main" id="{91948A6C-E887-4A98-AB89-8B2F2AC8CEB6}"/>
                 </a:ext>
               </a:extLst>
             </p:cNvPr>
@@ -29015,7 +28438,7 @@
               <p:cNvPr id="18" name="Rectangle 17">
                 <a:extLst>
                   <a:ext uri="{FF2B5EF4-FFF2-40B4-BE49-F238E27FC236}">
-                    <a16:creationId xmlns:a16="http://schemas.microsoft.com/office/drawing/2014/main" xmlns="" id="{1129C103-1C22-4C7A-968D-B658510E4559}"/>
+                    <a16:creationId xmlns:a16="http://schemas.microsoft.com/office/drawing/2014/main" id="{1129C103-1C22-4C7A-968D-B658510E4559}"/>
                   </a:ext>
                 </a:extLst>
               </p:cNvPr>
@@ -29067,7 +28490,7 @@
               <p:cNvPr id="19" name="Rectangle: Rounded Corners 18">
                 <a:extLst>
                   <a:ext uri="{FF2B5EF4-FFF2-40B4-BE49-F238E27FC236}">
-                    <a16:creationId xmlns:a16="http://schemas.microsoft.com/office/drawing/2014/main" xmlns="" id="{B36519C4-BE06-49F8-95BB-A32399FB5553}"/>
+                    <a16:creationId xmlns:a16="http://schemas.microsoft.com/office/drawing/2014/main" id="{B36519C4-BE06-49F8-95BB-A32399FB5553}"/>
                   </a:ext>
                 </a:extLst>
               </p:cNvPr>
@@ -29128,7 +28551,7 @@
           <p:cNvPr id="4" name="Title 3">
             <a:extLst>
               <a:ext uri="{FF2B5EF4-FFF2-40B4-BE49-F238E27FC236}">
-                <a16:creationId xmlns:a16="http://schemas.microsoft.com/office/drawing/2014/main" xmlns="" id="{BF5EAB67-A55F-4E72-82DA-6ECE5A6F49EF}"/>
+                <a16:creationId xmlns:a16="http://schemas.microsoft.com/office/drawing/2014/main" id="{BF5EAB67-A55F-4E72-82DA-6ECE5A6F49EF}"/>
               </a:ext>
             </a:extLst>
           </p:cNvPr>
@@ -29144,38 +28567,18 @@
           <a:bodyPr/>
           <a:lstStyle/>
           <a:p>
-            <a:r>
-              <a:rPr lang="en-US" dirty="0"/>
-              <a:t/>
-            </a:r>
             <a:br>
               <a:rPr lang="en-US" dirty="0"/>
             </a:br>
-            <a:r>
-              <a:rPr lang="en-US" dirty="0"/>
-              <a:t/>
-            </a:r>
             <a:br>
               <a:rPr lang="en-US" dirty="0"/>
             </a:br>
-            <a:r>
-              <a:rPr lang="en-US" dirty="0"/>
-              <a:t/>
-            </a:r>
             <a:br>
               <a:rPr lang="en-US" dirty="0"/>
             </a:br>
-            <a:r>
-              <a:rPr lang="en-US" dirty="0"/>
-              <a:t/>
-            </a:r>
             <a:br>
               <a:rPr lang="en-US" dirty="0"/>
             </a:br>
-            <a:r>
-              <a:rPr lang="en-US" dirty="0"/>
-              <a:t/>
-            </a:r>
             <a:br>
               <a:rPr lang="en-US" dirty="0"/>
             </a:br>
@@ -29188,7 +28591,7 @@
           <p:cNvPr id="3" name="Text Placeholder 2">
             <a:extLst>
               <a:ext uri="{FF2B5EF4-FFF2-40B4-BE49-F238E27FC236}">
-                <a16:creationId xmlns:a16="http://schemas.microsoft.com/office/drawing/2014/main" xmlns="" id="{C7652C82-BE66-4418-8AD5-980274E47728}"/>
+                <a16:creationId xmlns:a16="http://schemas.microsoft.com/office/drawing/2014/main" id="{C7652C82-BE66-4418-8AD5-980274E47728}"/>
               </a:ext>
             </a:extLst>
           </p:cNvPr>
@@ -29226,7 +28629,7 @@
           <p:cNvPr id="5" name="Rectangle 4">
             <a:extLst>
               <a:ext uri="{FF2B5EF4-FFF2-40B4-BE49-F238E27FC236}">
-                <a16:creationId xmlns:a16="http://schemas.microsoft.com/office/drawing/2014/main" xmlns="" id="{44F3DA0E-014A-442B-BD27-A982E93A8EFE}"/>
+                <a16:creationId xmlns:a16="http://schemas.microsoft.com/office/drawing/2014/main" id="{44F3DA0E-014A-442B-BD27-A982E93A8EFE}"/>
               </a:ext>
             </a:extLst>
           </p:cNvPr>
@@ -29257,7 +28660,7 @@
                 <a:hlinkClick r:id="rId3">
                   <a:extLst>
                     <a:ext uri="{A12FA001-AC4F-418D-AE19-62706E023703}">
-                      <ahyp:hlinkClr xmlns:ahyp="http://schemas.microsoft.com/office/drawing/2018/hyperlinkcolor" xmlns="" val="tx"/>
+                      <ahyp:hlinkClr xmlns:ahyp="http://schemas.microsoft.com/office/drawing/2018/hyperlinkcolor" val="tx"/>
                     </a:ext>
                   </a:extLst>
                 </a:hlinkClick>
@@ -29278,7 +28681,7 @@
           <p:cNvPr id="22" name="Rectangle: Rounded Corners 21">
             <a:extLst>
               <a:ext uri="{FF2B5EF4-FFF2-40B4-BE49-F238E27FC236}">
-                <a16:creationId xmlns:a16="http://schemas.microsoft.com/office/drawing/2014/main" xmlns="" id="{1CA8A3EA-ACC6-48E2-9D5C-BD0CDBE5F50D}"/>
+                <a16:creationId xmlns:a16="http://schemas.microsoft.com/office/drawing/2014/main" id="{1CA8A3EA-ACC6-48E2-9D5C-BD0CDBE5F50D}"/>
               </a:ext>
             </a:extLst>
           </p:cNvPr>
@@ -29340,7 +28743,7 @@
           <p:cNvPr id="24" name="Graphic 23" descr="Image">
             <a:extLst>
               <a:ext uri="{FF2B5EF4-FFF2-40B4-BE49-F238E27FC236}">
-                <a16:creationId xmlns:a16="http://schemas.microsoft.com/office/drawing/2014/main" xmlns="" id="{16934860-7D89-42F1-9BDC-D29B082AB034}"/>
+                <a16:creationId xmlns:a16="http://schemas.microsoft.com/office/drawing/2014/main" id="{16934860-7D89-42F1-9BDC-D29B082AB034}"/>
               </a:ext>
             </a:extLst>
           </p:cNvPr>
@@ -29356,7 +28759,7 @@
                 <a14:useLocalDpi xmlns:a14="http://schemas.microsoft.com/office/drawing/2010/main" val="0"/>
               </a:ext>
               <a:ext uri="{96DAC541-7B7A-43D3-8B79-37D633B846F1}">
-                <asvg:svgBlip xmlns:asvg="http://schemas.microsoft.com/office/drawing/2016/SVG/main" xmlns="" r:embed="rId5"/>
+                <asvg:svgBlip xmlns:asvg="http://schemas.microsoft.com/office/drawing/2016/SVG/main" r:embed="rId5"/>
               </a:ext>
             </a:extLst>
           </a:blip>
@@ -29379,7 +28782,7 @@
           <p:cNvPr id="27" name="Straight Arrow Connector 26">
             <a:extLst>
               <a:ext uri="{FF2B5EF4-FFF2-40B4-BE49-F238E27FC236}">
-                <a16:creationId xmlns:a16="http://schemas.microsoft.com/office/drawing/2014/main" xmlns="" id="{729533A7-5B4A-49E9-B9A8-79A226FFB3E9}"/>
+                <a16:creationId xmlns:a16="http://schemas.microsoft.com/office/drawing/2014/main" id="{729533A7-5B4A-49E9-B9A8-79A226FFB3E9}"/>
               </a:ext>
             </a:extLst>
           </p:cNvPr>
@@ -29427,7 +28830,7 @@
           <p:cNvPr id="30" name="Straight Arrow Connector 29">
             <a:extLst>
               <a:ext uri="{FF2B5EF4-FFF2-40B4-BE49-F238E27FC236}">
-                <a16:creationId xmlns:a16="http://schemas.microsoft.com/office/drawing/2014/main" xmlns="" id="{35D120FE-D81C-4DBB-B77E-00AEDE60D244}"/>
+                <a16:creationId xmlns:a16="http://schemas.microsoft.com/office/drawing/2014/main" id="{35D120FE-D81C-4DBB-B77E-00AEDE60D244}"/>
               </a:ext>
             </a:extLst>
           </p:cNvPr>
@@ -29475,7 +28878,7 @@
           <p:cNvPr id="40" name="Group 39">
             <a:extLst>
               <a:ext uri="{FF2B5EF4-FFF2-40B4-BE49-F238E27FC236}">
-                <a16:creationId xmlns:a16="http://schemas.microsoft.com/office/drawing/2014/main" xmlns="" id="{EDC598BB-860E-441F-9C2D-EA6AFB4AB091}"/>
+                <a16:creationId xmlns:a16="http://schemas.microsoft.com/office/drawing/2014/main" id="{EDC598BB-860E-441F-9C2D-EA6AFB4AB091}"/>
               </a:ext>
             </a:extLst>
           </p:cNvPr>
@@ -29495,7 +28898,7 @@
             <p:cNvPr id="34" name="Rectangle 33">
               <a:extLst>
                 <a:ext uri="{FF2B5EF4-FFF2-40B4-BE49-F238E27FC236}">
-                  <a16:creationId xmlns:a16="http://schemas.microsoft.com/office/drawing/2014/main" xmlns="" id="{C3176DA8-4CBB-4B01-ACA4-9B105AE42A74}"/>
+                  <a16:creationId xmlns:a16="http://schemas.microsoft.com/office/drawing/2014/main" id="{C3176DA8-4CBB-4B01-ACA4-9B105AE42A74}"/>
                 </a:ext>
               </a:extLst>
             </p:cNvPr>
@@ -29552,7 +28955,7 @@
             <p:cNvPr id="35" name="Rectangle: Rounded Corners 34">
               <a:extLst>
                 <a:ext uri="{FF2B5EF4-FFF2-40B4-BE49-F238E27FC236}">
-                  <a16:creationId xmlns:a16="http://schemas.microsoft.com/office/drawing/2014/main" xmlns="" id="{0A83CB1F-4263-4C6F-AD45-570B5CA1350B}"/>
+                  <a16:creationId xmlns:a16="http://schemas.microsoft.com/office/drawing/2014/main" id="{0A83CB1F-4263-4C6F-AD45-570B5CA1350B}"/>
                 </a:ext>
               </a:extLst>
             </p:cNvPr>
@@ -29613,7 +29016,7 @@
             <p:cNvPr id="36" name="Graphic 35" descr="Image">
               <a:extLst>
                 <a:ext uri="{FF2B5EF4-FFF2-40B4-BE49-F238E27FC236}">
-                  <a16:creationId xmlns:a16="http://schemas.microsoft.com/office/drawing/2014/main" xmlns="" id="{7DE0B453-8286-40A2-A5DD-A68116731B9F}"/>
+                  <a16:creationId xmlns:a16="http://schemas.microsoft.com/office/drawing/2014/main" id="{7DE0B453-8286-40A2-A5DD-A68116731B9F}"/>
                 </a:ext>
               </a:extLst>
             </p:cNvPr>
@@ -29629,7 +29032,7 @@
                   <a14:useLocalDpi xmlns:a14="http://schemas.microsoft.com/office/drawing/2010/main" val="0"/>
                 </a:ext>
                 <a:ext uri="{96DAC541-7B7A-43D3-8B79-37D633B846F1}">
-                  <asvg:svgBlip xmlns:asvg="http://schemas.microsoft.com/office/drawing/2016/SVG/main" xmlns="" r:embed="rId5"/>
+                  <asvg:svgBlip xmlns:asvg="http://schemas.microsoft.com/office/drawing/2016/SVG/main" r:embed="rId5"/>
                 </a:ext>
               </a:extLst>
             </a:blip>
@@ -29653,7 +29056,7 @@
           <p:cNvPr id="31" name="Straight Arrow Connector 30">
             <a:extLst>
               <a:ext uri="{FF2B5EF4-FFF2-40B4-BE49-F238E27FC236}">
-                <a16:creationId xmlns:a16="http://schemas.microsoft.com/office/drawing/2014/main" xmlns="" id="{DF8362D7-5616-458A-A359-046B74C70797}"/>
+                <a16:creationId xmlns:a16="http://schemas.microsoft.com/office/drawing/2014/main" id="{DF8362D7-5616-458A-A359-046B74C70797}"/>
               </a:ext>
             </a:extLst>
           </p:cNvPr>
@@ -29701,7 +29104,7 @@
           <p:cNvPr id="41" name="Group 40">
             <a:extLst>
               <a:ext uri="{FF2B5EF4-FFF2-40B4-BE49-F238E27FC236}">
-                <a16:creationId xmlns:a16="http://schemas.microsoft.com/office/drawing/2014/main" xmlns="" id="{E4C8054C-F186-459C-88C2-BE539E8AD1F7}"/>
+                <a16:creationId xmlns:a16="http://schemas.microsoft.com/office/drawing/2014/main" id="{E4C8054C-F186-459C-88C2-BE539E8AD1F7}"/>
               </a:ext>
             </a:extLst>
           </p:cNvPr>
@@ -29721,7 +29124,7 @@
             <p:cNvPr id="42" name="Rectangle 41">
               <a:extLst>
                 <a:ext uri="{FF2B5EF4-FFF2-40B4-BE49-F238E27FC236}">
-                  <a16:creationId xmlns:a16="http://schemas.microsoft.com/office/drawing/2014/main" xmlns="" id="{FBFB425D-CF07-4ABB-B45E-DBB856A00751}"/>
+                  <a16:creationId xmlns:a16="http://schemas.microsoft.com/office/drawing/2014/main" id="{FBFB425D-CF07-4ABB-B45E-DBB856A00751}"/>
                 </a:ext>
               </a:extLst>
             </p:cNvPr>
@@ -29778,7 +29181,7 @@
             <p:cNvPr id="43" name="Rectangle: Rounded Corners 42">
               <a:extLst>
                 <a:ext uri="{FF2B5EF4-FFF2-40B4-BE49-F238E27FC236}">
-                  <a16:creationId xmlns:a16="http://schemas.microsoft.com/office/drawing/2014/main" xmlns="" id="{76452FFA-D71E-4832-8567-703B0732A40B}"/>
+                  <a16:creationId xmlns:a16="http://schemas.microsoft.com/office/drawing/2014/main" id="{76452FFA-D71E-4832-8567-703B0732A40B}"/>
                 </a:ext>
               </a:extLst>
             </p:cNvPr>
@@ -29840,7 +29243,7 @@
           <p:cNvPr id="54" name="Picture 53">
             <a:extLst>
               <a:ext uri="{FF2B5EF4-FFF2-40B4-BE49-F238E27FC236}">
-                <a16:creationId xmlns:a16="http://schemas.microsoft.com/office/drawing/2014/main" xmlns="" id="{2901E1B5-28F5-43CC-B686-F408C74196C8}"/>
+                <a16:creationId xmlns:a16="http://schemas.microsoft.com/office/drawing/2014/main" id="{2901E1B5-28F5-43CC-B686-F408C74196C8}"/>
               </a:ext>
             </a:extLst>
           </p:cNvPr>
@@ -29869,7 +29272,7 @@
           <p:cNvPr id="55" name="Picture 54">
             <a:extLst>
               <a:ext uri="{FF2B5EF4-FFF2-40B4-BE49-F238E27FC236}">
-                <a16:creationId xmlns:a16="http://schemas.microsoft.com/office/drawing/2014/main" xmlns="" id="{FEC26C7C-7A85-428B-B22C-C90D8E2F8930}"/>
+                <a16:creationId xmlns:a16="http://schemas.microsoft.com/office/drawing/2014/main" id="{FEC26C7C-7A85-428B-B22C-C90D8E2F8930}"/>
               </a:ext>
             </a:extLst>
           </p:cNvPr>
@@ -29898,7 +29301,7 @@
           <p:cNvPr id="56" name="Picture 55">
             <a:extLst>
               <a:ext uri="{FF2B5EF4-FFF2-40B4-BE49-F238E27FC236}">
-                <a16:creationId xmlns:a16="http://schemas.microsoft.com/office/drawing/2014/main" xmlns="" id="{7FCBD9B7-F1C8-4315-B69D-113037886BFE}"/>
+                <a16:creationId xmlns:a16="http://schemas.microsoft.com/office/drawing/2014/main" id="{7FCBD9B7-F1C8-4315-B69D-113037886BFE}"/>
               </a:ext>
             </a:extLst>
           </p:cNvPr>
@@ -29927,7 +29330,7 @@
           <p:cNvPr id="57" name="Straight Arrow Connector 56">
             <a:extLst>
               <a:ext uri="{FF2B5EF4-FFF2-40B4-BE49-F238E27FC236}">
-                <a16:creationId xmlns:a16="http://schemas.microsoft.com/office/drawing/2014/main" xmlns="" id="{DC18DF9E-009F-434C-80A8-4D557CA63686}"/>
+                <a16:creationId xmlns:a16="http://schemas.microsoft.com/office/drawing/2014/main" id="{DC18DF9E-009F-434C-80A8-4D557CA63686}"/>
               </a:ext>
             </a:extLst>
           </p:cNvPr>
@@ -29974,7 +29377,7 @@
           <p:cNvPr id="61" name="Rectangle: Rounded Corners 60">
             <a:extLst>
               <a:ext uri="{FF2B5EF4-FFF2-40B4-BE49-F238E27FC236}">
-                <a16:creationId xmlns:a16="http://schemas.microsoft.com/office/drawing/2014/main" xmlns="" id="{9D798056-F774-4270-AEDE-7B68C8A9BB2A}"/>
+                <a16:creationId xmlns:a16="http://schemas.microsoft.com/office/drawing/2014/main" id="{9D798056-F774-4270-AEDE-7B68C8A9BB2A}"/>
               </a:ext>
             </a:extLst>
           </p:cNvPr>
@@ -30036,7 +29439,7 @@
           <p:cNvPr id="62" name="Rectangle: Rounded Corners 61">
             <a:extLst>
               <a:ext uri="{FF2B5EF4-FFF2-40B4-BE49-F238E27FC236}">
-                <a16:creationId xmlns:a16="http://schemas.microsoft.com/office/drawing/2014/main" xmlns="" id="{0205514F-8A5C-4C17-B066-6758C9E24113}"/>
+                <a16:creationId xmlns:a16="http://schemas.microsoft.com/office/drawing/2014/main" id="{0205514F-8A5C-4C17-B066-6758C9E24113}"/>
               </a:ext>
             </a:extLst>
           </p:cNvPr>
@@ -30098,7 +29501,7 @@
           <p:cNvPr id="64" name="Straight Arrow Connector 63">
             <a:extLst>
               <a:ext uri="{FF2B5EF4-FFF2-40B4-BE49-F238E27FC236}">
-                <a16:creationId xmlns:a16="http://schemas.microsoft.com/office/drawing/2014/main" xmlns="" id="{085A9606-6C2A-4F68-B119-0CA5D1397DB7}"/>
+                <a16:creationId xmlns:a16="http://schemas.microsoft.com/office/drawing/2014/main" id="{085A9606-6C2A-4F68-B119-0CA5D1397DB7}"/>
               </a:ext>
             </a:extLst>
           </p:cNvPr>
@@ -30145,7 +29548,7 @@
           <p:cNvPr id="66" name="Straight Arrow Connector 65">
             <a:extLst>
               <a:ext uri="{FF2B5EF4-FFF2-40B4-BE49-F238E27FC236}">
-                <a16:creationId xmlns:a16="http://schemas.microsoft.com/office/drawing/2014/main" xmlns="" id="{C6B95DC5-EFDF-45FE-9945-4CCA1392167C}"/>
+                <a16:creationId xmlns:a16="http://schemas.microsoft.com/office/drawing/2014/main" id="{C6B95DC5-EFDF-45FE-9945-4CCA1392167C}"/>
               </a:ext>
             </a:extLst>
           </p:cNvPr>
@@ -30192,7 +29595,7 @@
           <p:cNvPr id="70" name="Straight Arrow Connector 69">
             <a:extLst>
               <a:ext uri="{FF2B5EF4-FFF2-40B4-BE49-F238E27FC236}">
-                <a16:creationId xmlns:a16="http://schemas.microsoft.com/office/drawing/2014/main" xmlns="" id="{BE1501F1-9537-4D66-AAB1-D18FDCE35EB3}"/>
+                <a16:creationId xmlns:a16="http://schemas.microsoft.com/office/drawing/2014/main" id="{BE1501F1-9537-4D66-AAB1-D18FDCE35EB3}"/>
               </a:ext>
             </a:extLst>
           </p:cNvPr>
@@ -30239,7 +29642,7 @@
           <p:cNvPr id="72" name="Straight Arrow Connector 71">
             <a:extLst>
               <a:ext uri="{FF2B5EF4-FFF2-40B4-BE49-F238E27FC236}">
-                <a16:creationId xmlns:a16="http://schemas.microsoft.com/office/drawing/2014/main" xmlns="" id="{36159F94-906D-4DE0-ADE8-4A543A28C3E9}"/>
+                <a16:creationId xmlns:a16="http://schemas.microsoft.com/office/drawing/2014/main" id="{36159F94-906D-4DE0-ADE8-4A543A28C3E9}"/>
               </a:ext>
             </a:extLst>
           </p:cNvPr>
@@ -30286,7 +29689,7 @@
           <p:cNvPr id="75" name="Straight Arrow Connector 74">
             <a:extLst>
               <a:ext uri="{FF2B5EF4-FFF2-40B4-BE49-F238E27FC236}">
-                <a16:creationId xmlns:a16="http://schemas.microsoft.com/office/drawing/2014/main" xmlns="" id="{1A5E52BE-1176-49AE-AC89-F207912E4DBF}"/>
+                <a16:creationId xmlns:a16="http://schemas.microsoft.com/office/drawing/2014/main" id="{1A5E52BE-1176-49AE-AC89-F207912E4DBF}"/>
               </a:ext>
             </a:extLst>
           </p:cNvPr>
@@ -30333,7 +29736,7 @@
           <p:cNvPr id="78" name="Straight Arrow Connector 77">
             <a:extLst>
               <a:ext uri="{FF2B5EF4-FFF2-40B4-BE49-F238E27FC236}">
-                <a16:creationId xmlns:a16="http://schemas.microsoft.com/office/drawing/2014/main" xmlns="" id="{3016E457-6AEC-4FB1-A8E1-170F139353E6}"/>
+                <a16:creationId xmlns:a16="http://schemas.microsoft.com/office/drawing/2014/main" id="{3016E457-6AEC-4FB1-A8E1-170F139353E6}"/>
               </a:ext>
             </a:extLst>
           </p:cNvPr>
@@ -30385,13 +29788,6 @@
   <p:clrMapOvr>
     <a:masterClrMapping/>
   </p:clrMapOvr>
-  <p:timing>
-    <p:tnLst>
-      <p:par>
-        <p:cTn id="1" dur="indefinite" restart="never" nodeType="tmRoot"/>
-      </p:par>
-    </p:tnLst>
-  </p:timing>
 </p:sld>
 </file>
 
@@ -30417,7 +29813,7 @@
           <p:cNvPr id="3" name="Text Placeholder 2">
             <a:extLst>
               <a:ext uri="{FF2B5EF4-FFF2-40B4-BE49-F238E27FC236}">
-                <a16:creationId xmlns:a16="http://schemas.microsoft.com/office/drawing/2014/main" xmlns="" id="{C7652C82-BE66-4418-8AD5-980274E47728}"/>
+                <a16:creationId xmlns:a16="http://schemas.microsoft.com/office/drawing/2014/main" id="{C7652C82-BE66-4418-8AD5-980274E47728}"/>
               </a:ext>
             </a:extLst>
           </p:cNvPr>
@@ -30455,7 +29851,7 @@
           <p:cNvPr id="21" name="Group 20">
             <a:extLst>
               <a:ext uri="{FF2B5EF4-FFF2-40B4-BE49-F238E27FC236}">
-                <a16:creationId xmlns:a16="http://schemas.microsoft.com/office/drawing/2014/main" xmlns="" id="{EE02F7DC-E4CB-48B3-B231-A2F58136CED4}"/>
+                <a16:creationId xmlns:a16="http://schemas.microsoft.com/office/drawing/2014/main" id="{EE02F7DC-E4CB-48B3-B231-A2F58136CED4}"/>
               </a:ext>
             </a:extLst>
           </p:cNvPr>
@@ -30475,7 +29871,7 @@
             <p:cNvPr id="10" name="Group 9">
               <a:extLst>
                 <a:ext uri="{FF2B5EF4-FFF2-40B4-BE49-F238E27FC236}">
-                  <a16:creationId xmlns:a16="http://schemas.microsoft.com/office/drawing/2014/main" xmlns="" id="{ACA556E8-C4D4-4645-BCD2-A117C42485D4}"/>
+                  <a16:creationId xmlns:a16="http://schemas.microsoft.com/office/drawing/2014/main" id="{ACA556E8-C4D4-4645-BCD2-A117C42485D4}"/>
                 </a:ext>
               </a:extLst>
             </p:cNvPr>
@@ -30495,7 +29891,7 @@
               <p:cNvPr id="7" name="Rectangle 6">
                 <a:extLst>
                   <a:ext uri="{FF2B5EF4-FFF2-40B4-BE49-F238E27FC236}">
-                    <a16:creationId xmlns:a16="http://schemas.microsoft.com/office/drawing/2014/main" xmlns="" id="{22F37F5A-9076-45FE-82CD-BEBF567D6685}"/>
+                    <a16:creationId xmlns:a16="http://schemas.microsoft.com/office/drawing/2014/main" id="{22F37F5A-9076-45FE-82CD-BEBF567D6685}"/>
                   </a:ext>
                 </a:extLst>
               </p:cNvPr>
@@ -30547,7 +29943,7 @@
               <p:cNvPr id="9" name="Rectangle: Rounded Corners 8">
                 <a:extLst>
                   <a:ext uri="{FF2B5EF4-FFF2-40B4-BE49-F238E27FC236}">
-                    <a16:creationId xmlns:a16="http://schemas.microsoft.com/office/drawing/2014/main" xmlns="" id="{83DF2C76-1F67-44B5-8E75-A357860D9685}"/>
+                    <a16:creationId xmlns:a16="http://schemas.microsoft.com/office/drawing/2014/main" id="{83DF2C76-1F67-44B5-8E75-A357860D9685}"/>
                   </a:ext>
                 </a:extLst>
               </p:cNvPr>
@@ -30606,7 +30002,7 @@
               <p:cNvPr id="12" name="Rectangle: Rounded Corners 11">
                 <a:extLst>
                   <a:ext uri="{FF2B5EF4-FFF2-40B4-BE49-F238E27FC236}">
-                    <a16:creationId xmlns:a16="http://schemas.microsoft.com/office/drawing/2014/main" xmlns="" id="{1FFAED1E-D267-412F-8D12-75BFDF7B5F2D}"/>
+                    <a16:creationId xmlns:a16="http://schemas.microsoft.com/office/drawing/2014/main" id="{1FFAED1E-D267-412F-8D12-75BFDF7B5F2D}"/>
                   </a:ext>
                 </a:extLst>
               </p:cNvPr>
@@ -30669,7 +30065,7 @@
             <p:cNvPr id="13" name="Group 12">
               <a:extLst>
                 <a:ext uri="{FF2B5EF4-FFF2-40B4-BE49-F238E27FC236}">
-                  <a16:creationId xmlns:a16="http://schemas.microsoft.com/office/drawing/2014/main" xmlns="" id="{62DBF92C-160B-45B0-BF7A-71B07799A4BA}"/>
+                  <a16:creationId xmlns:a16="http://schemas.microsoft.com/office/drawing/2014/main" id="{62DBF92C-160B-45B0-BF7A-71B07799A4BA}"/>
                 </a:ext>
               </a:extLst>
             </p:cNvPr>
@@ -30689,7 +30085,7 @@
               <p:cNvPr id="14" name="Rectangle 13">
                 <a:extLst>
                   <a:ext uri="{FF2B5EF4-FFF2-40B4-BE49-F238E27FC236}">
-                    <a16:creationId xmlns:a16="http://schemas.microsoft.com/office/drawing/2014/main" xmlns="" id="{508D2FF6-D2C8-4704-8E25-6EAEDA6DD0A7}"/>
+                    <a16:creationId xmlns:a16="http://schemas.microsoft.com/office/drawing/2014/main" id="{508D2FF6-D2C8-4704-8E25-6EAEDA6DD0A7}"/>
                   </a:ext>
                 </a:extLst>
               </p:cNvPr>
@@ -30741,7 +30137,7 @@
               <p:cNvPr id="15" name="Rectangle: Rounded Corners 14">
                 <a:extLst>
                   <a:ext uri="{FF2B5EF4-FFF2-40B4-BE49-F238E27FC236}">
-                    <a16:creationId xmlns:a16="http://schemas.microsoft.com/office/drawing/2014/main" xmlns="" id="{1439931B-B888-44AA-94C5-F08C120C2F61}"/>
+                    <a16:creationId xmlns:a16="http://schemas.microsoft.com/office/drawing/2014/main" id="{1439931B-B888-44AA-94C5-F08C120C2F61}"/>
                   </a:ext>
                 </a:extLst>
               </p:cNvPr>
@@ -30801,7 +30197,7 @@
             <p:cNvPr id="17" name="Group 16">
               <a:extLst>
                 <a:ext uri="{FF2B5EF4-FFF2-40B4-BE49-F238E27FC236}">
-                  <a16:creationId xmlns:a16="http://schemas.microsoft.com/office/drawing/2014/main" xmlns="" id="{91948A6C-E887-4A98-AB89-8B2F2AC8CEB6}"/>
+                  <a16:creationId xmlns:a16="http://schemas.microsoft.com/office/drawing/2014/main" id="{91948A6C-E887-4A98-AB89-8B2F2AC8CEB6}"/>
                 </a:ext>
               </a:extLst>
             </p:cNvPr>
@@ -30821,7 +30217,7 @@
               <p:cNvPr id="18" name="Rectangle 17">
                 <a:extLst>
                   <a:ext uri="{FF2B5EF4-FFF2-40B4-BE49-F238E27FC236}">
-                    <a16:creationId xmlns:a16="http://schemas.microsoft.com/office/drawing/2014/main" xmlns="" id="{1129C103-1C22-4C7A-968D-B658510E4559}"/>
+                    <a16:creationId xmlns:a16="http://schemas.microsoft.com/office/drawing/2014/main" id="{1129C103-1C22-4C7A-968D-B658510E4559}"/>
                   </a:ext>
                 </a:extLst>
               </p:cNvPr>
@@ -30873,7 +30269,7 @@
               <p:cNvPr id="19" name="Rectangle: Rounded Corners 18">
                 <a:extLst>
                   <a:ext uri="{FF2B5EF4-FFF2-40B4-BE49-F238E27FC236}">
-                    <a16:creationId xmlns:a16="http://schemas.microsoft.com/office/drawing/2014/main" xmlns="" id="{B36519C4-BE06-49F8-95BB-A32399FB5553}"/>
+                    <a16:creationId xmlns:a16="http://schemas.microsoft.com/office/drawing/2014/main" id="{B36519C4-BE06-49F8-95BB-A32399FB5553}"/>
                   </a:ext>
                 </a:extLst>
               </p:cNvPr>
@@ -30934,7 +30330,7 @@
           <p:cNvPr id="4" name="Title 3">
             <a:extLst>
               <a:ext uri="{FF2B5EF4-FFF2-40B4-BE49-F238E27FC236}">
-                <a16:creationId xmlns:a16="http://schemas.microsoft.com/office/drawing/2014/main" xmlns="" id="{BF5EAB67-A55F-4E72-82DA-6ECE5A6F49EF}"/>
+                <a16:creationId xmlns:a16="http://schemas.microsoft.com/office/drawing/2014/main" id="{BF5EAB67-A55F-4E72-82DA-6ECE5A6F49EF}"/>
               </a:ext>
             </a:extLst>
           </p:cNvPr>
@@ -30950,38 +30346,18 @@
           <a:bodyPr/>
           <a:lstStyle/>
           <a:p>
-            <a:r>
-              <a:rPr lang="en-US" dirty="0"/>
-              <a:t/>
-            </a:r>
             <a:br>
               <a:rPr lang="en-US" dirty="0"/>
             </a:br>
-            <a:r>
-              <a:rPr lang="en-US" dirty="0"/>
-              <a:t/>
-            </a:r>
             <a:br>
               <a:rPr lang="en-US" dirty="0"/>
             </a:br>
-            <a:r>
-              <a:rPr lang="en-US" dirty="0"/>
-              <a:t/>
-            </a:r>
             <a:br>
               <a:rPr lang="en-US" dirty="0"/>
             </a:br>
-            <a:r>
-              <a:rPr lang="en-US" dirty="0"/>
-              <a:t/>
-            </a:r>
             <a:br>
               <a:rPr lang="en-US" dirty="0"/>
             </a:br>
-            <a:r>
-              <a:rPr lang="en-US" dirty="0"/>
-              <a:t/>
-            </a:r>
             <a:br>
               <a:rPr lang="en-US" dirty="0"/>
             </a:br>
@@ -30994,7 +30370,7 @@
           <p:cNvPr id="5" name="Rectangle 4">
             <a:extLst>
               <a:ext uri="{FF2B5EF4-FFF2-40B4-BE49-F238E27FC236}">
-                <a16:creationId xmlns:a16="http://schemas.microsoft.com/office/drawing/2014/main" xmlns="" id="{44F3DA0E-014A-442B-BD27-A982E93A8EFE}"/>
+                <a16:creationId xmlns:a16="http://schemas.microsoft.com/office/drawing/2014/main" id="{44F3DA0E-014A-442B-BD27-A982E93A8EFE}"/>
               </a:ext>
             </a:extLst>
           </p:cNvPr>
@@ -31025,7 +30401,7 @@
                 <a:hlinkClick r:id="rId3">
                   <a:extLst>
                     <a:ext uri="{A12FA001-AC4F-418D-AE19-62706E023703}">
-                      <ahyp:hlinkClr xmlns:ahyp="http://schemas.microsoft.com/office/drawing/2018/hyperlinkcolor" xmlns="" val="tx"/>
+                      <ahyp:hlinkClr xmlns:ahyp="http://schemas.microsoft.com/office/drawing/2018/hyperlinkcolor" val="tx"/>
                     </a:ext>
                   </a:extLst>
                 </a:hlinkClick>
@@ -31046,7 +30422,7 @@
           <p:cNvPr id="22" name="Rectangle: Rounded Corners 21">
             <a:extLst>
               <a:ext uri="{FF2B5EF4-FFF2-40B4-BE49-F238E27FC236}">
-                <a16:creationId xmlns:a16="http://schemas.microsoft.com/office/drawing/2014/main" xmlns="" id="{1CA8A3EA-ACC6-48E2-9D5C-BD0CDBE5F50D}"/>
+                <a16:creationId xmlns:a16="http://schemas.microsoft.com/office/drawing/2014/main" id="{1CA8A3EA-ACC6-48E2-9D5C-BD0CDBE5F50D}"/>
               </a:ext>
             </a:extLst>
           </p:cNvPr>
@@ -31108,7 +30484,7 @@
           <p:cNvPr id="24" name="Graphic 23" descr="Image">
             <a:extLst>
               <a:ext uri="{FF2B5EF4-FFF2-40B4-BE49-F238E27FC236}">
-                <a16:creationId xmlns:a16="http://schemas.microsoft.com/office/drawing/2014/main" xmlns="" id="{16934860-7D89-42F1-9BDC-D29B082AB034}"/>
+                <a16:creationId xmlns:a16="http://schemas.microsoft.com/office/drawing/2014/main" id="{16934860-7D89-42F1-9BDC-D29B082AB034}"/>
               </a:ext>
             </a:extLst>
           </p:cNvPr>
@@ -31124,7 +30500,7 @@
                 <a14:useLocalDpi xmlns:a14="http://schemas.microsoft.com/office/drawing/2010/main" val="0"/>
               </a:ext>
               <a:ext uri="{96DAC541-7B7A-43D3-8B79-37D633B846F1}">
-                <asvg:svgBlip xmlns:asvg="http://schemas.microsoft.com/office/drawing/2016/SVG/main" xmlns="" r:embed="rId5"/>
+                <asvg:svgBlip xmlns:asvg="http://schemas.microsoft.com/office/drawing/2016/SVG/main" r:embed="rId5"/>
               </a:ext>
             </a:extLst>
           </a:blip>
@@ -31147,7 +30523,7 @@
           <p:cNvPr id="27" name="Straight Arrow Connector 26">
             <a:extLst>
               <a:ext uri="{FF2B5EF4-FFF2-40B4-BE49-F238E27FC236}">
-                <a16:creationId xmlns:a16="http://schemas.microsoft.com/office/drawing/2014/main" xmlns="" id="{729533A7-5B4A-49E9-B9A8-79A226FFB3E9}"/>
+                <a16:creationId xmlns:a16="http://schemas.microsoft.com/office/drawing/2014/main" id="{729533A7-5B4A-49E9-B9A8-79A226FFB3E9}"/>
               </a:ext>
             </a:extLst>
           </p:cNvPr>
@@ -31195,7 +30571,7 @@
           <p:cNvPr id="40" name="Group 39">
             <a:extLst>
               <a:ext uri="{FF2B5EF4-FFF2-40B4-BE49-F238E27FC236}">
-                <a16:creationId xmlns:a16="http://schemas.microsoft.com/office/drawing/2014/main" xmlns="" id="{EDC598BB-860E-441F-9C2D-EA6AFB4AB091}"/>
+                <a16:creationId xmlns:a16="http://schemas.microsoft.com/office/drawing/2014/main" id="{EDC598BB-860E-441F-9C2D-EA6AFB4AB091}"/>
               </a:ext>
             </a:extLst>
           </p:cNvPr>
@@ -31215,7 +30591,7 @@
             <p:cNvPr id="34" name="Rectangle 33">
               <a:extLst>
                 <a:ext uri="{FF2B5EF4-FFF2-40B4-BE49-F238E27FC236}">
-                  <a16:creationId xmlns:a16="http://schemas.microsoft.com/office/drawing/2014/main" xmlns="" id="{C3176DA8-4CBB-4B01-ACA4-9B105AE42A74}"/>
+                  <a16:creationId xmlns:a16="http://schemas.microsoft.com/office/drawing/2014/main" id="{C3176DA8-4CBB-4B01-ACA4-9B105AE42A74}"/>
                 </a:ext>
               </a:extLst>
             </p:cNvPr>
@@ -31272,7 +30648,7 @@
             <p:cNvPr id="35" name="Rectangle: Rounded Corners 34">
               <a:extLst>
                 <a:ext uri="{FF2B5EF4-FFF2-40B4-BE49-F238E27FC236}">
-                  <a16:creationId xmlns:a16="http://schemas.microsoft.com/office/drawing/2014/main" xmlns="" id="{0A83CB1F-4263-4C6F-AD45-570B5CA1350B}"/>
+                  <a16:creationId xmlns:a16="http://schemas.microsoft.com/office/drawing/2014/main" id="{0A83CB1F-4263-4C6F-AD45-570B5CA1350B}"/>
                 </a:ext>
               </a:extLst>
             </p:cNvPr>
@@ -31333,7 +30709,7 @@
             <p:cNvPr id="36" name="Graphic 35" descr="Image">
               <a:extLst>
                 <a:ext uri="{FF2B5EF4-FFF2-40B4-BE49-F238E27FC236}">
-                  <a16:creationId xmlns:a16="http://schemas.microsoft.com/office/drawing/2014/main" xmlns="" id="{7DE0B453-8286-40A2-A5DD-A68116731B9F}"/>
+                  <a16:creationId xmlns:a16="http://schemas.microsoft.com/office/drawing/2014/main" id="{7DE0B453-8286-40A2-A5DD-A68116731B9F}"/>
                 </a:ext>
               </a:extLst>
             </p:cNvPr>
@@ -31349,7 +30725,7 @@
                   <a14:useLocalDpi xmlns:a14="http://schemas.microsoft.com/office/drawing/2010/main" val="0"/>
                 </a:ext>
                 <a:ext uri="{96DAC541-7B7A-43D3-8B79-37D633B846F1}">
-                  <asvg:svgBlip xmlns:asvg="http://schemas.microsoft.com/office/drawing/2016/SVG/main" xmlns="" r:embed="rId5"/>
+                  <asvg:svgBlip xmlns:asvg="http://schemas.microsoft.com/office/drawing/2016/SVG/main" r:embed="rId5"/>
                 </a:ext>
               </a:extLst>
             </a:blip>
@@ -31373,7 +30749,7 @@
           <p:cNvPr id="41" name="Group 40">
             <a:extLst>
               <a:ext uri="{FF2B5EF4-FFF2-40B4-BE49-F238E27FC236}">
-                <a16:creationId xmlns:a16="http://schemas.microsoft.com/office/drawing/2014/main" xmlns="" id="{E4C8054C-F186-459C-88C2-BE539E8AD1F7}"/>
+                <a16:creationId xmlns:a16="http://schemas.microsoft.com/office/drawing/2014/main" id="{E4C8054C-F186-459C-88C2-BE539E8AD1F7}"/>
               </a:ext>
             </a:extLst>
           </p:cNvPr>
@@ -31393,7 +30769,7 @@
             <p:cNvPr id="42" name="Rectangle 41">
               <a:extLst>
                 <a:ext uri="{FF2B5EF4-FFF2-40B4-BE49-F238E27FC236}">
-                  <a16:creationId xmlns:a16="http://schemas.microsoft.com/office/drawing/2014/main" xmlns="" id="{FBFB425D-CF07-4ABB-B45E-DBB856A00751}"/>
+                  <a16:creationId xmlns:a16="http://schemas.microsoft.com/office/drawing/2014/main" id="{FBFB425D-CF07-4ABB-B45E-DBB856A00751}"/>
                 </a:ext>
               </a:extLst>
             </p:cNvPr>
@@ -31450,7 +30826,7 @@
             <p:cNvPr id="43" name="Rectangle: Rounded Corners 42">
               <a:extLst>
                 <a:ext uri="{FF2B5EF4-FFF2-40B4-BE49-F238E27FC236}">
-                  <a16:creationId xmlns:a16="http://schemas.microsoft.com/office/drawing/2014/main" xmlns="" id="{76452FFA-D71E-4832-8567-703B0732A40B}"/>
+                  <a16:creationId xmlns:a16="http://schemas.microsoft.com/office/drawing/2014/main" id="{76452FFA-D71E-4832-8567-703B0732A40B}"/>
                 </a:ext>
               </a:extLst>
             </p:cNvPr>
@@ -31512,7 +30888,7 @@
           <p:cNvPr id="54" name="Picture 53">
             <a:extLst>
               <a:ext uri="{FF2B5EF4-FFF2-40B4-BE49-F238E27FC236}">
-                <a16:creationId xmlns:a16="http://schemas.microsoft.com/office/drawing/2014/main" xmlns="" id="{2901E1B5-28F5-43CC-B686-F408C74196C8}"/>
+                <a16:creationId xmlns:a16="http://schemas.microsoft.com/office/drawing/2014/main" id="{2901E1B5-28F5-43CC-B686-F408C74196C8}"/>
               </a:ext>
             </a:extLst>
           </p:cNvPr>
@@ -31541,7 +30917,7 @@
           <p:cNvPr id="55" name="Picture 54">
             <a:extLst>
               <a:ext uri="{FF2B5EF4-FFF2-40B4-BE49-F238E27FC236}">
-                <a16:creationId xmlns:a16="http://schemas.microsoft.com/office/drawing/2014/main" xmlns="" id="{FEC26C7C-7A85-428B-B22C-C90D8E2F8930}"/>
+                <a16:creationId xmlns:a16="http://schemas.microsoft.com/office/drawing/2014/main" id="{FEC26C7C-7A85-428B-B22C-C90D8E2F8930}"/>
               </a:ext>
             </a:extLst>
           </p:cNvPr>
@@ -31570,7 +30946,7 @@
           <p:cNvPr id="56" name="Picture 55">
             <a:extLst>
               <a:ext uri="{FF2B5EF4-FFF2-40B4-BE49-F238E27FC236}">
-                <a16:creationId xmlns:a16="http://schemas.microsoft.com/office/drawing/2014/main" xmlns="" id="{7FCBD9B7-F1C8-4315-B69D-113037886BFE}"/>
+                <a16:creationId xmlns:a16="http://schemas.microsoft.com/office/drawing/2014/main" id="{7FCBD9B7-F1C8-4315-B69D-113037886BFE}"/>
               </a:ext>
             </a:extLst>
           </p:cNvPr>
@@ -31599,7 +30975,7 @@
           <p:cNvPr id="57" name="Straight Arrow Connector 56">
             <a:extLst>
               <a:ext uri="{FF2B5EF4-FFF2-40B4-BE49-F238E27FC236}">
-                <a16:creationId xmlns:a16="http://schemas.microsoft.com/office/drawing/2014/main" xmlns="" id="{DC18DF9E-009F-434C-80A8-4D557CA63686}"/>
+                <a16:creationId xmlns:a16="http://schemas.microsoft.com/office/drawing/2014/main" id="{DC18DF9E-009F-434C-80A8-4D557CA63686}"/>
               </a:ext>
             </a:extLst>
           </p:cNvPr>
@@ -31647,7 +31023,7 @@
           <p:cNvPr id="66" name="Straight Arrow Connector 65">
             <a:extLst>
               <a:ext uri="{FF2B5EF4-FFF2-40B4-BE49-F238E27FC236}">
-                <a16:creationId xmlns:a16="http://schemas.microsoft.com/office/drawing/2014/main" xmlns="" id="{C6B95DC5-EFDF-45FE-9945-4CCA1392167C}"/>
+                <a16:creationId xmlns:a16="http://schemas.microsoft.com/office/drawing/2014/main" id="{C6B95DC5-EFDF-45FE-9945-4CCA1392167C}"/>
               </a:ext>
             </a:extLst>
           </p:cNvPr>
@@ -31695,7 +31071,7 @@
           <p:cNvPr id="72" name="Straight Arrow Connector 71">
             <a:extLst>
               <a:ext uri="{FF2B5EF4-FFF2-40B4-BE49-F238E27FC236}">
-                <a16:creationId xmlns:a16="http://schemas.microsoft.com/office/drawing/2014/main" xmlns="" id="{36159F94-906D-4DE0-ADE8-4A543A28C3E9}"/>
+                <a16:creationId xmlns:a16="http://schemas.microsoft.com/office/drawing/2014/main" id="{36159F94-906D-4DE0-ADE8-4A543A28C3E9}"/>
               </a:ext>
             </a:extLst>
           </p:cNvPr>
@@ -31743,7 +31119,7 @@
           <p:cNvPr id="78" name="Straight Arrow Connector 77">
             <a:extLst>
               <a:ext uri="{FF2B5EF4-FFF2-40B4-BE49-F238E27FC236}">
-                <a16:creationId xmlns:a16="http://schemas.microsoft.com/office/drawing/2014/main" xmlns="" id="{3016E457-6AEC-4FB1-A8E1-170F139353E6}"/>
+                <a16:creationId xmlns:a16="http://schemas.microsoft.com/office/drawing/2014/main" id="{3016E457-6AEC-4FB1-A8E1-170F139353E6}"/>
               </a:ext>
             </a:extLst>
           </p:cNvPr>
@@ -31796,13 +31172,6 @@
   <p:clrMapOvr>
     <a:masterClrMapping/>
   </p:clrMapOvr>
-  <p:timing>
-    <p:tnLst>
-      <p:par>
-        <p:cTn id="1" dur="indefinite" restart="never" nodeType="tmRoot"/>
-      </p:par>
-    </p:tnLst>
-  </p:timing>
 </p:sld>
 </file>
 
@@ -31828,7 +31197,7 @@
           <p:cNvPr id="3" name="Text Placeholder 2">
             <a:extLst>
               <a:ext uri="{FF2B5EF4-FFF2-40B4-BE49-F238E27FC236}">
-                <a16:creationId xmlns:a16="http://schemas.microsoft.com/office/drawing/2014/main" xmlns="" id="{6DA12FB9-5FAE-4342-BE2F-559B191D9485}"/>
+                <a16:creationId xmlns:a16="http://schemas.microsoft.com/office/drawing/2014/main" id="{6DA12FB9-5FAE-4342-BE2F-559B191D9485}"/>
               </a:ext>
             </a:extLst>
           </p:cNvPr>
@@ -31868,7 +31237,7 @@
           <p:cNvPr id="2" name="Text Placeholder 1">
             <a:extLst>
               <a:ext uri="{FF2B5EF4-FFF2-40B4-BE49-F238E27FC236}">
-                <a16:creationId xmlns:a16="http://schemas.microsoft.com/office/drawing/2014/main" xmlns="" id="{C4DD40E0-632F-425B-B5E9-5E8CC8FCE6EF}"/>
+                <a16:creationId xmlns:a16="http://schemas.microsoft.com/office/drawing/2014/main" id="{C4DD40E0-632F-425B-B5E9-5E8CC8FCE6EF}"/>
               </a:ext>
             </a:extLst>
           </p:cNvPr>
@@ -31897,11 +31266,11 @@
               </a:spcAft>
             </a:pPr>
             <a:r>
-              <a:rPr lang="en-US" sz="2600" dirty="0" err="1" smtClean="0"/>
+              <a:rPr lang="en-US" sz="2600" dirty="0" err="1"/>
               <a:t>Github</a:t>
             </a:r>
             <a:r>
-              <a:rPr lang="en-US" sz="2600" dirty="0" smtClean="0"/>
+              <a:rPr lang="en-US" sz="2600" dirty="0"/>
               <a:t> for this class (Michael)</a:t>
             </a:r>
           </a:p>
@@ -31912,12 +31281,8 @@
               </a:spcAft>
             </a:pPr>
             <a:r>
-              <a:rPr lang="en-US" sz="2600" dirty="0" smtClean="0"/>
-              <a:t>Group </a:t>
-            </a:r>
-            <a:r>
               <a:rPr lang="en-US" sz="2600" dirty="0"/>
-              <a:t>formation</a:t>
+              <a:t>Group formation</a:t>
             </a:r>
           </a:p>
           <a:p>
@@ -31949,10 +31314,9 @@
               </a:spcAft>
             </a:pPr>
             <a:r>
-              <a:rPr lang="en-US" sz="2600" dirty="0" smtClean="0"/>
+              <a:rPr lang="en-US" sz="2600" dirty="0"/>
               <a:t>Auditors</a:t>
             </a:r>
-            <a:endParaRPr lang="en-US" sz="2600" dirty="0"/>
           </a:p>
           <a:p>
             <a:pPr>
@@ -32274,7 +31638,7 @@
           <p:cNvPr id="4" name="Title 3">
             <a:extLst>
               <a:ext uri="{FF2B5EF4-FFF2-40B4-BE49-F238E27FC236}">
-                <a16:creationId xmlns:a16="http://schemas.microsoft.com/office/drawing/2014/main" xmlns="" id="{BF5EAB67-A55F-4E72-82DA-6ECE5A6F49EF}"/>
+                <a16:creationId xmlns:a16="http://schemas.microsoft.com/office/drawing/2014/main" id="{BF5EAB67-A55F-4E72-82DA-6ECE5A6F49EF}"/>
               </a:ext>
             </a:extLst>
           </p:cNvPr>
@@ -32290,38 +31654,18 @@
           <a:bodyPr/>
           <a:lstStyle/>
           <a:p>
-            <a:r>
-              <a:rPr lang="en-US" dirty="0"/>
-              <a:t/>
-            </a:r>
             <a:br>
               <a:rPr lang="en-US" dirty="0"/>
             </a:br>
-            <a:r>
-              <a:rPr lang="en-US" dirty="0"/>
-              <a:t/>
-            </a:r>
             <a:br>
               <a:rPr lang="en-US" dirty="0"/>
             </a:br>
-            <a:r>
-              <a:rPr lang="en-US" dirty="0"/>
-              <a:t/>
-            </a:r>
             <a:br>
               <a:rPr lang="en-US" dirty="0"/>
             </a:br>
-            <a:r>
-              <a:rPr lang="en-US" dirty="0"/>
-              <a:t/>
-            </a:r>
             <a:br>
               <a:rPr lang="en-US" dirty="0"/>
             </a:br>
-            <a:r>
-              <a:rPr lang="en-US" dirty="0"/>
-              <a:t/>
-            </a:r>
             <a:br>
               <a:rPr lang="en-US" dirty="0"/>
             </a:br>
@@ -32334,7 +31678,7 @@
           <p:cNvPr id="3" name="Text Placeholder 2">
             <a:extLst>
               <a:ext uri="{FF2B5EF4-FFF2-40B4-BE49-F238E27FC236}">
-                <a16:creationId xmlns:a16="http://schemas.microsoft.com/office/drawing/2014/main" xmlns="" id="{C7652C82-BE66-4418-8AD5-980274E47728}"/>
+                <a16:creationId xmlns:a16="http://schemas.microsoft.com/office/drawing/2014/main" id="{C7652C82-BE66-4418-8AD5-980274E47728}"/>
               </a:ext>
             </a:extLst>
           </p:cNvPr>
@@ -32382,7 +31726,7 @@
           <p:cNvPr id="7" name="Rectangle 6">
             <a:extLst>
               <a:ext uri="{FF2B5EF4-FFF2-40B4-BE49-F238E27FC236}">
-                <a16:creationId xmlns:a16="http://schemas.microsoft.com/office/drawing/2014/main" xmlns="" id="{24BBB258-612A-4802-BC2E-D8B75AB4AC10}"/>
+                <a16:creationId xmlns:a16="http://schemas.microsoft.com/office/drawing/2014/main" id="{24BBB258-612A-4802-BC2E-D8B75AB4AC10}"/>
               </a:ext>
             </a:extLst>
           </p:cNvPr>
@@ -32431,7 +31775,7 @@
                 <a:hlinkClick r:id="rId3">
                   <a:extLst>
                     <a:ext uri="{A12FA001-AC4F-418D-AE19-62706E023703}">
-                      <ahyp:hlinkClr xmlns:ahyp="http://schemas.microsoft.com/office/drawing/2018/hyperlinkcolor" xmlns="" val="tx"/>
+                      <ahyp:hlinkClr xmlns:ahyp="http://schemas.microsoft.com/office/drawing/2018/hyperlinkcolor" val="tx"/>
                     </a:ext>
                   </a:extLst>
                 </a:hlinkClick>
@@ -32746,13 +32090,6 @@
   <p:clrMapOvr>
     <a:masterClrMapping/>
   </p:clrMapOvr>
-  <p:timing>
-    <p:tnLst>
-      <p:par>
-        <p:cTn id="1" dur="indefinite" restart="never" nodeType="tmRoot"/>
-      </p:par>
-    </p:tnLst>
-  </p:timing>
 </p:sld>
 </file>
 
@@ -32778,7 +32115,7 @@
           <p:cNvPr id="3" name="Text Placeholder 2">
             <a:extLst>
               <a:ext uri="{FF2B5EF4-FFF2-40B4-BE49-F238E27FC236}">
-                <a16:creationId xmlns:a16="http://schemas.microsoft.com/office/drawing/2014/main" xmlns="" id="{6DA12FB9-5FAE-4342-BE2F-559B191D9485}"/>
+                <a16:creationId xmlns:a16="http://schemas.microsoft.com/office/drawing/2014/main" id="{6DA12FB9-5FAE-4342-BE2F-559B191D9485}"/>
               </a:ext>
             </a:extLst>
           </p:cNvPr>
@@ -32818,7 +32155,7 @@
           <p:cNvPr id="2" name="Text Placeholder 1">
             <a:extLst>
               <a:ext uri="{FF2B5EF4-FFF2-40B4-BE49-F238E27FC236}">
-                <a16:creationId xmlns:a16="http://schemas.microsoft.com/office/drawing/2014/main" xmlns="" id="{C4DD40E0-632F-425B-B5E9-5E8CC8FCE6EF}"/>
+                <a16:creationId xmlns:a16="http://schemas.microsoft.com/office/drawing/2014/main" id="{C4DD40E0-632F-425B-B5E9-5E8CC8FCE6EF}"/>
               </a:ext>
             </a:extLst>
           </p:cNvPr>
@@ -32907,13 +32244,6 @@
   <p:clrMapOvr>
     <a:masterClrMapping/>
   </p:clrMapOvr>
-  <p:timing>
-    <p:tnLst>
-      <p:par>
-        <p:cTn id="1" dur="indefinite" restart="never" nodeType="tmRoot"/>
-      </p:par>
-    </p:tnLst>
-  </p:timing>
 </p:sld>
 </file>
 
@@ -32939,7 +32269,7 @@
           <p:cNvPr id="3" name="Text Placeholder 2">
             <a:extLst>
               <a:ext uri="{FF2B5EF4-FFF2-40B4-BE49-F238E27FC236}">
-                <a16:creationId xmlns:a16="http://schemas.microsoft.com/office/drawing/2014/main" xmlns="" id="{C7652C82-BE66-4418-8AD5-980274E47728}"/>
+                <a16:creationId xmlns:a16="http://schemas.microsoft.com/office/drawing/2014/main" id="{C7652C82-BE66-4418-8AD5-980274E47728}"/>
               </a:ext>
             </a:extLst>
           </p:cNvPr>
@@ -32979,7 +32309,7 @@
           <p:cNvPr id="7" name="Rectangle 6">
             <a:extLst>
               <a:ext uri="{FF2B5EF4-FFF2-40B4-BE49-F238E27FC236}">
-                <a16:creationId xmlns:a16="http://schemas.microsoft.com/office/drawing/2014/main" xmlns="" id="{24BBB258-612A-4802-BC2E-D8B75AB4AC10}"/>
+                <a16:creationId xmlns:a16="http://schemas.microsoft.com/office/drawing/2014/main" id="{24BBB258-612A-4802-BC2E-D8B75AB4AC10}"/>
               </a:ext>
             </a:extLst>
           </p:cNvPr>
@@ -33112,19 +32442,7 @@
               <a:rPr lang="en-US" sz="2000" dirty="0">
                 <a:latin typeface="Karla" pitchFamily="2" charset="0"/>
               </a:rPr>
-              <a:t>Containers considered 1) LXC (Linux Containers), 2) Docker,  3</a:t>
-            </a:r>
-            <a:r>
-              <a:rPr lang="en-US" sz="2000" dirty="0" smtClean="0">
-                <a:latin typeface="Karla" pitchFamily="2" charset="0"/>
-              </a:rPr>
-              <a:t>) Singularity </a:t>
-            </a:r>
-            <a:r>
-              <a:rPr lang="en-US" sz="2000" dirty="0">
-                <a:latin typeface="Karla" pitchFamily="2" charset="0"/>
-              </a:rPr>
-              <a:t>(HPC container platform), and measurement: CPU and Networking benchmark</a:t>
+              <a:t>Containers considered 1) LXC (Linux Containers), 2) Docker,  3) Singularity (HPC container platform), and measurement: CPU and Networking benchmark</a:t>
             </a:r>
           </a:p>
           <a:p>
@@ -33165,13 +32483,6 @@
   <p:clrMapOvr>
     <a:masterClrMapping/>
   </p:clrMapOvr>
-  <p:timing>
-    <p:tnLst>
-      <p:par>
-        <p:cTn id="1" dur="indefinite" restart="never" nodeType="tmRoot"/>
-      </p:par>
-    </p:tnLst>
-  </p:timing>
 </p:sld>
 </file>
 
@@ -33197,7 +32508,7 @@
           <p:cNvPr id="3" name="Text Placeholder 2">
             <a:extLst>
               <a:ext uri="{FF2B5EF4-FFF2-40B4-BE49-F238E27FC236}">
-                <a16:creationId xmlns:a16="http://schemas.microsoft.com/office/drawing/2014/main" xmlns="" id="{C7652C82-BE66-4418-8AD5-980274E47728}"/>
+                <a16:creationId xmlns:a16="http://schemas.microsoft.com/office/drawing/2014/main" id="{C7652C82-BE66-4418-8AD5-980274E47728}"/>
               </a:ext>
             </a:extLst>
           </p:cNvPr>
@@ -33245,7 +32556,7 @@
           <p:cNvPr id="7" name="Rectangle 6">
             <a:extLst>
               <a:ext uri="{FF2B5EF4-FFF2-40B4-BE49-F238E27FC236}">
-                <a16:creationId xmlns:a16="http://schemas.microsoft.com/office/drawing/2014/main" xmlns="" id="{24BBB258-612A-4802-BC2E-D8B75AB4AC10}"/>
+                <a16:creationId xmlns:a16="http://schemas.microsoft.com/office/drawing/2014/main" id="{24BBB258-612A-4802-BC2E-D8B75AB4AC10}"/>
               </a:ext>
             </a:extLst>
           </p:cNvPr>
@@ -33322,19 +32633,7 @@
               <a:rPr lang="en-US" sz="2000" dirty="0">
                 <a:latin typeface="Karla" pitchFamily="2" charset="0"/>
               </a:rPr>
-              <a:t>For I/O-intensive workloads, Container images can be much more optimal </a:t>
-            </a:r>
-            <a:r>
-              <a:rPr lang="en-US" sz="2000" dirty="0" smtClean="0">
-                <a:latin typeface="Karla" pitchFamily="2" charset="0"/>
-              </a:rPr>
-              <a:t>than </a:t>
-            </a:r>
-            <a:r>
-              <a:rPr lang="en-US" sz="2000" dirty="0">
-                <a:latin typeface="Karla" pitchFamily="2" charset="0"/>
-              </a:rPr>
-              <a:t>running against shared storage</a:t>
+              <a:t>For I/O-intensive workloads, Container images can be much more optimal than running against shared storage</a:t>
             </a:r>
           </a:p>
           <a:p>
@@ -33399,17 +32698,8 @@
               <a:rPr lang="en-US" sz="2000" dirty="0">
                 <a:latin typeface="Karla" pitchFamily="2" charset="0"/>
               </a:rPr>
-              <a:t>Game changer for computational </a:t>
-            </a:r>
-            <a:r>
-              <a:rPr lang="en-US" sz="2000" dirty="0" smtClean="0">
-                <a:latin typeface="Karla" pitchFamily="2" charset="0"/>
-              </a:rPr>
-              <a:t>sciences</a:t>
-            </a:r>
-            <a:endParaRPr lang="en-US" sz="2000" dirty="0">
-              <a:latin typeface="Karla" pitchFamily="2" charset="0"/>
-            </a:endParaRPr>
+              <a:t>Game changer for computational sciences</a:t>
+            </a:r>
           </a:p>
           <a:p>
             <a:pPr marL="800100" lvl="1" indent="-342900">
@@ -33420,29 +32710,8 @@
               <a:rPr lang="en-US" sz="2000" dirty="0">
                 <a:latin typeface="Karla" pitchFamily="2" charset="0"/>
               </a:rPr>
-              <a:t>The goals of singularity are to Mobility of compute, </a:t>
-            </a:r>
-            <a:r>
-              <a:rPr lang="en-US" sz="2000" dirty="0" smtClean="0">
-                <a:latin typeface="Karla" pitchFamily="2" charset="0"/>
-              </a:rPr>
-              <a:t>Reproducibility. User </a:t>
-            </a:r>
-            <a:r>
-              <a:rPr lang="en-US" sz="2000" dirty="0">
-                <a:latin typeface="Karla" pitchFamily="2" charset="0"/>
-              </a:rPr>
-              <a:t>freedom. Support on existing traditional HPC </a:t>
-            </a:r>
-            <a:r>
-              <a:rPr lang="en-US" sz="2000" dirty="0" smtClean="0">
-                <a:latin typeface="Karla" pitchFamily="2" charset="0"/>
-              </a:rPr>
-              <a:t>resources.</a:t>
-            </a:r>
-            <a:endParaRPr lang="en-US" sz="2000" dirty="0">
-              <a:latin typeface="Karla" pitchFamily="2" charset="0"/>
-            </a:endParaRPr>
+              <a:t>The goals of singularity are to Mobility of compute, Reproducibility. User freedom. Support on existing traditional HPC resources.</a:t>
+            </a:r>
           </a:p>
           <a:p>
             <a:pPr marL="800100" lvl="1" indent="-342900">
@@ -33453,13 +32722,7 @@
               <a:rPr lang="en-US" sz="2000" dirty="0">
                 <a:latin typeface="Karla" pitchFamily="2" charset="0"/>
               </a:rPr>
-              <a:t>Example use cases: academic researcher, server administrator, eliminate redundancy in container technology, running at </a:t>
-            </a:r>
-            <a:r>
-              <a:rPr lang="en-US" sz="2000" dirty="0" smtClean="0">
-                <a:latin typeface="Karla" pitchFamily="2" charset="0"/>
-              </a:rPr>
-              <a:t>scale</a:t>
+              <a:t>Example use cases: academic researcher, server administrator, eliminate redundancy in container technology, running at scale</a:t>
             </a:r>
           </a:p>
           <a:p>
@@ -33468,7 +32731,7 @@
               <a:buChar char="•"/>
             </a:pPr>
             <a:r>
-              <a:rPr lang="en-US" sz="2000" dirty="0" smtClean="0">
+              <a:rPr lang="en-US" sz="2000" dirty="0">
                 <a:solidFill>
                   <a:srgbClr val="C00000"/>
                 </a:solidFill>
@@ -33476,12 +32739,6 @@
               </a:rPr>
               <a:t>Take away is security. No root access. </a:t>
             </a:r>
-            <a:endParaRPr lang="en-US" sz="2000" dirty="0">
-              <a:solidFill>
-                <a:srgbClr val="C00000"/>
-              </a:solidFill>
-              <a:latin typeface="Karla" pitchFamily="2" charset="0"/>
-            </a:endParaRPr>
           </a:p>
           <a:p>
             <a:endParaRPr lang="en-US" sz="2000" dirty="0">
@@ -33500,13 +32757,6 @@
   <p:clrMapOvr>
     <a:masterClrMapping/>
   </p:clrMapOvr>
-  <p:timing>
-    <p:tnLst>
-      <p:par>
-        <p:cTn id="1" dur="indefinite" restart="never" nodeType="tmRoot"/>
-      </p:par>
-    </p:tnLst>
-  </p:timing>
 </p:sld>
 </file>
 
@@ -33532,7 +32782,7 @@
           <p:cNvPr id="9" name="Group 8">
             <a:extLst>
               <a:ext uri="{FF2B5EF4-FFF2-40B4-BE49-F238E27FC236}">
-                <a16:creationId xmlns:a16="http://schemas.microsoft.com/office/drawing/2014/main" xmlns="" id="{E79E9732-DC5F-4E31-AE99-47AF6D30A725}"/>
+                <a16:creationId xmlns:a16="http://schemas.microsoft.com/office/drawing/2014/main" id="{E79E9732-DC5F-4E31-AE99-47AF6D30A725}"/>
               </a:ext>
             </a:extLst>
           </p:cNvPr>
@@ -33552,7 +32802,7 @@
             <p:cNvPr id="18" name="Rectangle 17">
               <a:extLst>
                 <a:ext uri="{FF2B5EF4-FFF2-40B4-BE49-F238E27FC236}">
-                  <a16:creationId xmlns:a16="http://schemas.microsoft.com/office/drawing/2014/main" xmlns="" id="{A7CF9C45-FF07-4721-888A-CDC8D2C9F429}"/>
+                  <a16:creationId xmlns:a16="http://schemas.microsoft.com/office/drawing/2014/main" id="{A7CF9C45-FF07-4721-888A-CDC8D2C9F429}"/>
                 </a:ext>
               </a:extLst>
             </p:cNvPr>
@@ -33604,7 +32854,7 @@
             <p:cNvPr id="19" name="Subtitle 2">
               <a:extLst>
                 <a:ext uri="{FF2B5EF4-FFF2-40B4-BE49-F238E27FC236}">
-                  <a16:creationId xmlns:a16="http://schemas.microsoft.com/office/drawing/2014/main" xmlns="" id="{EEC03D37-031E-4AFA-B1FF-7E1E0DB75EDA}"/>
+                  <a16:creationId xmlns:a16="http://schemas.microsoft.com/office/drawing/2014/main" id="{EEC03D37-031E-4AFA-B1FF-7E1E0DB75EDA}"/>
                 </a:ext>
               </a:extLst>
             </p:cNvPr>
@@ -33814,7 +33064,7 @@
             <p:cNvPr id="20" name="Rectangle 19">
               <a:extLst>
                 <a:ext uri="{FF2B5EF4-FFF2-40B4-BE49-F238E27FC236}">
-                  <a16:creationId xmlns:a16="http://schemas.microsoft.com/office/drawing/2014/main" xmlns="" id="{9F8140DE-DF19-4E67-BA8B-FDEFA75CDC53}"/>
+                  <a16:creationId xmlns:a16="http://schemas.microsoft.com/office/drawing/2014/main" id="{9F8140DE-DF19-4E67-BA8B-FDEFA75CDC53}"/>
                 </a:ext>
               </a:extLst>
             </p:cNvPr>
@@ -34070,7 +33320,7 @@
               </a:solidFill>
               <a:extLst>
                 <a:ext uri="{C807C97D-BFC1-408E-A445-0C87EB9F89A2}">
-                  <ask:lineSketchStyleProps xmlns:ask="http://schemas.microsoft.com/office/drawing/2018/sketchyshapes" xmlns="" sd="1219033472">
+                  <ask:lineSketchStyleProps xmlns:ask="http://schemas.microsoft.com/office/drawing/2018/sketchyshapes" sd="1219033472">
                     <a:prstGeom prst="rect">
                       <a:avLst/>
                     </a:prstGeom>
@@ -34155,10 +33405,6 @@
             </a:r>
           </a:p>
           <a:p>
-            <a:r>
-              <a:rPr lang="en-US" sz="2400" dirty="0"/>
-              <a:t/>
-            </a:r>
             <a:br>
               <a:rPr lang="en-US" sz="2400" dirty="0"/>
             </a:br>
@@ -34279,7 +33525,7 @@
           <p:cNvPr id="3" name="Text Placeholder 2">
             <a:extLst>
               <a:ext uri="{FF2B5EF4-FFF2-40B4-BE49-F238E27FC236}">
-                <a16:creationId xmlns:a16="http://schemas.microsoft.com/office/drawing/2014/main" xmlns="" id="{6DA12FB9-5FAE-4342-BE2F-559B191D9485}"/>
+                <a16:creationId xmlns:a16="http://schemas.microsoft.com/office/drawing/2014/main" id="{6DA12FB9-5FAE-4342-BE2F-559B191D9485}"/>
               </a:ext>
             </a:extLst>
           </p:cNvPr>
@@ -34319,7 +33565,7 @@
           <p:cNvPr id="2" name="Text Placeholder 1">
             <a:extLst>
               <a:ext uri="{FF2B5EF4-FFF2-40B4-BE49-F238E27FC236}">
-                <a16:creationId xmlns:a16="http://schemas.microsoft.com/office/drawing/2014/main" xmlns="" id="{C4DD40E0-632F-425B-B5E9-5E8CC8FCE6EF}"/>
+                <a16:creationId xmlns:a16="http://schemas.microsoft.com/office/drawing/2014/main" id="{C4DD40E0-632F-425B-B5E9-5E8CC8FCE6EF}"/>
               </a:ext>
             </a:extLst>
           </p:cNvPr>
@@ -34412,13 +33658,6 @@
   <p:clrMapOvr>
     <a:masterClrMapping/>
   </p:clrMapOvr>
-  <p:timing>
-    <p:tnLst>
-      <p:par>
-        <p:cTn id="1" dur="indefinite" restart="never" nodeType="tmRoot"/>
-      </p:par>
-    </p:tnLst>
-  </p:timing>
 </p:sld>
 </file>
 
@@ -34444,7 +33683,7 @@
           <p:cNvPr id="3" name="Text Placeholder 2">
             <a:extLst>
               <a:ext uri="{FF2B5EF4-FFF2-40B4-BE49-F238E27FC236}">
-                <a16:creationId xmlns:a16="http://schemas.microsoft.com/office/drawing/2014/main" xmlns="" id="{C7652C82-BE66-4418-8AD5-980274E47728}"/>
+                <a16:creationId xmlns:a16="http://schemas.microsoft.com/office/drawing/2014/main" id="{C7652C82-BE66-4418-8AD5-980274E47728}"/>
               </a:ext>
             </a:extLst>
           </p:cNvPr>
@@ -34484,7 +33723,7 @@
           <p:cNvPr id="10" name="Rectangle 9">
             <a:extLst>
               <a:ext uri="{FF2B5EF4-FFF2-40B4-BE49-F238E27FC236}">
-                <a16:creationId xmlns:a16="http://schemas.microsoft.com/office/drawing/2014/main" xmlns="" id="{2640D9DE-ACA1-40C5-9770-2BD1B3232BBF}"/>
+                <a16:creationId xmlns:a16="http://schemas.microsoft.com/office/drawing/2014/main" id="{2640D9DE-ACA1-40C5-9770-2BD1B3232BBF}"/>
               </a:ext>
             </a:extLst>
           </p:cNvPr>
@@ -34514,29 +33753,8 @@
               <a:rPr lang="en-US" sz="2400" dirty="0">
                 <a:latin typeface="Karla" pitchFamily="2" charset="0"/>
               </a:rPr>
-              <a:t>Virtual environments help to make development and use </a:t>
-            </a:r>
-            <a:r>
-              <a:rPr lang="en-US" sz="2400" dirty="0" smtClean="0">
-                <a:latin typeface="Karla" pitchFamily="2" charset="0"/>
-              </a:rPr>
-              <a:t>of </a:t>
-            </a:r>
-            <a:r>
-              <a:rPr lang="en-US" sz="2400" dirty="0">
-                <a:latin typeface="Karla" pitchFamily="2" charset="0"/>
-              </a:rPr>
-              <a:t>code more </a:t>
-            </a:r>
-            <a:r>
-              <a:rPr lang="en-US" sz="2400" dirty="0" smtClean="0">
-                <a:latin typeface="Karla" pitchFamily="2" charset="0"/>
-              </a:rPr>
-              <a:t>streamlined.</a:t>
-            </a:r>
-            <a:endParaRPr lang="en-US" sz="2400" dirty="0">
-              <a:latin typeface="Karla" pitchFamily="2" charset="0"/>
-            </a:endParaRPr>
+              <a:t>Virtual environments help to make development and use of code more streamlined.</a:t>
+            </a:r>
           </a:p>
           <a:p>
             <a:pPr marL="342900" indent="-342900">
@@ -34547,17 +33765,8 @@
               <a:rPr lang="en-US" sz="2400" dirty="0">
                 <a:latin typeface="Karla" pitchFamily="2" charset="0"/>
               </a:rPr>
-              <a:t>Virtual environments keep dependencies in separate “sandboxes” so you can switch between both applications easily and get them </a:t>
-            </a:r>
-            <a:r>
-              <a:rPr lang="en-US" sz="2400" dirty="0" smtClean="0">
-                <a:latin typeface="Karla" pitchFamily="2" charset="0"/>
-              </a:rPr>
-              <a:t>running.</a:t>
-            </a:r>
-            <a:endParaRPr lang="en-US" sz="2400" dirty="0">
-              <a:latin typeface="Karla" pitchFamily="2" charset="0"/>
-            </a:endParaRPr>
+              <a:t>Virtual environments keep dependencies in separate “sandboxes” so you can switch between both applications easily and get them running.</a:t>
+            </a:r>
           </a:p>
           <a:p>
             <a:pPr marL="342900" indent="-342900">
@@ -34568,29 +33777,8 @@
               <a:rPr lang="en-US" sz="2400" dirty="0">
                 <a:latin typeface="Karla" pitchFamily="2" charset="0"/>
               </a:rPr>
-              <a:t>Given an operating system and hardware, we can get the exact code environment set up using different technologies. </a:t>
-            </a:r>
-            <a:r>
-              <a:rPr lang="en-US" sz="2400" dirty="0" smtClean="0">
-                <a:latin typeface="Karla" pitchFamily="2" charset="0"/>
-              </a:rPr>
-              <a:t>This </a:t>
-            </a:r>
-            <a:r>
-              <a:rPr lang="en-US" sz="2400" dirty="0">
-                <a:latin typeface="Karla" pitchFamily="2" charset="0"/>
-              </a:rPr>
-              <a:t>is key to understand the trade off among the different technologies presented in this </a:t>
-            </a:r>
-            <a:r>
-              <a:rPr lang="en-US" sz="2400" dirty="0" smtClean="0">
-                <a:latin typeface="Karla" pitchFamily="2" charset="0"/>
-              </a:rPr>
-              <a:t>class.</a:t>
-            </a:r>
-            <a:endParaRPr lang="en-US" sz="2400" dirty="0">
-              <a:latin typeface="Karla" pitchFamily="2" charset="0"/>
-            </a:endParaRPr>
+              <a:t>Given an operating system and hardware, we can get the exact code environment set up using different technologies. This is key to understand the trade off among the different technologies presented in this class.</a:t>
+            </a:r>
           </a:p>
           <a:p>
             <a:pPr marL="342900" indent="-342900">
@@ -34833,7 +34021,7 @@
           <p:cNvPr id="3" name="Text Placeholder 2">
             <a:extLst>
               <a:ext uri="{FF2B5EF4-FFF2-40B4-BE49-F238E27FC236}">
-                <a16:creationId xmlns:a16="http://schemas.microsoft.com/office/drawing/2014/main" xmlns="" id="{C7652C82-BE66-4418-8AD5-980274E47728}"/>
+                <a16:creationId xmlns:a16="http://schemas.microsoft.com/office/drawing/2014/main" id="{C7652C82-BE66-4418-8AD5-980274E47728}"/>
               </a:ext>
             </a:extLst>
           </p:cNvPr>
@@ -34873,7 +34061,7 @@
           <p:cNvPr id="85" name="Rectangle 84">
             <a:extLst>
               <a:ext uri="{FF2B5EF4-FFF2-40B4-BE49-F238E27FC236}">
-                <a16:creationId xmlns:a16="http://schemas.microsoft.com/office/drawing/2014/main" xmlns="" id="{1636AC18-A69A-499B-BF3A-B3EC3EF71495}"/>
+                <a16:creationId xmlns:a16="http://schemas.microsoft.com/office/drawing/2014/main" id="{1636AC18-A69A-499B-BF3A-B3EC3EF71495}"/>
               </a:ext>
             </a:extLst>
           </p:cNvPr>
@@ -34906,43 +34094,19 @@
               <a:t>Maggie took cs109a, she used to run her </a:t>
             </a:r>
             <a:r>
-              <a:rPr lang="en-US" sz="2400" dirty="0" err="1" smtClean="0">
+              <a:rPr lang="en-US" sz="2400" dirty="0" err="1">
                 <a:latin typeface="Karla" pitchFamily="2" charset="0"/>
               </a:rPr>
               <a:t>Jupyter</a:t>
             </a:r>
             <a:r>
-              <a:rPr lang="en-US" sz="2400" dirty="0" smtClean="0">
-                <a:latin typeface="Karla" pitchFamily="2" charset="0"/>
-              </a:rPr>
-              <a:t> </a:t>
-            </a:r>
-            <a:r>
               <a:rPr lang="en-US" sz="2400" dirty="0">
                 <a:latin typeface="Karla" pitchFamily="2" charset="0"/>
               </a:rPr>
-              <a:t>notebooks from anaconda prompt.  Every time she </a:t>
-            </a:r>
-            <a:r>
-              <a:rPr lang="en-US" sz="2400" dirty="0" smtClean="0">
-                <a:latin typeface="Karla" pitchFamily="2" charset="0"/>
-              </a:rPr>
-              <a:t>installed </a:t>
+              <a:t> notebooks from anaconda prompt.  Every time she installed a module it was placed in the either of </a:t>
             </a:r>
             <a:r>
               <a:rPr lang="en-US" sz="2400" dirty="0">
-                <a:latin typeface="Karla" pitchFamily="2" charset="0"/>
-              </a:rPr>
-              <a:t>a module it </a:t>
-            </a:r>
-            <a:r>
-              <a:rPr lang="en-US" sz="2400" dirty="0" smtClean="0">
-                <a:latin typeface="Karla" pitchFamily="2" charset="0"/>
-              </a:rPr>
-              <a:t>was placed in the either of </a:t>
-            </a:r>
-            <a:r>
-              <a:rPr lang="en-US" sz="2400" dirty="0" smtClean="0">
                 <a:latin typeface="Courier New" charset="0"/>
                 <a:ea typeface="Courier New" charset="0"/>
                 <a:cs typeface="Courier New" charset="0"/>
@@ -34950,50 +34114,11 @@
               <a:t>bin, lib, share, include</a:t>
             </a:r>
             <a:r>
-              <a:rPr lang="en-US" sz="2400" dirty="0" smtClean="0">
-                <a:latin typeface="Karla" pitchFamily="2" charset="0"/>
-              </a:rPr>
-              <a:t> folders and </a:t>
-            </a:r>
-            <a:r>
               <a:rPr lang="en-US" sz="2400" dirty="0">
                 <a:latin typeface="Karla" pitchFamily="2" charset="0"/>
               </a:rPr>
-              <a:t>she </a:t>
-            </a:r>
-            <a:r>
-              <a:rPr lang="en-US" sz="2400" dirty="0" smtClean="0">
-                <a:latin typeface="Karla" pitchFamily="2" charset="0"/>
-              </a:rPr>
-              <a:t>could import </a:t>
-            </a:r>
-            <a:r>
-              <a:rPr lang="en-US" sz="2400" dirty="0">
-                <a:latin typeface="Karla" pitchFamily="2" charset="0"/>
-              </a:rPr>
-              <a:t>it in and </a:t>
-            </a:r>
-            <a:r>
-              <a:rPr lang="en-US" sz="2400" dirty="0" smtClean="0">
-                <a:latin typeface="Karla" pitchFamily="2" charset="0"/>
-              </a:rPr>
-              <a:t>used </a:t>
-            </a:r>
-            <a:r>
-              <a:rPr lang="en-US" sz="2400" dirty="0">
-                <a:latin typeface="Karla" pitchFamily="2" charset="0"/>
-              </a:rPr>
-              <a:t>it without any </a:t>
-            </a:r>
-            <a:r>
-              <a:rPr lang="en-US" sz="2400" dirty="0" smtClean="0">
-                <a:latin typeface="Karla" pitchFamily="2" charset="0"/>
-              </a:rPr>
-              <a:t>issue.</a:t>
-            </a:r>
-            <a:endParaRPr lang="en-US" sz="2400" dirty="0">
-              <a:latin typeface="Karla" pitchFamily="2" charset="0"/>
-            </a:endParaRPr>
+              <a:t> folders and she could import it in and used it without any issue.</a:t>
+            </a:r>
           </a:p>
         </p:txBody>
       </p:sp>
@@ -35002,7 +34127,7 @@
           <p:cNvPr id="13" name="Group 12">
             <a:extLst>
               <a:ext uri="{FF2B5EF4-FFF2-40B4-BE49-F238E27FC236}">
-                <a16:creationId xmlns:a16="http://schemas.microsoft.com/office/drawing/2014/main" xmlns="" id="{3AA2C9E3-0CA5-40B3-B78B-6A2D6804C5D9}"/>
+                <a16:creationId xmlns:a16="http://schemas.microsoft.com/office/drawing/2014/main" id="{3AA2C9E3-0CA5-40B3-B78B-6A2D6804C5D9}"/>
               </a:ext>
             </a:extLst>
           </p:cNvPr>
@@ -35022,7 +34147,7 @@
             <p:cNvPr id="14" name="Rectangle 13">
               <a:extLst>
                 <a:ext uri="{FF2B5EF4-FFF2-40B4-BE49-F238E27FC236}">
-                  <a16:creationId xmlns:a16="http://schemas.microsoft.com/office/drawing/2014/main" xmlns="" id="{A1230355-1471-4951-A6F9-B893B9EF6F9D}"/>
+                  <a16:creationId xmlns:a16="http://schemas.microsoft.com/office/drawing/2014/main" id="{A1230355-1471-4951-A6F9-B893B9EF6F9D}"/>
                 </a:ext>
               </a:extLst>
             </p:cNvPr>
@@ -35083,7 +34208,7 @@
             <p:cNvPr id="16" name="Rectangle 15">
               <a:extLst>
                 <a:ext uri="{FF2B5EF4-FFF2-40B4-BE49-F238E27FC236}">
-                  <a16:creationId xmlns:a16="http://schemas.microsoft.com/office/drawing/2014/main" xmlns="" id="{92139AF0-26EB-4D56-8C27-EA97F1141B00}"/>
+                  <a16:creationId xmlns:a16="http://schemas.microsoft.com/office/drawing/2014/main" id="{92139AF0-26EB-4D56-8C27-EA97F1141B00}"/>
                 </a:ext>
               </a:extLst>
             </p:cNvPr>
@@ -35141,7 +34266,7 @@
             <p:cNvPr id="17" name="Rectangle 16">
               <a:extLst>
                 <a:ext uri="{FF2B5EF4-FFF2-40B4-BE49-F238E27FC236}">
-                  <a16:creationId xmlns:a16="http://schemas.microsoft.com/office/drawing/2014/main" xmlns="" id="{7A736049-14F1-494F-AB47-333C3F575C0E}"/>
+                  <a16:creationId xmlns:a16="http://schemas.microsoft.com/office/drawing/2014/main" id="{7A736049-14F1-494F-AB47-333C3F575C0E}"/>
                 </a:ext>
               </a:extLst>
             </p:cNvPr>
@@ -35198,7 +34323,7 @@
             <p:cNvPr id="18" name="Rectangle 17">
               <a:extLst>
                 <a:ext uri="{FF2B5EF4-FFF2-40B4-BE49-F238E27FC236}">
-                  <a16:creationId xmlns:a16="http://schemas.microsoft.com/office/drawing/2014/main" xmlns="" id="{7CAAC141-0F0A-41EF-BC89-85216139C552}"/>
+                  <a16:creationId xmlns:a16="http://schemas.microsoft.com/office/drawing/2014/main" id="{7CAAC141-0F0A-41EF-BC89-85216139C552}"/>
                 </a:ext>
               </a:extLst>
             </p:cNvPr>
@@ -35256,7 +34381,7 @@
             <p:cNvPr id="19" name="Rectangle 18">
               <a:extLst>
                 <a:ext uri="{FF2B5EF4-FFF2-40B4-BE49-F238E27FC236}">
-                  <a16:creationId xmlns:a16="http://schemas.microsoft.com/office/drawing/2014/main" xmlns="" id="{FF66A7D0-F22D-4717-BFBE-2D1E0A42A60C}"/>
+                  <a16:creationId xmlns:a16="http://schemas.microsoft.com/office/drawing/2014/main" id="{FF66A7D0-F22D-4717-BFBE-2D1E0A42A60C}"/>
                 </a:ext>
               </a:extLst>
             </p:cNvPr>
@@ -35314,7 +34439,7 @@
             <p:cNvPr id="20" name="Rectangle 19">
               <a:extLst>
                 <a:ext uri="{FF2B5EF4-FFF2-40B4-BE49-F238E27FC236}">
-                  <a16:creationId xmlns:a16="http://schemas.microsoft.com/office/drawing/2014/main" xmlns="" id="{7BCCBF6D-09EF-45D5-9AA0-EA737C724BFD}"/>
+                  <a16:creationId xmlns:a16="http://schemas.microsoft.com/office/drawing/2014/main" id="{7BCCBF6D-09EF-45D5-9AA0-EA737C724BFD}"/>
                 </a:ext>
               </a:extLst>
             </p:cNvPr>
@@ -35373,7 +34498,7 @@
           <p:cNvPr id="25" name="Rectangle 24">
             <a:extLst>
               <a:ext uri="{FF2B5EF4-FFF2-40B4-BE49-F238E27FC236}">
-                <a16:creationId xmlns:a16="http://schemas.microsoft.com/office/drawing/2014/main" xmlns="" id="{802C4B5A-34AC-489F-AA75-5B5E2EA31E9B}"/>
+                <a16:creationId xmlns:a16="http://schemas.microsoft.com/office/drawing/2014/main" id="{802C4B5A-34AC-489F-AA75-5B5E2EA31E9B}"/>
               </a:ext>
             </a:extLst>
           </p:cNvPr>
@@ -35446,13 +34571,6 @@
   <p:clrMapOvr>
     <a:masterClrMapping/>
   </p:clrMapOvr>
-  <p:timing>
-    <p:tnLst>
-      <p:par>
-        <p:cTn id="1" dur="indefinite" restart="never" nodeType="tmRoot"/>
-      </p:par>
-    </p:tnLst>
-  </p:timing>
 </p:sld>
 </file>
 
@@ -35478,7 +34596,7 @@
           <p:cNvPr id="26" name="Rectangle 25">
             <a:extLst>
               <a:ext uri="{FF2B5EF4-FFF2-40B4-BE49-F238E27FC236}">
-                <a16:creationId xmlns:a16="http://schemas.microsoft.com/office/drawing/2014/main" xmlns="" id="{D5EC3C66-110F-48FE-8A35-BF53CA4C967B}"/>
+                <a16:creationId xmlns:a16="http://schemas.microsoft.com/office/drawing/2014/main" id="{D5EC3C66-110F-48FE-8A35-BF53CA4C967B}"/>
               </a:ext>
             </a:extLst>
           </p:cNvPr>
@@ -35521,7 +34639,7 @@
               <a:t>/</a:t>
             </a:r>
             <a:r>
-              <a:rPr lang="pt-BR" sz="1600" dirty="0" err="1" smtClean="0">
+              <a:rPr lang="pt-BR" sz="1600" dirty="0" err="1">
                 <a:solidFill>
                   <a:prstClr val="black"/>
                 </a:solidFill>
@@ -35530,7 +34648,7 @@
               <a:t>c</a:t>
             </a:r>
             <a:r>
-              <a:rPr lang="pt-BR" sz="1600" dirty="0" smtClean="0">
+              <a:rPr lang="pt-BR" sz="1600" dirty="0">
                 <a:solidFill>
                   <a:prstClr val="black"/>
                 </a:solidFill>
@@ -35539,7 +34657,7 @@
               <a:t>/</a:t>
             </a:r>
             <a:r>
-              <a:rPr lang="pt-BR" sz="1600" dirty="0" err="1" smtClean="0">
+              <a:rPr lang="pt-BR" sz="1600" dirty="0" err="1">
                 <a:solidFill>
                   <a:prstClr val="black"/>
                 </a:solidFill>
@@ -35548,7 +34666,7 @@
               <a:t>Users</a:t>
             </a:r>
             <a:r>
-              <a:rPr lang="pt-BR" sz="1600" dirty="0" smtClean="0">
+              <a:rPr lang="pt-BR" sz="1600" dirty="0">
                 <a:solidFill>
                   <a:prstClr val="black"/>
                 </a:solidFill>
@@ -35557,7 +34675,7 @@
               <a:t>/</a:t>
             </a:r>
             <a:r>
-              <a:rPr lang="pt-BR" sz="1600" dirty="0" err="1" smtClean="0">
+              <a:rPr lang="pt-BR" sz="1600" dirty="0" err="1">
                 <a:solidFill>
                   <a:prstClr val="black"/>
                 </a:solidFill>
@@ -35566,7 +34684,7 @@
               <a:t>maggie</a:t>
             </a:r>
             <a:r>
-              <a:rPr lang="pt-BR" sz="1600" dirty="0" smtClean="0">
+              <a:rPr lang="pt-BR" sz="1600" dirty="0">
                 <a:solidFill>
                   <a:prstClr val="black"/>
                 </a:solidFill>
@@ -35575,7 +34693,7 @@
               <a:t>/Anaconda3/</a:t>
             </a:r>
             <a:r>
-              <a:rPr lang="pt-BR" sz="1600" dirty="0" err="1" smtClean="0">
+              <a:rPr lang="pt-BR" sz="1600" dirty="0" err="1">
                 <a:solidFill>
                   <a:prstClr val="black"/>
                 </a:solidFill>
@@ -35584,7 +34702,7 @@
               <a:t>envs</a:t>
             </a:r>
             <a:r>
-              <a:rPr lang="pt-BR" sz="1600" dirty="0" smtClean="0">
+              <a:rPr lang="pt-BR" sz="1600" dirty="0">
                 <a:solidFill>
                   <a:prstClr val="black"/>
                 </a:solidFill>
@@ -35593,7 +34711,7 @@
               <a:t>/env_ac295/</a:t>
             </a:r>
             <a:r>
-              <a:rPr lang="pt-BR" sz="1600" dirty="0" err="1" smtClean="0">
+              <a:rPr lang="pt-BR" sz="1600" dirty="0" err="1">
                 <a:solidFill>
                   <a:prstClr val="black"/>
                 </a:solidFill>
@@ -35615,7 +34733,7 @@
           <p:cNvPr id="3" name="Text Placeholder 2">
             <a:extLst>
               <a:ext uri="{FF2B5EF4-FFF2-40B4-BE49-F238E27FC236}">
-                <a16:creationId xmlns:a16="http://schemas.microsoft.com/office/drawing/2014/main" xmlns="" id="{C7652C82-BE66-4418-8AD5-980274E47728}"/>
+                <a16:creationId xmlns:a16="http://schemas.microsoft.com/office/drawing/2014/main" id="{C7652C82-BE66-4418-8AD5-980274E47728}"/>
               </a:ext>
             </a:extLst>
           </p:cNvPr>
@@ -35655,7 +34773,7 @@
           <p:cNvPr id="85" name="Rectangle 84">
             <a:extLst>
               <a:ext uri="{FF2B5EF4-FFF2-40B4-BE49-F238E27FC236}">
-                <a16:creationId xmlns:a16="http://schemas.microsoft.com/office/drawing/2014/main" xmlns="" id="{1636AC18-A69A-499B-BF3A-B3EC3EF71495}"/>
+                <a16:creationId xmlns:a16="http://schemas.microsoft.com/office/drawing/2014/main" id="{1636AC18-A69A-499B-BF3A-B3EC3EF71495}"/>
               </a:ext>
             </a:extLst>
           </p:cNvPr>
@@ -35685,31 +34803,19 @@
               <a:rPr lang="en-US" sz="2400" dirty="0">
                 <a:latin typeface="Karla" pitchFamily="2" charset="0"/>
               </a:rPr>
-              <a:t>Maggie starts taking ac295 and she thinks that would be good to isolate the new environment from the </a:t>
-            </a:r>
-            <a:r>
-              <a:rPr lang="en-US" sz="2400" dirty="0" smtClean="0">
-                <a:latin typeface="Karla" pitchFamily="2" charset="0"/>
-              </a:rPr>
-              <a:t>previous </a:t>
-            </a:r>
-            <a:r>
-              <a:rPr lang="en-US" sz="2400" dirty="0" err="1" smtClean="0">
+              <a:t>Maggie starts taking ac295 and she thinks that would be good to isolate the new environment from the previous </a:t>
+            </a:r>
+            <a:r>
+              <a:rPr lang="en-US" sz="2400" dirty="0" err="1">
                 <a:latin typeface="Karla" pitchFamily="2" charset="0"/>
               </a:rPr>
               <a:t>enviroments</a:t>
             </a:r>
             <a:r>
-              <a:rPr lang="en-US" sz="2400" dirty="0" smtClean="0">
-                <a:latin typeface="Karla" pitchFamily="2" charset="0"/>
-              </a:rPr>
-              <a:t> avoiding </a:t>
-            </a:r>
-            <a:r>
               <a:rPr lang="en-US" sz="2400" dirty="0">
                 <a:latin typeface="Karla" pitchFamily="2" charset="0"/>
               </a:rPr>
-              <a:t>any conflict with the installed packages. She adds a layer of abstraction called virtual environment that helps her keep the modules organized and avoid misbehaviors while developing a new project.</a:t>
+              <a:t> avoiding any conflict with the installed packages. She adds a layer of abstraction called virtual environment that helps her keep the modules organized and avoid misbehaviors while developing a new project.</a:t>
             </a:r>
           </a:p>
         </p:txBody>
@@ -35719,7 +34825,7 @@
           <p:cNvPr id="13" name="Group 12">
             <a:extLst>
               <a:ext uri="{FF2B5EF4-FFF2-40B4-BE49-F238E27FC236}">
-                <a16:creationId xmlns:a16="http://schemas.microsoft.com/office/drawing/2014/main" xmlns="" id="{3AA2C9E3-0CA5-40B3-B78B-6A2D6804C5D9}"/>
+                <a16:creationId xmlns:a16="http://schemas.microsoft.com/office/drawing/2014/main" id="{3AA2C9E3-0CA5-40B3-B78B-6A2D6804C5D9}"/>
               </a:ext>
             </a:extLst>
           </p:cNvPr>
@@ -35739,7 +34845,7 @@
             <p:cNvPr id="14" name="Rectangle 13">
               <a:extLst>
                 <a:ext uri="{FF2B5EF4-FFF2-40B4-BE49-F238E27FC236}">
-                  <a16:creationId xmlns:a16="http://schemas.microsoft.com/office/drawing/2014/main" xmlns="" id="{A1230355-1471-4951-A6F9-B893B9EF6F9D}"/>
+                  <a16:creationId xmlns:a16="http://schemas.microsoft.com/office/drawing/2014/main" id="{A1230355-1471-4951-A6F9-B893B9EF6F9D}"/>
                 </a:ext>
               </a:extLst>
             </p:cNvPr>
@@ -35800,7 +34906,7 @@
             <p:cNvPr id="16" name="Rectangle 15">
               <a:extLst>
                 <a:ext uri="{FF2B5EF4-FFF2-40B4-BE49-F238E27FC236}">
-                  <a16:creationId xmlns:a16="http://schemas.microsoft.com/office/drawing/2014/main" xmlns="" id="{92139AF0-26EB-4D56-8C27-EA97F1141B00}"/>
+                  <a16:creationId xmlns:a16="http://schemas.microsoft.com/office/drawing/2014/main" id="{92139AF0-26EB-4D56-8C27-EA97F1141B00}"/>
                 </a:ext>
               </a:extLst>
             </p:cNvPr>
@@ -35858,7 +34964,7 @@
             <p:cNvPr id="17" name="Rectangle 16">
               <a:extLst>
                 <a:ext uri="{FF2B5EF4-FFF2-40B4-BE49-F238E27FC236}">
-                  <a16:creationId xmlns:a16="http://schemas.microsoft.com/office/drawing/2014/main" xmlns="" id="{7A736049-14F1-494F-AB47-333C3F575C0E}"/>
+                  <a16:creationId xmlns:a16="http://schemas.microsoft.com/office/drawing/2014/main" id="{7A736049-14F1-494F-AB47-333C3F575C0E}"/>
                 </a:ext>
               </a:extLst>
             </p:cNvPr>
@@ -35915,7 +35021,7 @@
             <p:cNvPr id="18" name="Rectangle 17">
               <a:extLst>
                 <a:ext uri="{FF2B5EF4-FFF2-40B4-BE49-F238E27FC236}">
-                  <a16:creationId xmlns:a16="http://schemas.microsoft.com/office/drawing/2014/main" xmlns="" id="{7CAAC141-0F0A-41EF-BC89-85216139C552}"/>
+                  <a16:creationId xmlns:a16="http://schemas.microsoft.com/office/drawing/2014/main" id="{7CAAC141-0F0A-41EF-BC89-85216139C552}"/>
                 </a:ext>
               </a:extLst>
             </p:cNvPr>
@@ -35973,7 +35079,7 @@
             <p:cNvPr id="19" name="Rectangle 18">
               <a:extLst>
                 <a:ext uri="{FF2B5EF4-FFF2-40B4-BE49-F238E27FC236}">
-                  <a16:creationId xmlns:a16="http://schemas.microsoft.com/office/drawing/2014/main" xmlns="" id="{FF66A7D0-F22D-4717-BFBE-2D1E0A42A60C}"/>
+                  <a16:creationId xmlns:a16="http://schemas.microsoft.com/office/drawing/2014/main" id="{FF66A7D0-F22D-4717-BFBE-2D1E0A42A60C}"/>
                 </a:ext>
               </a:extLst>
             </p:cNvPr>
@@ -36031,7 +35137,7 @@
             <p:cNvPr id="20" name="Rectangle 19">
               <a:extLst>
                 <a:ext uri="{FF2B5EF4-FFF2-40B4-BE49-F238E27FC236}">
-                  <a16:creationId xmlns:a16="http://schemas.microsoft.com/office/drawing/2014/main" xmlns="" id="{7BCCBF6D-09EF-45D5-9AA0-EA737C724BFD}"/>
+                  <a16:creationId xmlns:a16="http://schemas.microsoft.com/office/drawing/2014/main" id="{7BCCBF6D-09EF-45D5-9AA0-EA737C724BFD}"/>
                 </a:ext>
               </a:extLst>
             </p:cNvPr>
@@ -36089,7 +35195,7 @@
             <p:cNvPr id="21" name="Rectangle 20">
               <a:extLst>
                 <a:ext uri="{FF2B5EF4-FFF2-40B4-BE49-F238E27FC236}">
-                  <a16:creationId xmlns:a16="http://schemas.microsoft.com/office/drawing/2014/main" xmlns="" id="{E8F43014-0C16-49FC-AB43-E06415D83822}"/>
+                  <a16:creationId xmlns:a16="http://schemas.microsoft.com/office/drawing/2014/main" id="{E8F43014-0C16-49FC-AB43-E06415D83822}"/>
                 </a:ext>
               </a:extLst>
             </p:cNvPr>
@@ -36146,7 +35252,7 @@
             <p:cNvPr id="22" name="Rectangle 21">
               <a:extLst>
                 <a:ext uri="{FF2B5EF4-FFF2-40B4-BE49-F238E27FC236}">
-                  <a16:creationId xmlns:a16="http://schemas.microsoft.com/office/drawing/2014/main" xmlns="" id="{36051214-7476-48CD-B2C9-36D2EAA5A923}"/>
+                  <a16:creationId xmlns:a16="http://schemas.microsoft.com/office/drawing/2014/main" id="{36051214-7476-48CD-B2C9-36D2EAA5A923}"/>
                 </a:ext>
               </a:extLst>
             </p:cNvPr>
@@ -36203,7 +35309,7 @@
             <p:cNvPr id="23" name="Rectangle 22">
               <a:extLst>
                 <a:ext uri="{FF2B5EF4-FFF2-40B4-BE49-F238E27FC236}">
-                  <a16:creationId xmlns:a16="http://schemas.microsoft.com/office/drawing/2014/main" xmlns="" id="{79FDF016-8395-4EE4-A4B4-B34D733A86C4}"/>
+                  <a16:creationId xmlns:a16="http://schemas.microsoft.com/office/drawing/2014/main" id="{79FDF016-8395-4EE4-A4B4-B34D733A86C4}"/>
                 </a:ext>
               </a:extLst>
             </p:cNvPr>
@@ -36261,7 +35367,7 @@
             <p:cNvPr id="24" name="Rectangle 23">
               <a:extLst>
                 <a:ext uri="{FF2B5EF4-FFF2-40B4-BE49-F238E27FC236}">
-                  <a16:creationId xmlns:a16="http://schemas.microsoft.com/office/drawing/2014/main" xmlns="" id="{90DF7AB1-63B0-4178-8F18-2C8A9498D8E8}"/>
+                  <a16:creationId xmlns:a16="http://schemas.microsoft.com/office/drawing/2014/main" id="{90DF7AB1-63B0-4178-8F18-2C8A9498D8E8}"/>
                 </a:ext>
               </a:extLst>
             </p:cNvPr>
@@ -36325,13 +35431,6 @@
   <p:clrMapOvr>
     <a:masterClrMapping/>
   </p:clrMapOvr>
-  <p:timing>
-    <p:tnLst>
-      <p:par>
-        <p:cTn id="1" dur="indefinite" restart="never" nodeType="tmRoot"/>
-      </p:par>
-    </p:tnLst>
-  </p:timing>
 </p:sld>
 </file>
 
@@ -36357,7 +35456,7 @@
           <p:cNvPr id="3" name="Text Placeholder 2">
             <a:extLst>
               <a:ext uri="{FF2B5EF4-FFF2-40B4-BE49-F238E27FC236}">
-                <a16:creationId xmlns:a16="http://schemas.microsoft.com/office/drawing/2014/main" xmlns="" id="{C7652C82-BE66-4418-8AD5-980274E47728}"/>
+                <a16:creationId xmlns:a16="http://schemas.microsoft.com/office/drawing/2014/main" id="{C7652C82-BE66-4418-8AD5-980274E47728}"/>
               </a:ext>
             </a:extLst>
           </p:cNvPr>
@@ -36397,7 +35496,7 @@
           <p:cNvPr id="85" name="Rectangle 84">
             <a:extLst>
               <a:ext uri="{FF2B5EF4-FFF2-40B4-BE49-F238E27FC236}">
-                <a16:creationId xmlns:a16="http://schemas.microsoft.com/office/drawing/2014/main" xmlns="" id="{1636AC18-A69A-499B-BF3A-B3EC3EF71495}"/>
+                <a16:creationId xmlns:a16="http://schemas.microsoft.com/office/drawing/2014/main" id="{1636AC18-A69A-499B-BF3A-B3EC3EF71495}"/>
               </a:ext>
             </a:extLst>
           </p:cNvPr>
@@ -36427,31 +35526,7 @@
               <a:rPr lang="en-US" sz="2400" dirty="0">
                 <a:latin typeface="Karla" pitchFamily="2" charset="0"/>
               </a:rPr>
-              <a:t>Maggie collaborates with John for the final project and </a:t>
-            </a:r>
-            <a:r>
-              <a:rPr lang="en-US" sz="2400" dirty="0" smtClean="0">
-                <a:latin typeface="Karla" pitchFamily="2" charset="0"/>
-              </a:rPr>
-              <a:t>shares </a:t>
-            </a:r>
-            <a:r>
-              <a:rPr lang="en-US" sz="2400" dirty="0">
-                <a:latin typeface="Karla" pitchFamily="2" charset="0"/>
-              </a:rPr>
-              <a:t>with him the environment she is working on </a:t>
-            </a:r>
-            <a:r>
-              <a:rPr lang="en-US" sz="2400" dirty="0" smtClean="0">
-                <a:latin typeface="Karla" pitchFamily="2" charset="0"/>
-              </a:rPr>
-              <a:t>through </a:t>
-            </a:r>
-            <a:r>
-              <a:rPr lang="en-US" sz="2400" dirty="0">
-                <a:latin typeface="Karla" pitchFamily="2" charset="0"/>
-              </a:rPr>
-              <a:t>.</a:t>
+              <a:t>Maggie collaborates with John for the final project and shares with him the environment she is working on through .</a:t>
             </a:r>
             <a:r>
               <a:rPr lang="en-US" sz="2400" dirty="0" err="1">
@@ -36463,17 +35538,8 @@
               <a:rPr lang="en-US" sz="2400" dirty="0">
                 <a:latin typeface="Karla" pitchFamily="2" charset="0"/>
               </a:rPr>
-              <a:t> </a:t>
-            </a:r>
-            <a:r>
-              <a:rPr lang="en-US" sz="2400" dirty="0" smtClean="0">
-                <a:latin typeface="Karla" pitchFamily="2" charset="0"/>
-              </a:rPr>
-              <a:t>file. </a:t>
-            </a:r>
-            <a:endParaRPr lang="en-US" sz="2400" dirty="0">
-              <a:latin typeface="Karla" pitchFamily="2" charset="0"/>
-            </a:endParaRPr>
+              <a:t> file. </a:t>
+            </a:r>
           </a:p>
         </p:txBody>
       </p:sp>
@@ -36482,7 +35548,7 @@
           <p:cNvPr id="4" name="Group 3">
             <a:extLst>
               <a:ext uri="{FF2B5EF4-FFF2-40B4-BE49-F238E27FC236}">
-                <a16:creationId xmlns:a16="http://schemas.microsoft.com/office/drawing/2014/main" xmlns="" id="{A8FDB85D-DA65-46DC-9CE5-689765485100}"/>
+                <a16:creationId xmlns:a16="http://schemas.microsoft.com/office/drawing/2014/main" id="{A8FDB85D-DA65-46DC-9CE5-689765485100}"/>
               </a:ext>
             </a:extLst>
           </p:cNvPr>
@@ -36502,7 +35568,7 @@
             <p:cNvPr id="13" name="Group 12">
               <a:extLst>
                 <a:ext uri="{FF2B5EF4-FFF2-40B4-BE49-F238E27FC236}">
-                  <a16:creationId xmlns:a16="http://schemas.microsoft.com/office/drawing/2014/main" xmlns="" id="{3AA2C9E3-0CA5-40B3-B78B-6A2D6804C5D9}"/>
+                  <a16:creationId xmlns:a16="http://schemas.microsoft.com/office/drawing/2014/main" id="{3AA2C9E3-0CA5-40B3-B78B-6A2D6804C5D9}"/>
                 </a:ext>
               </a:extLst>
             </p:cNvPr>
@@ -36522,7 +35588,7 @@
               <p:cNvPr id="14" name="Rectangle 13">
                 <a:extLst>
                   <a:ext uri="{FF2B5EF4-FFF2-40B4-BE49-F238E27FC236}">
-                    <a16:creationId xmlns:a16="http://schemas.microsoft.com/office/drawing/2014/main" xmlns="" id="{A1230355-1471-4951-A6F9-B893B9EF6F9D}"/>
+                    <a16:creationId xmlns:a16="http://schemas.microsoft.com/office/drawing/2014/main" id="{A1230355-1471-4951-A6F9-B893B9EF6F9D}"/>
                   </a:ext>
                 </a:extLst>
               </p:cNvPr>
@@ -36583,7 +35649,7 @@
               <p:cNvPr id="16" name="Rectangle 15">
                 <a:extLst>
                   <a:ext uri="{FF2B5EF4-FFF2-40B4-BE49-F238E27FC236}">
-                    <a16:creationId xmlns:a16="http://schemas.microsoft.com/office/drawing/2014/main" xmlns="" id="{92139AF0-26EB-4D56-8C27-EA97F1141B00}"/>
+                    <a16:creationId xmlns:a16="http://schemas.microsoft.com/office/drawing/2014/main" id="{92139AF0-26EB-4D56-8C27-EA97F1141B00}"/>
                   </a:ext>
                 </a:extLst>
               </p:cNvPr>
@@ -36641,7 +35707,7 @@
               <p:cNvPr id="17" name="Rectangle 16">
                 <a:extLst>
                   <a:ext uri="{FF2B5EF4-FFF2-40B4-BE49-F238E27FC236}">
-                    <a16:creationId xmlns:a16="http://schemas.microsoft.com/office/drawing/2014/main" xmlns="" id="{7A736049-14F1-494F-AB47-333C3F575C0E}"/>
+                    <a16:creationId xmlns:a16="http://schemas.microsoft.com/office/drawing/2014/main" id="{7A736049-14F1-494F-AB47-333C3F575C0E}"/>
                   </a:ext>
                 </a:extLst>
               </p:cNvPr>
@@ -36698,7 +35764,7 @@
               <p:cNvPr id="18" name="Rectangle 17">
                 <a:extLst>
                   <a:ext uri="{FF2B5EF4-FFF2-40B4-BE49-F238E27FC236}">
-                    <a16:creationId xmlns:a16="http://schemas.microsoft.com/office/drawing/2014/main" xmlns="" id="{7CAAC141-0F0A-41EF-BC89-85216139C552}"/>
+                    <a16:creationId xmlns:a16="http://schemas.microsoft.com/office/drawing/2014/main" id="{7CAAC141-0F0A-41EF-BC89-85216139C552}"/>
                   </a:ext>
                 </a:extLst>
               </p:cNvPr>
@@ -36756,7 +35822,7 @@
               <p:cNvPr id="19" name="Rectangle 18">
                 <a:extLst>
                   <a:ext uri="{FF2B5EF4-FFF2-40B4-BE49-F238E27FC236}">
-                    <a16:creationId xmlns:a16="http://schemas.microsoft.com/office/drawing/2014/main" xmlns="" id="{FF66A7D0-F22D-4717-BFBE-2D1E0A42A60C}"/>
+                    <a16:creationId xmlns:a16="http://schemas.microsoft.com/office/drawing/2014/main" id="{FF66A7D0-F22D-4717-BFBE-2D1E0A42A60C}"/>
                   </a:ext>
                 </a:extLst>
               </p:cNvPr>
@@ -36814,7 +35880,7 @@
               <p:cNvPr id="20" name="Rectangle 19">
                 <a:extLst>
                   <a:ext uri="{FF2B5EF4-FFF2-40B4-BE49-F238E27FC236}">
-                    <a16:creationId xmlns:a16="http://schemas.microsoft.com/office/drawing/2014/main" xmlns="" id="{7BCCBF6D-09EF-45D5-9AA0-EA737C724BFD}"/>
+                    <a16:creationId xmlns:a16="http://schemas.microsoft.com/office/drawing/2014/main" id="{7BCCBF6D-09EF-45D5-9AA0-EA737C724BFD}"/>
                   </a:ext>
                 </a:extLst>
               </p:cNvPr>
@@ -36872,7 +35938,7 @@
               <p:cNvPr id="21" name="Rectangle 20">
                 <a:extLst>
                   <a:ext uri="{FF2B5EF4-FFF2-40B4-BE49-F238E27FC236}">
-                    <a16:creationId xmlns:a16="http://schemas.microsoft.com/office/drawing/2014/main" xmlns="" id="{E8F43014-0C16-49FC-AB43-E06415D83822}"/>
+                    <a16:creationId xmlns:a16="http://schemas.microsoft.com/office/drawing/2014/main" id="{E8F43014-0C16-49FC-AB43-E06415D83822}"/>
                   </a:ext>
                 </a:extLst>
               </p:cNvPr>
@@ -36929,7 +35995,7 @@
               <p:cNvPr id="22" name="Rectangle 21">
                 <a:extLst>
                   <a:ext uri="{FF2B5EF4-FFF2-40B4-BE49-F238E27FC236}">
-                    <a16:creationId xmlns:a16="http://schemas.microsoft.com/office/drawing/2014/main" xmlns="" id="{36051214-7476-48CD-B2C9-36D2EAA5A923}"/>
+                    <a16:creationId xmlns:a16="http://schemas.microsoft.com/office/drawing/2014/main" id="{36051214-7476-48CD-B2C9-36D2EAA5A923}"/>
                   </a:ext>
                 </a:extLst>
               </p:cNvPr>
@@ -36986,7 +36052,7 @@
               <p:cNvPr id="23" name="Rectangle 22">
                 <a:extLst>
                   <a:ext uri="{FF2B5EF4-FFF2-40B4-BE49-F238E27FC236}">
-                    <a16:creationId xmlns:a16="http://schemas.microsoft.com/office/drawing/2014/main" xmlns="" id="{79FDF016-8395-4EE4-A4B4-B34D733A86C4}"/>
+                    <a16:creationId xmlns:a16="http://schemas.microsoft.com/office/drawing/2014/main" id="{79FDF016-8395-4EE4-A4B4-B34D733A86C4}"/>
                   </a:ext>
                 </a:extLst>
               </p:cNvPr>
@@ -37044,7 +36110,7 @@
               <p:cNvPr id="24" name="Rectangle 23">
                 <a:extLst>
                   <a:ext uri="{FF2B5EF4-FFF2-40B4-BE49-F238E27FC236}">
-                    <a16:creationId xmlns:a16="http://schemas.microsoft.com/office/drawing/2014/main" xmlns="" id="{90DF7AB1-63B0-4178-8F18-2C8A9498D8E8}"/>
+                    <a16:creationId xmlns:a16="http://schemas.microsoft.com/office/drawing/2014/main" id="{90DF7AB1-63B0-4178-8F18-2C8A9498D8E8}"/>
                   </a:ext>
                 </a:extLst>
               </p:cNvPr>
@@ -37103,7 +36169,7 @@
             <p:cNvPr id="26" name="Group 25">
               <a:extLst>
                 <a:ext uri="{FF2B5EF4-FFF2-40B4-BE49-F238E27FC236}">
-                  <a16:creationId xmlns:a16="http://schemas.microsoft.com/office/drawing/2014/main" xmlns="" id="{18E43BDF-2330-46CB-8DAA-E5E506D6CCFF}"/>
+                  <a16:creationId xmlns:a16="http://schemas.microsoft.com/office/drawing/2014/main" id="{18E43BDF-2330-46CB-8DAA-E5E506D6CCFF}"/>
                 </a:ext>
               </a:extLst>
             </p:cNvPr>
@@ -37123,7 +36189,7 @@
               <p:cNvPr id="32" name="Rectangle 31">
                 <a:extLst>
                   <a:ext uri="{FF2B5EF4-FFF2-40B4-BE49-F238E27FC236}">
-                    <a16:creationId xmlns:a16="http://schemas.microsoft.com/office/drawing/2014/main" xmlns="" id="{1C714716-ADAB-4073-87A0-FEB14868116A}"/>
+                    <a16:creationId xmlns:a16="http://schemas.microsoft.com/office/drawing/2014/main" id="{1C714716-ADAB-4073-87A0-FEB14868116A}"/>
                   </a:ext>
                 </a:extLst>
               </p:cNvPr>
@@ -37184,7 +36250,7 @@
               <p:cNvPr id="33" name="Rectangle 32">
                 <a:extLst>
                   <a:ext uri="{FF2B5EF4-FFF2-40B4-BE49-F238E27FC236}">
-                    <a16:creationId xmlns:a16="http://schemas.microsoft.com/office/drawing/2014/main" xmlns="" id="{33849DF4-D4DE-4789-8FDA-E117FEA59C71}"/>
+                    <a16:creationId xmlns:a16="http://schemas.microsoft.com/office/drawing/2014/main" id="{33849DF4-D4DE-4789-8FDA-E117FEA59C71}"/>
                   </a:ext>
                 </a:extLst>
               </p:cNvPr>
@@ -37246,7 +36312,7 @@
               <p:cNvPr id="34" name="Rectangle 33">
                 <a:extLst>
                   <a:ext uri="{FF2B5EF4-FFF2-40B4-BE49-F238E27FC236}">
-                    <a16:creationId xmlns:a16="http://schemas.microsoft.com/office/drawing/2014/main" xmlns="" id="{60D6DBCD-A5C8-472B-9222-99A4D9FD485F}"/>
+                    <a16:creationId xmlns:a16="http://schemas.microsoft.com/office/drawing/2014/main" id="{60D6DBCD-A5C8-472B-9222-99A4D9FD485F}"/>
                   </a:ext>
                 </a:extLst>
               </p:cNvPr>
@@ -37303,7 +36369,7 @@
               <p:cNvPr id="35" name="Rectangle 34">
                 <a:extLst>
                   <a:ext uri="{FF2B5EF4-FFF2-40B4-BE49-F238E27FC236}">
-                    <a16:creationId xmlns:a16="http://schemas.microsoft.com/office/drawing/2014/main" xmlns="" id="{1B0C30D1-EEFF-4FEA-AA37-BBA74E8BCD65}"/>
+                    <a16:creationId xmlns:a16="http://schemas.microsoft.com/office/drawing/2014/main" id="{1B0C30D1-EEFF-4FEA-AA37-BBA74E8BCD65}"/>
                   </a:ext>
                 </a:extLst>
               </p:cNvPr>
@@ -37360,7 +36426,7 @@
               <p:cNvPr id="36" name="Rectangle 35">
                 <a:extLst>
                   <a:ext uri="{FF2B5EF4-FFF2-40B4-BE49-F238E27FC236}">
-                    <a16:creationId xmlns:a16="http://schemas.microsoft.com/office/drawing/2014/main" xmlns="" id="{4DC83DED-3784-4CE2-9A0A-E07FD4ECB38D}"/>
+                    <a16:creationId xmlns:a16="http://schemas.microsoft.com/office/drawing/2014/main" id="{4DC83DED-3784-4CE2-9A0A-E07FD4ECB38D}"/>
                   </a:ext>
                 </a:extLst>
               </p:cNvPr>
@@ -37418,7 +36484,7 @@
               <p:cNvPr id="37" name="Rectangle 36">
                 <a:extLst>
                   <a:ext uri="{FF2B5EF4-FFF2-40B4-BE49-F238E27FC236}">
-                    <a16:creationId xmlns:a16="http://schemas.microsoft.com/office/drawing/2014/main" xmlns="" id="{1B64D742-4586-4C52-835D-4033A1D7040F}"/>
+                    <a16:creationId xmlns:a16="http://schemas.microsoft.com/office/drawing/2014/main" id="{1B64D742-4586-4C52-835D-4033A1D7040F}"/>
                   </a:ext>
                 </a:extLst>
               </p:cNvPr>
@@ -37477,7 +36543,7 @@
             <p:cNvPr id="2" name="Rectangle 1">
               <a:extLst>
                 <a:ext uri="{FF2B5EF4-FFF2-40B4-BE49-F238E27FC236}">
-                  <a16:creationId xmlns:a16="http://schemas.microsoft.com/office/drawing/2014/main" xmlns="" id="{E8006FCE-1F4E-4FD2-837A-79471870E647}"/>
+                  <a16:creationId xmlns:a16="http://schemas.microsoft.com/office/drawing/2014/main" id="{E8006FCE-1F4E-4FD2-837A-79471870E647}"/>
                 </a:ext>
               </a:extLst>
             </p:cNvPr>
@@ -37676,7 +36742,7 @@
               <a:prstDash val="dash"/>
               <a:extLst>
                 <a:ext uri="{C807C97D-BFC1-408E-A445-0C87EB9F89A2}">
-                  <ask:lineSketchStyleProps xmlns:ask="http://schemas.microsoft.com/office/drawing/2018/sketchyshapes" xmlns="" sd="333870983">
+                  <ask:lineSketchStyleProps xmlns:ask="http://schemas.microsoft.com/office/drawing/2018/sketchyshapes" sd="333870983">
                     <a:prstGeom prst="rect">
                       <a:avLst/>
                     </a:prstGeom>
@@ -37717,7 +36783,7 @@
             <p:cNvPr id="42" name="Rectangle 41">
               <a:extLst>
                 <a:ext uri="{FF2B5EF4-FFF2-40B4-BE49-F238E27FC236}">
-                  <a16:creationId xmlns:a16="http://schemas.microsoft.com/office/drawing/2014/main" xmlns="" id="{B9D36D5F-B85D-4561-88D6-8F5C109E6FC5}"/>
+                  <a16:creationId xmlns:a16="http://schemas.microsoft.com/office/drawing/2014/main" id="{B9D36D5F-B85D-4561-88D6-8F5C109E6FC5}"/>
                 </a:ext>
               </a:extLst>
             </p:cNvPr>
@@ -37734,36 +36800,36 @@
               <a:gdLst>
                 <a:gd name="connsiteX0" fmla="*/ 0 w 2150617"/>
                 <a:gd name="connsiteY0" fmla="*/ 0 h 1825137"/>
-                <a:gd name="connsiteX1" fmla="*/ 537654 w 2150617"/>
+                <a:gd name="connsiteX1" fmla="*/ 473136 w 2150617"/>
                 <a:gd name="connsiteY1" fmla="*/ 0 h 1825137"/>
-                <a:gd name="connsiteX2" fmla="*/ 1010790 w 2150617"/>
+                <a:gd name="connsiteX2" fmla="*/ 967778 w 2150617"/>
                 <a:gd name="connsiteY2" fmla="*/ 0 h 1825137"/>
-                <a:gd name="connsiteX3" fmla="*/ 1505432 w 2150617"/>
+                <a:gd name="connsiteX3" fmla="*/ 1440913 w 2150617"/>
                 <a:gd name="connsiteY3" fmla="*/ 0 h 1825137"/>
                 <a:gd name="connsiteX4" fmla="*/ 2150617 w 2150617"/>
                 <a:gd name="connsiteY4" fmla="*/ 0 h 1825137"/>
                 <a:gd name="connsiteX5" fmla="*/ 2150617 w 2150617"/>
-                <a:gd name="connsiteY5" fmla="*/ 438033 h 1825137"/>
+                <a:gd name="connsiteY5" fmla="*/ 456284 h 1825137"/>
                 <a:gd name="connsiteX6" fmla="*/ 2150617 w 2150617"/>
-                <a:gd name="connsiteY6" fmla="*/ 912569 h 1825137"/>
+                <a:gd name="connsiteY6" fmla="*/ 894317 h 1825137"/>
                 <a:gd name="connsiteX7" fmla="*/ 2150617 w 2150617"/>
                 <a:gd name="connsiteY7" fmla="*/ 1368853 h 1825137"/>
                 <a:gd name="connsiteX8" fmla="*/ 2150617 w 2150617"/>
                 <a:gd name="connsiteY8" fmla="*/ 1825137 h 1825137"/>
-                <a:gd name="connsiteX9" fmla="*/ 1591457 w 2150617"/>
+                <a:gd name="connsiteX9" fmla="*/ 1612963 w 2150617"/>
                 <a:gd name="connsiteY9" fmla="*/ 1825137 h 1825137"/>
-                <a:gd name="connsiteX10" fmla="*/ 1032296 w 2150617"/>
+                <a:gd name="connsiteX10" fmla="*/ 1075309 w 2150617"/>
                 <a:gd name="connsiteY10" fmla="*/ 1825137 h 1825137"/>
-                <a:gd name="connsiteX11" fmla="*/ 473136 w 2150617"/>
+                <a:gd name="connsiteX11" fmla="*/ 580667 w 2150617"/>
                 <a:gd name="connsiteY11" fmla="*/ 1825137 h 1825137"/>
                 <a:gd name="connsiteX12" fmla="*/ 0 w 2150617"/>
                 <a:gd name="connsiteY12" fmla="*/ 1825137 h 1825137"/>
                 <a:gd name="connsiteX13" fmla="*/ 0 w 2150617"/>
-                <a:gd name="connsiteY13" fmla="*/ 1350601 h 1825137"/>
+                <a:gd name="connsiteY13" fmla="*/ 1423607 h 1825137"/>
                 <a:gd name="connsiteX14" fmla="*/ 0 w 2150617"/>
-                <a:gd name="connsiteY14" fmla="*/ 876066 h 1825137"/>
+                <a:gd name="connsiteY14" fmla="*/ 967323 h 1825137"/>
                 <a:gd name="connsiteX15" fmla="*/ 0 w 2150617"/>
-                <a:gd name="connsiteY15" fmla="*/ 456284 h 1825137"/>
+                <a:gd name="connsiteY15" fmla="*/ 547541 h 1825137"/>
                 <a:gd name="connsiteX16" fmla="*/ 0 w 2150617"/>
                 <a:gd name="connsiteY16" fmla="*/ 0 h 1825137"/>
               </a:gdLst>
@@ -37823,93 +36889,7 @@
               </a:cxnLst>
               <a:rect l="l" t="t" r="r" b="b"/>
               <a:pathLst>
-                <a:path w="2150617" h="1825137" fill="none" extrusionOk="0">
-                  <a:moveTo>
-                    <a:pt x="0" y="0"/>
-                  </a:moveTo>
-                  <a:cubicBezTo>
-                    <a:pt x="191376" y="-18648"/>
-                    <a:pt x="312709" y="37754"/>
-                    <a:pt x="537654" y="0"/>
-                  </a:cubicBezTo>
-                  <a:cubicBezTo>
-                    <a:pt x="762599" y="-37754"/>
-                    <a:pt x="909189" y="55919"/>
-                    <a:pt x="1010790" y="0"/>
-                  </a:cubicBezTo>
-                  <a:cubicBezTo>
-                    <a:pt x="1112391" y="-55919"/>
-                    <a:pt x="1323968" y="31407"/>
-                    <a:pt x="1505432" y="0"/>
-                  </a:cubicBezTo>
-                  <a:cubicBezTo>
-                    <a:pt x="1686896" y="-31407"/>
-                    <a:pt x="2003963" y="25781"/>
-                    <a:pt x="2150617" y="0"/>
-                  </a:cubicBezTo>
-                  <a:cubicBezTo>
-                    <a:pt x="2171550" y="133421"/>
-                    <a:pt x="2116057" y="279274"/>
-                    <a:pt x="2150617" y="438033"/>
-                  </a:cubicBezTo>
-                  <a:cubicBezTo>
-                    <a:pt x="2185177" y="596792"/>
-                    <a:pt x="2129911" y="794265"/>
-                    <a:pt x="2150617" y="912569"/>
-                  </a:cubicBezTo>
-                  <a:cubicBezTo>
-                    <a:pt x="2171323" y="1030873"/>
-                    <a:pt x="2146235" y="1206731"/>
-                    <a:pt x="2150617" y="1368853"/>
-                  </a:cubicBezTo>
-                  <a:cubicBezTo>
-                    <a:pt x="2154999" y="1530975"/>
-                    <a:pt x="2149615" y="1654778"/>
-                    <a:pt x="2150617" y="1825137"/>
-                  </a:cubicBezTo>
-                  <a:cubicBezTo>
-                    <a:pt x="2008514" y="1849068"/>
-                    <a:pt x="1710714" y="1806151"/>
-                    <a:pt x="1591457" y="1825137"/>
-                  </a:cubicBezTo>
-                  <a:cubicBezTo>
-                    <a:pt x="1472200" y="1844123"/>
-                    <a:pt x="1217164" y="1778658"/>
-                    <a:pt x="1032296" y="1825137"/>
-                  </a:cubicBezTo>
-                  <a:cubicBezTo>
-                    <a:pt x="847428" y="1871616"/>
-                    <a:pt x="722425" y="1766852"/>
-                    <a:pt x="473136" y="1825137"/>
-                  </a:cubicBezTo>
-                  <a:cubicBezTo>
-                    <a:pt x="223847" y="1883422"/>
-                    <a:pt x="130706" y="1797780"/>
-                    <a:pt x="0" y="1825137"/>
-                  </a:cubicBezTo>
-                  <a:cubicBezTo>
-                    <a:pt x="-54335" y="1608319"/>
-                    <a:pt x="7205" y="1452518"/>
-                    <a:pt x="0" y="1350601"/>
-                  </a:cubicBezTo>
-                  <a:cubicBezTo>
-                    <a:pt x="-7205" y="1248684"/>
-                    <a:pt x="54763" y="996281"/>
-                    <a:pt x="0" y="876066"/>
-                  </a:cubicBezTo>
-                  <a:cubicBezTo>
-                    <a:pt x="-54763" y="755851"/>
-                    <a:pt x="26088" y="561155"/>
-                    <a:pt x="0" y="456284"/>
-                  </a:cubicBezTo>
-                  <a:cubicBezTo>
-                    <a:pt x="-26088" y="351413"/>
-                    <a:pt x="43249" y="166328"/>
-                    <a:pt x="0" y="0"/>
-                  </a:cubicBezTo>
-                  <a:close/>
-                </a:path>
-                <a:path w="2150617" h="1825137" stroke="0" extrusionOk="0">
+                <a:path w="2150617" h="1825137" extrusionOk="0">
                   <a:moveTo>
                     <a:pt x="0" y="0"/>
                   </a:moveTo>
@@ -38002,7 +36982,7 @@
               <a:prstDash val="dash"/>
               <a:extLst>
                 <a:ext uri="{C807C97D-BFC1-408E-A445-0C87EB9F89A2}">
-                  <ask:lineSketchStyleProps xmlns:ask="http://schemas.microsoft.com/office/drawing/2018/sketchyshapes" xmlns="" sd="333870983">
+                  <ask:lineSketchStyleProps xmlns:ask="http://schemas.microsoft.com/office/drawing/2018/sketchyshapes" sd="333870983">
                     <a:prstGeom prst="rect">
                       <a:avLst/>
                     </a:prstGeom>
@@ -38043,7 +37023,7 @@
             <p:cNvPr id="43" name="Group 42">
               <a:extLst>
                 <a:ext uri="{FF2B5EF4-FFF2-40B4-BE49-F238E27FC236}">
-                  <a16:creationId xmlns:a16="http://schemas.microsoft.com/office/drawing/2014/main" xmlns="" id="{BA24DF72-CE51-46A0-B07E-0F5D608FEE6E}"/>
+                  <a16:creationId xmlns:a16="http://schemas.microsoft.com/office/drawing/2014/main" id="{BA24DF72-CE51-46A0-B07E-0F5D608FEE6E}"/>
                 </a:ext>
               </a:extLst>
             </p:cNvPr>
@@ -38063,7 +37043,7 @@
               <p:cNvPr id="44" name="Group 43">
                 <a:extLst>
                   <a:ext uri="{FF2B5EF4-FFF2-40B4-BE49-F238E27FC236}">
-                    <a16:creationId xmlns:a16="http://schemas.microsoft.com/office/drawing/2014/main" xmlns="" id="{68D0DA09-2256-4C08-80AD-EE191811B7F1}"/>
+                    <a16:creationId xmlns:a16="http://schemas.microsoft.com/office/drawing/2014/main" id="{68D0DA09-2256-4C08-80AD-EE191811B7F1}"/>
                   </a:ext>
                 </a:extLst>
               </p:cNvPr>
@@ -38083,7 +37063,7 @@
                 <p:cNvPr id="48" name="Rectangle 47">
                   <a:extLst>
                     <a:ext uri="{FF2B5EF4-FFF2-40B4-BE49-F238E27FC236}">
-                      <a16:creationId xmlns:a16="http://schemas.microsoft.com/office/drawing/2014/main" xmlns="" id="{2306B1AE-954F-4217-8068-514FC839DEFC}"/>
+                      <a16:creationId xmlns:a16="http://schemas.microsoft.com/office/drawing/2014/main" id="{2306B1AE-954F-4217-8068-514FC839DEFC}"/>
                     </a:ext>
                   </a:extLst>
                 </p:cNvPr>
@@ -38098,20 +37078,24 @@
                 <a:custGeom>
                   <a:avLst/>
                   <a:gdLst>
-                    <a:gd name="connsiteX0" fmla="*/ 0 w 271481"/>
-                    <a:gd name="connsiteY0" fmla="*/ 0 h 919211"/>
-                    <a:gd name="connsiteX1" fmla="*/ 271481 w 271481"/>
-                    <a:gd name="connsiteY1" fmla="*/ 0 h 919211"/>
-                    <a:gd name="connsiteX2" fmla="*/ 271481 w 271481"/>
-                    <a:gd name="connsiteY2" fmla="*/ 441221 h 919211"/>
-                    <a:gd name="connsiteX3" fmla="*/ 271481 w 271481"/>
-                    <a:gd name="connsiteY3" fmla="*/ 919211 h 919211"/>
-                    <a:gd name="connsiteX4" fmla="*/ 0 w 271481"/>
-                    <a:gd name="connsiteY4" fmla="*/ 919211 h 919211"/>
-                    <a:gd name="connsiteX5" fmla="*/ 0 w 271481"/>
-                    <a:gd name="connsiteY5" fmla="*/ 468798 h 919211"/>
-                    <a:gd name="connsiteX6" fmla="*/ 0 w 271481"/>
-                    <a:gd name="connsiteY6" fmla="*/ 0 h 919211"/>
+                    <a:gd name="connsiteX0" fmla="*/ 0 w 235875"/>
+                    <a:gd name="connsiteY0" fmla="*/ 0 h 1538677"/>
+                    <a:gd name="connsiteX1" fmla="*/ 235875 w 235875"/>
+                    <a:gd name="connsiteY1" fmla="*/ 0 h 1538677"/>
+                    <a:gd name="connsiteX2" fmla="*/ 235875 w 235875"/>
+                    <a:gd name="connsiteY2" fmla="*/ 528279 h 1538677"/>
+                    <a:gd name="connsiteX3" fmla="*/ 235875 w 235875"/>
+                    <a:gd name="connsiteY3" fmla="*/ 1071945 h 1538677"/>
+                    <a:gd name="connsiteX4" fmla="*/ 235875 w 235875"/>
+                    <a:gd name="connsiteY4" fmla="*/ 1538677 h 1538677"/>
+                    <a:gd name="connsiteX5" fmla="*/ 0 w 235875"/>
+                    <a:gd name="connsiteY5" fmla="*/ 1538677 h 1538677"/>
+                    <a:gd name="connsiteX6" fmla="*/ 0 w 235875"/>
+                    <a:gd name="connsiteY6" fmla="*/ 1025785 h 1538677"/>
+                    <a:gd name="connsiteX7" fmla="*/ 0 w 235875"/>
+                    <a:gd name="connsiteY7" fmla="*/ 497506 h 1538677"/>
+                    <a:gd name="connsiteX8" fmla="*/ 0 w 235875"/>
+                    <a:gd name="connsiteY8" fmla="*/ 0 h 1538677"/>
                   </a:gdLst>
                   <a:ahLst/>
                   <a:cxnLst>
@@ -38136,77 +37120,103 @@
                     <a:cxn ang="0">
                       <a:pos x="connsiteX6" y="connsiteY6"/>
                     </a:cxn>
+                    <a:cxn ang="0">
+                      <a:pos x="connsiteX7" y="connsiteY7"/>
+                    </a:cxn>
+                    <a:cxn ang="0">
+                      <a:pos x="connsiteX8" y="connsiteY8"/>
+                    </a:cxn>
                   </a:cxnLst>
                   <a:rect l="l" t="t" r="r" b="b"/>
                   <a:pathLst>
-                    <a:path w="271481" h="919211" fill="none" extrusionOk="0">
+                    <a:path w="235875" h="1538677" fill="none" extrusionOk="0">
                       <a:moveTo>
                         <a:pt x="0" y="0"/>
                       </a:moveTo>
                       <a:cubicBezTo>
-                        <a:pt x="95356" y="11358"/>
-                        <a:pt x="169326" y="-10791"/>
-                        <a:pt x="271481" y="0"/>
+                        <a:pt x="53746" y="-7720"/>
+                        <a:pt x="118496" y="-10100"/>
+                        <a:pt x="235875" y="0"/>
                       </a:cubicBezTo>
                       <a:cubicBezTo>
-                        <a:pt x="273180" y="218054"/>
-                        <a:pt x="268463" y="227397"/>
-                        <a:pt x="271481" y="441221"/>
+                        <a:pt x="213602" y="110442"/>
+                        <a:pt x="220781" y="396424"/>
+                        <a:pt x="235875" y="528279"/>
                       </a:cubicBezTo>
                       <a:cubicBezTo>
-                        <a:pt x="274499" y="655045"/>
-                        <a:pt x="266108" y="807030"/>
-                        <a:pt x="271481" y="919211"/>
+                        <a:pt x="250969" y="660134"/>
+                        <a:pt x="225167" y="810020"/>
+                        <a:pt x="235875" y="1071945"/>
                       </a:cubicBezTo>
                       <a:cubicBezTo>
-                        <a:pt x="176304" y="920449"/>
-                        <a:pt x="97014" y="906798"/>
-                        <a:pt x="0" y="919211"/>
+                        <a:pt x="246583" y="1333870"/>
+                        <a:pt x="249581" y="1442088"/>
+                        <a:pt x="235875" y="1538677"/>
                       </a:cubicBezTo>
                       <a:cubicBezTo>
-                        <a:pt x="22161" y="818477"/>
-                        <a:pt x="-19200" y="595704"/>
-                        <a:pt x="0" y="468798"/>
+                        <a:pt x="168307" y="1535025"/>
+                        <a:pt x="102627" y="1533286"/>
+                        <a:pt x="0" y="1538677"/>
                       </a:cubicBezTo>
                       <a:cubicBezTo>
-                        <a:pt x="19200" y="341892"/>
-                        <a:pt x="-19634" y="110845"/>
+                        <a:pt x="-12564" y="1290964"/>
+                        <a:pt x="-17623" y="1131713"/>
+                        <a:pt x="0" y="1025785"/>
+                      </a:cubicBezTo>
+                      <a:cubicBezTo>
+                        <a:pt x="17623" y="919857"/>
+                        <a:pt x="14199" y="688689"/>
+                        <a:pt x="0" y="497506"/>
+                      </a:cubicBezTo>
+                      <a:cubicBezTo>
+                        <a:pt x="-14199" y="306323"/>
+                        <a:pt x="-2915" y="160193"/>
                         <a:pt x="0" y="0"/>
                       </a:cubicBezTo>
                       <a:close/>
                     </a:path>
-                    <a:path w="271481" h="919211" stroke="0" extrusionOk="0">
+                    <a:path w="235875" h="1538677" stroke="0" extrusionOk="0">
                       <a:moveTo>
                         <a:pt x="0" y="0"/>
                       </a:moveTo>
                       <a:cubicBezTo>
-                        <a:pt x="60945" y="-9986"/>
-                        <a:pt x="163642" y="-6522"/>
-                        <a:pt x="271481" y="0"/>
+                        <a:pt x="93788" y="-8094"/>
+                        <a:pt x="173468" y="11788"/>
+                        <a:pt x="235875" y="0"/>
                       </a:cubicBezTo>
                       <a:cubicBezTo>
-                        <a:pt x="271102" y="108798"/>
-                        <a:pt x="256429" y="322363"/>
-                        <a:pt x="271481" y="432029"/>
+                        <a:pt x="254287" y="225994"/>
+                        <a:pt x="238079" y="314725"/>
+                        <a:pt x="235875" y="466732"/>
                       </a:cubicBezTo>
                       <a:cubicBezTo>
-                        <a:pt x="286533" y="541695"/>
-                        <a:pt x="289475" y="681692"/>
-                        <a:pt x="271481" y="919211"/>
+                        <a:pt x="233671" y="618739"/>
+                        <a:pt x="238864" y="825300"/>
+                        <a:pt x="235875" y="1010398"/>
                       </a:cubicBezTo>
                       <a:cubicBezTo>
-                        <a:pt x="163264" y="921083"/>
-                        <a:pt x="67364" y="932669"/>
-                        <a:pt x="0" y="919211"/>
+                        <a:pt x="232886" y="1195496"/>
+                        <a:pt x="259388" y="1400865"/>
+                        <a:pt x="235875" y="1538677"/>
                       </a:cubicBezTo>
                       <a:cubicBezTo>
-                        <a:pt x="-18491" y="754896"/>
-                        <a:pt x="4615" y="655592"/>
-                        <a:pt x="0" y="468798"/>
+                        <a:pt x="119429" y="1546233"/>
+                        <a:pt x="48742" y="1546018"/>
+                        <a:pt x="0" y="1538677"/>
                       </a:cubicBezTo>
                       <a:cubicBezTo>
-                        <a:pt x="-4615" y="282004"/>
-                        <a:pt x="-14650" y="184811"/>
+                        <a:pt x="3751" y="1401251"/>
+                        <a:pt x="9927" y="1256977"/>
+                        <a:pt x="0" y="995011"/>
+                      </a:cubicBezTo>
+                      <a:cubicBezTo>
+                        <a:pt x="-9927" y="733045"/>
+                        <a:pt x="17606" y="585585"/>
+                        <a:pt x="0" y="451345"/>
+                      </a:cubicBezTo>
+                      <a:cubicBezTo>
+                        <a:pt x="-17606" y="317105"/>
+                        <a:pt x="6397" y="165477"/>
                         <a:pt x="0" y="0"/>
                       </a:cubicBezTo>
                       <a:close/>
@@ -38220,7 +37230,7 @@
                   <a:prstDash val="lgDash"/>
                   <a:extLst>
                     <a:ext uri="{C807C97D-BFC1-408E-A445-0C87EB9F89A2}">
-                      <ask:lineSketchStyleProps xmlns:ask="http://schemas.microsoft.com/office/drawing/2018/sketchyshapes" xmlns="" sd="1219033472">
+                      <ask:lineSketchStyleProps xmlns:ask="http://schemas.microsoft.com/office/drawing/2018/sketchyshapes" sd="1219033472">
                         <a:prstGeom prst="rect">
                           <a:avLst/>
                         </a:prstGeom>
@@ -38247,7 +37257,7 @@
                 <p:cNvPr id="49" name="Rectangle 48">
                   <a:extLst>
                     <a:ext uri="{FF2B5EF4-FFF2-40B4-BE49-F238E27FC236}">
-                      <a16:creationId xmlns:a16="http://schemas.microsoft.com/office/drawing/2014/main" xmlns="" id="{007EEF83-03CC-4BC4-8028-1A6DBE7E0421}"/>
+                      <a16:creationId xmlns:a16="http://schemas.microsoft.com/office/drawing/2014/main" id="{007EEF83-03CC-4BC4-8028-1A6DBE7E0421}"/>
                     </a:ext>
                   </a:extLst>
                 </p:cNvPr>
@@ -38300,7 +37310,7 @@
               <p:cNvPr id="45" name="Group 44">
                 <a:extLst>
                   <a:ext uri="{FF2B5EF4-FFF2-40B4-BE49-F238E27FC236}">
-                    <a16:creationId xmlns:a16="http://schemas.microsoft.com/office/drawing/2014/main" xmlns="" id="{F51EC3BB-26B0-4435-86B6-975C0AB07F27}"/>
+                    <a16:creationId xmlns:a16="http://schemas.microsoft.com/office/drawing/2014/main" id="{F51EC3BB-26B0-4435-86B6-975C0AB07F27}"/>
                   </a:ext>
                 </a:extLst>
               </p:cNvPr>
@@ -38320,7 +37330,7 @@
                 <p:cNvPr id="46" name="Isosceles Triangle 45">
                   <a:extLst>
                     <a:ext uri="{FF2B5EF4-FFF2-40B4-BE49-F238E27FC236}">
-                      <a16:creationId xmlns:a16="http://schemas.microsoft.com/office/drawing/2014/main" xmlns="" id="{6069BAE9-0079-4490-8659-673AE01FEB51}"/>
+                      <a16:creationId xmlns:a16="http://schemas.microsoft.com/office/drawing/2014/main" id="{6069BAE9-0079-4490-8659-673AE01FEB51}"/>
                     </a:ext>
                   </a:extLst>
                 </p:cNvPr>
@@ -38369,7 +37379,7 @@
                 <p:cNvPr id="47" name="Isosceles Triangle 46">
                   <a:extLst>
                     <a:ext uri="{FF2B5EF4-FFF2-40B4-BE49-F238E27FC236}">
-                      <a16:creationId xmlns:a16="http://schemas.microsoft.com/office/drawing/2014/main" xmlns="" id="{1CB84D83-B4BE-4E04-8951-EE17B7AFF84A}"/>
+                      <a16:creationId xmlns:a16="http://schemas.microsoft.com/office/drawing/2014/main" id="{1CB84D83-B4BE-4E04-8951-EE17B7AFF84A}"/>
                     </a:ext>
                   </a:extLst>
                 </p:cNvPr>
@@ -38429,13 +37439,6 @@
   <p:clrMapOvr>
     <a:masterClrMapping/>
   </p:clrMapOvr>
-  <p:timing>
-    <p:tnLst>
-      <p:par>
-        <p:cTn id="1" dur="indefinite" restart="never" nodeType="tmRoot"/>
-      </p:par>
-    </p:tnLst>
-  </p:timing>
 </p:sld>
 </file>
 
@@ -38461,7 +37464,7 @@
           <p:cNvPr id="3" name="Text Placeholder 2">
             <a:extLst>
               <a:ext uri="{FF2B5EF4-FFF2-40B4-BE49-F238E27FC236}">
-                <a16:creationId xmlns:a16="http://schemas.microsoft.com/office/drawing/2014/main" xmlns="" id="{C7652C82-BE66-4418-8AD5-980274E47728}"/>
+                <a16:creationId xmlns:a16="http://schemas.microsoft.com/office/drawing/2014/main" id="{C7652C82-BE66-4418-8AD5-980274E47728}"/>
               </a:ext>
             </a:extLst>
           </p:cNvPr>
@@ -38501,7 +37504,7 @@
           <p:cNvPr id="13" name="Group 12">
             <a:extLst>
               <a:ext uri="{FF2B5EF4-FFF2-40B4-BE49-F238E27FC236}">
-                <a16:creationId xmlns:a16="http://schemas.microsoft.com/office/drawing/2014/main" xmlns="" id="{3AA2C9E3-0CA5-40B3-B78B-6A2D6804C5D9}"/>
+                <a16:creationId xmlns:a16="http://schemas.microsoft.com/office/drawing/2014/main" id="{3AA2C9E3-0CA5-40B3-B78B-6A2D6804C5D9}"/>
               </a:ext>
             </a:extLst>
           </p:cNvPr>
@@ -38521,7 +37524,7 @@
             <p:cNvPr id="14" name="Rectangle 13">
               <a:extLst>
                 <a:ext uri="{FF2B5EF4-FFF2-40B4-BE49-F238E27FC236}">
-                  <a16:creationId xmlns:a16="http://schemas.microsoft.com/office/drawing/2014/main" xmlns="" id="{A1230355-1471-4951-A6F9-B893B9EF6F9D}"/>
+                  <a16:creationId xmlns:a16="http://schemas.microsoft.com/office/drawing/2014/main" id="{A1230355-1471-4951-A6F9-B893B9EF6F9D}"/>
                 </a:ext>
               </a:extLst>
             </p:cNvPr>
@@ -38582,7 +37585,7 @@
             <p:cNvPr id="16" name="Rectangle 15">
               <a:extLst>
                 <a:ext uri="{FF2B5EF4-FFF2-40B4-BE49-F238E27FC236}">
-                  <a16:creationId xmlns:a16="http://schemas.microsoft.com/office/drawing/2014/main" xmlns="" id="{92139AF0-26EB-4D56-8C27-EA97F1141B00}"/>
+                  <a16:creationId xmlns:a16="http://schemas.microsoft.com/office/drawing/2014/main" id="{92139AF0-26EB-4D56-8C27-EA97F1141B00}"/>
                 </a:ext>
               </a:extLst>
             </p:cNvPr>
@@ -38640,7 +37643,7 @@
             <p:cNvPr id="17" name="Rectangle 16">
               <a:extLst>
                 <a:ext uri="{FF2B5EF4-FFF2-40B4-BE49-F238E27FC236}">
-                  <a16:creationId xmlns:a16="http://schemas.microsoft.com/office/drawing/2014/main" xmlns="" id="{7A736049-14F1-494F-AB47-333C3F575C0E}"/>
+                  <a16:creationId xmlns:a16="http://schemas.microsoft.com/office/drawing/2014/main" id="{7A736049-14F1-494F-AB47-333C3F575C0E}"/>
                 </a:ext>
               </a:extLst>
             </p:cNvPr>
@@ -38697,7 +37700,7 @@
             <p:cNvPr id="18" name="Rectangle 17">
               <a:extLst>
                 <a:ext uri="{FF2B5EF4-FFF2-40B4-BE49-F238E27FC236}">
-                  <a16:creationId xmlns:a16="http://schemas.microsoft.com/office/drawing/2014/main" xmlns="" id="{7CAAC141-0F0A-41EF-BC89-85216139C552}"/>
+                  <a16:creationId xmlns:a16="http://schemas.microsoft.com/office/drawing/2014/main" id="{7CAAC141-0F0A-41EF-BC89-85216139C552}"/>
                 </a:ext>
               </a:extLst>
             </p:cNvPr>
@@ -38755,7 +37758,7 @@
             <p:cNvPr id="19" name="Rectangle 18">
               <a:extLst>
                 <a:ext uri="{FF2B5EF4-FFF2-40B4-BE49-F238E27FC236}">
-                  <a16:creationId xmlns:a16="http://schemas.microsoft.com/office/drawing/2014/main" xmlns="" id="{FF66A7D0-F22D-4717-BFBE-2D1E0A42A60C}"/>
+                  <a16:creationId xmlns:a16="http://schemas.microsoft.com/office/drawing/2014/main" id="{FF66A7D0-F22D-4717-BFBE-2D1E0A42A60C}"/>
                 </a:ext>
               </a:extLst>
             </p:cNvPr>
@@ -38813,7 +37816,7 @@
             <p:cNvPr id="20" name="Rectangle 19">
               <a:extLst>
                 <a:ext uri="{FF2B5EF4-FFF2-40B4-BE49-F238E27FC236}">
-                  <a16:creationId xmlns:a16="http://schemas.microsoft.com/office/drawing/2014/main" xmlns="" id="{7BCCBF6D-09EF-45D5-9AA0-EA737C724BFD}"/>
+                  <a16:creationId xmlns:a16="http://schemas.microsoft.com/office/drawing/2014/main" id="{7BCCBF6D-09EF-45D5-9AA0-EA737C724BFD}"/>
                 </a:ext>
               </a:extLst>
             </p:cNvPr>
@@ -38871,7 +37874,7 @@
             <p:cNvPr id="21" name="Rectangle 20">
               <a:extLst>
                 <a:ext uri="{FF2B5EF4-FFF2-40B4-BE49-F238E27FC236}">
-                  <a16:creationId xmlns:a16="http://schemas.microsoft.com/office/drawing/2014/main" xmlns="" id="{E8F43014-0C16-49FC-AB43-E06415D83822}"/>
+                  <a16:creationId xmlns:a16="http://schemas.microsoft.com/office/drawing/2014/main" id="{E8F43014-0C16-49FC-AB43-E06415D83822}"/>
                 </a:ext>
               </a:extLst>
             </p:cNvPr>
@@ -38928,7 +37931,7 @@
             <p:cNvPr id="22" name="Rectangle 21">
               <a:extLst>
                 <a:ext uri="{FF2B5EF4-FFF2-40B4-BE49-F238E27FC236}">
-                  <a16:creationId xmlns:a16="http://schemas.microsoft.com/office/drawing/2014/main" xmlns="" id="{36051214-7476-48CD-B2C9-36D2EAA5A923}"/>
+                  <a16:creationId xmlns:a16="http://schemas.microsoft.com/office/drawing/2014/main" id="{36051214-7476-48CD-B2C9-36D2EAA5A923}"/>
                 </a:ext>
               </a:extLst>
             </p:cNvPr>
@@ -38985,7 +37988,7 @@
             <p:cNvPr id="23" name="Rectangle 22">
               <a:extLst>
                 <a:ext uri="{FF2B5EF4-FFF2-40B4-BE49-F238E27FC236}">
-                  <a16:creationId xmlns:a16="http://schemas.microsoft.com/office/drawing/2014/main" xmlns="" id="{79FDF016-8395-4EE4-A4B4-B34D733A86C4}"/>
+                  <a16:creationId xmlns:a16="http://schemas.microsoft.com/office/drawing/2014/main" id="{79FDF016-8395-4EE4-A4B4-B34D733A86C4}"/>
                 </a:ext>
               </a:extLst>
             </p:cNvPr>
@@ -39043,7 +38046,7 @@
             <p:cNvPr id="24" name="Rectangle 23">
               <a:extLst>
                 <a:ext uri="{FF2B5EF4-FFF2-40B4-BE49-F238E27FC236}">
-                  <a16:creationId xmlns:a16="http://schemas.microsoft.com/office/drawing/2014/main" xmlns="" id="{90DF7AB1-63B0-4178-8F18-2C8A9498D8E8}"/>
+                  <a16:creationId xmlns:a16="http://schemas.microsoft.com/office/drawing/2014/main" id="{90DF7AB1-63B0-4178-8F18-2C8A9498D8E8}"/>
                 </a:ext>
               </a:extLst>
             </p:cNvPr>
@@ -39102,7 +38105,7 @@
           <p:cNvPr id="26" name="Group 25">
             <a:extLst>
               <a:ext uri="{FF2B5EF4-FFF2-40B4-BE49-F238E27FC236}">
-                <a16:creationId xmlns:a16="http://schemas.microsoft.com/office/drawing/2014/main" xmlns="" id="{18E43BDF-2330-46CB-8DAA-E5E506D6CCFF}"/>
+                <a16:creationId xmlns:a16="http://schemas.microsoft.com/office/drawing/2014/main" id="{18E43BDF-2330-46CB-8DAA-E5E506D6CCFF}"/>
               </a:ext>
             </a:extLst>
           </p:cNvPr>
@@ -39122,7 +38125,7 @@
             <p:cNvPr id="32" name="Rectangle 31">
               <a:extLst>
                 <a:ext uri="{FF2B5EF4-FFF2-40B4-BE49-F238E27FC236}">
-                  <a16:creationId xmlns:a16="http://schemas.microsoft.com/office/drawing/2014/main" xmlns="" id="{1C714716-ADAB-4073-87A0-FEB14868116A}"/>
+                  <a16:creationId xmlns:a16="http://schemas.microsoft.com/office/drawing/2014/main" id="{1C714716-ADAB-4073-87A0-FEB14868116A}"/>
                 </a:ext>
               </a:extLst>
             </p:cNvPr>
@@ -39183,7 +38186,7 @@
             <p:cNvPr id="33" name="Rectangle 32">
               <a:extLst>
                 <a:ext uri="{FF2B5EF4-FFF2-40B4-BE49-F238E27FC236}">
-                  <a16:creationId xmlns:a16="http://schemas.microsoft.com/office/drawing/2014/main" xmlns="" id="{33849DF4-D4DE-4789-8FDA-E117FEA59C71}"/>
+                  <a16:creationId xmlns:a16="http://schemas.microsoft.com/office/drawing/2014/main" id="{33849DF4-D4DE-4789-8FDA-E117FEA59C71}"/>
                 </a:ext>
               </a:extLst>
             </p:cNvPr>
@@ -39245,7 +38248,7 @@
             <p:cNvPr id="34" name="Rectangle 33">
               <a:extLst>
                 <a:ext uri="{FF2B5EF4-FFF2-40B4-BE49-F238E27FC236}">
-                  <a16:creationId xmlns:a16="http://schemas.microsoft.com/office/drawing/2014/main" xmlns="" id="{60D6DBCD-A5C8-472B-9222-99A4D9FD485F}"/>
+                  <a16:creationId xmlns:a16="http://schemas.microsoft.com/office/drawing/2014/main" id="{60D6DBCD-A5C8-472B-9222-99A4D9FD485F}"/>
                 </a:ext>
               </a:extLst>
             </p:cNvPr>
@@ -39302,7 +38305,7 @@
             <p:cNvPr id="35" name="Rectangle 34">
               <a:extLst>
                 <a:ext uri="{FF2B5EF4-FFF2-40B4-BE49-F238E27FC236}">
-                  <a16:creationId xmlns:a16="http://schemas.microsoft.com/office/drawing/2014/main" xmlns="" id="{1B0C30D1-EEFF-4FEA-AA37-BBA74E8BCD65}"/>
+                  <a16:creationId xmlns:a16="http://schemas.microsoft.com/office/drawing/2014/main" id="{1B0C30D1-EEFF-4FEA-AA37-BBA74E8BCD65}"/>
                 </a:ext>
               </a:extLst>
             </p:cNvPr>
@@ -39359,7 +38362,7 @@
             <p:cNvPr id="36" name="Rectangle 35">
               <a:extLst>
                 <a:ext uri="{FF2B5EF4-FFF2-40B4-BE49-F238E27FC236}">
-                  <a16:creationId xmlns:a16="http://schemas.microsoft.com/office/drawing/2014/main" xmlns="" id="{4DC83DED-3784-4CE2-9A0A-E07FD4ECB38D}"/>
+                  <a16:creationId xmlns:a16="http://schemas.microsoft.com/office/drawing/2014/main" id="{4DC83DED-3784-4CE2-9A0A-E07FD4ECB38D}"/>
                 </a:ext>
               </a:extLst>
             </p:cNvPr>
@@ -39417,7 +38420,7 @@
             <p:cNvPr id="37" name="Rectangle 36">
               <a:extLst>
                 <a:ext uri="{FF2B5EF4-FFF2-40B4-BE49-F238E27FC236}">
-                  <a16:creationId xmlns:a16="http://schemas.microsoft.com/office/drawing/2014/main" xmlns="" id="{1B64D742-4586-4C52-835D-4033A1D7040F}"/>
+                  <a16:creationId xmlns:a16="http://schemas.microsoft.com/office/drawing/2014/main" id="{1B64D742-4586-4C52-835D-4033A1D7040F}"/>
                 </a:ext>
               </a:extLst>
             </p:cNvPr>
@@ -39476,7 +38479,7 @@
           <p:cNvPr id="43" name="Group 42">
             <a:extLst>
               <a:ext uri="{FF2B5EF4-FFF2-40B4-BE49-F238E27FC236}">
-                <a16:creationId xmlns:a16="http://schemas.microsoft.com/office/drawing/2014/main" xmlns="" id="{BA24DF72-CE51-46A0-B07E-0F5D608FEE6E}"/>
+                <a16:creationId xmlns:a16="http://schemas.microsoft.com/office/drawing/2014/main" id="{BA24DF72-CE51-46A0-B07E-0F5D608FEE6E}"/>
               </a:ext>
             </a:extLst>
           </p:cNvPr>
@@ -39496,7 +38499,7 @@
             <p:cNvPr id="44" name="Group 43">
               <a:extLst>
                 <a:ext uri="{FF2B5EF4-FFF2-40B4-BE49-F238E27FC236}">
-                  <a16:creationId xmlns:a16="http://schemas.microsoft.com/office/drawing/2014/main" xmlns="" id="{68D0DA09-2256-4C08-80AD-EE191811B7F1}"/>
+                  <a16:creationId xmlns:a16="http://schemas.microsoft.com/office/drawing/2014/main" id="{68D0DA09-2256-4C08-80AD-EE191811B7F1}"/>
                 </a:ext>
               </a:extLst>
             </p:cNvPr>
@@ -39516,7 +38519,7 @@
               <p:cNvPr id="48" name="Rectangle 47">
                 <a:extLst>
                   <a:ext uri="{FF2B5EF4-FFF2-40B4-BE49-F238E27FC236}">
-                    <a16:creationId xmlns:a16="http://schemas.microsoft.com/office/drawing/2014/main" xmlns="" id="{2306B1AE-954F-4217-8068-514FC839DEFC}"/>
+                    <a16:creationId xmlns:a16="http://schemas.microsoft.com/office/drawing/2014/main" id="{2306B1AE-954F-4217-8068-514FC839DEFC}"/>
                   </a:ext>
                 </a:extLst>
               </p:cNvPr>
@@ -39531,20 +38534,24 @@
               <a:custGeom>
                 <a:avLst/>
                 <a:gdLst>
-                  <a:gd name="connsiteX0" fmla="*/ 0 w 271481"/>
-                  <a:gd name="connsiteY0" fmla="*/ 0 h 919211"/>
-                  <a:gd name="connsiteX1" fmla="*/ 271481 w 271481"/>
-                  <a:gd name="connsiteY1" fmla="*/ 0 h 919211"/>
-                  <a:gd name="connsiteX2" fmla="*/ 271481 w 271481"/>
-                  <a:gd name="connsiteY2" fmla="*/ 441221 h 919211"/>
-                  <a:gd name="connsiteX3" fmla="*/ 271481 w 271481"/>
-                  <a:gd name="connsiteY3" fmla="*/ 919211 h 919211"/>
-                  <a:gd name="connsiteX4" fmla="*/ 0 w 271481"/>
-                  <a:gd name="connsiteY4" fmla="*/ 919211 h 919211"/>
-                  <a:gd name="connsiteX5" fmla="*/ 0 w 271481"/>
-                  <a:gd name="connsiteY5" fmla="*/ 468798 h 919211"/>
-                  <a:gd name="connsiteX6" fmla="*/ 0 w 271481"/>
-                  <a:gd name="connsiteY6" fmla="*/ 0 h 919211"/>
+                  <a:gd name="connsiteX0" fmla="*/ 0 w 235875"/>
+                  <a:gd name="connsiteY0" fmla="*/ 0 h 1538677"/>
+                  <a:gd name="connsiteX1" fmla="*/ 235875 w 235875"/>
+                  <a:gd name="connsiteY1" fmla="*/ 0 h 1538677"/>
+                  <a:gd name="connsiteX2" fmla="*/ 235875 w 235875"/>
+                  <a:gd name="connsiteY2" fmla="*/ 528279 h 1538677"/>
+                  <a:gd name="connsiteX3" fmla="*/ 235875 w 235875"/>
+                  <a:gd name="connsiteY3" fmla="*/ 1071945 h 1538677"/>
+                  <a:gd name="connsiteX4" fmla="*/ 235875 w 235875"/>
+                  <a:gd name="connsiteY4" fmla="*/ 1538677 h 1538677"/>
+                  <a:gd name="connsiteX5" fmla="*/ 0 w 235875"/>
+                  <a:gd name="connsiteY5" fmla="*/ 1538677 h 1538677"/>
+                  <a:gd name="connsiteX6" fmla="*/ 0 w 235875"/>
+                  <a:gd name="connsiteY6" fmla="*/ 1025785 h 1538677"/>
+                  <a:gd name="connsiteX7" fmla="*/ 0 w 235875"/>
+                  <a:gd name="connsiteY7" fmla="*/ 497506 h 1538677"/>
+                  <a:gd name="connsiteX8" fmla="*/ 0 w 235875"/>
+                  <a:gd name="connsiteY8" fmla="*/ 0 h 1538677"/>
                 </a:gdLst>
                 <a:ahLst/>
                 <a:cxnLst>
@@ -39569,77 +38576,103 @@
                   <a:cxn ang="0">
                     <a:pos x="connsiteX6" y="connsiteY6"/>
                   </a:cxn>
+                  <a:cxn ang="0">
+                    <a:pos x="connsiteX7" y="connsiteY7"/>
+                  </a:cxn>
+                  <a:cxn ang="0">
+                    <a:pos x="connsiteX8" y="connsiteY8"/>
+                  </a:cxn>
                 </a:cxnLst>
                 <a:rect l="l" t="t" r="r" b="b"/>
                 <a:pathLst>
-                  <a:path w="271481" h="919211" fill="none" extrusionOk="0">
+                  <a:path w="235875" h="1538677" fill="none" extrusionOk="0">
                     <a:moveTo>
                       <a:pt x="0" y="0"/>
                     </a:moveTo>
                     <a:cubicBezTo>
-                      <a:pt x="95356" y="11358"/>
-                      <a:pt x="169326" y="-10791"/>
-                      <a:pt x="271481" y="0"/>
+                      <a:pt x="53746" y="-7720"/>
+                      <a:pt x="118496" y="-10100"/>
+                      <a:pt x="235875" y="0"/>
                     </a:cubicBezTo>
                     <a:cubicBezTo>
-                      <a:pt x="273180" y="218054"/>
-                      <a:pt x="268463" y="227397"/>
-                      <a:pt x="271481" y="441221"/>
+                      <a:pt x="213602" y="110442"/>
+                      <a:pt x="220781" y="396424"/>
+                      <a:pt x="235875" y="528279"/>
                     </a:cubicBezTo>
                     <a:cubicBezTo>
-                      <a:pt x="274499" y="655045"/>
-                      <a:pt x="266108" y="807030"/>
-                      <a:pt x="271481" y="919211"/>
+                      <a:pt x="250969" y="660134"/>
+                      <a:pt x="225167" y="810020"/>
+                      <a:pt x="235875" y="1071945"/>
                     </a:cubicBezTo>
                     <a:cubicBezTo>
-                      <a:pt x="176304" y="920449"/>
-                      <a:pt x="97014" y="906798"/>
-                      <a:pt x="0" y="919211"/>
+                      <a:pt x="246583" y="1333870"/>
+                      <a:pt x="249581" y="1442088"/>
+                      <a:pt x="235875" y="1538677"/>
                     </a:cubicBezTo>
                     <a:cubicBezTo>
-                      <a:pt x="22161" y="818477"/>
-                      <a:pt x="-19200" y="595704"/>
-                      <a:pt x="0" y="468798"/>
+                      <a:pt x="168307" y="1535025"/>
+                      <a:pt x="102627" y="1533286"/>
+                      <a:pt x="0" y="1538677"/>
                     </a:cubicBezTo>
                     <a:cubicBezTo>
-                      <a:pt x="19200" y="341892"/>
-                      <a:pt x="-19634" y="110845"/>
+                      <a:pt x="-12564" y="1290964"/>
+                      <a:pt x="-17623" y="1131713"/>
+                      <a:pt x="0" y="1025785"/>
+                    </a:cubicBezTo>
+                    <a:cubicBezTo>
+                      <a:pt x="17623" y="919857"/>
+                      <a:pt x="14199" y="688689"/>
+                      <a:pt x="0" y="497506"/>
+                    </a:cubicBezTo>
+                    <a:cubicBezTo>
+                      <a:pt x="-14199" y="306323"/>
+                      <a:pt x="-2915" y="160193"/>
                       <a:pt x="0" y="0"/>
                     </a:cubicBezTo>
                     <a:close/>
                   </a:path>
-                  <a:path w="271481" h="919211" stroke="0" extrusionOk="0">
+                  <a:path w="235875" h="1538677" stroke="0" extrusionOk="0">
                     <a:moveTo>
                       <a:pt x="0" y="0"/>
                     </a:moveTo>
                     <a:cubicBezTo>
-                      <a:pt x="60945" y="-9986"/>
-                      <a:pt x="163642" y="-6522"/>
-                      <a:pt x="271481" y="0"/>
+                      <a:pt x="93788" y="-8094"/>
+                      <a:pt x="173468" y="11788"/>
+                      <a:pt x="235875" y="0"/>
                     </a:cubicBezTo>
                     <a:cubicBezTo>
-                      <a:pt x="271102" y="108798"/>
-                      <a:pt x="256429" y="322363"/>
-                      <a:pt x="271481" y="432029"/>
+                      <a:pt x="254287" y="225994"/>
+                      <a:pt x="238079" y="314725"/>
+                      <a:pt x="235875" y="466732"/>
                     </a:cubicBezTo>
                     <a:cubicBezTo>
-                      <a:pt x="286533" y="541695"/>
-                      <a:pt x="289475" y="681692"/>
-                      <a:pt x="271481" y="919211"/>
+                      <a:pt x="233671" y="618739"/>
+                      <a:pt x="238864" y="825300"/>
+                      <a:pt x="235875" y="1010398"/>
                     </a:cubicBezTo>
                     <a:cubicBezTo>
-                      <a:pt x="163264" y="921083"/>
-                      <a:pt x="67364" y="932669"/>
-                      <a:pt x="0" y="919211"/>
+                      <a:pt x="232886" y="1195496"/>
+                      <a:pt x="259388" y="1400865"/>
+                      <a:pt x="235875" y="1538677"/>
                     </a:cubicBezTo>
                     <a:cubicBezTo>
-                      <a:pt x="-18491" y="754896"/>
-                      <a:pt x="4615" y="655592"/>
-                      <a:pt x="0" y="468798"/>
+                      <a:pt x="119429" y="1546233"/>
+                      <a:pt x="48742" y="1546018"/>
+                      <a:pt x="0" y="1538677"/>
                     </a:cubicBezTo>
                     <a:cubicBezTo>
-                      <a:pt x="-4615" y="282004"/>
-                      <a:pt x="-14650" y="184811"/>
+                      <a:pt x="3751" y="1401251"/>
+                      <a:pt x="9927" y="1256977"/>
+                      <a:pt x="0" y="995011"/>
+                    </a:cubicBezTo>
+                    <a:cubicBezTo>
+                      <a:pt x="-9927" y="733045"/>
+                      <a:pt x="17606" y="585585"/>
+                      <a:pt x="0" y="451345"/>
+                    </a:cubicBezTo>
+                    <a:cubicBezTo>
+                      <a:pt x="-17606" y="317105"/>
+                      <a:pt x="6397" y="165477"/>
                       <a:pt x="0" y="0"/>
                     </a:cubicBezTo>
                     <a:close/>
@@ -39653,7 +38686,7 @@
                 <a:prstDash val="lgDash"/>
                 <a:extLst>
                   <a:ext uri="{C807C97D-BFC1-408E-A445-0C87EB9F89A2}">
-                    <ask:lineSketchStyleProps xmlns:ask="http://schemas.microsoft.com/office/drawing/2018/sketchyshapes" xmlns="" sd="1219033472">
+                    <ask:lineSketchStyleProps xmlns:ask="http://schemas.microsoft.com/office/drawing/2018/sketchyshapes" sd="1219033472">
                       <a:prstGeom prst="rect">
                         <a:avLst/>
                       </a:prstGeom>
@@ -39680,7 +38713,7 @@
               <p:cNvPr id="49" name="Rectangle 48">
                 <a:extLst>
                   <a:ext uri="{FF2B5EF4-FFF2-40B4-BE49-F238E27FC236}">
-                    <a16:creationId xmlns:a16="http://schemas.microsoft.com/office/drawing/2014/main" xmlns="" id="{007EEF83-03CC-4BC4-8028-1A6DBE7E0421}"/>
+                    <a16:creationId xmlns:a16="http://schemas.microsoft.com/office/drawing/2014/main" id="{007EEF83-03CC-4BC4-8028-1A6DBE7E0421}"/>
                   </a:ext>
                 </a:extLst>
               </p:cNvPr>
@@ -39733,7 +38766,7 @@
             <p:cNvPr id="45" name="Group 44">
               <a:extLst>
                 <a:ext uri="{FF2B5EF4-FFF2-40B4-BE49-F238E27FC236}">
-                  <a16:creationId xmlns:a16="http://schemas.microsoft.com/office/drawing/2014/main" xmlns="" id="{F51EC3BB-26B0-4435-86B6-975C0AB07F27}"/>
+                  <a16:creationId xmlns:a16="http://schemas.microsoft.com/office/drawing/2014/main" id="{F51EC3BB-26B0-4435-86B6-975C0AB07F27}"/>
                 </a:ext>
               </a:extLst>
             </p:cNvPr>
@@ -39753,7 +38786,7 @@
               <p:cNvPr id="46" name="Isosceles Triangle 45">
                 <a:extLst>
                   <a:ext uri="{FF2B5EF4-FFF2-40B4-BE49-F238E27FC236}">
-                    <a16:creationId xmlns:a16="http://schemas.microsoft.com/office/drawing/2014/main" xmlns="" id="{6069BAE9-0079-4490-8659-673AE01FEB51}"/>
+                    <a16:creationId xmlns:a16="http://schemas.microsoft.com/office/drawing/2014/main" id="{6069BAE9-0079-4490-8659-673AE01FEB51}"/>
                   </a:ext>
                 </a:extLst>
               </p:cNvPr>
@@ -39802,7 +38835,7 @@
               <p:cNvPr id="47" name="Isosceles Triangle 46">
                 <a:extLst>
                   <a:ext uri="{FF2B5EF4-FFF2-40B4-BE49-F238E27FC236}">
-                    <a16:creationId xmlns:a16="http://schemas.microsoft.com/office/drawing/2014/main" xmlns="" id="{1CB84D83-B4BE-4E04-8951-EE17B7AFF84A}"/>
+                    <a16:creationId xmlns:a16="http://schemas.microsoft.com/office/drawing/2014/main" id="{1CB84D83-B4BE-4E04-8951-EE17B7AFF84A}"/>
                   </a:ext>
                 </a:extLst>
               </p:cNvPr>
@@ -39856,7 +38889,7 @@
           <p:cNvPr id="59" name="Rectangle 58">
             <a:extLst>
               <a:ext uri="{FF2B5EF4-FFF2-40B4-BE49-F238E27FC236}">
-                <a16:creationId xmlns:a16="http://schemas.microsoft.com/office/drawing/2014/main" xmlns="" id="{C4B6A8A1-0694-4C4C-870F-C85DE0F2CF6D}"/>
+                <a16:creationId xmlns:a16="http://schemas.microsoft.com/office/drawing/2014/main" id="{C4B6A8A1-0694-4C4C-870F-C85DE0F2CF6D}"/>
               </a:ext>
             </a:extLst>
           </p:cNvPr>
@@ -39913,7 +38946,7 @@
           <p:cNvPr id="60" name="Rectangle 59">
             <a:extLst>
               <a:ext uri="{FF2B5EF4-FFF2-40B4-BE49-F238E27FC236}">
-                <a16:creationId xmlns:a16="http://schemas.microsoft.com/office/drawing/2014/main" xmlns="" id="{4059CE3C-A1DA-47EF-9049-87FDDD90FE5A}"/>
+                <a16:creationId xmlns:a16="http://schemas.microsoft.com/office/drawing/2014/main" id="{4059CE3C-A1DA-47EF-9049-87FDDD90FE5A}"/>
               </a:ext>
             </a:extLst>
           </p:cNvPr>
@@ -39970,7 +39003,7 @@
           <p:cNvPr id="62" name="Rectangle 61">
             <a:extLst>
               <a:ext uri="{FF2B5EF4-FFF2-40B4-BE49-F238E27FC236}">
-                <a16:creationId xmlns:a16="http://schemas.microsoft.com/office/drawing/2014/main" xmlns="" id="{7A0E289B-F1EF-4CB4-A28A-52A7F0D4FBC0}"/>
+                <a16:creationId xmlns:a16="http://schemas.microsoft.com/office/drawing/2014/main" id="{7A0E289B-F1EF-4CB4-A28A-52A7F0D4FBC0}"/>
               </a:ext>
             </a:extLst>
           </p:cNvPr>
@@ -40028,7 +39061,7 @@
           <p:cNvPr id="63" name="Rectangle 62">
             <a:extLst>
               <a:ext uri="{FF2B5EF4-FFF2-40B4-BE49-F238E27FC236}">
-                <a16:creationId xmlns:a16="http://schemas.microsoft.com/office/drawing/2014/main" xmlns="" id="{43A6FD8A-64A8-4551-B58E-C9721CBDEF92}"/>
+                <a16:creationId xmlns:a16="http://schemas.microsoft.com/office/drawing/2014/main" id="{43A6FD8A-64A8-4551-B58E-C9721CBDEF92}"/>
               </a:ext>
             </a:extLst>
           </p:cNvPr>
@@ -40100,7 +39133,7 @@
             <p:cNvPr id="61" name="Rectangle 60">
               <a:extLst>
                 <a:ext uri="{FF2B5EF4-FFF2-40B4-BE49-F238E27FC236}">
-                  <a16:creationId xmlns:a16="http://schemas.microsoft.com/office/drawing/2014/main" xmlns="" id="{2FD9C09C-1515-4D38-938A-DC4CFF364F5D}"/>
+                  <a16:creationId xmlns:a16="http://schemas.microsoft.com/office/drawing/2014/main" id="{2FD9C09C-1515-4D38-938A-DC4CFF364F5D}"/>
                 </a:ext>
               </a:extLst>
             </p:cNvPr>
@@ -40158,7 +39191,7 @@
             <p:cNvPr id="2" name="Rectangle 1">
               <a:extLst>
                 <a:ext uri="{FF2B5EF4-FFF2-40B4-BE49-F238E27FC236}">
-                  <a16:creationId xmlns:a16="http://schemas.microsoft.com/office/drawing/2014/main" xmlns="" id="{E8006FCE-1F4E-4FD2-837A-79471870E647}"/>
+                  <a16:creationId xmlns:a16="http://schemas.microsoft.com/office/drawing/2014/main" id="{E8006FCE-1F4E-4FD2-837A-79471870E647}"/>
                 </a:ext>
               </a:extLst>
             </p:cNvPr>
@@ -40257,7 +39290,7 @@
               <a:prstDash val="dash"/>
               <a:extLst>
                 <a:ext uri="{C807C97D-BFC1-408E-A445-0C87EB9F89A2}">
-                  <ask:lineSketchStyleProps xmlns:ask="http://schemas.microsoft.com/office/drawing/2018/sketchyshapes" xmlns="" sd="333870983">
+                  <ask:lineSketchStyleProps xmlns:ask="http://schemas.microsoft.com/office/drawing/2018/sketchyshapes" sd="333870983">
                     <a:prstGeom prst="rect">
                       <a:avLst/>
                     </a:prstGeom>
@@ -40313,7 +39346,7 @@
             <p:cNvPr id="64" name="Rectangle 63">
               <a:extLst>
                 <a:ext uri="{FF2B5EF4-FFF2-40B4-BE49-F238E27FC236}">
-                  <a16:creationId xmlns:a16="http://schemas.microsoft.com/office/drawing/2014/main" xmlns="" id="{CB99FA32-2B52-4AF3-82E5-ED2058ECE154}"/>
+                  <a16:creationId xmlns:a16="http://schemas.microsoft.com/office/drawing/2014/main" id="{CB99FA32-2B52-4AF3-82E5-ED2058ECE154}"/>
                 </a:ext>
               </a:extLst>
             </p:cNvPr>
@@ -40371,7 +39404,7 @@
             <p:cNvPr id="42" name="Rectangle 41">
               <a:extLst>
                 <a:ext uri="{FF2B5EF4-FFF2-40B4-BE49-F238E27FC236}">
-                  <a16:creationId xmlns:a16="http://schemas.microsoft.com/office/drawing/2014/main" xmlns="" id="{B9D36D5F-B85D-4561-88D6-8F5C109E6FC5}"/>
+                  <a16:creationId xmlns:a16="http://schemas.microsoft.com/office/drawing/2014/main" id="{B9D36D5F-B85D-4561-88D6-8F5C109E6FC5}"/>
                 </a:ext>
               </a:extLst>
             </p:cNvPr>
@@ -40470,7 +39503,7 @@
               <a:prstDash val="dash"/>
               <a:extLst>
                 <a:ext uri="{C807C97D-BFC1-408E-A445-0C87EB9F89A2}">
-                  <ask:lineSketchStyleProps xmlns:ask="http://schemas.microsoft.com/office/drawing/2018/sketchyshapes" xmlns="" sd="333870983">
+                  <ask:lineSketchStyleProps xmlns:ask="http://schemas.microsoft.com/office/drawing/2018/sketchyshapes" sd="333870983">
                     <a:prstGeom prst="rect">
                       <a:avLst/>
                     </a:prstGeom>
@@ -40512,7 +39545,7 @@
           <p:cNvPr id="65" name="Group 64">
             <a:extLst>
               <a:ext uri="{FF2B5EF4-FFF2-40B4-BE49-F238E27FC236}">
-                <a16:creationId xmlns:a16="http://schemas.microsoft.com/office/drawing/2014/main" xmlns="" id="{5698AD14-5FDB-4806-9A67-97CE6F5D22C8}"/>
+                <a16:creationId xmlns:a16="http://schemas.microsoft.com/office/drawing/2014/main" id="{5698AD14-5FDB-4806-9A67-97CE6F5D22C8}"/>
               </a:ext>
             </a:extLst>
           </p:cNvPr>
@@ -40532,7 +39565,7 @@
             <p:cNvPr id="66" name="Group 65">
               <a:extLst>
                 <a:ext uri="{FF2B5EF4-FFF2-40B4-BE49-F238E27FC236}">
-                  <a16:creationId xmlns:a16="http://schemas.microsoft.com/office/drawing/2014/main" xmlns="" id="{99D5B0E1-E6EF-4BC5-A191-DF3864B764E8}"/>
+                  <a16:creationId xmlns:a16="http://schemas.microsoft.com/office/drawing/2014/main" id="{99D5B0E1-E6EF-4BC5-A191-DF3864B764E8}"/>
                 </a:ext>
               </a:extLst>
             </p:cNvPr>
@@ -40552,7 +39585,7 @@
               <p:cNvPr id="70" name="Rectangle 69">
                 <a:extLst>
                   <a:ext uri="{FF2B5EF4-FFF2-40B4-BE49-F238E27FC236}">
-                    <a16:creationId xmlns:a16="http://schemas.microsoft.com/office/drawing/2014/main" xmlns="" id="{D6E8B754-2CD0-40E4-9B4B-CA2A60A4FA5F}"/>
+                    <a16:creationId xmlns:a16="http://schemas.microsoft.com/office/drawing/2014/main" id="{D6E8B754-2CD0-40E4-9B4B-CA2A60A4FA5F}"/>
                   </a:ext>
                 </a:extLst>
               </p:cNvPr>
@@ -40567,20 +39600,24 @@
               <a:custGeom>
                 <a:avLst/>
                 <a:gdLst>
-                  <a:gd name="connsiteX0" fmla="*/ 0 w 271481"/>
-                  <a:gd name="connsiteY0" fmla="*/ 0 h 919211"/>
-                  <a:gd name="connsiteX1" fmla="*/ 271481 w 271481"/>
-                  <a:gd name="connsiteY1" fmla="*/ 0 h 919211"/>
-                  <a:gd name="connsiteX2" fmla="*/ 271481 w 271481"/>
-                  <a:gd name="connsiteY2" fmla="*/ 441221 h 919211"/>
-                  <a:gd name="connsiteX3" fmla="*/ 271481 w 271481"/>
-                  <a:gd name="connsiteY3" fmla="*/ 919211 h 919211"/>
-                  <a:gd name="connsiteX4" fmla="*/ 0 w 271481"/>
-                  <a:gd name="connsiteY4" fmla="*/ 919211 h 919211"/>
-                  <a:gd name="connsiteX5" fmla="*/ 0 w 271481"/>
-                  <a:gd name="connsiteY5" fmla="*/ 468798 h 919211"/>
-                  <a:gd name="connsiteX6" fmla="*/ 0 w 271481"/>
-                  <a:gd name="connsiteY6" fmla="*/ 0 h 919211"/>
+                  <a:gd name="connsiteX0" fmla="*/ 0 w 235875"/>
+                  <a:gd name="connsiteY0" fmla="*/ 0 h 1538677"/>
+                  <a:gd name="connsiteX1" fmla="*/ 235875 w 235875"/>
+                  <a:gd name="connsiteY1" fmla="*/ 0 h 1538677"/>
+                  <a:gd name="connsiteX2" fmla="*/ 235875 w 235875"/>
+                  <a:gd name="connsiteY2" fmla="*/ 528279 h 1538677"/>
+                  <a:gd name="connsiteX3" fmla="*/ 235875 w 235875"/>
+                  <a:gd name="connsiteY3" fmla="*/ 1071945 h 1538677"/>
+                  <a:gd name="connsiteX4" fmla="*/ 235875 w 235875"/>
+                  <a:gd name="connsiteY4" fmla="*/ 1538677 h 1538677"/>
+                  <a:gd name="connsiteX5" fmla="*/ 0 w 235875"/>
+                  <a:gd name="connsiteY5" fmla="*/ 1538677 h 1538677"/>
+                  <a:gd name="connsiteX6" fmla="*/ 0 w 235875"/>
+                  <a:gd name="connsiteY6" fmla="*/ 1025785 h 1538677"/>
+                  <a:gd name="connsiteX7" fmla="*/ 0 w 235875"/>
+                  <a:gd name="connsiteY7" fmla="*/ 497506 h 1538677"/>
+                  <a:gd name="connsiteX8" fmla="*/ 0 w 235875"/>
+                  <a:gd name="connsiteY8" fmla="*/ 0 h 1538677"/>
                 </a:gdLst>
                 <a:ahLst/>
                 <a:cxnLst>
@@ -40605,77 +39642,103 @@
                   <a:cxn ang="0">
                     <a:pos x="connsiteX6" y="connsiteY6"/>
                   </a:cxn>
+                  <a:cxn ang="0">
+                    <a:pos x="connsiteX7" y="connsiteY7"/>
+                  </a:cxn>
+                  <a:cxn ang="0">
+                    <a:pos x="connsiteX8" y="connsiteY8"/>
+                  </a:cxn>
                 </a:cxnLst>
                 <a:rect l="l" t="t" r="r" b="b"/>
                 <a:pathLst>
-                  <a:path w="271481" h="919211" fill="none" extrusionOk="0">
+                  <a:path w="235875" h="1538677" fill="none" extrusionOk="0">
                     <a:moveTo>
                       <a:pt x="0" y="0"/>
                     </a:moveTo>
                     <a:cubicBezTo>
-                      <a:pt x="95356" y="11358"/>
-                      <a:pt x="169326" y="-10791"/>
-                      <a:pt x="271481" y="0"/>
+                      <a:pt x="53746" y="-7720"/>
+                      <a:pt x="118496" y="-10100"/>
+                      <a:pt x="235875" y="0"/>
                     </a:cubicBezTo>
                     <a:cubicBezTo>
-                      <a:pt x="273180" y="218054"/>
-                      <a:pt x="268463" y="227397"/>
-                      <a:pt x="271481" y="441221"/>
+                      <a:pt x="213602" y="110442"/>
+                      <a:pt x="220781" y="396424"/>
+                      <a:pt x="235875" y="528279"/>
                     </a:cubicBezTo>
                     <a:cubicBezTo>
-                      <a:pt x="274499" y="655045"/>
-                      <a:pt x="266108" y="807030"/>
-                      <a:pt x="271481" y="919211"/>
+                      <a:pt x="250969" y="660134"/>
+                      <a:pt x="225167" y="810020"/>
+                      <a:pt x="235875" y="1071945"/>
                     </a:cubicBezTo>
                     <a:cubicBezTo>
-                      <a:pt x="176304" y="920449"/>
-                      <a:pt x="97014" y="906798"/>
-                      <a:pt x="0" y="919211"/>
+                      <a:pt x="246583" y="1333870"/>
+                      <a:pt x="249581" y="1442088"/>
+                      <a:pt x="235875" y="1538677"/>
                     </a:cubicBezTo>
                     <a:cubicBezTo>
-                      <a:pt x="22161" y="818477"/>
-                      <a:pt x="-19200" y="595704"/>
-                      <a:pt x="0" y="468798"/>
+                      <a:pt x="168307" y="1535025"/>
+                      <a:pt x="102627" y="1533286"/>
+                      <a:pt x="0" y="1538677"/>
                     </a:cubicBezTo>
                     <a:cubicBezTo>
-                      <a:pt x="19200" y="341892"/>
-                      <a:pt x="-19634" y="110845"/>
+                      <a:pt x="-12564" y="1290964"/>
+                      <a:pt x="-17623" y="1131713"/>
+                      <a:pt x="0" y="1025785"/>
+                    </a:cubicBezTo>
+                    <a:cubicBezTo>
+                      <a:pt x="17623" y="919857"/>
+                      <a:pt x="14199" y="688689"/>
+                      <a:pt x="0" y="497506"/>
+                    </a:cubicBezTo>
+                    <a:cubicBezTo>
+                      <a:pt x="-14199" y="306323"/>
+                      <a:pt x="-2915" y="160193"/>
                       <a:pt x="0" y="0"/>
                     </a:cubicBezTo>
                     <a:close/>
                   </a:path>
-                  <a:path w="271481" h="919211" stroke="0" extrusionOk="0">
+                  <a:path w="235875" h="1538677" stroke="0" extrusionOk="0">
                     <a:moveTo>
                       <a:pt x="0" y="0"/>
                     </a:moveTo>
                     <a:cubicBezTo>
-                      <a:pt x="60945" y="-9986"/>
-                      <a:pt x="163642" y="-6522"/>
-                      <a:pt x="271481" y="0"/>
+                      <a:pt x="93788" y="-8094"/>
+                      <a:pt x="173468" y="11788"/>
+                      <a:pt x="235875" y="0"/>
                     </a:cubicBezTo>
                     <a:cubicBezTo>
-                      <a:pt x="271102" y="108798"/>
-                      <a:pt x="256429" y="322363"/>
-                      <a:pt x="271481" y="432029"/>
+                      <a:pt x="254287" y="225994"/>
+                      <a:pt x="238079" y="314725"/>
+                      <a:pt x="235875" y="466732"/>
                     </a:cubicBezTo>
                     <a:cubicBezTo>
-                      <a:pt x="286533" y="541695"/>
-                      <a:pt x="289475" y="681692"/>
-                      <a:pt x="271481" y="919211"/>
+                      <a:pt x="233671" y="618739"/>
+                      <a:pt x="238864" y="825300"/>
+                      <a:pt x="235875" y="1010398"/>
                     </a:cubicBezTo>
                     <a:cubicBezTo>
-                      <a:pt x="163264" y="921083"/>
-                      <a:pt x="67364" y="932669"/>
-                      <a:pt x="0" y="919211"/>
+                      <a:pt x="232886" y="1195496"/>
+                      <a:pt x="259388" y="1400865"/>
+                      <a:pt x="235875" y="1538677"/>
                     </a:cubicBezTo>
                     <a:cubicBezTo>
-                      <a:pt x="-18491" y="754896"/>
-                      <a:pt x="4615" y="655592"/>
-                      <a:pt x="0" y="468798"/>
+                      <a:pt x="119429" y="1546233"/>
+                      <a:pt x="48742" y="1546018"/>
+                      <a:pt x="0" y="1538677"/>
                     </a:cubicBezTo>
                     <a:cubicBezTo>
-                      <a:pt x="-4615" y="282004"/>
-                      <a:pt x="-14650" y="184811"/>
+                      <a:pt x="3751" y="1401251"/>
+                      <a:pt x="9927" y="1256977"/>
+                      <a:pt x="0" y="995011"/>
+                    </a:cubicBezTo>
+                    <a:cubicBezTo>
+                      <a:pt x="-9927" y="733045"/>
+                      <a:pt x="17606" y="585585"/>
+                      <a:pt x="0" y="451345"/>
+                    </a:cubicBezTo>
+                    <a:cubicBezTo>
+                      <a:pt x="-17606" y="317105"/>
+                      <a:pt x="6397" y="165477"/>
                       <a:pt x="0" y="0"/>
                     </a:cubicBezTo>
                     <a:close/>
@@ -40689,7 +39752,7 @@
                 <a:prstDash val="lgDash"/>
                 <a:extLst>
                   <a:ext uri="{C807C97D-BFC1-408E-A445-0C87EB9F89A2}">
-                    <ask:lineSketchStyleProps xmlns:ask="http://schemas.microsoft.com/office/drawing/2018/sketchyshapes" xmlns="" sd="1219033472">
+                    <ask:lineSketchStyleProps xmlns:ask="http://schemas.microsoft.com/office/drawing/2018/sketchyshapes" sd="1219033472">
                       <a:prstGeom prst="rect">
                         <a:avLst/>
                       </a:prstGeom>
@@ -40716,7 +39779,7 @@
               <p:cNvPr id="71" name="Rectangle 70">
                 <a:extLst>
                   <a:ext uri="{FF2B5EF4-FFF2-40B4-BE49-F238E27FC236}">
-                    <a16:creationId xmlns:a16="http://schemas.microsoft.com/office/drawing/2014/main" xmlns="" id="{D2D76A16-1CC2-447E-9791-CB9E30744DA1}"/>
+                    <a16:creationId xmlns:a16="http://schemas.microsoft.com/office/drawing/2014/main" id="{D2D76A16-1CC2-447E-9791-CB9E30744DA1}"/>
                   </a:ext>
                 </a:extLst>
               </p:cNvPr>
@@ -40769,7 +39832,7 @@
             <p:cNvPr id="67" name="Group 66">
               <a:extLst>
                 <a:ext uri="{FF2B5EF4-FFF2-40B4-BE49-F238E27FC236}">
-                  <a16:creationId xmlns:a16="http://schemas.microsoft.com/office/drawing/2014/main" xmlns="" id="{7D201322-3D89-491A-ADDD-746E8974F201}"/>
+                  <a16:creationId xmlns:a16="http://schemas.microsoft.com/office/drawing/2014/main" id="{7D201322-3D89-491A-ADDD-746E8974F201}"/>
                 </a:ext>
               </a:extLst>
             </p:cNvPr>
@@ -40789,7 +39852,7 @@
               <p:cNvPr id="68" name="Isosceles Triangle 67">
                 <a:extLst>
                   <a:ext uri="{FF2B5EF4-FFF2-40B4-BE49-F238E27FC236}">
-                    <a16:creationId xmlns:a16="http://schemas.microsoft.com/office/drawing/2014/main" xmlns="" id="{8615F96F-A25B-4729-A3A9-E41F5314208A}"/>
+                    <a16:creationId xmlns:a16="http://schemas.microsoft.com/office/drawing/2014/main" id="{8615F96F-A25B-4729-A3A9-E41F5314208A}"/>
                   </a:ext>
                 </a:extLst>
               </p:cNvPr>
@@ -40838,7 +39901,7 @@
               <p:cNvPr id="69" name="Isosceles Triangle 68">
                 <a:extLst>
                   <a:ext uri="{FF2B5EF4-FFF2-40B4-BE49-F238E27FC236}">
-                    <a16:creationId xmlns:a16="http://schemas.microsoft.com/office/drawing/2014/main" xmlns="" id="{BD754819-4C9F-43BF-BA5E-54449485E804}"/>
+                    <a16:creationId xmlns:a16="http://schemas.microsoft.com/office/drawing/2014/main" id="{BD754819-4C9F-43BF-BA5E-54449485E804}"/>
                   </a:ext>
                 </a:extLst>
               </p:cNvPr>
@@ -40892,7 +39955,7 @@
           <p:cNvPr id="72" name="Rectangle 71">
             <a:extLst>
               <a:ext uri="{FF2B5EF4-FFF2-40B4-BE49-F238E27FC236}">
-                <a16:creationId xmlns:a16="http://schemas.microsoft.com/office/drawing/2014/main" xmlns="" id="{BF09FFB7-0DF8-4123-9DE4-798B481D03AB}"/>
+                <a16:creationId xmlns:a16="http://schemas.microsoft.com/office/drawing/2014/main" id="{BF09FFB7-0DF8-4123-9DE4-798B481D03AB}"/>
               </a:ext>
             </a:extLst>
           </p:cNvPr>
@@ -40991,7 +40054,7 @@
             <a:prstDash val="dash"/>
             <a:extLst>
               <a:ext uri="{C807C97D-BFC1-408E-A445-0C87EB9F89A2}">
-                <ask:lineSketchStyleProps xmlns:ask="http://schemas.microsoft.com/office/drawing/2018/sketchyshapes" xmlns="" sd="333870983">
+                <ask:lineSketchStyleProps xmlns:ask="http://schemas.microsoft.com/office/drawing/2018/sketchyshapes" sd="333870983">
                   <a:prstGeom prst="rect">
                     <a:avLst/>
                   </a:prstGeom>
@@ -41032,7 +40095,7 @@
           <p:cNvPr id="74" name="Rectangle 73">
             <a:extLst>
               <a:ext uri="{FF2B5EF4-FFF2-40B4-BE49-F238E27FC236}">
-                <a16:creationId xmlns:a16="http://schemas.microsoft.com/office/drawing/2014/main" xmlns="" id="{77FA065E-6E6D-4F63-9997-EC420E26F2D7}"/>
+                <a16:creationId xmlns:a16="http://schemas.microsoft.com/office/drawing/2014/main" id="{77FA065E-6E6D-4F63-9997-EC420E26F2D7}"/>
               </a:ext>
             </a:extLst>
           </p:cNvPr>
@@ -41090,7 +40153,7 @@
           <p:cNvPr id="85" name="Rectangle 84">
             <a:extLst>
               <a:ext uri="{FF2B5EF4-FFF2-40B4-BE49-F238E27FC236}">
-                <a16:creationId xmlns:a16="http://schemas.microsoft.com/office/drawing/2014/main" xmlns="" id="{1636AC18-A69A-499B-BF3A-B3EC3EF71495}"/>
+                <a16:creationId xmlns:a16="http://schemas.microsoft.com/office/drawing/2014/main" id="{1636AC18-A69A-499B-BF3A-B3EC3EF71495}"/>
               </a:ext>
             </a:extLst>
           </p:cNvPr>
@@ -41120,43 +40183,7 @@
               <a:rPr lang="en-US" sz="2400" dirty="0">
                 <a:latin typeface="Karla" pitchFamily="2" charset="0"/>
               </a:rPr>
-              <a:t>John </a:t>
-            </a:r>
-            <a:r>
-              <a:rPr lang="en-US" sz="2400" dirty="0" smtClean="0">
-                <a:latin typeface="Karla" pitchFamily="2" charset="0"/>
-              </a:rPr>
-              <a:t>experiments </a:t>
-            </a:r>
-            <a:r>
-              <a:rPr lang="en-US" sz="2400" dirty="0">
-                <a:latin typeface="Karla" pitchFamily="2" charset="0"/>
-              </a:rPr>
-              <a:t>a new method he learned in another class and </a:t>
-            </a:r>
-            <a:r>
-              <a:rPr lang="en-US" sz="2400" dirty="0" smtClean="0">
-                <a:latin typeface="Karla" pitchFamily="2" charset="0"/>
-              </a:rPr>
-              <a:t>adds a </a:t>
-            </a:r>
-            <a:r>
-              <a:rPr lang="en-US" sz="2400" dirty="0">
-                <a:latin typeface="Karla" pitchFamily="2" charset="0"/>
-              </a:rPr>
-              <a:t>new library to the working environment. After seeing a tremendous </a:t>
-            </a:r>
-            <a:r>
-              <a:rPr lang="en-US" sz="2400" dirty="0" smtClean="0">
-                <a:latin typeface="Karla" pitchFamily="2" charset="0"/>
-              </a:rPr>
-              <a:t>improvements </a:t>
-            </a:r>
-            <a:r>
-              <a:rPr lang="en-US" sz="2400" dirty="0">
-                <a:latin typeface="Karla" pitchFamily="2" charset="0"/>
-              </a:rPr>
-              <a:t>he sends Maggie back his code and a new .</a:t>
+              <a:t>John experiments a new method he learned in another class and adds a new library to the working environment. After seeing a tremendous improvements he sends Maggie back his code and a new .</a:t>
             </a:r>
             <a:r>
               <a:rPr lang="en-US" sz="2400" dirty="0" err="1">
@@ -41183,13 +40210,6 @@
   <p:clrMapOvr>
     <a:masterClrMapping/>
   </p:clrMapOvr>
-  <p:timing>
-    <p:tnLst>
-      <p:par>
-        <p:cTn id="1" dur="indefinite" restart="never" nodeType="tmRoot"/>
-      </p:par>
-    </p:tnLst>
-  </p:timing>
 </p:sld>
 </file>
 
